--- a/601 G15 Presentation.pptx
+++ b/601 G15 Presentation.pptx
@@ -11,6 +11,24 @@
     <p:sldId id="259" r:id="rId5"/>
     <p:sldId id="260" r:id="rId6"/>
     <p:sldId id="261" r:id="rId7"/>
+    <p:sldId id="274" r:id="rId8"/>
+    <p:sldId id="262" r:id="rId9"/>
+    <p:sldId id="263" r:id="rId10"/>
+    <p:sldId id="275" r:id="rId11"/>
+    <p:sldId id="264" r:id="rId12"/>
+    <p:sldId id="265" r:id="rId13"/>
+    <p:sldId id="266" r:id="rId14"/>
+    <p:sldId id="267" r:id="rId15"/>
+    <p:sldId id="268" r:id="rId16"/>
+    <p:sldId id="269" r:id="rId17"/>
+    <p:sldId id="270" r:id="rId18"/>
+    <p:sldId id="273" r:id="rId19"/>
+    <p:sldId id="271" r:id="rId20"/>
+    <p:sldId id="272" r:id="rId21"/>
+    <p:sldId id="276" r:id="rId22"/>
+    <p:sldId id="277" r:id="rId23"/>
+    <p:sldId id="278" r:id="rId24"/>
+    <p:sldId id="279" r:id="rId25"/>
   </p:sldIdLst>
   <p:sldSz cx="12192000" cy="6858000"/>
   <p:notesSz cx="6858000" cy="9144000"/>
@@ -109,6 +127,11 @@
       </a:defRPr>
     </a:lvl9pPr>
   </p:defaultTextStyle>
+  <p:extLst>
+    <p:ext uri="{EFAFB233-063F-42B5-8137-9DF3F51BA10A}">
+      <p15:sldGuideLst xmlns:p15="http://schemas.microsoft.com/office/powerpoint/2012/main"/>
+    </p:ext>
+  </p:extLst>
 </p:presentation>
 </file>
 
@@ -4381,10 +4404,10 @@
         <a:lstStyle/>
         <a:p>
           <a:r>
-            <a:rPr lang="en-CA"/>
+            <a:rPr lang="en-CA" dirty="0"/>
             <a:t>How do age and gender affect sleep hours?</a:t>
           </a:r>
-          <a:endParaRPr lang="en-US"/>
+          <a:endParaRPr lang="en-US" dirty="0"/>
         </a:p>
       </dgm:t>
     </dgm:pt>
@@ -4418,10 +4441,10 @@
         <a:lstStyle/>
         <a:p>
           <a:r>
-            <a:rPr lang="en-CA"/>
+            <a:rPr lang="en-CA" dirty="0"/>
             <a:t>What other factors impact sleep quality?</a:t>
           </a:r>
-          <a:endParaRPr lang="en-US"/>
+          <a:endParaRPr lang="en-US" dirty="0"/>
         </a:p>
       </dgm:t>
     </dgm:pt>
@@ -4455,10 +4478,10 @@
         <a:lstStyle/>
         <a:p>
           <a:r>
-            <a:rPr lang="en-CA"/>
+            <a:rPr lang="en-CA" dirty="0"/>
             <a:t>How does health status (ex. BMI) impact sleep hours and resting heart rate?</a:t>
           </a:r>
-          <a:endParaRPr lang="en-US"/>
+          <a:endParaRPr lang="en-US" dirty="0"/>
         </a:p>
       </dgm:t>
     </dgm:pt>
@@ -4492,10 +4515,10 @@
         <a:lstStyle/>
         <a:p>
           <a:r>
-            <a:rPr lang="en-CA"/>
+            <a:rPr lang="en-CA" dirty="0"/>
             <a:t>How do sleep disorders impact quality and hours of sleep?</a:t>
           </a:r>
-          <a:endParaRPr lang="en-US"/>
+          <a:endParaRPr lang="en-US" dirty="0"/>
         </a:p>
       </dgm:t>
     </dgm:pt>
@@ -6212,10 +6235,10 @@
             <a:buNone/>
           </a:pPr>
           <a:r>
-            <a:rPr lang="en-CA" sz="3000" kern="1200"/>
+            <a:rPr lang="en-CA" sz="3000" kern="1200" dirty="0"/>
             <a:t>How do age and gender affect sleep hours?</a:t>
           </a:r>
-          <a:endParaRPr lang="en-US" sz="3000" kern="1200"/>
+          <a:endParaRPr lang="en-US" sz="3000" kern="1200" dirty="0"/>
         </a:p>
       </dsp:txBody>
       <dsp:txXfrm>
@@ -6291,10 +6314,10 @@
             <a:buNone/>
           </a:pPr>
           <a:r>
-            <a:rPr lang="en-CA" sz="3000" kern="1200"/>
+            <a:rPr lang="en-CA" sz="3000" kern="1200" dirty="0"/>
             <a:t>What other factors impact sleep quality?</a:t>
           </a:r>
-          <a:endParaRPr lang="en-US" sz="3000" kern="1200"/>
+          <a:endParaRPr lang="en-US" sz="3000" kern="1200" dirty="0"/>
         </a:p>
       </dsp:txBody>
       <dsp:txXfrm>
@@ -6370,10 +6393,10 @@
             <a:buNone/>
           </a:pPr>
           <a:r>
-            <a:rPr lang="en-CA" sz="3000" kern="1200"/>
+            <a:rPr lang="en-CA" sz="3000" kern="1200" dirty="0"/>
             <a:t>How does health status (ex. BMI) impact sleep hours and resting heart rate?</a:t>
           </a:r>
-          <a:endParaRPr lang="en-US" sz="3000" kern="1200"/>
+          <a:endParaRPr lang="en-US" sz="3000" kern="1200" dirty="0"/>
         </a:p>
       </dsp:txBody>
       <dsp:txXfrm>
@@ -6449,10 +6472,10 @@
             <a:buNone/>
           </a:pPr>
           <a:r>
-            <a:rPr lang="en-CA" sz="3000" kern="1200"/>
+            <a:rPr lang="en-CA" sz="3000" kern="1200" dirty="0"/>
             <a:t>How do sleep disorders impact quality and hours of sleep?</a:t>
           </a:r>
-          <a:endParaRPr lang="en-US" sz="3000" kern="1200"/>
+          <a:endParaRPr lang="en-US" sz="3000" kern="1200" dirty="0"/>
         </a:p>
       </dsp:txBody>
       <dsp:txXfrm>
@@ -17379,6 +17402,2370 @@
 </p:sld>
 </file>
 
+<file path=ppt/slides/slide10.xml><?xml version="1.0" encoding="utf-8"?>
+<p:sld xmlns:a="http://schemas.openxmlformats.org/drawingml/2006/main" xmlns:r="http://schemas.openxmlformats.org/officeDocument/2006/relationships" xmlns:p="http://schemas.openxmlformats.org/presentationml/2006/main">
+  <p:cSld>
+    <p:bg>
+      <p:bgPr>
+        <a:solidFill>
+          <a:schemeClr val="bg1"/>
+        </a:solidFill>
+        <a:effectLst/>
+      </p:bgPr>
+    </p:bg>
+    <p:spTree>
+      <p:nvGrpSpPr>
+        <p:cNvPr id="1" name=""/>
+        <p:cNvGrpSpPr/>
+        <p:nvPr/>
+      </p:nvGrpSpPr>
+      <p:grpSpPr>
+        <a:xfrm>
+          <a:off x="0" y="0"/>
+          <a:ext cx="0" cy="0"/>
+          <a:chOff x="0" y="0"/>
+          <a:chExt cx="0" cy="0"/>
+        </a:xfrm>
+      </p:grpSpPr>
+      <p:sp useBgFill="1">
+        <p:nvSpPr>
+          <p:cNvPr id="9" name="Rectangle 8">
+            <a:extLst>
+              <a:ext uri="{FF2B5EF4-FFF2-40B4-BE49-F238E27FC236}">
+                <a16:creationId xmlns:a16="http://schemas.microsoft.com/office/drawing/2014/main" id="{458183E0-58D3-4C7F-97F0-2494113B38F6}"/>
+              </a:ext>
+              <a:ext uri="{C183D7F6-B498-43B3-948B-1728B52AA6E4}">
+                <adec:decorative xmlns:adec="http://schemas.microsoft.com/office/drawing/2017/decorative" val="1"/>
+              </a:ext>
+            </a:extLst>
+          </p:cNvPr>
+          <p:cNvSpPr>
+            <a:spLocks noGrp="1" noRot="1" noChangeAspect="1" noMove="1" noResize="1" noEditPoints="1" noAdjustHandles="1" noChangeArrowheads="1" noChangeShapeType="1" noTextEdit="1"/>
+          </p:cNvSpPr>
+          <p:nvPr>
+            <p:extLst>
+              <p:ext uri="{386F3935-93C4-4BCD-93E2-E3B085C9AB24}">
+                <p16:designElem xmlns:p16="http://schemas.microsoft.com/office/powerpoint/2015/main" val="1"/>
+              </p:ext>
+            </p:extLst>
+          </p:nvPr>
+        </p:nvSpPr>
+        <p:spPr>
+          <a:xfrm>
+            <a:off x="-1" y="0"/>
+            <a:ext cx="12188952" cy="6858000"/>
+          </a:xfrm>
+          <a:prstGeom prst="rect">
+            <a:avLst/>
+          </a:prstGeom>
+          <a:ln>
+            <a:noFill/>
+          </a:ln>
+        </p:spPr>
+        <p:style>
+          <a:lnRef idx="2">
+            <a:schemeClr val="accent1">
+              <a:shade val="50000"/>
+            </a:schemeClr>
+          </a:lnRef>
+          <a:fillRef idx="1">
+            <a:schemeClr val="accent1"/>
+          </a:fillRef>
+          <a:effectRef idx="0">
+            <a:schemeClr val="accent1"/>
+          </a:effectRef>
+          <a:fontRef idx="minor">
+            <a:schemeClr val="lt1"/>
+          </a:fontRef>
+        </p:style>
+        <p:txBody>
+          <a:bodyPr rtlCol="0" anchor="ctr"/>
+          <a:lstStyle/>
+          <a:p>
+            <a:pPr algn="ctr"/>
+            <a:endParaRPr lang="en-US"/>
+          </a:p>
+        </p:txBody>
+      </p:sp>
+      <p:sp>
+        <p:nvSpPr>
+          <p:cNvPr id="11" name="Rectangle 10">
+            <a:extLst>
+              <a:ext uri="{FF2B5EF4-FFF2-40B4-BE49-F238E27FC236}">
+                <a16:creationId xmlns:a16="http://schemas.microsoft.com/office/drawing/2014/main" id="{493D7220-9A41-4B89-8A05-2E854925EDA1}"/>
+              </a:ext>
+              <a:ext uri="{C183D7F6-B498-43B3-948B-1728B52AA6E4}">
+                <adec:decorative xmlns:adec="http://schemas.microsoft.com/office/drawing/2017/decorative" val="1"/>
+              </a:ext>
+            </a:extLst>
+          </p:cNvPr>
+          <p:cNvSpPr>
+            <a:spLocks noGrp="1" noRot="1" noChangeAspect="1" noMove="1" noResize="1" noEditPoints="1" noAdjustHandles="1" noChangeArrowheads="1" noChangeShapeType="1" noTextEdit="1"/>
+          </p:cNvSpPr>
+          <p:nvPr>
+            <p:extLst>
+              <p:ext uri="{386F3935-93C4-4BCD-93E2-E3B085C9AB24}">
+                <p16:designElem xmlns:p16="http://schemas.microsoft.com/office/powerpoint/2015/main" val="1"/>
+              </p:ext>
+            </p:extLst>
+          </p:nvPr>
+        </p:nvSpPr>
+        <p:spPr>
+          <a:xfrm>
+            <a:off x="1524" y="0"/>
+            <a:ext cx="12188952" cy="6858000"/>
+          </a:xfrm>
+          <a:prstGeom prst="rect">
+            <a:avLst/>
+          </a:prstGeom>
+          <a:solidFill>
+            <a:srgbClr val="000000"/>
+          </a:solidFill>
+          <a:ln>
+            <a:noFill/>
+          </a:ln>
+        </p:spPr>
+        <p:style>
+          <a:lnRef idx="2">
+            <a:schemeClr val="accent1">
+              <a:shade val="50000"/>
+            </a:schemeClr>
+          </a:lnRef>
+          <a:fillRef idx="1">
+            <a:schemeClr val="accent1"/>
+          </a:fillRef>
+          <a:effectRef idx="0">
+            <a:schemeClr val="accent1"/>
+          </a:effectRef>
+          <a:fontRef idx="minor">
+            <a:schemeClr val="lt1"/>
+          </a:fontRef>
+        </p:style>
+        <p:txBody>
+          <a:bodyPr rtlCol="0" anchor="ctr"/>
+          <a:lstStyle/>
+          <a:p>
+            <a:pPr algn="ctr"/>
+            <a:endParaRPr lang="en-US" sz="900">
+              <a:solidFill>
+                <a:schemeClr val="bg1"/>
+              </a:solidFill>
+              <a:latin typeface="+mj-lt"/>
+            </a:endParaRPr>
+          </a:p>
+        </p:txBody>
+      </p:sp>
+      <p:pic>
+        <p:nvPicPr>
+          <p:cNvPr id="5" name="Picture 4" descr="Cat sleeping on bed">
+            <a:extLst>
+              <a:ext uri="{FF2B5EF4-FFF2-40B4-BE49-F238E27FC236}">
+                <a16:creationId xmlns:a16="http://schemas.microsoft.com/office/drawing/2014/main" id="{89D1D0D2-6B64-5B59-6794-CBF4C8034724}"/>
+              </a:ext>
+            </a:extLst>
+          </p:cNvPr>
+          <p:cNvPicPr>
+            <a:picLocks noChangeAspect="1"/>
+          </p:cNvPicPr>
+          <p:nvPr/>
+        </p:nvPicPr>
+        <p:blipFill rotWithShape="1">
+          <a:blip r:embed="rId2">
+            <a:alphaModFix amt="35000"/>
+          </a:blip>
+          <a:srcRect t="5804" r="-1" b="9905"/>
+          <a:stretch/>
+        </p:blipFill>
+        <p:spPr>
+          <a:xfrm>
+            <a:off x="1525" y="10"/>
+            <a:ext cx="12188951" cy="6857990"/>
+          </a:xfrm>
+          <a:prstGeom prst="rect">
+            <a:avLst/>
+          </a:prstGeom>
+        </p:spPr>
+      </p:pic>
+      <p:grpSp>
+        <p:nvGrpSpPr>
+          <p:cNvPr id="13" name="decorative circles">
+            <a:extLst>
+              <a:ext uri="{FF2B5EF4-FFF2-40B4-BE49-F238E27FC236}">
+                <a16:creationId xmlns:a16="http://schemas.microsoft.com/office/drawing/2014/main" id="{C1F869AB-954B-4EAB-8260-60AE9C8D0C6F}"/>
+              </a:ext>
+              <a:ext uri="{C183D7F6-B498-43B3-948B-1728B52AA6E4}">
+                <adec:decorative xmlns:adec="http://schemas.microsoft.com/office/drawing/2017/decorative" val="1"/>
+              </a:ext>
+            </a:extLst>
+          </p:cNvPr>
+          <p:cNvGrpSpPr>
+            <a:grpSpLocks noGrp="1" noUngrp="1" noRot="1" noChangeAspect="1" noMove="1" noResize="1"/>
+          </p:cNvGrpSpPr>
+          <p:nvPr>
+            <p:extLst>
+              <p:ext uri="{386F3935-93C4-4BCD-93E2-E3B085C9AB24}">
+                <p16:designElem xmlns:p16="http://schemas.microsoft.com/office/powerpoint/2015/main" val="1"/>
+              </p:ext>
+            </p:extLst>
+          </p:nvPr>
+        </p:nvGrpSpPr>
+        <p:grpSpPr>
+          <a:xfrm>
+            <a:off x="314102" y="236341"/>
+            <a:ext cx="11340713" cy="5464029"/>
+            <a:chOff x="314102" y="236341"/>
+            <a:chExt cx="11340713" cy="5464029"/>
+          </a:xfrm>
+        </p:grpSpPr>
+        <p:sp>
+          <p:nvSpPr>
+            <p:cNvPr id="14" name="Oval 13">
+              <a:extLst>
+                <a:ext uri="{FF2B5EF4-FFF2-40B4-BE49-F238E27FC236}">
+                  <a16:creationId xmlns:a16="http://schemas.microsoft.com/office/drawing/2014/main" id="{73902316-BF90-4159-9FD2-6CFCCF7BE2FF}"/>
+                </a:ext>
+                <a:ext uri="{C183D7F6-B498-43B3-948B-1728B52AA6E4}">
+                  <adec:decorative xmlns:adec="http://schemas.microsoft.com/office/drawing/2017/decorative" val="1"/>
+                </a:ext>
+              </a:extLst>
+            </p:cNvPr>
+            <p:cNvSpPr/>
+            <p:nvPr>
+              <p:extLst>
+                <p:ext uri="{386F3935-93C4-4BCD-93E2-E3B085C9AB24}">
+                  <p16:designElem xmlns:p16="http://schemas.microsoft.com/office/powerpoint/2015/main" val="1"/>
+                </p:ext>
+              </p:extLst>
+            </p:nvPr>
+          </p:nvSpPr>
+          <p:spPr>
+            <a:xfrm>
+              <a:off x="7760448" y="3803994"/>
+              <a:ext cx="94160" cy="94160"/>
+            </a:xfrm>
+            <a:prstGeom prst="ellipse">
+              <a:avLst/>
+            </a:prstGeom>
+            <a:solidFill>
+              <a:srgbClr val="E3BEBE">
+                <a:alpha val="28000"/>
+              </a:srgbClr>
+            </a:solidFill>
+            <a:ln>
+              <a:noFill/>
+            </a:ln>
+          </p:spPr>
+          <p:style>
+            <a:lnRef idx="2">
+              <a:schemeClr val="accent1">
+                <a:shade val="50000"/>
+              </a:schemeClr>
+            </a:lnRef>
+            <a:fillRef idx="1">
+              <a:schemeClr val="accent1"/>
+            </a:fillRef>
+            <a:effectRef idx="0">
+              <a:schemeClr val="accent1"/>
+            </a:effectRef>
+            <a:fontRef idx="minor">
+              <a:schemeClr val="lt1"/>
+            </a:fontRef>
+          </p:style>
+          <p:txBody>
+            <a:bodyPr rtlCol="0" anchor="ctr"/>
+            <a:lstStyle/>
+            <a:p>
+              <a:pPr algn="ctr"/>
+              <a:endParaRPr lang="en-US"/>
+            </a:p>
+          </p:txBody>
+        </p:sp>
+        <p:sp>
+          <p:nvSpPr>
+            <p:cNvPr id="15" name="Oval 14">
+              <a:extLst>
+                <a:ext uri="{FF2B5EF4-FFF2-40B4-BE49-F238E27FC236}">
+                  <a16:creationId xmlns:a16="http://schemas.microsoft.com/office/drawing/2014/main" id="{EF0C14E3-3AAA-4BA8-93F9-856D029676CC}"/>
+                </a:ext>
+                <a:ext uri="{C183D7F6-B498-43B3-948B-1728B52AA6E4}">
+                  <adec:decorative xmlns:adec="http://schemas.microsoft.com/office/drawing/2017/decorative" val="1"/>
+                </a:ext>
+              </a:extLst>
+            </p:cNvPr>
+            <p:cNvSpPr/>
+            <p:nvPr>
+              <p:extLst>
+                <p:ext uri="{386F3935-93C4-4BCD-93E2-E3B085C9AB24}">
+                  <p16:designElem xmlns:p16="http://schemas.microsoft.com/office/powerpoint/2015/main" val="1"/>
+                </p:ext>
+              </p:extLst>
+            </p:nvPr>
+          </p:nvSpPr>
+          <p:spPr>
+            <a:xfrm>
+              <a:off x="314102" y="3044381"/>
+              <a:ext cx="226735" cy="226735"/>
+            </a:xfrm>
+            <a:prstGeom prst="ellipse">
+              <a:avLst/>
+            </a:prstGeom>
+            <a:solidFill>
+              <a:schemeClr val="tx2">
+                <a:lumMod val="50000"/>
+                <a:lumOff val="50000"/>
+              </a:schemeClr>
+            </a:solidFill>
+            <a:ln>
+              <a:noFill/>
+            </a:ln>
+          </p:spPr>
+          <p:style>
+            <a:lnRef idx="2">
+              <a:schemeClr val="accent1">
+                <a:shade val="50000"/>
+              </a:schemeClr>
+            </a:lnRef>
+            <a:fillRef idx="1">
+              <a:schemeClr val="accent1"/>
+            </a:fillRef>
+            <a:effectRef idx="0">
+              <a:schemeClr val="accent1"/>
+            </a:effectRef>
+            <a:fontRef idx="minor">
+              <a:schemeClr val="lt1"/>
+            </a:fontRef>
+          </p:style>
+          <p:txBody>
+            <a:bodyPr rtlCol="0" anchor="ctr"/>
+            <a:lstStyle/>
+            <a:p>
+              <a:pPr algn="ctr"/>
+              <a:endParaRPr lang="en-US"/>
+            </a:p>
+          </p:txBody>
+        </p:sp>
+        <p:sp>
+          <p:nvSpPr>
+            <p:cNvPr id="16" name="Oval 15">
+              <a:extLst>
+                <a:ext uri="{FF2B5EF4-FFF2-40B4-BE49-F238E27FC236}">
+                  <a16:creationId xmlns:a16="http://schemas.microsoft.com/office/drawing/2014/main" id="{EECE6F6B-297F-4766-8C04-0960E9960056}"/>
+                </a:ext>
+                <a:ext uri="{C183D7F6-B498-43B3-948B-1728B52AA6E4}">
+                  <adec:decorative xmlns:adec="http://schemas.microsoft.com/office/drawing/2017/decorative" val="1"/>
+                </a:ext>
+              </a:extLst>
+            </p:cNvPr>
+            <p:cNvSpPr/>
+            <p:nvPr>
+              <p:extLst>
+                <p:ext uri="{386F3935-93C4-4BCD-93E2-E3B085C9AB24}">
+                  <p16:designElem xmlns:p16="http://schemas.microsoft.com/office/powerpoint/2015/main" val="1"/>
+                </p:ext>
+              </p:extLst>
+            </p:nvPr>
+          </p:nvSpPr>
+          <p:spPr>
+            <a:xfrm>
+              <a:off x="11188374" y="386135"/>
+              <a:ext cx="466441" cy="466441"/>
+            </a:xfrm>
+            <a:prstGeom prst="ellipse">
+              <a:avLst/>
+            </a:prstGeom>
+            <a:solidFill>
+              <a:schemeClr val="accent2">
+                <a:lumMod val="60000"/>
+                <a:lumOff val="40000"/>
+                <a:alpha val="72000"/>
+              </a:schemeClr>
+            </a:solidFill>
+            <a:ln>
+              <a:noFill/>
+            </a:ln>
+          </p:spPr>
+          <p:style>
+            <a:lnRef idx="2">
+              <a:schemeClr val="accent1">
+                <a:shade val="50000"/>
+              </a:schemeClr>
+            </a:lnRef>
+            <a:fillRef idx="1">
+              <a:schemeClr val="accent1"/>
+            </a:fillRef>
+            <a:effectRef idx="0">
+              <a:schemeClr val="accent1"/>
+            </a:effectRef>
+            <a:fontRef idx="minor">
+              <a:schemeClr val="lt1"/>
+            </a:fontRef>
+          </p:style>
+          <p:txBody>
+            <a:bodyPr rtlCol="0" anchor="ctr"/>
+            <a:lstStyle/>
+            <a:p>
+              <a:pPr algn="ctr"/>
+              <a:endParaRPr lang="en-US"/>
+            </a:p>
+          </p:txBody>
+        </p:sp>
+        <p:sp>
+          <p:nvSpPr>
+            <p:cNvPr id="17" name="Oval 16">
+              <a:extLst>
+                <a:ext uri="{FF2B5EF4-FFF2-40B4-BE49-F238E27FC236}">
+                  <a16:creationId xmlns:a16="http://schemas.microsoft.com/office/drawing/2014/main" id="{44AE5C63-0522-4DDF-B67A-5DA271883BCE}"/>
+                </a:ext>
+                <a:ext uri="{C183D7F6-B498-43B3-948B-1728B52AA6E4}">
+                  <adec:decorative xmlns:adec="http://schemas.microsoft.com/office/drawing/2017/decorative" val="1"/>
+                </a:ext>
+              </a:extLst>
+            </p:cNvPr>
+            <p:cNvSpPr/>
+            <p:nvPr>
+              <p:extLst>
+                <p:ext uri="{386F3935-93C4-4BCD-93E2-E3B085C9AB24}">
+                  <p16:designElem xmlns:p16="http://schemas.microsoft.com/office/powerpoint/2015/main" val="1"/>
+                </p:ext>
+              </p:extLst>
+            </p:nvPr>
+          </p:nvSpPr>
+          <p:spPr>
+            <a:xfrm>
+              <a:off x="11065714" y="236341"/>
+              <a:ext cx="113367" cy="113367"/>
+            </a:xfrm>
+            <a:prstGeom prst="ellipse">
+              <a:avLst/>
+            </a:prstGeom>
+            <a:solidFill>
+              <a:srgbClr val="F39E29"/>
+            </a:solidFill>
+            <a:ln>
+              <a:noFill/>
+            </a:ln>
+          </p:spPr>
+          <p:style>
+            <a:lnRef idx="2">
+              <a:schemeClr val="accent1">
+                <a:shade val="50000"/>
+              </a:schemeClr>
+            </a:lnRef>
+            <a:fillRef idx="1">
+              <a:schemeClr val="accent1"/>
+            </a:fillRef>
+            <a:effectRef idx="0">
+              <a:schemeClr val="accent1"/>
+            </a:effectRef>
+            <a:fontRef idx="minor">
+              <a:schemeClr val="lt1"/>
+            </a:fontRef>
+          </p:style>
+          <p:txBody>
+            <a:bodyPr rtlCol="0" anchor="ctr"/>
+            <a:lstStyle/>
+            <a:p>
+              <a:pPr algn="ctr"/>
+              <a:endParaRPr lang="en-US"/>
+            </a:p>
+          </p:txBody>
+        </p:sp>
+        <p:sp>
+          <p:nvSpPr>
+            <p:cNvPr id="18" name="Oval 17">
+              <a:extLst>
+                <a:ext uri="{FF2B5EF4-FFF2-40B4-BE49-F238E27FC236}">
+                  <a16:creationId xmlns:a16="http://schemas.microsoft.com/office/drawing/2014/main" id="{64F95A54-2855-4B65-82E3-A9D306CBA180}"/>
+                </a:ext>
+                <a:ext uri="{C183D7F6-B498-43B3-948B-1728B52AA6E4}">
+                  <adec:decorative xmlns:adec="http://schemas.microsoft.com/office/drawing/2017/decorative" val="1"/>
+                </a:ext>
+              </a:extLst>
+            </p:cNvPr>
+            <p:cNvSpPr/>
+            <p:nvPr>
+              <p:extLst>
+                <p:ext uri="{386F3935-93C4-4BCD-93E2-E3B085C9AB24}">
+                  <p16:designElem xmlns:p16="http://schemas.microsoft.com/office/powerpoint/2015/main" val="1"/>
+                </p:ext>
+              </p:extLst>
+            </p:nvPr>
+          </p:nvSpPr>
+          <p:spPr>
+            <a:xfrm>
+              <a:off x="751535" y="2516671"/>
+              <a:ext cx="466441" cy="466441"/>
+            </a:xfrm>
+            <a:prstGeom prst="ellipse">
+              <a:avLst/>
+            </a:prstGeom>
+            <a:solidFill>
+              <a:schemeClr val="accent1"/>
+            </a:solidFill>
+            <a:ln>
+              <a:noFill/>
+            </a:ln>
+          </p:spPr>
+          <p:style>
+            <a:lnRef idx="2">
+              <a:schemeClr val="accent1">
+                <a:shade val="50000"/>
+              </a:schemeClr>
+            </a:lnRef>
+            <a:fillRef idx="1">
+              <a:schemeClr val="accent1"/>
+            </a:fillRef>
+            <a:effectRef idx="0">
+              <a:schemeClr val="accent1"/>
+            </a:effectRef>
+            <a:fontRef idx="minor">
+              <a:schemeClr val="lt1"/>
+            </a:fontRef>
+          </p:style>
+          <p:txBody>
+            <a:bodyPr rtlCol="0" anchor="ctr"/>
+            <a:lstStyle/>
+            <a:p>
+              <a:pPr algn="ctr"/>
+              <a:endParaRPr lang="en-US"/>
+            </a:p>
+          </p:txBody>
+        </p:sp>
+        <p:sp>
+          <p:nvSpPr>
+            <p:cNvPr id="19" name="Oval 18">
+              <a:extLst>
+                <a:ext uri="{FF2B5EF4-FFF2-40B4-BE49-F238E27FC236}">
+                  <a16:creationId xmlns:a16="http://schemas.microsoft.com/office/drawing/2014/main" id="{164F2D59-D40C-482F-BF5E-7FA622D970FD}"/>
+                </a:ext>
+                <a:ext uri="{C183D7F6-B498-43B3-948B-1728B52AA6E4}">
+                  <adec:decorative xmlns:adec="http://schemas.microsoft.com/office/drawing/2017/decorative" val="1"/>
+                </a:ext>
+              </a:extLst>
+            </p:cNvPr>
+            <p:cNvSpPr/>
+            <p:nvPr>
+              <p:extLst>
+                <p:ext uri="{386F3935-93C4-4BCD-93E2-E3B085C9AB24}">
+                  <p16:designElem xmlns:p16="http://schemas.microsoft.com/office/powerpoint/2015/main" val="1"/>
+                </p:ext>
+              </p:extLst>
+            </p:nvPr>
+          </p:nvSpPr>
+          <p:spPr>
+            <a:xfrm>
+              <a:off x="11230142" y="4588038"/>
+              <a:ext cx="113367" cy="113367"/>
+            </a:xfrm>
+            <a:prstGeom prst="ellipse">
+              <a:avLst/>
+            </a:prstGeom>
+            <a:solidFill>
+              <a:schemeClr val="accent3"/>
+            </a:solidFill>
+            <a:ln>
+              <a:noFill/>
+            </a:ln>
+          </p:spPr>
+          <p:style>
+            <a:lnRef idx="2">
+              <a:schemeClr val="accent1">
+                <a:shade val="50000"/>
+              </a:schemeClr>
+            </a:lnRef>
+            <a:fillRef idx="1">
+              <a:schemeClr val="accent1"/>
+            </a:fillRef>
+            <a:effectRef idx="0">
+              <a:schemeClr val="accent1"/>
+            </a:effectRef>
+            <a:fontRef idx="minor">
+              <a:schemeClr val="lt1"/>
+            </a:fontRef>
+          </p:style>
+          <p:txBody>
+            <a:bodyPr rtlCol="0" anchor="ctr"/>
+            <a:lstStyle/>
+            <a:p>
+              <a:pPr algn="ctr"/>
+              <a:endParaRPr lang="en-US"/>
+            </a:p>
+          </p:txBody>
+        </p:sp>
+        <p:sp>
+          <p:nvSpPr>
+            <p:cNvPr id="20" name="Oval 19">
+              <a:extLst>
+                <a:ext uri="{FF2B5EF4-FFF2-40B4-BE49-F238E27FC236}">
+                  <a16:creationId xmlns:a16="http://schemas.microsoft.com/office/drawing/2014/main" id="{9DCE1484-E528-418A-9339-8410B8F71B24}"/>
+                </a:ext>
+                <a:ext uri="{C183D7F6-B498-43B3-948B-1728B52AA6E4}">
+                  <adec:decorative xmlns:adec="http://schemas.microsoft.com/office/drawing/2017/decorative" val="1"/>
+                </a:ext>
+              </a:extLst>
+            </p:cNvPr>
+            <p:cNvSpPr/>
+            <p:nvPr>
+              <p:extLst>
+                <p:ext uri="{386F3935-93C4-4BCD-93E2-E3B085C9AB24}">
+                  <p16:designElem xmlns:p16="http://schemas.microsoft.com/office/powerpoint/2015/main" val="1"/>
+                </p:ext>
+              </p:extLst>
+            </p:nvPr>
+          </p:nvSpPr>
+          <p:spPr>
+            <a:xfrm>
+              <a:off x="10902046" y="5394590"/>
+              <a:ext cx="305780" cy="305780"/>
+            </a:xfrm>
+            <a:prstGeom prst="ellipse">
+              <a:avLst/>
+            </a:prstGeom>
+            <a:solidFill>
+              <a:schemeClr val="accent1">
+                <a:lumMod val="40000"/>
+                <a:lumOff val="60000"/>
+              </a:schemeClr>
+            </a:solidFill>
+            <a:ln>
+              <a:noFill/>
+            </a:ln>
+          </p:spPr>
+          <p:style>
+            <a:lnRef idx="2">
+              <a:schemeClr val="accent1">
+                <a:shade val="50000"/>
+              </a:schemeClr>
+            </a:lnRef>
+            <a:fillRef idx="1">
+              <a:schemeClr val="accent1"/>
+            </a:fillRef>
+            <a:effectRef idx="0">
+              <a:schemeClr val="accent1"/>
+            </a:effectRef>
+            <a:fontRef idx="minor">
+              <a:schemeClr val="lt1"/>
+            </a:fontRef>
+          </p:style>
+          <p:txBody>
+            <a:bodyPr rtlCol="0" anchor="ctr"/>
+            <a:lstStyle/>
+            <a:p>
+              <a:pPr algn="ctr"/>
+              <a:endParaRPr lang="en-US"/>
+            </a:p>
+          </p:txBody>
+        </p:sp>
+        <p:sp>
+          <p:nvSpPr>
+            <p:cNvPr id="21" name="Oval 20">
+              <a:extLst>
+                <a:ext uri="{FF2B5EF4-FFF2-40B4-BE49-F238E27FC236}">
+                  <a16:creationId xmlns:a16="http://schemas.microsoft.com/office/drawing/2014/main" id="{B471ADFB-A135-4594-B9A3-481A91AE2D38}"/>
+                </a:ext>
+                <a:ext uri="{C183D7F6-B498-43B3-948B-1728B52AA6E4}">
+                  <adec:decorative xmlns:adec="http://schemas.microsoft.com/office/drawing/2017/decorative" val="1"/>
+                </a:ext>
+              </a:extLst>
+            </p:cNvPr>
+            <p:cNvSpPr/>
+            <p:nvPr>
+              <p:extLst>
+                <p:ext uri="{386F3935-93C4-4BCD-93E2-E3B085C9AB24}">
+                  <p16:designElem xmlns:p16="http://schemas.microsoft.com/office/powerpoint/2015/main" val="1"/>
+                </p:ext>
+              </p:extLst>
+            </p:nvPr>
+          </p:nvSpPr>
+          <p:spPr>
+            <a:xfrm>
+              <a:off x="10408287" y="5160714"/>
+              <a:ext cx="113367" cy="113367"/>
+            </a:xfrm>
+            <a:prstGeom prst="ellipse">
+              <a:avLst/>
+            </a:prstGeom>
+            <a:solidFill>
+              <a:schemeClr val="accent5"/>
+            </a:solidFill>
+            <a:ln>
+              <a:noFill/>
+            </a:ln>
+          </p:spPr>
+          <p:style>
+            <a:lnRef idx="2">
+              <a:schemeClr val="accent1">
+                <a:shade val="50000"/>
+              </a:schemeClr>
+            </a:lnRef>
+            <a:fillRef idx="1">
+              <a:schemeClr val="accent1"/>
+            </a:fillRef>
+            <a:effectRef idx="0">
+              <a:schemeClr val="accent1"/>
+            </a:effectRef>
+            <a:fontRef idx="minor">
+              <a:schemeClr val="lt1"/>
+            </a:fontRef>
+          </p:style>
+          <p:txBody>
+            <a:bodyPr rtlCol="0" anchor="ctr"/>
+            <a:lstStyle/>
+            <a:p>
+              <a:pPr algn="ctr"/>
+              <a:endParaRPr lang="en-US"/>
+            </a:p>
+          </p:txBody>
+        </p:sp>
+      </p:grpSp>
+      <p:sp>
+        <p:nvSpPr>
+          <p:cNvPr id="2" name="Title 1">
+            <a:extLst>
+              <a:ext uri="{FF2B5EF4-FFF2-40B4-BE49-F238E27FC236}">
+                <a16:creationId xmlns:a16="http://schemas.microsoft.com/office/drawing/2014/main" id="{087858FB-C5EA-24C3-E82B-CF2A883C880E}"/>
+              </a:ext>
+            </a:extLst>
+          </p:cNvPr>
+          <p:cNvSpPr>
+            <a:spLocks noGrp="1"/>
+          </p:cNvSpPr>
+          <p:nvPr>
+            <p:ph type="title"/>
+          </p:nvPr>
+        </p:nvSpPr>
+        <p:spPr>
+          <a:xfrm>
+            <a:off x="3327722" y="777240"/>
+            <a:ext cx="5782804" cy="2493876"/>
+          </a:xfrm>
+        </p:spPr>
+        <p:txBody>
+          <a:bodyPr anchor="b">
+            <a:normAutofit/>
+          </a:bodyPr>
+          <a:lstStyle/>
+          <a:p>
+            <a:pPr algn="ctr"/>
+            <a:r>
+              <a:rPr lang="en-CA" sz="4400">
+                <a:solidFill>
+                  <a:srgbClr val="FFFFFF"/>
+                </a:solidFill>
+              </a:rPr>
+              <a:t>Guiding Question 2</a:t>
+            </a:r>
+          </a:p>
+        </p:txBody>
+      </p:sp>
+      <p:sp>
+        <p:nvSpPr>
+          <p:cNvPr id="3" name="Content Placeholder 2">
+            <a:extLst>
+              <a:ext uri="{FF2B5EF4-FFF2-40B4-BE49-F238E27FC236}">
+                <a16:creationId xmlns:a16="http://schemas.microsoft.com/office/drawing/2014/main" id="{28115392-D90A-216F-88D6-2AD9B269F23F}"/>
+              </a:ext>
+            </a:extLst>
+          </p:cNvPr>
+          <p:cNvSpPr>
+            <a:spLocks noGrp="1"/>
+          </p:cNvSpPr>
+          <p:nvPr>
+            <p:ph idx="1"/>
+          </p:nvPr>
+        </p:nvSpPr>
+        <p:spPr>
+          <a:xfrm>
+            <a:off x="3327722" y="3429000"/>
+            <a:ext cx="5782804" cy="2333562"/>
+          </a:xfrm>
+        </p:spPr>
+        <p:txBody>
+          <a:bodyPr anchor="t">
+            <a:normAutofit/>
+          </a:bodyPr>
+          <a:lstStyle/>
+          <a:p>
+            <a:pPr algn="ctr"/>
+            <a:r>
+              <a:rPr lang="en-CA" sz="1800" dirty="0">
+                <a:solidFill>
+                  <a:srgbClr val="FFFFFF"/>
+                </a:solidFill>
+              </a:rPr>
+              <a:t>What other factors impact sleep quality?</a:t>
+            </a:r>
+            <a:endParaRPr lang="en-US" sz="1800" dirty="0">
+              <a:solidFill>
+                <a:srgbClr val="FFFFFF"/>
+              </a:solidFill>
+            </a:endParaRPr>
+          </a:p>
+          <a:p>
+            <a:pPr algn="ctr"/>
+            <a:endParaRPr lang="en-CA" sz="1800" dirty="0">
+              <a:solidFill>
+                <a:srgbClr val="FFFFFF"/>
+              </a:solidFill>
+            </a:endParaRPr>
+          </a:p>
+        </p:txBody>
+      </p:sp>
+    </p:spTree>
+    <p:extLst>
+      <p:ext uri="{BB962C8B-B14F-4D97-AF65-F5344CB8AC3E}">
+        <p14:creationId xmlns:p14="http://schemas.microsoft.com/office/powerpoint/2010/main" val="1671979518"/>
+      </p:ext>
+    </p:extLst>
+  </p:cSld>
+  <p:clrMapOvr>
+    <a:masterClrMapping/>
+  </p:clrMapOvr>
+</p:sld>
+</file>
+
+<file path=ppt/slides/slide11.xml><?xml version="1.0" encoding="utf-8"?>
+<p:sld xmlns:a="http://schemas.openxmlformats.org/drawingml/2006/main" xmlns:r="http://schemas.openxmlformats.org/officeDocument/2006/relationships" xmlns:p="http://schemas.openxmlformats.org/presentationml/2006/main">
+  <p:cSld>
+    <p:spTree>
+      <p:nvGrpSpPr>
+        <p:cNvPr id="1" name=""/>
+        <p:cNvGrpSpPr/>
+        <p:nvPr/>
+      </p:nvGrpSpPr>
+      <p:grpSpPr>
+        <a:xfrm>
+          <a:off x="0" y="0"/>
+          <a:ext cx="0" cy="0"/>
+          <a:chOff x="0" y="0"/>
+          <a:chExt cx="0" cy="0"/>
+        </a:xfrm>
+      </p:grpSpPr>
+      <p:sp>
+        <p:nvSpPr>
+          <p:cNvPr id="2" name="Title 1">
+            <a:extLst>
+              <a:ext uri="{FF2B5EF4-FFF2-40B4-BE49-F238E27FC236}">
+                <a16:creationId xmlns:a16="http://schemas.microsoft.com/office/drawing/2014/main" id="{A1A2E933-0EA2-9045-5952-624B597985C4}"/>
+              </a:ext>
+            </a:extLst>
+          </p:cNvPr>
+          <p:cNvSpPr>
+            <a:spLocks noGrp="1"/>
+          </p:cNvSpPr>
+          <p:nvPr>
+            <p:ph type="title"/>
+          </p:nvPr>
+        </p:nvSpPr>
+        <p:spPr/>
+        <p:txBody>
+          <a:bodyPr/>
+          <a:lstStyle/>
+          <a:p>
+            <a:endParaRPr lang="en-CA"/>
+          </a:p>
+        </p:txBody>
+      </p:sp>
+      <p:pic>
+        <p:nvPicPr>
+          <p:cNvPr id="5" name="Content Placeholder 4" descr="A graph with green dots&#10;&#10;Description automatically generated">
+            <a:extLst>
+              <a:ext uri="{FF2B5EF4-FFF2-40B4-BE49-F238E27FC236}">
+                <a16:creationId xmlns:a16="http://schemas.microsoft.com/office/drawing/2014/main" id="{2885D321-55CD-ED43-187D-E155347EA925}"/>
+              </a:ext>
+            </a:extLst>
+          </p:cNvPr>
+          <p:cNvPicPr>
+            <a:picLocks noGrp="1" noChangeAspect="1"/>
+          </p:cNvPicPr>
+          <p:nvPr>
+            <p:ph idx="1"/>
+          </p:nvPr>
+        </p:nvPicPr>
+        <p:blipFill>
+          <a:blip r:embed="rId2">
+            <a:extLst>
+              <a:ext uri="{28A0092B-C50C-407E-A947-70E740481C1C}">
+                <a14:useLocalDpi xmlns:a14="http://schemas.microsoft.com/office/drawing/2010/main" val="0"/>
+              </a:ext>
+            </a:extLst>
+          </a:blip>
+          <a:stretch>
+            <a:fillRect/>
+          </a:stretch>
+        </p:blipFill>
+        <p:spPr>
+          <a:xfrm>
+            <a:off x="2365643" y="0"/>
+            <a:ext cx="6412675" cy="6858000"/>
+          </a:xfrm>
+        </p:spPr>
+      </p:pic>
+    </p:spTree>
+    <p:extLst>
+      <p:ext uri="{BB962C8B-B14F-4D97-AF65-F5344CB8AC3E}">
+        <p14:creationId xmlns:p14="http://schemas.microsoft.com/office/powerpoint/2010/main" val="2405665005"/>
+      </p:ext>
+    </p:extLst>
+  </p:cSld>
+  <p:clrMapOvr>
+    <a:masterClrMapping/>
+  </p:clrMapOvr>
+</p:sld>
+</file>
+
+<file path=ppt/slides/slide12.xml><?xml version="1.0" encoding="utf-8"?>
+<p:sld xmlns:a="http://schemas.openxmlformats.org/drawingml/2006/main" xmlns:r="http://schemas.openxmlformats.org/officeDocument/2006/relationships" xmlns:p="http://schemas.openxmlformats.org/presentationml/2006/main">
+  <p:cSld>
+    <p:spTree>
+      <p:nvGrpSpPr>
+        <p:cNvPr id="1" name=""/>
+        <p:cNvGrpSpPr/>
+        <p:nvPr/>
+      </p:nvGrpSpPr>
+      <p:grpSpPr>
+        <a:xfrm>
+          <a:off x="0" y="0"/>
+          <a:ext cx="0" cy="0"/>
+          <a:chOff x="0" y="0"/>
+          <a:chExt cx="0" cy="0"/>
+        </a:xfrm>
+      </p:grpSpPr>
+      <p:sp>
+        <p:nvSpPr>
+          <p:cNvPr id="2" name="Title 1">
+            <a:extLst>
+              <a:ext uri="{FF2B5EF4-FFF2-40B4-BE49-F238E27FC236}">
+                <a16:creationId xmlns:a16="http://schemas.microsoft.com/office/drawing/2014/main" id="{25A7A111-31E4-3669-06EB-19FE9BBEE44D}"/>
+              </a:ext>
+            </a:extLst>
+          </p:cNvPr>
+          <p:cNvSpPr>
+            <a:spLocks noGrp="1"/>
+          </p:cNvSpPr>
+          <p:nvPr>
+            <p:ph type="title"/>
+          </p:nvPr>
+        </p:nvSpPr>
+        <p:spPr/>
+        <p:txBody>
+          <a:bodyPr/>
+          <a:lstStyle/>
+          <a:p>
+            <a:endParaRPr lang="en-CA"/>
+          </a:p>
+        </p:txBody>
+      </p:sp>
+      <p:pic>
+        <p:nvPicPr>
+          <p:cNvPr id="5" name="Content Placeholder 4" descr="A graph of a sleep&#10;&#10;Description automatically generated">
+            <a:extLst>
+              <a:ext uri="{FF2B5EF4-FFF2-40B4-BE49-F238E27FC236}">
+                <a16:creationId xmlns:a16="http://schemas.microsoft.com/office/drawing/2014/main" id="{5685EC42-26BE-5D9B-D357-5DFE73BF257D}"/>
+              </a:ext>
+            </a:extLst>
+          </p:cNvPr>
+          <p:cNvPicPr>
+            <a:picLocks noGrp="1" noChangeAspect="1"/>
+          </p:cNvPicPr>
+          <p:nvPr>
+            <p:ph idx="1"/>
+          </p:nvPr>
+        </p:nvPicPr>
+        <p:blipFill>
+          <a:blip r:embed="rId2">
+            <a:extLst>
+              <a:ext uri="{28A0092B-C50C-407E-A947-70E740481C1C}">
+                <a14:useLocalDpi xmlns:a14="http://schemas.microsoft.com/office/drawing/2010/main" val="0"/>
+              </a:ext>
+            </a:extLst>
+          </a:blip>
+          <a:stretch>
+            <a:fillRect/>
+          </a:stretch>
+        </p:blipFill>
+        <p:spPr>
+          <a:xfrm>
+            <a:off x="2892371" y="0"/>
+            <a:ext cx="6407258" cy="6852207"/>
+          </a:xfrm>
+        </p:spPr>
+      </p:pic>
+    </p:spTree>
+    <p:extLst>
+      <p:ext uri="{BB962C8B-B14F-4D97-AF65-F5344CB8AC3E}">
+        <p14:creationId xmlns:p14="http://schemas.microsoft.com/office/powerpoint/2010/main" val="2865619939"/>
+      </p:ext>
+    </p:extLst>
+  </p:cSld>
+  <p:clrMapOvr>
+    <a:masterClrMapping/>
+  </p:clrMapOvr>
+</p:sld>
+</file>
+
+<file path=ppt/slides/slide13.xml><?xml version="1.0" encoding="utf-8"?>
+<p:sld xmlns:a="http://schemas.openxmlformats.org/drawingml/2006/main" xmlns:r="http://schemas.openxmlformats.org/officeDocument/2006/relationships" xmlns:p="http://schemas.openxmlformats.org/presentationml/2006/main">
+  <p:cSld>
+    <p:spTree>
+      <p:nvGrpSpPr>
+        <p:cNvPr id="1" name=""/>
+        <p:cNvGrpSpPr/>
+        <p:nvPr/>
+      </p:nvGrpSpPr>
+      <p:grpSpPr>
+        <a:xfrm>
+          <a:off x="0" y="0"/>
+          <a:ext cx="0" cy="0"/>
+          <a:chOff x="0" y="0"/>
+          <a:chExt cx="0" cy="0"/>
+        </a:xfrm>
+      </p:grpSpPr>
+      <p:sp>
+        <p:nvSpPr>
+          <p:cNvPr id="2" name="Title 1">
+            <a:extLst>
+              <a:ext uri="{FF2B5EF4-FFF2-40B4-BE49-F238E27FC236}">
+                <a16:creationId xmlns:a16="http://schemas.microsoft.com/office/drawing/2014/main" id="{9F1406A5-3FF7-287A-4AC9-5CD5944551DD}"/>
+              </a:ext>
+            </a:extLst>
+          </p:cNvPr>
+          <p:cNvSpPr>
+            <a:spLocks noGrp="1"/>
+          </p:cNvSpPr>
+          <p:nvPr>
+            <p:ph type="title"/>
+          </p:nvPr>
+        </p:nvSpPr>
+        <p:spPr/>
+        <p:txBody>
+          <a:bodyPr/>
+          <a:lstStyle/>
+          <a:p>
+            <a:endParaRPr lang="en-CA"/>
+          </a:p>
+        </p:txBody>
+      </p:sp>
+      <p:pic>
+        <p:nvPicPr>
+          <p:cNvPr id="5" name="Content Placeholder 4" descr="A group of blue and orange dots&#10;&#10;Description automatically generated">
+            <a:extLst>
+              <a:ext uri="{FF2B5EF4-FFF2-40B4-BE49-F238E27FC236}">
+                <a16:creationId xmlns:a16="http://schemas.microsoft.com/office/drawing/2014/main" id="{0A3BEB87-F213-11B6-64EC-570699D54C45}"/>
+              </a:ext>
+            </a:extLst>
+          </p:cNvPr>
+          <p:cNvPicPr>
+            <a:picLocks noGrp="1" noChangeAspect="1"/>
+          </p:cNvPicPr>
+          <p:nvPr>
+            <p:ph idx="1"/>
+          </p:nvPr>
+        </p:nvPicPr>
+        <p:blipFill>
+          <a:blip r:embed="rId2">
+            <a:extLst>
+              <a:ext uri="{28A0092B-C50C-407E-A947-70E740481C1C}">
+                <a14:useLocalDpi xmlns:a14="http://schemas.microsoft.com/office/drawing/2010/main" val="0"/>
+              </a:ext>
+            </a:extLst>
+          </a:blip>
+          <a:stretch>
+            <a:fillRect/>
+          </a:stretch>
+        </p:blipFill>
+        <p:spPr>
+          <a:xfrm>
+            <a:off x="2321593" y="0"/>
+            <a:ext cx="7548814" cy="6858000"/>
+          </a:xfrm>
+        </p:spPr>
+      </p:pic>
+    </p:spTree>
+    <p:extLst>
+      <p:ext uri="{BB962C8B-B14F-4D97-AF65-F5344CB8AC3E}">
+        <p14:creationId xmlns:p14="http://schemas.microsoft.com/office/powerpoint/2010/main" val="1999349352"/>
+      </p:ext>
+    </p:extLst>
+  </p:cSld>
+  <p:clrMapOvr>
+    <a:masterClrMapping/>
+  </p:clrMapOvr>
+</p:sld>
+</file>
+
+<file path=ppt/slides/slide14.xml><?xml version="1.0" encoding="utf-8"?>
+<p:sld xmlns:a="http://schemas.openxmlformats.org/drawingml/2006/main" xmlns:r="http://schemas.openxmlformats.org/officeDocument/2006/relationships" xmlns:p="http://schemas.openxmlformats.org/presentationml/2006/main">
+  <p:cSld>
+    <p:spTree>
+      <p:nvGrpSpPr>
+        <p:cNvPr id="1" name=""/>
+        <p:cNvGrpSpPr/>
+        <p:nvPr/>
+      </p:nvGrpSpPr>
+      <p:grpSpPr>
+        <a:xfrm>
+          <a:off x="0" y="0"/>
+          <a:ext cx="0" cy="0"/>
+          <a:chOff x="0" y="0"/>
+          <a:chExt cx="0" cy="0"/>
+        </a:xfrm>
+      </p:grpSpPr>
+      <p:sp>
+        <p:nvSpPr>
+          <p:cNvPr id="2" name="Title 1">
+            <a:extLst>
+              <a:ext uri="{FF2B5EF4-FFF2-40B4-BE49-F238E27FC236}">
+                <a16:creationId xmlns:a16="http://schemas.microsoft.com/office/drawing/2014/main" id="{ACC92B5A-E162-EFD9-E71F-0E4F79D10421}"/>
+              </a:ext>
+            </a:extLst>
+          </p:cNvPr>
+          <p:cNvSpPr>
+            <a:spLocks noGrp="1"/>
+          </p:cNvSpPr>
+          <p:nvPr>
+            <p:ph type="title"/>
+          </p:nvPr>
+        </p:nvSpPr>
+        <p:spPr/>
+        <p:txBody>
+          <a:bodyPr/>
+          <a:lstStyle/>
+          <a:p>
+            <a:endParaRPr lang="en-CA"/>
+          </a:p>
+        </p:txBody>
+      </p:sp>
+      <p:pic>
+        <p:nvPicPr>
+          <p:cNvPr id="5" name="Content Placeholder 4" descr="A screenshot of a graph&#10;&#10;Description automatically generated">
+            <a:extLst>
+              <a:ext uri="{FF2B5EF4-FFF2-40B4-BE49-F238E27FC236}">
+                <a16:creationId xmlns:a16="http://schemas.microsoft.com/office/drawing/2014/main" id="{68AE5690-A932-AB6B-21F8-51400E035F29}"/>
+              </a:ext>
+            </a:extLst>
+          </p:cNvPr>
+          <p:cNvPicPr>
+            <a:picLocks noGrp="1" noChangeAspect="1"/>
+          </p:cNvPicPr>
+          <p:nvPr>
+            <p:ph idx="1"/>
+          </p:nvPr>
+        </p:nvPicPr>
+        <p:blipFill>
+          <a:blip r:embed="rId2">
+            <a:extLst>
+              <a:ext uri="{28A0092B-C50C-407E-A947-70E740481C1C}">
+                <a14:useLocalDpi xmlns:a14="http://schemas.microsoft.com/office/drawing/2010/main" val="0"/>
+              </a:ext>
+            </a:extLst>
+          </a:blip>
+          <a:stretch>
+            <a:fillRect/>
+          </a:stretch>
+        </p:blipFill>
+        <p:spPr>
+          <a:xfrm>
+            <a:off x="1523792" y="0"/>
+            <a:ext cx="9166005" cy="6864409"/>
+          </a:xfrm>
+        </p:spPr>
+      </p:pic>
+    </p:spTree>
+    <p:extLst>
+      <p:ext uri="{BB962C8B-B14F-4D97-AF65-F5344CB8AC3E}">
+        <p14:creationId xmlns:p14="http://schemas.microsoft.com/office/powerpoint/2010/main" val="2743064670"/>
+      </p:ext>
+    </p:extLst>
+  </p:cSld>
+  <p:clrMapOvr>
+    <a:masterClrMapping/>
+  </p:clrMapOvr>
+</p:sld>
+</file>
+
+<file path=ppt/slides/slide15.xml><?xml version="1.0" encoding="utf-8"?>
+<p:sld xmlns:a="http://schemas.openxmlformats.org/drawingml/2006/main" xmlns:r="http://schemas.openxmlformats.org/officeDocument/2006/relationships" xmlns:p="http://schemas.openxmlformats.org/presentationml/2006/main">
+  <p:cSld>
+    <p:spTree>
+      <p:nvGrpSpPr>
+        <p:cNvPr id="1" name=""/>
+        <p:cNvGrpSpPr/>
+        <p:nvPr/>
+      </p:nvGrpSpPr>
+      <p:grpSpPr>
+        <a:xfrm>
+          <a:off x="0" y="0"/>
+          <a:ext cx="0" cy="0"/>
+          <a:chOff x="0" y="0"/>
+          <a:chExt cx="0" cy="0"/>
+        </a:xfrm>
+      </p:grpSpPr>
+      <p:sp>
+        <p:nvSpPr>
+          <p:cNvPr id="2" name="Title 1">
+            <a:extLst>
+              <a:ext uri="{FF2B5EF4-FFF2-40B4-BE49-F238E27FC236}">
+                <a16:creationId xmlns:a16="http://schemas.microsoft.com/office/drawing/2014/main" id="{D0B99B8C-9CAD-AC26-6CA4-C07DCE9F176A}"/>
+              </a:ext>
+            </a:extLst>
+          </p:cNvPr>
+          <p:cNvSpPr>
+            <a:spLocks noGrp="1"/>
+          </p:cNvSpPr>
+          <p:nvPr>
+            <p:ph type="title"/>
+          </p:nvPr>
+        </p:nvSpPr>
+        <p:spPr/>
+        <p:txBody>
+          <a:bodyPr/>
+          <a:lstStyle/>
+          <a:p>
+            <a:endParaRPr lang="en-CA"/>
+          </a:p>
+        </p:txBody>
+      </p:sp>
+      <p:pic>
+        <p:nvPicPr>
+          <p:cNvPr id="5" name="Content Placeholder 4" descr="A graph of a sleep&#10;&#10;Description automatically generated with medium confidence">
+            <a:extLst>
+              <a:ext uri="{FF2B5EF4-FFF2-40B4-BE49-F238E27FC236}">
+                <a16:creationId xmlns:a16="http://schemas.microsoft.com/office/drawing/2014/main" id="{EF3ECAE2-6B78-4D13-7DB2-A5E2BC527243}"/>
+              </a:ext>
+            </a:extLst>
+          </p:cNvPr>
+          <p:cNvPicPr>
+            <a:picLocks noGrp="1" noChangeAspect="1"/>
+          </p:cNvPicPr>
+          <p:nvPr>
+            <p:ph idx="1"/>
+          </p:nvPr>
+        </p:nvPicPr>
+        <p:blipFill>
+          <a:blip r:embed="rId2">
+            <a:extLst>
+              <a:ext uri="{28A0092B-C50C-407E-A947-70E740481C1C}">
+                <a14:useLocalDpi xmlns:a14="http://schemas.microsoft.com/office/drawing/2010/main" val="0"/>
+              </a:ext>
+            </a:extLst>
+          </a:blip>
+          <a:stretch>
+            <a:fillRect/>
+          </a:stretch>
+        </p:blipFill>
+        <p:spPr>
+          <a:xfrm>
+            <a:off x="2772247" y="0"/>
+            <a:ext cx="6647506" cy="6847598"/>
+          </a:xfrm>
+        </p:spPr>
+      </p:pic>
+    </p:spTree>
+    <p:extLst>
+      <p:ext uri="{BB962C8B-B14F-4D97-AF65-F5344CB8AC3E}">
+        <p14:creationId xmlns:p14="http://schemas.microsoft.com/office/powerpoint/2010/main" val="2414093815"/>
+      </p:ext>
+    </p:extLst>
+  </p:cSld>
+  <p:clrMapOvr>
+    <a:masterClrMapping/>
+  </p:clrMapOvr>
+</p:sld>
+</file>
+
+<file path=ppt/slides/slide16.xml><?xml version="1.0" encoding="utf-8"?>
+<p:sld xmlns:a="http://schemas.openxmlformats.org/drawingml/2006/main" xmlns:r="http://schemas.openxmlformats.org/officeDocument/2006/relationships" xmlns:p="http://schemas.openxmlformats.org/presentationml/2006/main">
+  <p:cSld>
+    <p:spTree>
+      <p:nvGrpSpPr>
+        <p:cNvPr id="1" name=""/>
+        <p:cNvGrpSpPr/>
+        <p:nvPr/>
+      </p:nvGrpSpPr>
+      <p:grpSpPr>
+        <a:xfrm>
+          <a:off x="0" y="0"/>
+          <a:ext cx="0" cy="0"/>
+          <a:chOff x="0" y="0"/>
+          <a:chExt cx="0" cy="0"/>
+        </a:xfrm>
+      </p:grpSpPr>
+      <p:sp>
+        <p:nvSpPr>
+          <p:cNvPr id="2" name="Title 1">
+            <a:extLst>
+              <a:ext uri="{FF2B5EF4-FFF2-40B4-BE49-F238E27FC236}">
+                <a16:creationId xmlns:a16="http://schemas.microsoft.com/office/drawing/2014/main" id="{A391D23D-C529-1948-9622-AB3AFC2B6CDD}"/>
+              </a:ext>
+            </a:extLst>
+          </p:cNvPr>
+          <p:cNvSpPr>
+            <a:spLocks noGrp="1"/>
+          </p:cNvSpPr>
+          <p:nvPr>
+            <p:ph type="title"/>
+          </p:nvPr>
+        </p:nvSpPr>
+        <p:spPr/>
+        <p:txBody>
+          <a:bodyPr/>
+          <a:lstStyle/>
+          <a:p>
+            <a:endParaRPr lang="en-CA"/>
+          </a:p>
+        </p:txBody>
+      </p:sp>
+      <p:pic>
+        <p:nvPicPr>
+          <p:cNvPr id="5" name="Content Placeholder 4" descr="A screenshot of a graph&#10;&#10;Description automatically generated">
+            <a:extLst>
+              <a:ext uri="{FF2B5EF4-FFF2-40B4-BE49-F238E27FC236}">
+                <a16:creationId xmlns:a16="http://schemas.microsoft.com/office/drawing/2014/main" id="{9977BB30-9C0A-F869-11D6-49A7751348FD}"/>
+              </a:ext>
+            </a:extLst>
+          </p:cNvPr>
+          <p:cNvPicPr>
+            <a:picLocks noGrp="1" noChangeAspect="1"/>
+          </p:cNvPicPr>
+          <p:nvPr>
+            <p:ph idx="1"/>
+          </p:nvPr>
+        </p:nvPicPr>
+        <p:blipFill>
+          <a:blip r:embed="rId2">
+            <a:extLst>
+              <a:ext uri="{28A0092B-C50C-407E-A947-70E740481C1C}">
+                <a14:useLocalDpi xmlns:a14="http://schemas.microsoft.com/office/drawing/2010/main" val="0"/>
+              </a:ext>
+            </a:extLst>
+          </a:blip>
+          <a:stretch>
+            <a:fillRect/>
+          </a:stretch>
+        </p:blipFill>
+        <p:spPr>
+          <a:xfrm>
+            <a:off x="2182906" y="0"/>
+            <a:ext cx="7826187" cy="6858000"/>
+          </a:xfrm>
+        </p:spPr>
+      </p:pic>
+    </p:spTree>
+    <p:extLst>
+      <p:ext uri="{BB962C8B-B14F-4D97-AF65-F5344CB8AC3E}">
+        <p14:creationId xmlns:p14="http://schemas.microsoft.com/office/powerpoint/2010/main" val="910520306"/>
+      </p:ext>
+    </p:extLst>
+  </p:cSld>
+  <p:clrMapOvr>
+    <a:masterClrMapping/>
+  </p:clrMapOvr>
+</p:sld>
+</file>
+
+<file path=ppt/slides/slide17.xml><?xml version="1.0" encoding="utf-8"?>
+<p:sld xmlns:a="http://schemas.openxmlformats.org/drawingml/2006/main" xmlns:r="http://schemas.openxmlformats.org/officeDocument/2006/relationships" xmlns:p="http://schemas.openxmlformats.org/presentationml/2006/main">
+  <p:cSld>
+    <p:spTree>
+      <p:nvGrpSpPr>
+        <p:cNvPr id="1" name=""/>
+        <p:cNvGrpSpPr/>
+        <p:nvPr/>
+      </p:nvGrpSpPr>
+      <p:grpSpPr>
+        <a:xfrm>
+          <a:off x="0" y="0"/>
+          <a:ext cx="0" cy="0"/>
+          <a:chOff x="0" y="0"/>
+          <a:chExt cx="0" cy="0"/>
+        </a:xfrm>
+      </p:grpSpPr>
+      <p:sp>
+        <p:nvSpPr>
+          <p:cNvPr id="2" name="Title 1">
+            <a:extLst>
+              <a:ext uri="{FF2B5EF4-FFF2-40B4-BE49-F238E27FC236}">
+                <a16:creationId xmlns:a16="http://schemas.microsoft.com/office/drawing/2014/main" id="{EF4976F7-181C-F48D-82A7-E0B6539EED9A}"/>
+              </a:ext>
+            </a:extLst>
+          </p:cNvPr>
+          <p:cNvSpPr>
+            <a:spLocks noGrp="1"/>
+          </p:cNvSpPr>
+          <p:nvPr>
+            <p:ph type="title"/>
+          </p:nvPr>
+        </p:nvSpPr>
+        <p:spPr/>
+        <p:txBody>
+          <a:bodyPr/>
+          <a:lstStyle/>
+          <a:p>
+            <a:endParaRPr lang="en-CA"/>
+          </a:p>
+        </p:txBody>
+      </p:sp>
+      <p:pic>
+        <p:nvPicPr>
+          <p:cNvPr id="5" name="Content Placeholder 4" descr="A graph of different colored squares&#10;&#10;Description automatically generated">
+            <a:extLst>
+              <a:ext uri="{FF2B5EF4-FFF2-40B4-BE49-F238E27FC236}">
+                <a16:creationId xmlns:a16="http://schemas.microsoft.com/office/drawing/2014/main" id="{385A1D8F-B43E-5E65-8A65-4197E29BF2C2}"/>
+              </a:ext>
+            </a:extLst>
+          </p:cNvPr>
+          <p:cNvPicPr>
+            <a:picLocks noGrp="1" noChangeAspect="1"/>
+          </p:cNvPicPr>
+          <p:nvPr>
+            <p:ph idx="1"/>
+          </p:nvPr>
+        </p:nvPicPr>
+        <p:blipFill>
+          <a:blip r:embed="rId2">
+            <a:extLst>
+              <a:ext uri="{28A0092B-C50C-407E-A947-70E740481C1C}">
+                <a14:useLocalDpi xmlns:a14="http://schemas.microsoft.com/office/drawing/2010/main" val="0"/>
+              </a:ext>
+            </a:extLst>
+          </a:blip>
+          <a:stretch>
+            <a:fillRect/>
+          </a:stretch>
+        </p:blipFill>
+        <p:spPr>
+          <a:xfrm>
+            <a:off x="20959" y="115533"/>
+            <a:ext cx="12171671" cy="6626934"/>
+          </a:xfrm>
+        </p:spPr>
+      </p:pic>
+    </p:spTree>
+    <p:extLst>
+      <p:ext uri="{BB962C8B-B14F-4D97-AF65-F5344CB8AC3E}">
+        <p14:creationId xmlns:p14="http://schemas.microsoft.com/office/powerpoint/2010/main" val="4177852173"/>
+      </p:ext>
+    </p:extLst>
+  </p:cSld>
+  <p:clrMapOvr>
+    <a:masterClrMapping/>
+  </p:clrMapOvr>
+</p:sld>
+</file>
+
+<file path=ppt/slides/slide18.xml><?xml version="1.0" encoding="utf-8"?>
+<p:sld xmlns:a="http://schemas.openxmlformats.org/drawingml/2006/main" xmlns:r="http://schemas.openxmlformats.org/officeDocument/2006/relationships" xmlns:p="http://schemas.openxmlformats.org/presentationml/2006/main">
+  <p:cSld>
+    <p:bg>
+      <p:bgPr>
+        <a:solidFill>
+          <a:schemeClr val="bg1"/>
+        </a:solidFill>
+        <a:effectLst/>
+      </p:bgPr>
+    </p:bg>
+    <p:spTree>
+      <p:nvGrpSpPr>
+        <p:cNvPr id="1" name=""/>
+        <p:cNvGrpSpPr/>
+        <p:nvPr/>
+      </p:nvGrpSpPr>
+      <p:grpSpPr>
+        <a:xfrm>
+          <a:off x="0" y="0"/>
+          <a:ext cx="0" cy="0"/>
+          <a:chOff x="0" y="0"/>
+          <a:chExt cx="0" cy="0"/>
+        </a:xfrm>
+      </p:grpSpPr>
+      <p:sp useBgFill="1">
+        <p:nvSpPr>
+          <p:cNvPr id="9" name="Rectangle 8">
+            <a:extLst>
+              <a:ext uri="{FF2B5EF4-FFF2-40B4-BE49-F238E27FC236}">
+                <a16:creationId xmlns:a16="http://schemas.microsoft.com/office/drawing/2014/main" id="{458183E0-58D3-4C7F-97F0-2494113B38F6}"/>
+              </a:ext>
+              <a:ext uri="{C183D7F6-B498-43B3-948B-1728B52AA6E4}">
+                <adec:decorative xmlns:adec="http://schemas.microsoft.com/office/drawing/2017/decorative" val="1"/>
+              </a:ext>
+            </a:extLst>
+          </p:cNvPr>
+          <p:cNvSpPr>
+            <a:spLocks noGrp="1" noRot="1" noChangeAspect="1" noMove="1" noResize="1" noEditPoints="1" noAdjustHandles="1" noChangeArrowheads="1" noChangeShapeType="1" noTextEdit="1"/>
+          </p:cNvSpPr>
+          <p:nvPr>
+            <p:extLst>
+              <p:ext uri="{386F3935-93C4-4BCD-93E2-E3B085C9AB24}">
+                <p16:designElem xmlns:p16="http://schemas.microsoft.com/office/powerpoint/2015/main" val="1"/>
+              </p:ext>
+            </p:extLst>
+          </p:nvPr>
+        </p:nvSpPr>
+        <p:spPr>
+          <a:xfrm>
+            <a:off x="-1" y="0"/>
+            <a:ext cx="12188952" cy="6858000"/>
+          </a:xfrm>
+          <a:prstGeom prst="rect">
+            <a:avLst/>
+          </a:prstGeom>
+          <a:ln>
+            <a:noFill/>
+          </a:ln>
+        </p:spPr>
+        <p:style>
+          <a:lnRef idx="2">
+            <a:schemeClr val="accent1">
+              <a:shade val="50000"/>
+            </a:schemeClr>
+          </a:lnRef>
+          <a:fillRef idx="1">
+            <a:schemeClr val="accent1"/>
+          </a:fillRef>
+          <a:effectRef idx="0">
+            <a:schemeClr val="accent1"/>
+          </a:effectRef>
+          <a:fontRef idx="minor">
+            <a:schemeClr val="lt1"/>
+          </a:fontRef>
+        </p:style>
+        <p:txBody>
+          <a:bodyPr rtlCol="0" anchor="ctr"/>
+          <a:lstStyle/>
+          <a:p>
+            <a:pPr algn="ctr"/>
+            <a:endParaRPr lang="en-US"/>
+          </a:p>
+        </p:txBody>
+      </p:sp>
+      <p:sp>
+        <p:nvSpPr>
+          <p:cNvPr id="11" name="Rectangle 10">
+            <a:extLst>
+              <a:ext uri="{FF2B5EF4-FFF2-40B4-BE49-F238E27FC236}">
+                <a16:creationId xmlns:a16="http://schemas.microsoft.com/office/drawing/2014/main" id="{493D7220-9A41-4B89-8A05-2E854925EDA1}"/>
+              </a:ext>
+              <a:ext uri="{C183D7F6-B498-43B3-948B-1728B52AA6E4}">
+                <adec:decorative xmlns:adec="http://schemas.microsoft.com/office/drawing/2017/decorative" val="1"/>
+              </a:ext>
+            </a:extLst>
+          </p:cNvPr>
+          <p:cNvSpPr>
+            <a:spLocks noGrp="1" noRot="1" noChangeAspect="1" noMove="1" noResize="1" noEditPoints="1" noAdjustHandles="1" noChangeArrowheads="1" noChangeShapeType="1" noTextEdit="1"/>
+          </p:cNvSpPr>
+          <p:nvPr>
+            <p:extLst>
+              <p:ext uri="{386F3935-93C4-4BCD-93E2-E3B085C9AB24}">
+                <p16:designElem xmlns:p16="http://schemas.microsoft.com/office/powerpoint/2015/main" val="1"/>
+              </p:ext>
+            </p:extLst>
+          </p:nvPr>
+        </p:nvSpPr>
+        <p:spPr>
+          <a:xfrm>
+            <a:off x="1524" y="0"/>
+            <a:ext cx="12188952" cy="6858000"/>
+          </a:xfrm>
+          <a:prstGeom prst="rect">
+            <a:avLst/>
+          </a:prstGeom>
+          <a:solidFill>
+            <a:srgbClr val="000000"/>
+          </a:solidFill>
+          <a:ln>
+            <a:noFill/>
+          </a:ln>
+        </p:spPr>
+        <p:style>
+          <a:lnRef idx="2">
+            <a:schemeClr val="accent1">
+              <a:shade val="50000"/>
+            </a:schemeClr>
+          </a:lnRef>
+          <a:fillRef idx="1">
+            <a:schemeClr val="accent1"/>
+          </a:fillRef>
+          <a:effectRef idx="0">
+            <a:schemeClr val="accent1"/>
+          </a:effectRef>
+          <a:fontRef idx="minor">
+            <a:schemeClr val="lt1"/>
+          </a:fontRef>
+        </p:style>
+        <p:txBody>
+          <a:bodyPr rtlCol="0" anchor="ctr"/>
+          <a:lstStyle/>
+          <a:p>
+            <a:pPr algn="ctr"/>
+            <a:endParaRPr lang="en-US" sz="900">
+              <a:solidFill>
+                <a:schemeClr val="bg1"/>
+              </a:solidFill>
+              <a:latin typeface="+mj-lt"/>
+            </a:endParaRPr>
+          </a:p>
+        </p:txBody>
+      </p:sp>
+      <p:pic>
+        <p:nvPicPr>
+          <p:cNvPr id="5" name="Picture 4" descr="Cardiogram">
+            <a:extLst>
+              <a:ext uri="{FF2B5EF4-FFF2-40B4-BE49-F238E27FC236}">
+                <a16:creationId xmlns:a16="http://schemas.microsoft.com/office/drawing/2014/main" id="{C932C5DA-76CD-01C8-0F7B-720A8B8FF3AE}"/>
+              </a:ext>
+            </a:extLst>
+          </p:cNvPr>
+          <p:cNvPicPr>
+            <a:picLocks noChangeAspect="1"/>
+          </p:cNvPicPr>
+          <p:nvPr/>
+        </p:nvPicPr>
+        <p:blipFill rotWithShape="1">
+          <a:blip r:embed="rId2">
+            <a:alphaModFix amt="35000"/>
+          </a:blip>
+          <a:srcRect t="15393" r="-1" b="-1"/>
+          <a:stretch/>
+        </p:blipFill>
+        <p:spPr>
+          <a:xfrm>
+            <a:off x="1525" y="10"/>
+            <a:ext cx="12188951" cy="6857990"/>
+          </a:xfrm>
+          <a:prstGeom prst="rect">
+            <a:avLst/>
+          </a:prstGeom>
+        </p:spPr>
+      </p:pic>
+      <p:grpSp>
+        <p:nvGrpSpPr>
+          <p:cNvPr id="13" name="decorative circles">
+            <a:extLst>
+              <a:ext uri="{FF2B5EF4-FFF2-40B4-BE49-F238E27FC236}">
+                <a16:creationId xmlns:a16="http://schemas.microsoft.com/office/drawing/2014/main" id="{C1F869AB-954B-4EAB-8260-60AE9C8D0C6F}"/>
+              </a:ext>
+              <a:ext uri="{C183D7F6-B498-43B3-948B-1728B52AA6E4}">
+                <adec:decorative xmlns:adec="http://schemas.microsoft.com/office/drawing/2017/decorative" val="1"/>
+              </a:ext>
+            </a:extLst>
+          </p:cNvPr>
+          <p:cNvGrpSpPr>
+            <a:grpSpLocks noGrp="1" noUngrp="1" noRot="1" noChangeAspect="1" noMove="1" noResize="1"/>
+          </p:cNvGrpSpPr>
+          <p:nvPr>
+            <p:extLst>
+              <p:ext uri="{386F3935-93C4-4BCD-93E2-E3B085C9AB24}">
+                <p16:designElem xmlns:p16="http://schemas.microsoft.com/office/powerpoint/2015/main" val="1"/>
+              </p:ext>
+            </p:extLst>
+          </p:nvPr>
+        </p:nvGrpSpPr>
+        <p:grpSpPr>
+          <a:xfrm>
+            <a:off x="314102" y="236341"/>
+            <a:ext cx="11340713" cy="5464029"/>
+            <a:chOff x="314102" y="236341"/>
+            <a:chExt cx="11340713" cy="5464029"/>
+          </a:xfrm>
+        </p:grpSpPr>
+        <p:sp>
+          <p:nvSpPr>
+            <p:cNvPr id="14" name="Oval 13">
+              <a:extLst>
+                <a:ext uri="{FF2B5EF4-FFF2-40B4-BE49-F238E27FC236}">
+                  <a16:creationId xmlns:a16="http://schemas.microsoft.com/office/drawing/2014/main" id="{73902316-BF90-4159-9FD2-6CFCCF7BE2FF}"/>
+                </a:ext>
+                <a:ext uri="{C183D7F6-B498-43B3-948B-1728B52AA6E4}">
+                  <adec:decorative xmlns:adec="http://schemas.microsoft.com/office/drawing/2017/decorative" val="1"/>
+                </a:ext>
+              </a:extLst>
+            </p:cNvPr>
+            <p:cNvSpPr/>
+            <p:nvPr>
+              <p:extLst>
+                <p:ext uri="{386F3935-93C4-4BCD-93E2-E3B085C9AB24}">
+                  <p16:designElem xmlns:p16="http://schemas.microsoft.com/office/powerpoint/2015/main" val="1"/>
+                </p:ext>
+              </p:extLst>
+            </p:nvPr>
+          </p:nvSpPr>
+          <p:spPr>
+            <a:xfrm>
+              <a:off x="7760448" y="3803994"/>
+              <a:ext cx="94160" cy="94160"/>
+            </a:xfrm>
+            <a:prstGeom prst="ellipse">
+              <a:avLst/>
+            </a:prstGeom>
+            <a:solidFill>
+              <a:srgbClr val="E3BEBE">
+                <a:alpha val="28000"/>
+              </a:srgbClr>
+            </a:solidFill>
+            <a:ln>
+              <a:noFill/>
+            </a:ln>
+          </p:spPr>
+          <p:style>
+            <a:lnRef idx="2">
+              <a:schemeClr val="accent1">
+                <a:shade val="50000"/>
+              </a:schemeClr>
+            </a:lnRef>
+            <a:fillRef idx="1">
+              <a:schemeClr val="accent1"/>
+            </a:fillRef>
+            <a:effectRef idx="0">
+              <a:schemeClr val="accent1"/>
+            </a:effectRef>
+            <a:fontRef idx="minor">
+              <a:schemeClr val="lt1"/>
+            </a:fontRef>
+          </p:style>
+          <p:txBody>
+            <a:bodyPr rtlCol="0" anchor="ctr"/>
+            <a:lstStyle/>
+            <a:p>
+              <a:pPr algn="ctr"/>
+              <a:endParaRPr lang="en-US"/>
+            </a:p>
+          </p:txBody>
+        </p:sp>
+        <p:sp>
+          <p:nvSpPr>
+            <p:cNvPr id="15" name="Oval 14">
+              <a:extLst>
+                <a:ext uri="{FF2B5EF4-FFF2-40B4-BE49-F238E27FC236}">
+                  <a16:creationId xmlns:a16="http://schemas.microsoft.com/office/drawing/2014/main" id="{EF0C14E3-3AAA-4BA8-93F9-856D029676CC}"/>
+                </a:ext>
+                <a:ext uri="{C183D7F6-B498-43B3-948B-1728B52AA6E4}">
+                  <adec:decorative xmlns:adec="http://schemas.microsoft.com/office/drawing/2017/decorative" val="1"/>
+                </a:ext>
+              </a:extLst>
+            </p:cNvPr>
+            <p:cNvSpPr/>
+            <p:nvPr>
+              <p:extLst>
+                <p:ext uri="{386F3935-93C4-4BCD-93E2-E3B085C9AB24}">
+                  <p16:designElem xmlns:p16="http://schemas.microsoft.com/office/powerpoint/2015/main" val="1"/>
+                </p:ext>
+              </p:extLst>
+            </p:nvPr>
+          </p:nvSpPr>
+          <p:spPr>
+            <a:xfrm>
+              <a:off x="314102" y="3044381"/>
+              <a:ext cx="226735" cy="226735"/>
+            </a:xfrm>
+            <a:prstGeom prst="ellipse">
+              <a:avLst/>
+            </a:prstGeom>
+            <a:solidFill>
+              <a:schemeClr val="tx2">
+                <a:lumMod val="50000"/>
+                <a:lumOff val="50000"/>
+              </a:schemeClr>
+            </a:solidFill>
+            <a:ln>
+              <a:noFill/>
+            </a:ln>
+          </p:spPr>
+          <p:style>
+            <a:lnRef idx="2">
+              <a:schemeClr val="accent1">
+                <a:shade val="50000"/>
+              </a:schemeClr>
+            </a:lnRef>
+            <a:fillRef idx="1">
+              <a:schemeClr val="accent1"/>
+            </a:fillRef>
+            <a:effectRef idx="0">
+              <a:schemeClr val="accent1"/>
+            </a:effectRef>
+            <a:fontRef idx="minor">
+              <a:schemeClr val="lt1"/>
+            </a:fontRef>
+          </p:style>
+          <p:txBody>
+            <a:bodyPr rtlCol="0" anchor="ctr"/>
+            <a:lstStyle/>
+            <a:p>
+              <a:pPr algn="ctr"/>
+              <a:endParaRPr lang="en-US"/>
+            </a:p>
+          </p:txBody>
+        </p:sp>
+        <p:sp>
+          <p:nvSpPr>
+            <p:cNvPr id="16" name="Oval 15">
+              <a:extLst>
+                <a:ext uri="{FF2B5EF4-FFF2-40B4-BE49-F238E27FC236}">
+                  <a16:creationId xmlns:a16="http://schemas.microsoft.com/office/drawing/2014/main" id="{EECE6F6B-297F-4766-8C04-0960E9960056}"/>
+                </a:ext>
+                <a:ext uri="{C183D7F6-B498-43B3-948B-1728B52AA6E4}">
+                  <adec:decorative xmlns:adec="http://schemas.microsoft.com/office/drawing/2017/decorative" val="1"/>
+                </a:ext>
+              </a:extLst>
+            </p:cNvPr>
+            <p:cNvSpPr/>
+            <p:nvPr>
+              <p:extLst>
+                <p:ext uri="{386F3935-93C4-4BCD-93E2-E3B085C9AB24}">
+                  <p16:designElem xmlns:p16="http://schemas.microsoft.com/office/powerpoint/2015/main" val="1"/>
+                </p:ext>
+              </p:extLst>
+            </p:nvPr>
+          </p:nvSpPr>
+          <p:spPr>
+            <a:xfrm>
+              <a:off x="11188374" y="386135"/>
+              <a:ext cx="466441" cy="466441"/>
+            </a:xfrm>
+            <a:prstGeom prst="ellipse">
+              <a:avLst/>
+            </a:prstGeom>
+            <a:solidFill>
+              <a:schemeClr val="accent2">
+                <a:lumMod val="60000"/>
+                <a:lumOff val="40000"/>
+                <a:alpha val="72000"/>
+              </a:schemeClr>
+            </a:solidFill>
+            <a:ln>
+              <a:noFill/>
+            </a:ln>
+          </p:spPr>
+          <p:style>
+            <a:lnRef idx="2">
+              <a:schemeClr val="accent1">
+                <a:shade val="50000"/>
+              </a:schemeClr>
+            </a:lnRef>
+            <a:fillRef idx="1">
+              <a:schemeClr val="accent1"/>
+            </a:fillRef>
+            <a:effectRef idx="0">
+              <a:schemeClr val="accent1"/>
+            </a:effectRef>
+            <a:fontRef idx="minor">
+              <a:schemeClr val="lt1"/>
+            </a:fontRef>
+          </p:style>
+          <p:txBody>
+            <a:bodyPr rtlCol="0" anchor="ctr"/>
+            <a:lstStyle/>
+            <a:p>
+              <a:pPr algn="ctr"/>
+              <a:endParaRPr lang="en-US"/>
+            </a:p>
+          </p:txBody>
+        </p:sp>
+        <p:sp>
+          <p:nvSpPr>
+            <p:cNvPr id="17" name="Oval 16">
+              <a:extLst>
+                <a:ext uri="{FF2B5EF4-FFF2-40B4-BE49-F238E27FC236}">
+                  <a16:creationId xmlns:a16="http://schemas.microsoft.com/office/drawing/2014/main" id="{44AE5C63-0522-4DDF-B67A-5DA271883BCE}"/>
+                </a:ext>
+                <a:ext uri="{C183D7F6-B498-43B3-948B-1728B52AA6E4}">
+                  <adec:decorative xmlns:adec="http://schemas.microsoft.com/office/drawing/2017/decorative" val="1"/>
+                </a:ext>
+              </a:extLst>
+            </p:cNvPr>
+            <p:cNvSpPr/>
+            <p:nvPr>
+              <p:extLst>
+                <p:ext uri="{386F3935-93C4-4BCD-93E2-E3B085C9AB24}">
+                  <p16:designElem xmlns:p16="http://schemas.microsoft.com/office/powerpoint/2015/main" val="1"/>
+                </p:ext>
+              </p:extLst>
+            </p:nvPr>
+          </p:nvSpPr>
+          <p:spPr>
+            <a:xfrm>
+              <a:off x="11065714" y="236341"/>
+              <a:ext cx="113367" cy="113367"/>
+            </a:xfrm>
+            <a:prstGeom prst="ellipse">
+              <a:avLst/>
+            </a:prstGeom>
+            <a:solidFill>
+              <a:srgbClr val="F39E29"/>
+            </a:solidFill>
+            <a:ln>
+              <a:noFill/>
+            </a:ln>
+          </p:spPr>
+          <p:style>
+            <a:lnRef idx="2">
+              <a:schemeClr val="accent1">
+                <a:shade val="50000"/>
+              </a:schemeClr>
+            </a:lnRef>
+            <a:fillRef idx="1">
+              <a:schemeClr val="accent1"/>
+            </a:fillRef>
+            <a:effectRef idx="0">
+              <a:schemeClr val="accent1"/>
+            </a:effectRef>
+            <a:fontRef idx="minor">
+              <a:schemeClr val="lt1"/>
+            </a:fontRef>
+          </p:style>
+          <p:txBody>
+            <a:bodyPr rtlCol="0" anchor="ctr"/>
+            <a:lstStyle/>
+            <a:p>
+              <a:pPr algn="ctr"/>
+              <a:endParaRPr lang="en-US"/>
+            </a:p>
+          </p:txBody>
+        </p:sp>
+        <p:sp>
+          <p:nvSpPr>
+            <p:cNvPr id="18" name="Oval 17">
+              <a:extLst>
+                <a:ext uri="{FF2B5EF4-FFF2-40B4-BE49-F238E27FC236}">
+                  <a16:creationId xmlns:a16="http://schemas.microsoft.com/office/drawing/2014/main" id="{64F95A54-2855-4B65-82E3-A9D306CBA180}"/>
+                </a:ext>
+                <a:ext uri="{C183D7F6-B498-43B3-948B-1728B52AA6E4}">
+                  <adec:decorative xmlns:adec="http://schemas.microsoft.com/office/drawing/2017/decorative" val="1"/>
+                </a:ext>
+              </a:extLst>
+            </p:cNvPr>
+            <p:cNvSpPr/>
+            <p:nvPr>
+              <p:extLst>
+                <p:ext uri="{386F3935-93C4-4BCD-93E2-E3B085C9AB24}">
+                  <p16:designElem xmlns:p16="http://schemas.microsoft.com/office/powerpoint/2015/main" val="1"/>
+                </p:ext>
+              </p:extLst>
+            </p:nvPr>
+          </p:nvSpPr>
+          <p:spPr>
+            <a:xfrm>
+              <a:off x="751535" y="2516671"/>
+              <a:ext cx="466441" cy="466441"/>
+            </a:xfrm>
+            <a:prstGeom prst="ellipse">
+              <a:avLst/>
+            </a:prstGeom>
+            <a:solidFill>
+              <a:schemeClr val="accent1"/>
+            </a:solidFill>
+            <a:ln>
+              <a:noFill/>
+            </a:ln>
+          </p:spPr>
+          <p:style>
+            <a:lnRef idx="2">
+              <a:schemeClr val="accent1">
+                <a:shade val="50000"/>
+              </a:schemeClr>
+            </a:lnRef>
+            <a:fillRef idx="1">
+              <a:schemeClr val="accent1"/>
+            </a:fillRef>
+            <a:effectRef idx="0">
+              <a:schemeClr val="accent1"/>
+            </a:effectRef>
+            <a:fontRef idx="minor">
+              <a:schemeClr val="lt1"/>
+            </a:fontRef>
+          </p:style>
+          <p:txBody>
+            <a:bodyPr rtlCol="0" anchor="ctr"/>
+            <a:lstStyle/>
+            <a:p>
+              <a:pPr algn="ctr"/>
+              <a:endParaRPr lang="en-US"/>
+            </a:p>
+          </p:txBody>
+        </p:sp>
+        <p:sp>
+          <p:nvSpPr>
+            <p:cNvPr id="19" name="Oval 18">
+              <a:extLst>
+                <a:ext uri="{FF2B5EF4-FFF2-40B4-BE49-F238E27FC236}">
+                  <a16:creationId xmlns:a16="http://schemas.microsoft.com/office/drawing/2014/main" id="{164F2D59-D40C-482F-BF5E-7FA622D970FD}"/>
+                </a:ext>
+                <a:ext uri="{C183D7F6-B498-43B3-948B-1728B52AA6E4}">
+                  <adec:decorative xmlns:adec="http://schemas.microsoft.com/office/drawing/2017/decorative" val="1"/>
+                </a:ext>
+              </a:extLst>
+            </p:cNvPr>
+            <p:cNvSpPr/>
+            <p:nvPr>
+              <p:extLst>
+                <p:ext uri="{386F3935-93C4-4BCD-93E2-E3B085C9AB24}">
+                  <p16:designElem xmlns:p16="http://schemas.microsoft.com/office/powerpoint/2015/main" val="1"/>
+                </p:ext>
+              </p:extLst>
+            </p:nvPr>
+          </p:nvSpPr>
+          <p:spPr>
+            <a:xfrm>
+              <a:off x="11230142" y="4588038"/>
+              <a:ext cx="113367" cy="113367"/>
+            </a:xfrm>
+            <a:prstGeom prst="ellipse">
+              <a:avLst/>
+            </a:prstGeom>
+            <a:solidFill>
+              <a:schemeClr val="accent3"/>
+            </a:solidFill>
+            <a:ln>
+              <a:noFill/>
+            </a:ln>
+          </p:spPr>
+          <p:style>
+            <a:lnRef idx="2">
+              <a:schemeClr val="accent1">
+                <a:shade val="50000"/>
+              </a:schemeClr>
+            </a:lnRef>
+            <a:fillRef idx="1">
+              <a:schemeClr val="accent1"/>
+            </a:fillRef>
+            <a:effectRef idx="0">
+              <a:schemeClr val="accent1"/>
+            </a:effectRef>
+            <a:fontRef idx="minor">
+              <a:schemeClr val="lt1"/>
+            </a:fontRef>
+          </p:style>
+          <p:txBody>
+            <a:bodyPr rtlCol="0" anchor="ctr"/>
+            <a:lstStyle/>
+            <a:p>
+              <a:pPr algn="ctr"/>
+              <a:endParaRPr lang="en-US"/>
+            </a:p>
+          </p:txBody>
+        </p:sp>
+        <p:sp>
+          <p:nvSpPr>
+            <p:cNvPr id="20" name="Oval 19">
+              <a:extLst>
+                <a:ext uri="{FF2B5EF4-FFF2-40B4-BE49-F238E27FC236}">
+                  <a16:creationId xmlns:a16="http://schemas.microsoft.com/office/drawing/2014/main" id="{9DCE1484-E528-418A-9339-8410B8F71B24}"/>
+                </a:ext>
+                <a:ext uri="{C183D7F6-B498-43B3-948B-1728B52AA6E4}">
+                  <adec:decorative xmlns:adec="http://schemas.microsoft.com/office/drawing/2017/decorative" val="1"/>
+                </a:ext>
+              </a:extLst>
+            </p:cNvPr>
+            <p:cNvSpPr/>
+            <p:nvPr>
+              <p:extLst>
+                <p:ext uri="{386F3935-93C4-4BCD-93E2-E3B085C9AB24}">
+                  <p16:designElem xmlns:p16="http://schemas.microsoft.com/office/powerpoint/2015/main" val="1"/>
+                </p:ext>
+              </p:extLst>
+            </p:nvPr>
+          </p:nvSpPr>
+          <p:spPr>
+            <a:xfrm>
+              <a:off x="10902046" y="5394590"/>
+              <a:ext cx="305780" cy="305780"/>
+            </a:xfrm>
+            <a:prstGeom prst="ellipse">
+              <a:avLst/>
+            </a:prstGeom>
+            <a:solidFill>
+              <a:schemeClr val="accent1">
+                <a:lumMod val="40000"/>
+                <a:lumOff val="60000"/>
+              </a:schemeClr>
+            </a:solidFill>
+            <a:ln>
+              <a:noFill/>
+            </a:ln>
+          </p:spPr>
+          <p:style>
+            <a:lnRef idx="2">
+              <a:schemeClr val="accent1">
+                <a:shade val="50000"/>
+              </a:schemeClr>
+            </a:lnRef>
+            <a:fillRef idx="1">
+              <a:schemeClr val="accent1"/>
+            </a:fillRef>
+            <a:effectRef idx="0">
+              <a:schemeClr val="accent1"/>
+            </a:effectRef>
+            <a:fontRef idx="minor">
+              <a:schemeClr val="lt1"/>
+            </a:fontRef>
+          </p:style>
+          <p:txBody>
+            <a:bodyPr rtlCol="0" anchor="ctr"/>
+            <a:lstStyle/>
+            <a:p>
+              <a:pPr algn="ctr"/>
+              <a:endParaRPr lang="en-US"/>
+            </a:p>
+          </p:txBody>
+        </p:sp>
+        <p:sp>
+          <p:nvSpPr>
+            <p:cNvPr id="21" name="Oval 20">
+              <a:extLst>
+                <a:ext uri="{FF2B5EF4-FFF2-40B4-BE49-F238E27FC236}">
+                  <a16:creationId xmlns:a16="http://schemas.microsoft.com/office/drawing/2014/main" id="{B471ADFB-A135-4594-B9A3-481A91AE2D38}"/>
+                </a:ext>
+                <a:ext uri="{C183D7F6-B498-43B3-948B-1728B52AA6E4}">
+                  <adec:decorative xmlns:adec="http://schemas.microsoft.com/office/drawing/2017/decorative" val="1"/>
+                </a:ext>
+              </a:extLst>
+            </p:cNvPr>
+            <p:cNvSpPr/>
+            <p:nvPr>
+              <p:extLst>
+                <p:ext uri="{386F3935-93C4-4BCD-93E2-E3B085C9AB24}">
+                  <p16:designElem xmlns:p16="http://schemas.microsoft.com/office/powerpoint/2015/main" val="1"/>
+                </p:ext>
+              </p:extLst>
+            </p:nvPr>
+          </p:nvSpPr>
+          <p:spPr>
+            <a:xfrm>
+              <a:off x="10408287" y="5160714"/>
+              <a:ext cx="113367" cy="113367"/>
+            </a:xfrm>
+            <a:prstGeom prst="ellipse">
+              <a:avLst/>
+            </a:prstGeom>
+            <a:solidFill>
+              <a:schemeClr val="accent5"/>
+            </a:solidFill>
+            <a:ln>
+              <a:noFill/>
+            </a:ln>
+          </p:spPr>
+          <p:style>
+            <a:lnRef idx="2">
+              <a:schemeClr val="accent1">
+                <a:shade val="50000"/>
+              </a:schemeClr>
+            </a:lnRef>
+            <a:fillRef idx="1">
+              <a:schemeClr val="accent1"/>
+            </a:fillRef>
+            <a:effectRef idx="0">
+              <a:schemeClr val="accent1"/>
+            </a:effectRef>
+            <a:fontRef idx="minor">
+              <a:schemeClr val="lt1"/>
+            </a:fontRef>
+          </p:style>
+          <p:txBody>
+            <a:bodyPr rtlCol="0" anchor="ctr"/>
+            <a:lstStyle/>
+            <a:p>
+              <a:pPr algn="ctr"/>
+              <a:endParaRPr lang="en-US"/>
+            </a:p>
+          </p:txBody>
+        </p:sp>
+      </p:grpSp>
+      <p:sp>
+        <p:nvSpPr>
+          <p:cNvPr id="2" name="Title 1">
+            <a:extLst>
+              <a:ext uri="{FF2B5EF4-FFF2-40B4-BE49-F238E27FC236}">
+                <a16:creationId xmlns:a16="http://schemas.microsoft.com/office/drawing/2014/main" id="{B3C1BE55-C1E4-A16E-21A4-05A4FE9CCCB6}"/>
+              </a:ext>
+            </a:extLst>
+          </p:cNvPr>
+          <p:cNvSpPr>
+            <a:spLocks noGrp="1"/>
+          </p:cNvSpPr>
+          <p:nvPr>
+            <p:ph type="title"/>
+          </p:nvPr>
+        </p:nvSpPr>
+        <p:spPr>
+          <a:xfrm>
+            <a:off x="3327722" y="777240"/>
+            <a:ext cx="5782804" cy="2493876"/>
+          </a:xfrm>
+        </p:spPr>
+        <p:txBody>
+          <a:bodyPr anchor="b">
+            <a:normAutofit/>
+          </a:bodyPr>
+          <a:lstStyle/>
+          <a:p>
+            <a:pPr algn="ctr"/>
+            <a:r>
+              <a:rPr lang="en-CA" sz="4400">
+                <a:solidFill>
+                  <a:srgbClr val="FFFFFF"/>
+                </a:solidFill>
+              </a:rPr>
+              <a:t>Guiding Question 3</a:t>
+            </a:r>
+          </a:p>
+        </p:txBody>
+      </p:sp>
+      <p:sp>
+        <p:nvSpPr>
+          <p:cNvPr id="3" name="Content Placeholder 2">
+            <a:extLst>
+              <a:ext uri="{FF2B5EF4-FFF2-40B4-BE49-F238E27FC236}">
+                <a16:creationId xmlns:a16="http://schemas.microsoft.com/office/drawing/2014/main" id="{6CDB57EA-BBC4-E160-95C8-81E7ABFBD4CA}"/>
+              </a:ext>
+            </a:extLst>
+          </p:cNvPr>
+          <p:cNvSpPr>
+            <a:spLocks noGrp="1"/>
+          </p:cNvSpPr>
+          <p:nvPr>
+            <p:ph idx="1"/>
+          </p:nvPr>
+        </p:nvSpPr>
+        <p:spPr>
+          <a:xfrm>
+            <a:off x="3327722" y="3429000"/>
+            <a:ext cx="5782804" cy="2333562"/>
+          </a:xfrm>
+        </p:spPr>
+        <p:txBody>
+          <a:bodyPr anchor="t">
+            <a:normAutofit/>
+          </a:bodyPr>
+          <a:lstStyle/>
+          <a:p>
+            <a:pPr algn="ctr"/>
+            <a:r>
+              <a:rPr lang="en-CA" sz="1800" dirty="0">
+                <a:solidFill>
+                  <a:srgbClr val="FFFFFF"/>
+                </a:solidFill>
+              </a:rPr>
+              <a:t>How does health status (ex. BMI) impact sleep hours and resting heart rate?</a:t>
+            </a:r>
+            <a:endParaRPr lang="en-US" sz="1800" dirty="0">
+              <a:solidFill>
+                <a:srgbClr val="FFFFFF"/>
+              </a:solidFill>
+            </a:endParaRPr>
+          </a:p>
+          <a:p>
+            <a:pPr algn="ctr"/>
+            <a:endParaRPr lang="en-CA" sz="1800" dirty="0">
+              <a:solidFill>
+                <a:srgbClr val="FFFFFF"/>
+              </a:solidFill>
+            </a:endParaRPr>
+          </a:p>
+        </p:txBody>
+      </p:sp>
+    </p:spTree>
+    <p:extLst>
+      <p:ext uri="{BB962C8B-B14F-4D97-AF65-F5344CB8AC3E}">
+        <p14:creationId xmlns:p14="http://schemas.microsoft.com/office/powerpoint/2010/main" val="2865319585"/>
+      </p:ext>
+    </p:extLst>
+  </p:cSld>
+  <p:clrMapOvr>
+    <a:masterClrMapping/>
+  </p:clrMapOvr>
+</p:sld>
+</file>
+
+<file path=ppt/slides/slide19.xml><?xml version="1.0" encoding="utf-8"?>
+<p:sld xmlns:a="http://schemas.openxmlformats.org/drawingml/2006/main" xmlns:r="http://schemas.openxmlformats.org/officeDocument/2006/relationships" xmlns:p="http://schemas.openxmlformats.org/presentationml/2006/main">
+  <p:cSld>
+    <p:spTree>
+      <p:nvGrpSpPr>
+        <p:cNvPr id="1" name=""/>
+        <p:cNvGrpSpPr/>
+        <p:nvPr/>
+      </p:nvGrpSpPr>
+      <p:grpSpPr>
+        <a:xfrm>
+          <a:off x="0" y="0"/>
+          <a:ext cx="0" cy="0"/>
+          <a:chOff x="0" y="0"/>
+          <a:chExt cx="0" cy="0"/>
+        </a:xfrm>
+      </p:grpSpPr>
+      <p:sp>
+        <p:nvSpPr>
+          <p:cNvPr id="2" name="Title 1">
+            <a:extLst>
+              <a:ext uri="{FF2B5EF4-FFF2-40B4-BE49-F238E27FC236}">
+                <a16:creationId xmlns:a16="http://schemas.microsoft.com/office/drawing/2014/main" id="{96386A46-59F9-DF4A-C203-7FA9D7EF6EB6}"/>
+              </a:ext>
+            </a:extLst>
+          </p:cNvPr>
+          <p:cNvSpPr>
+            <a:spLocks noGrp="1"/>
+          </p:cNvSpPr>
+          <p:nvPr>
+            <p:ph type="title"/>
+          </p:nvPr>
+        </p:nvSpPr>
+        <p:spPr/>
+        <p:txBody>
+          <a:bodyPr/>
+          <a:lstStyle/>
+          <a:p>
+            <a:endParaRPr lang="en-CA"/>
+          </a:p>
+        </p:txBody>
+      </p:sp>
+      <p:pic>
+        <p:nvPicPr>
+          <p:cNvPr id="5" name="Content Placeholder 4" descr="A graph with blue dots and a red line&#10;&#10;Description automatically generated">
+            <a:extLst>
+              <a:ext uri="{FF2B5EF4-FFF2-40B4-BE49-F238E27FC236}">
+                <a16:creationId xmlns:a16="http://schemas.microsoft.com/office/drawing/2014/main" id="{E72F9319-9A40-DC92-6DD0-5A9ABB647723}"/>
+              </a:ext>
+            </a:extLst>
+          </p:cNvPr>
+          <p:cNvPicPr>
+            <a:picLocks noGrp="1" noChangeAspect="1"/>
+          </p:cNvPicPr>
+          <p:nvPr>
+            <p:ph idx="1"/>
+          </p:nvPr>
+        </p:nvPicPr>
+        <p:blipFill>
+          <a:blip r:embed="rId2">
+            <a:extLst>
+              <a:ext uri="{28A0092B-C50C-407E-A947-70E740481C1C}">
+                <a14:useLocalDpi xmlns:a14="http://schemas.microsoft.com/office/drawing/2010/main" val="0"/>
+              </a:ext>
+            </a:extLst>
+          </a:blip>
+          <a:stretch>
+            <a:fillRect/>
+          </a:stretch>
+        </p:blipFill>
+        <p:spPr>
+          <a:xfrm>
+            <a:off x="1825460" y="-7154"/>
+            <a:ext cx="8541080" cy="6872308"/>
+          </a:xfrm>
+        </p:spPr>
+      </p:pic>
+    </p:spTree>
+    <p:extLst>
+      <p:ext uri="{BB962C8B-B14F-4D97-AF65-F5344CB8AC3E}">
+        <p14:creationId xmlns:p14="http://schemas.microsoft.com/office/powerpoint/2010/main" val="107264981"/>
+      </p:ext>
+    </p:extLst>
+  </p:cSld>
+  <p:clrMapOvr>
+    <a:masterClrMapping/>
+  </p:clrMapOvr>
+</p:sld>
+</file>
+
 <file path=ppt/slides/slide2.xml><?xml version="1.0" encoding="utf-8"?>
 <p:sld xmlns:a="http://schemas.openxmlformats.org/drawingml/2006/main" xmlns:r="http://schemas.openxmlformats.org/officeDocument/2006/relationships" xmlns:p="http://schemas.openxmlformats.org/presentationml/2006/main">
   <p:cSld>
@@ -18153,6 +20540,3368 @@
     <p:extLst>
       <p:ext uri="{BB962C8B-B14F-4D97-AF65-F5344CB8AC3E}">
         <p14:creationId xmlns:p14="http://schemas.microsoft.com/office/powerpoint/2010/main" val="2683229179"/>
+      </p:ext>
+    </p:extLst>
+  </p:cSld>
+  <p:clrMapOvr>
+    <a:masterClrMapping/>
+  </p:clrMapOvr>
+</p:sld>
+</file>
+
+<file path=ppt/slides/slide20.xml><?xml version="1.0" encoding="utf-8"?>
+<p:sld xmlns:a="http://schemas.openxmlformats.org/drawingml/2006/main" xmlns:r="http://schemas.openxmlformats.org/officeDocument/2006/relationships" xmlns:p="http://schemas.openxmlformats.org/presentationml/2006/main">
+  <p:cSld>
+    <p:spTree>
+      <p:nvGrpSpPr>
+        <p:cNvPr id="1" name=""/>
+        <p:cNvGrpSpPr/>
+        <p:nvPr/>
+      </p:nvGrpSpPr>
+      <p:grpSpPr>
+        <a:xfrm>
+          <a:off x="0" y="0"/>
+          <a:ext cx="0" cy="0"/>
+          <a:chOff x="0" y="0"/>
+          <a:chExt cx="0" cy="0"/>
+        </a:xfrm>
+      </p:grpSpPr>
+      <p:sp>
+        <p:nvSpPr>
+          <p:cNvPr id="2" name="Title 1">
+            <a:extLst>
+              <a:ext uri="{FF2B5EF4-FFF2-40B4-BE49-F238E27FC236}">
+                <a16:creationId xmlns:a16="http://schemas.microsoft.com/office/drawing/2014/main" id="{8B043475-E0D2-C2B1-4910-4A488F8E0E00}"/>
+              </a:ext>
+            </a:extLst>
+          </p:cNvPr>
+          <p:cNvSpPr>
+            <a:spLocks noGrp="1"/>
+          </p:cNvSpPr>
+          <p:nvPr>
+            <p:ph type="title"/>
+          </p:nvPr>
+        </p:nvSpPr>
+        <p:spPr/>
+        <p:txBody>
+          <a:bodyPr/>
+          <a:lstStyle/>
+          <a:p>
+            <a:endParaRPr lang="en-CA"/>
+          </a:p>
+        </p:txBody>
+      </p:sp>
+      <p:pic>
+        <p:nvPicPr>
+          <p:cNvPr id="5" name="Content Placeholder 4" descr="A graph with blue dots and a red line&#10;&#10;Description automatically generated">
+            <a:extLst>
+              <a:ext uri="{FF2B5EF4-FFF2-40B4-BE49-F238E27FC236}">
+                <a16:creationId xmlns:a16="http://schemas.microsoft.com/office/drawing/2014/main" id="{46D2D554-0CC3-FE9F-0D34-F82FD493A18A}"/>
+              </a:ext>
+            </a:extLst>
+          </p:cNvPr>
+          <p:cNvPicPr>
+            <a:picLocks noGrp="1" noChangeAspect="1"/>
+          </p:cNvPicPr>
+          <p:nvPr>
+            <p:ph idx="1"/>
+          </p:nvPr>
+        </p:nvPicPr>
+        <p:blipFill>
+          <a:blip r:embed="rId2">
+            <a:extLst>
+              <a:ext uri="{28A0092B-C50C-407E-A947-70E740481C1C}">
+                <a14:useLocalDpi xmlns:a14="http://schemas.microsoft.com/office/drawing/2010/main" val="0"/>
+              </a:ext>
+            </a:extLst>
+          </a:blip>
+          <a:stretch>
+            <a:fillRect/>
+          </a:stretch>
+        </p:blipFill>
+        <p:spPr>
+          <a:xfrm>
+            <a:off x="1834351" y="0"/>
+            <a:ext cx="8523298" cy="6858000"/>
+          </a:xfrm>
+        </p:spPr>
+      </p:pic>
+    </p:spTree>
+    <p:extLst>
+      <p:ext uri="{BB962C8B-B14F-4D97-AF65-F5344CB8AC3E}">
+        <p14:creationId xmlns:p14="http://schemas.microsoft.com/office/powerpoint/2010/main" val="2522891525"/>
+      </p:ext>
+    </p:extLst>
+  </p:cSld>
+  <p:clrMapOvr>
+    <a:masterClrMapping/>
+  </p:clrMapOvr>
+</p:sld>
+</file>
+
+<file path=ppt/slides/slide21.xml><?xml version="1.0" encoding="utf-8"?>
+<p:sld xmlns:a="http://schemas.openxmlformats.org/drawingml/2006/main" xmlns:r="http://schemas.openxmlformats.org/officeDocument/2006/relationships" xmlns:p="http://schemas.openxmlformats.org/presentationml/2006/main">
+  <p:cSld>
+    <p:bg>
+      <p:bgPr>
+        <a:solidFill>
+          <a:schemeClr val="bg1"/>
+        </a:solidFill>
+        <a:effectLst/>
+      </p:bgPr>
+    </p:bg>
+    <p:spTree>
+      <p:nvGrpSpPr>
+        <p:cNvPr id="1" name=""/>
+        <p:cNvGrpSpPr/>
+        <p:nvPr/>
+      </p:nvGrpSpPr>
+      <p:grpSpPr>
+        <a:xfrm>
+          <a:off x="0" y="0"/>
+          <a:ext cx="0" cy="0"/>
+          <a:chOff x="0" y="0"/>
+          <a:chExt cx="0" cy="0"/>
+        </a:xfrm>
+      </p:grpSpPr>
+      <p:sp useBgFill="1">
+        <p:nvSpPr>
+          <p:cNvPr id="9" name="Rectangle 8">
+            <a:extLst>
+              <a:ext uri="{FF2B5EF4-FFF2-40B4-BE49-F238E27FC236}">
+                <a16:creationId xmlns:a16="http://schemas.microsoft.com/office/drawing/2014/main" id="{458183E0-58D3-4C7F-97F0-2494113B38F6}"/>
+              </a:ext>
+              <a:ext uri="{C183D7F6-B498-43B3-948B-1728B52AA6E4}">
+                <adec:decorative xmlns:adec="http://schemas.microsoft.com/office/drawing/2017/decorative" val="1"/>
+              </a:ext>
+            </a:extLst>
+          </p:cNvPr>
+          <p:cNvSpPr>
+            <a:spLocks noGrp="1" noRot="1" noChangeAspect="1" noMove="1" noResize="1" noEditPoints="1" noAdjustHandles="1" noChangeArrowheads="1" noChangeShapeType="1" noTextEdit="1"/>
+          </p:cNvSpPr>
+          <p:nvPr>
+            <p:extLst>
+              <p:ext uri="{386F3935-93C4-4BCD-93E2-E3B085C9AB24}">
+                <p16:designElem xmlns:p16="http://schemas.microsoft.com/office/powerpoint/2015/main" val="1"/>
+              </p:ext>
+            </p:extLst>
+          </p:nvPr>
+        </p:nvSpPr>
+        <p:spPr>
+          <a:xfrm>
+            <a:off x="-1" y="0"/>
+            <a:ext cx="12188952" cy="6858000"/>
+          </a:xfrm>
+          <a:prstGeom prst="rect">
+            <a:avLst/>
+          </a:prstGeom>
+          <a:ln>
+            <a:noFill/>
+          </a:ln>
+        </p:spPr>
+        <p:style>
+          <a:lnRef idx="2">
+            <a:schemeClr val="accent1">
+              <a:shade val="50000"/>
+            </a:schemeClr>
+          </a:lnRef>
+          <a:fillRef idx="1">
+            <a:schemeClr val="accent1"/>
+          </a:fillRef>
+          <a:effectRef idx="0">
+            <a:schemeClr val="accent1"/>
+          </a:effectRef>
+          <a:fontRef idx="minor">
+            <a:schemeClr val="lt1"/>
+          </a:fontRef>
+        </p:style>
+        <p:txBody>
+          <a:bodyPr rtlCol="0" anchor="ctr"/>
+          <a:lstStyle/>
+          <a:p>
+            <a:pPr algn="ctr"/>
+            <a:endParaRPr lang="en-US"/>
+          </a:p>
+        </p:txBody>
+      </p:sp>
+      <p:sp>
+        <p:nvSpPr>
+          <p:cNvPr id="11" name="Rectangle 10">
+            <a:extLst>
+              <a:ext uri="{FF2B5EF4-FFF2-40B4-BE49-F238E27FC236}">
+                <a16:creationId xmlns:a16="http://schemas.microsoft.com/office/drawing/2014/main" id="{493D7220-9A41-4B89-8A05-2E854925EDA1}"/>
+              </a:ext>
+              <a:ext uri="{C183D7F6-B498-43B3-948B-1728B52AA6E4}">
+                <adec:decorative xmlns:adec="http://schemas.microsoft.com/office/drawing/2017/decorative" val="1"/>
+              </a:ext>
+            </a:extLst>
+          </p:cNvPr>
+          <p:cNvSpPr>
+            <a:spLocks noGrp="1" noRot="1" noChangeAspect="1" noMove="1" noResize="1" noEditPoints="1" noAdjustHandles="1" noChangeArrowheads="1" noChangeShapeType="1" noTextEdit="1"/>
+          </p:cNvSpPr>
+          <p:nvPr>
+            <p:extLst>
+              <p:ext uri="{386F3935-93C4-4BCD-93E2-E3B085C9AB24}">
+                <p16:designElem xmlns:p16="http://schemas.microsoft.com/office/powerpoint/2015/main" val="1"/>
+              </p:ext>
+            </p:extLst>
+          </p:nvPr>
+        </p:nvSpPr>
+        <p:spPr>
+          <a:xfrm>
+            <a:off x="1524" y="0"/>
+            <a:ext cx="12188952" cy="6858000"/>
+          </a:xfrm>
+          <a:prstGeom prst="rect">
+            <a:avLst/>
+          </a:prstGeom>
+          <a:solidFill>
+            <a:srgbClr val="000000"/>
+          </a:solidFill>
+          <a:ln>
+            <a:noFill/>
+          </a:ln>
+        </p:spPr>
+        <p:style>
+          <a:lnRef idx="2">
+            <a:schemeClr val="accent1">
+              <a:shade val="50000"/>
+            </a:schemeClr>
+          </a:lnRef>
+          <a:fillRef idx="1">
+            <a:schemeClr val="accent1"/>
+          </a:fillRef>
+          <a:effectRef idx="0">
+            <a:schemeClr val="accent1"/>
+          </a:effectRef>
+          <a:fontRef idx="minor">
+            <a:schemeClr val="lt1"/>
+          </a:fontRef>
+        </p:style>
+        <p:txBody>
+          <a:bodyPr rtlCol="0" anchor="ctr"/>
+          <a:lstStyle/>
+          <a:p>
+            <a:pPr algn="ctr"/>
+            <a:endParaRPr lang="en-US" sz="900">
+              <a:solidFill>
+                <a:schemeClr val="bg1"/>
+              </a:solidFill>
+              <a:latin typeface="+mj-lt"/>
+            </a:endParaRPr>
+          </a:p>
+        </p:txBody>
+      </p:sp>
+      <p:pic>
+        <p:nvPicPr>
+          <p:cNvPr id="5" name="Picture 4">
+            <a:extLst>
+              <a:ext uri="{FF2B5EF4-FFF2-40B4-BE49-F238E27FC236}">
+                <a16:creationId xmlns:a16="http://schemas.microsoft.com/office/drawing/2014/main" id="{2035B86C-CEE6-CE0E-97B1-F50B41276817}"/>
+              </a:ext>
+            </a:extLst>
+          </p:cNvPr>
+          <p:cNvPicPr>
+            <a:picLocks noChangeAspect="1"/>
+          </p:cNvPicPr>
+          <p:nvPr/>
+        </p:nvPicPr>
+        <p:blipFill rotWithShape="1">
+          <a:blip r:embed="rId2">
+            <a:alphaModFix amt="35000"/>
+          </a:blip>
+          <a:srcRect l="25"/>
+          <a:stretch/>
+        </p:blipFill>
+        <p:spPr>
+          <a:xfrm>
+            <a:off x="1525" y="10"/>
+            <a:ext cx="12188951" cy="6857990"/>
+          </a:xfrm>
+          <a:prstGeom prst="rect">
+            <a:avLst/>
+          </a:prstGeom>
+        </p:spPr>
+      </p:pic>
+      <p:grpSp>
+        <p:nvGrpSpPr>
+          <p:cNvPr id="13" name="decorative circles">
+            <a:extLst>
+              <a:ext uri="{FF2B5EF4-FFF2-40B4-BE49-F238E27FC236}">
+                <a16:creationId xmlns:a16="http://schemas.microsoft.com/office/drawing/2014/main" id="{C1F869AB-954B-4EAB-8260-60AE9C8D0C6F}"/>
+              </a:ext>
+              <a:ext uri="{C183D7F6-B498-43B3-948B-1728B52AA6E4}">
+                <adec:decorative xmlns:adec="http://schemas.microsoft.com/office/drawing/2017/decorative" val="1"/>
+              </a:ext>
+            </a:extLst>
+          </p:cNvPr>
+          <p:cNvGrpSpPr>
+            <a:grpSpLocks noGrp="1" noUngrp="1" noRot="1" noChangeAspect="1" noMove="1" noResize="1"/>
+          </p:cNvGrpSpPr>
+          <p:nvPr>
+            <p:extLst>
+              <p:ext uri="{386F3935-93C4-4BCD-93E2-E3B085C9AB24}">
+                <p16:designElem xmlns:p16="http://schemas.microsoft.com/office/powerpoint/2015/main" val="1"/>
+              </p:ext>
+            </p:extLst>
+          </p:nvPr>
+        </p:nvGrpSpPr>
+        <p:grpSpPr>
+          <a:xfrm>
+            <a:off x="314102" y="236341"/>
+            <a:ext cx="11340713" cy="5464029"/>
+            <a:chOff x="314102" y="236341"/>
+            <a:chExt cx="11340713" cy="5464029"/>
+          </a:xfrm>
+        </p:grpSpPr>
+        <p:sp>
+          <p:nvSpPr>
+            <p:cNvPr id="14" name="Oval 13">
+              <a:extLst>
+                <a:ext uri="{FF2B5EF4-FFF2-40B4-BE49-F238E27FC236}">
+                  <a16:creationId xmlns:a16="http://schemas.microsoft.com/office/drawing/2014/main" id="{73902316-BF90-4159-9FD2-6CFCCF7BE2FF}"/>
+                </a:ext>
+                <a:ext uri="{C183D7F6-B498-43B3-948B-1728B52AA6E4}">
+                  <adec:decorative xmlns:adec="http://schemas.microsoft.com/office/drawing/2017/decorative" val="1"/>
+                </a:ext>
+              </a:extLst>
+            </p:cNvPr>
+            <p:cNvSpPr/>
+            <p:nvPr>
+              <p:extLst>
+                <p:ext uri="{386F3935-93C4-4BCD-93E2-E3B085C9AB24}">
+                  <p16:designElem xmlns:p16="http://schemas.microsoft.com/office/powerpoint/2015/main" val="1"/>
+                </p:ext>
+              </p:extLst>
+            </p:nvPr>
+          </p:nvSpPr>
+          <p:spPr>
+            <a:xfrm>
+              <a:off x="7760448" y="3803994"/>
+              <a:ext cx="94160" cy="94160"/>
+            </a:xfrm>
+            <a:prstGeom prst="ellipse">
+              <a:avLst/>
+            </a:prstGeom>
+            <a:solidFill>
+              <a:srgbClr val="E3BEBE">
+                <a:alpha val="28000"/>
+              </a:srgbClr>
+            </a:solidFill>
+            <a:ln>
+              <a:noFill/>
+            </a:ln>
+          </p:spPr>
+          <p:style>
+            <a:lnRef idx="2">
+              <a:schemeClr val="accent1">
+                <a:shade val="50000"/>
+              </a:schemeClr>
+            </a:lnRef>
+            <a:fillRef idx="1">
+              <a:schemeClr val="accent1"/>
+            </a:fillRef>
+            <a:effectRef idx="0">
+              <a:schemeClr val="accent1"/>
+            </a:effectRef>
+            <a:fontRef idx="minor">
+              <a:schemeClr val="lt1"/>
+            </a:fontRef>
+          </p:style>
+          <p:txBody>
+            <a:bodyPr rtlCol="0" anchor="ctr"/>
+            <a:lstStyle/>
+            <a:p>
+              <a:pPr algn="ctr"/>
+              <a:endParaRPr lang="en-US"/>
+            </a:p>
+          </p:txBody>
+        </p:sp>
+        <p:sp>
+          <p:nvSpPr>
+            <p:cNvPr id="15" name="Oval 14">
+              <a:extLst>
+                <a:ext uri="{FF2B5EF4-FFF2-40B4-BE49-F238E27FC236}">
+                  <a16:creationId xmlns:a16="http://schemas.microsoft.com/office/drawing/2014/main" id="{EF0C14E3-3AAA-4BA8-93F9-856D029676CC}"/>
+                </a:ext>
+                <a:ext uri="{C183D7F6-B498-43B3-948B-1728B52AA6E4}">
+                  <adec:decorative xmlns:adec="http://schemas.microsoft.com/office/drawing/2017/decorative" val="1"/>
+                </a:ext>
+              </a:extLst>
+            </p:cNvPr>
+            <p:cNvSpPr/>
+            <p:nvPr>
+              <p:extLst>
+                <p:ext uri="{386F3935-93C4-4BCD-93E2-E3B085C9AB24}">
+                  <p16:designElem xmlns:p16="http://schemas.microsoft.com/office/powerpoint/2015/main" val="1"/>
+                </p:ext>
+              </p:extLst>
+            </p:nvPr>
+          </p:nvSpPr>
+          <p:spPr>
+            <a:xfrm>
+              <a:off x="314102" y="3044381"/>
+              <a:ext cx="226735" cy="226735"/>
+            </a:xfrm>
+            <a:prstGeom prst="ellipse">
+              <a:avLst/>
+            </a:prstGeom>
+            <a:solidFill>
+              <a:schemeClr val="tx2">
+                <a:lumMod val="50000"/>
+                <a:lumOff val="50000"/>
+              </a:schemeClr>
+            </a:solidFill>
+            <a:ln>
+              <a:noFill/>
+            </a:ln>
+          </p:spPr>
+          <p:style>
+            <a:lnRef idx="2">
+              <a:schemeClr val="accent1">
+                <a:shade val="50000"/>
+              </a:schemeClr>
+            </a:lnRef>
+            <a:fillRef idx="1">
+              <a:schemeClr val="accent1"/>
+            </a:fillRef>
+            <a:effectRef idx="0">
+              <a:schemeClr val="accent1"/>
+            </a:effectRef>
+            <a:fontRef idx="minor">
+              <a:schemeClr val="lt1"/>
+            </a:fontRef>
+          </p:style>
+          <p:txBody>
+            <a:bodyPr rtlCol="0" anchor="ctr"/>
+            <a:lstStyle/>
+            <a:p>
+              <a:pPr algn="ctr"/>
+              <a:endParaRPr lang="en-US"/>
+            </a:p>
+          </p:txBody>
+        </p:sp>
+        <p:sp>
+          <p:nvSpPr>
+            <p:cNvPr id="16" name="Oval 15">
+              <a:extLst>
+                <a:ext uri="{FF2B5EF4-FFF2-40B4-BE49-F238E27FC236}">
+                  <a16:creationId xmlns:a16="http://schemas.microsoft.com/office/drawing/2014/main" id="{EECE6F6B-297F-4766-8C04-0960E9960056}"/>
+                </a:ext>
+                <a:ext uri="{C183D7F6-B498-43B3-948B-1728B52AA6E4}">
+                  <adec:decorative xmlns:adec="http://schemas.microsoft.com/office/drawing/2017/decorative" val="1"/>
+                </a:ext>
+              </a:extLst>
+            </p:cNvPr>
+            <p:cNvSpPr/>
+            <p:nvPr>
+              <p:extLst>
+                <p:ext uri="{386F3935-93C4-4BCD-93E2-E3B085C9AB24}">
+                  <p16:designElem xmlns:p16="http://schemas.microsoft.com/office/powerpoint/2015/main" val="1"/>
+                </p:ext>
+              </p:extLst>
+            </p:nvPr>
+          </p:nvSpPr>
+          <p:spPr>
+            <a:xfrm>
+              <a:off x="11188374" y="386135"/>
+              <a:ext cx="466441" cy="466441"/>
+            </a:xfrm>
+            <a:prstGeom prst="ellipse">
+              <a:avLst/>
+            </a:prstGeom>
+            <a:solidFill>
+              <a:schemeClr val="accent2">
+                <a:lumMod val="60000"/>
+                <a:lumOff val="40000"/>
+                <a:alpha val="72000"/>
+              </a:schemeClr>
+            </a:solidFill>
+            <a:ln>
+              <a:noFill/>
+            </a:ln>
+          </p:spPr>
+          <p:style>
+            <a:lnRef idx="2">
+              <a:schemeClr val="accent1">
+                <a:shade val="50000"/>
+              </a:schemeClr>
+            </a:lnRef>
+            <a:fillRef idx="1">
+              <a:schemeClr val="accent1"/>
+            </a:fillRef>
+            <a:effectRef idx="0">
+              <a:schemeClr val="accent1"/>
+            </a:effectRef>
+            <a:fontRef idx="minor">
+              <a:schemeClr val="lt1"/>
+            </a:fontRef>
+          </p:style>
+          <p:txBody>
+            <a:bodyPr rtlCol="0" anchor="ctr"/>
+            <a:lstStyle/>
+            <a:p>
+              <a:pPr algn="ctr"/>
+              <a:endParaRPr lang="en-US"/>
+            </a:p>
+          </p:txBody>
+        </p:sp>
+        <p:sp>
+          <p:nvSpPr>
+            <p:cNvPr id="17" name="Oval 16">
+              <a:extLst>
+                <a:ext uri="{FF2B5EF4-FFF2-40B4-BE49-F238E27FC236}">
+                  <a16:creationId xmlns:a16="http://schemas.microsoft.com/office/drawing/2014/main" id="{44AE5C63-0522-4DDF-B67A-5DA271883BCE}"/>
+                </a:ext>
+                <a:ext uri="{C183D7F6-B498-43B3-948B-1728B52AA6E4}">
+                  <adec:decorative xmlns:adec="http://schemas.microsoft.com/office/drawing/2017/decorative" val="1"/>
+                </a:ext>
+              </a:extLst>
+            </p:cNvPr>
+            <p:cNvSpPr/>
+            <p:nvPr>
+              <p:extLst>
+                <p:ext uri="{386F3935-93C4-4BCD-93E2-E3B085C9AB24}">
+                  <p16:designElem xmlns:p16="http://schemas.microsoft.com/office/powerpoint/2015/main" val="1"/>
+                </p:ext>
+              </p:extLst>
+            </p:nvPr>
+          </p:nvSpPr>
+          <p:spPr>
+            <a:xfrm>
+              <a:off x="11065714" y="236341"/>
+              <a:ext cx="113367" cy="113367"/>
+            </a:xfrm>
+            <a:prstGeom prst="ellipse">
+              <a:avLst/>
+            </a:prstGeom>
+            <a:solidFill>
+              <a:srgbClr val="F39E29"/>
+            </a:solidFill>
+            <a:ln>
+              <a:noFill/>
+            </a:ln>
+          </p:spPr>
+          <p:style>
+            <a:lnRef idx="2">
+              <a:schemeClr val="accent1">
+                <a:shade val="50000"/>
+              </a:schemeClr>
+            </a:lnRef>
+            <a:fillRef idx="1">
+              <a:schemeClr val="accent1"/>
+            </a:fillRef>
+            <a:effectRef idx="0">
+              <a:schemeClr val="accent1"/>
+            </a:effectRef>
+            <a:fontRef idx="minor">
+              <a:schemeClr val="lt1"/>
+            </a:fontRef>
+          </p:style>
+          <p:txBody>
+            <a:bodyPr rtlCol="0" anchor="ctr"/>
+            <a:lstStyle/>
+            <a:p>
+              <a:pPr algn="ctr"/>
+              <a:endParaRPr lang="en-US"/>
+            </a:p>
+          </p:txBody>
+        </p:sp>
+        <p:sp>
+          <p:nvSpPr>
+            <p:cNvPr id="18" name="Oval 17">
+              <a:extLst>
+                <a:ext uri="{FF2B5EF4-FFF2-40B4-BE49-F238E27FC236}">
+                  <a16:creationId xmlns:a16="http://schemas.microsoft.com/office/drawing/2014/main" id="{64F95A54-2855-4B65-82E3-A9D306CBA180}"/>
+                </a:ext>
+                <a:ext uri="{C183D7F6-B498-43B3-948B-1728B52AA6E4}">
+                  <adec:decorative xmlns:adec="http://schemas.microsoft.com/office/drawing/2017/decorative" val="1"/>
+                </a:ext>
+              </a:extLst>
+            </p:cNvPr>
+            <p:cNvSpPr/>
+            <p:nvPr>
+              <p:extLst>
+                <p:ext uri="{386F3935-93C4-4BCD-93E2-E3B085C9AB24}">
+                  <p16:designElem xmlns:p16="http://schemas.microsoft.com/office/powerpoint/2015/main" val="1"/>
+                </p:ext>
+              </p:extLst>
+            </p:nvPr>
+          </p:nvSpPr>
+          <p:spPr>
+            <a:xfrm>
+              <a:off x="751535" y="2516671"/>
+              <a:ext cx="466441" cy="466441"/>
+            </a:xfrm>
+            <a:prstGeom prst="ellipse">
+              <a:avLst/>
+            </a:prstGeom>
+            <a:solidFill>
+              <a:schemeClr val="accent1"/>
+            </a:solidFill>
+            <a:ln>
+              <a:noFill/>
+            </a:ln>
+          </p:spPr>
+          <p:style>
+            <a:lnRef idx="2">
+              <a:schemeClr val="accent1">
+                <a:shade val="50000"/>
+              </a:schemeClr>
+            </a:lnRef>
+            <a:fillRef idx="1">
+              <a:schemeClr val="accent1"/>
+            </a:fillRef>
+            <a:effectRef idx="0">
+              <a:schemeClr val="accent1"/>
+            </a:effectRef>
+            <a:fontRef idx="minor">
+              <a:schemeClr val="lt1"/>
+            </a:fontRef>
+          </p:style>
+          <p:txBody>
+            <a:bodyPr rtlCol="0" anchor="ctr"/>
+            <a:lstStyle/>
+            <a:p>
+              <a:pPr algn="ctr"/>
+              <a:endParaRPr lang="en-US"/>
+            </a:p>
+          </p:txBody>
+        </p:sp>
+        <p:sp>
+          <p:nvSpPr>
+            <p:cNvPr id="19" name="Oval 18">
+              <a:extLst>
+                <a:ext uri="{FF2B5EF4-FFF2-40B4-BE49-F238E27FC236}">
+                  <a16:creationId xmlns:a16="http://schemas.microsoft.com/office/drawing/2014/main" id="{164F2D59-D40C-482F-BF5E-7FA622D970FD}"/>
+                </a:ext>
+                <a:ext uri="{C183D7F6-B498-43B3-948B-1728B52AA6E4}">
+                  <adec:decorative xmlns:adec="http://schemas.microsoft.com/office/drawing/2017/decorative" val="1"/>
+                </a:ext>
+              </a:extLst>
+            </p:cNvPr>
+            <p:cNvSpPr/>
+            <p:nvPr>
+              <p:extLst>
+                <p:ext uri="{386F3935-93C4-4BCD-93E2-E3B085C9AB24}">
+                  <p16:designElem xmlns:p16="http://schemas.microsoft.com/office/powerpoint/2015/main" val="1"/>
+                </p:ext>
+              </p:extLst>
+            </p:nvPr>
+          </p:nvSpPr>
+          <p:spPr>
+            <a:xfrm>
+              <a:off x="11230142" y="4588038"/>
+              <a:ext cx="113367" cy="113367"/>
+            </a:xfrm>
+            <a:prstGeom prst="ellipse">
+              <a:avLst/>
+            </a:prstGeom>
+            <a:solidFill>
+              <a:schemeClr val="accent3"/>
+            </a:solidFill>
+            <a:ln>
+              <a:noFill/>
+            </a:ln>
+          </p:spPr>
+          <p:style>
+            <a:lnRef idx="2">
+              <a:schemeClr val="accent1">
+                <a:shade val="50000"/>
+              </a:schemeClr>
+            </a:lnRef>
+            <a:fillRef idx="1">
+              <a:schemeClr val="accent1"/>
+            </a:fillRef>
+            <a:effectRef idx="0">
+              <a:schemeClr val="accent1"/>
+            </a:effectRef>
+            <a:fontRef idx="minor">
+              <a:schemeClr val="lt1"/>
+            </a:fontRef>
+          </p:style>
+          <p:txBody>
+            <a:bodyPr rtlCol="0" anchor="ctr"/>
+            <a:lstStyle/>
+            <a:p>
+              <a:pPr algn="ctr"/>
+              <a:endParaRPr lang="en-US"/>
+            </a:p>
+          </p:txBody>
+        </p:sp>
+        <p:sp>
+          <p:nvSpPr>
+            <p:cNvPr id="20" name="Oval 19">
+              <a:extLst>
+                <a:ext uri="{FF2B5EF4-FFF2-40B4-BE49-F238E27FC236}">
+                  <a16:creationId xmlns:a16="http://schemas.microsoft.com/office/drawing/2014/main" id="{9DCE1484-E528-418A-9339-8410B8F71B24}"/>
+                </a:ext>
+                <a:ext uri="{C183D7F6-B498-43B3-948B-1728B52AA6E4}">
+                  <adec:decorative xmlns:adec="http://schemas.microsoft.com/office/drawing/2017/decorative" val="1"/>
+                </a:ext>
+              </a:extLst>
+            </p:cNvPr>
+            <p:cNvSpPr/>
+            <p:nvPr>
+              <p:extLst>
+                <p:ext uri="{386F3935-93C4-4BCD-93E2-E3B085C9AB24}">
+                  <p16:designElem xmlns:p16="http://schemas.microsoft.com/office/powerpoint/2015/main" val="1"/>
+                </p:ext>
+              </p:extLst>
+            </p:nvPr>
+          </p:nvSpPr>
+          <p:spPr>
+            <a:xfrm>
+              <a:off x="10902046" y="5394590"/>
+              <a:ext cx="305780" cy="305780"/>
+            </a:xfrm>
+            <a:prstGeom prst="ellipse">
+              <a:avLst/>
+            </a:prstGeom>
+            <a:solidFill>
+              <a:schemeClr val="accent1">
+                <a:lumMod val="40000"/>
+                <a:lumOff val="60000"/>
+              </a:schemeClr>
+            </a:solidFill>
+            <a:ln>
+              <a:noFill/>
+            </a:ln>
+          </p:spPr>
+          <p:style>
+            <a:lnRef idx="2">
+              <a:schemeClr val="accent1">
+                <a:shade val="50000"/>
+              </a:schemeClr>
+            </a:lnRef>
+            <a:fillRef idx="1">
+              <a:schemeClr val="accent1"/>
+            </a:fillRef>
+            <a:effectRef idx="0">
+              <a:schemeClr val="accent1"/>
+            </a:effectRef>
+            <a:fontRef idx="minor">
+              <a:schemeClr val="lt1"/>
+            </a:fontRef>
+          </p:style>
+          <p:txBody>
+            <a:bodyPr rtlCol="0" anchor="ctr"/>
+            <a:lstStyle/>
+            <a:p>
+              <a:pPr algn="ctr"/>
+              <a:endParaRPr lang="en-US"/>
+            </a:p>
+          </p:txBody>
+        </p:sp>
+        <p:sp>
+          <p:nvSpPr>
+            <p:cNvPr id="21" name="Oval 20">
+              <a:extLst>
+                <a:ext uri="{FF2B5EF4-FFF2-40B4-BE49-F238E27FC236}">
+                  <a16:creationId xmlns:a16="http://schemas.microsoft.com/office/drawing/2014/main" id="{B471ADFB-A135-4594-B9A3-481A91AE2D38}"/>
+                </a:ext>
+                <a:ext uri="{C183D7F6-B498-43B3-948B-1728B52AA6E4}">
+                  <adec:decorative xmlns:adec="http://schemas.microsoft.com/office/drawing/2017/decorative" val="1"/>
+                </a:ext>
+              </a:extLst>
+            </p:cNvPr>
+            <p:cNvSpPr/>
+            <p:nvPr>
+              <p:extLst>
+                <p:ext uri="{386F3935-93C4-4BCD-93E2-E3B085C9AB24}">
+                  <p16:designElem xmlns:p16="http://schemas.microsoft.com/office/powerpoint/2015/main" val="1"/>
+                </p:ext>
+              </p:extLst>
+            </p:nvPr>
+          </p:nvSpPr>
+          <p:spPr>
+            <a:xfrm>
+              <a:off x="10408287" y="5160714"/>
+              <a:ext cx="113367" cy="113367"/>
+            </a:xfrm>
+            <a:prstGeom prst="ellipse">
+              <a:avLst/>
+            </a:prstGeom>
+            <a:solidFill>
+              <a:schemeClr val="accent5"/>
+            </a:solidFill>
+            <a:ln>
+              <a:noFill/>
+            </a:ln>
+          </p:spPr>
+          <p:style>
+            <a:lnRef idx="2">
+              <a:schemeClr val="accent1">
+                <a:shade val="50000"/>
+              </a:schemeClr>
+            </a:lnRef>
+            <a:fillRef idx="1">
+              <a:schemeClr val="accent1"/>
+            </a:fillRef>
+            <a:effectRef idx="0">
+              <a:schemeClr val="accent1"/>
+            </a:effectRef>
+            <a:fontRef idx="minor">
+              <a:schemeClr val="lt1"/>
+            </a:fontRef>
+          </p:style>
+          <p:txBody>
+            <a:bodyPr rtlCol="0" anchor="ctr"/>
+            <a:lstStyle/>
+            <a:p>
+              <a:pPr algn="ctr"/>
+              <a:endParaRPr lang="en-US"/>
+            </a:p>
+          </p:txBody>
+        </p:sp>
+      </p:grpSp>
+      <p:sp>
+        <p:nvSpPr>
+          <p:cNvPr id="2" name="Title 1">
+            <a:extLst>
+              <a:ext uri="{FF2B5EF4-FFF2-40B4-BE49-F238E27FC236}">
+                <a16:creationId xmlns:a16="http://schemas.microsoft.com/office/drawing/2014/main" id="{E81E3B38-721B-FC03-AAB1-7B2AE2A6BBD7}"/>
+              </a:ext>
+            </a:extLst>
+          </p:cNvPr>
+          <p:cNvSpPr>
+            <a:spLocks noGrp="1"/>
+          </p:cNvSpPr>
+          <p:nvPr>
+            <p:ph type="title"/>
+          </p:nvPr>
+        </p:nvSpPr>
+        <p:spPr>
+          <a:xfrm>
+            <a:off x="3327722" y="777240"/>
+            <a:ext cx="5782804" cy="2493876"/>
+          </a:xfrm>
+        </p:spPr>
+        <p:txBody>
+          <a:bodyPr anchor="b">
+            <a:normAutofit/>
+          </a:bodyPr>
+          <a:lstStyle/>
+          <a:p>
+            <a:pPr algn="ctr"/>
+            <a:r>
+              <a:rPr lang="en-CA" sz="4400">
+                <a:solidFill>
+                  <a:srgbClr val="FFFFFF"/>
+                </a:solidFill>
+              </a:rPr>
+              <a:t>Guiding Question 4</a:t>
+            </a:r>
+          </a:p>
+        </p:txBody>
+      </p:sp>
+      <p:sp>
+        <p:nvSpPr>
+          <p:cNvPr id="3" name="Content Placeholder 2">
+            <a:extLst>
+              <a:ext uri="{FF2B5EF4-FFF2-40B4-BE49-F238E27FC236}">
+                <a16:creationId xmlns:a16="http://schemas.microsoft.com/office/drawing/2014/main" id="{129A386F-B676-F76D-0685-5FF2E92740AC}"/>
+              </a:ext>
+            </a:extLst>
+          </p:cNvPr>
+          <p:cNvSpPr>
+            <a:spLocks noGrp="1"/>
+          </p:cNvSpPr>
+          <p:nvPr>
+            <p:ph idx="1"/>
+          </p:nvPr>
+        </p:nvSpPr>
+        <p:spPr>
+          <a:xfrm>
+            <a:off x="3327722" y="3429000"/>
+            <a:ext cx="5782804" cy="2333562"/>
+          </a:xfrm>
+        </p:spPr>
+        <p:txBody>
+          <a:bodyPr anchor="t">
+            <a:normAutofit/>
+          </a:bodyPr>
+          <a:lstStyle/>
+          <a:p>
+            <a:pPr algn="ctr"/>
+            <a:r>
+              <a:rPr lang="en-CA" sz="1800" dirty="0">
+                <a:solidFill>
+                  <a:srgbClr val="FFFFFF"/>
+                </a:solidFill>
+              </a:rPr>
+              <a:t>How do sleep disorders impact quality and hours of sleep?</a:t>
+            </a:r>
+            <a:endParaRPr lang="en-US" sz="1800" dirty="0">
+              <a:solidFill>
+                <a:srgbClr val="FFFFFF"/>
+              </a:solidFill>
+            </a:endParaRPr>
+          </a:p>
+          <a:p>
+            <a:pPr algn="ctr"/>
+            <a:endParaRPr lang="en-CA" sz="1800" dirty="0">
+              <a:solidFill>
+                <a:srgbClr val="FFFFFF"/>
+              </a:solidFill>
+            </a:endParaRPr>
+          </a:p>
+        </p:txBody>
+      </p:sp>
+    </p:spTree>
+    <p:extLst>
+      <p:ext uri="{BB962C8B-B14F-4D97-AF65-F5344CB8AC3E}">
+        <p14:creationId xmlns:p14="http://schemas.microsoft.com/office/powerpoint/2010/main" val="1606046683"/>
+      </p:ext>
+    </p:extLst>
+  </p:cSld>
+  <p:clrMapOvr>
+    <a:masterClrMapping/>
+  </p:clrMapOvr>
+</p:sld>
+</file>
+
+<file path=ppt/slides/slide22.xml><?xml version="1.0" encoding="utf-8"?>
+<p:sld xmlns:a="http://schemas.openxmlformats.org/drawingml/2006/main" xmlns:r="http://schemas.openxmlformats.org/officeDocument/2006/relationships" xmlns:p="http://schemas.openxmlformats.org/presentationml/2006/main">
+  <p:cSld>
+    <p:spTree>
+      <p:nvGrpSpPr>
+        <p:cNvPr id="1" name=""/>
+        <p:cNvGrpSpPr/>
+        <p:nvPr/>
+      </p:nvGrpSpPr>
+      <p:grpSpPr>
+        <a:xfrm>
+          <a:off x="0" y="0"/>
+          <a:ext cx="0" cy="0"/>
+          <a:chOff x="0" y="0"/>
+          <a:chExt cx="0" cy="0"/>
+        </a:xfrm>
+      </p:grpSpPr>
+      <p:sp>
+        <p:nvSpPr>
+          <p:cNvPr id="2" name="Title 1">
+            <a:extLst>
+              <a:ext uri="{FF2B5EF4-FFF2-40B4-BE49-F238E27FC236}">
+                <a16:creationId xmlns:a16="http://schemas.microsoft.com/office/drawing/2014/main" id="{0BF1D489-F040-1A7B-4782-72F36211A9A1}"/>
+              </a:ext>
+            </a:extLst>
+          </p:cNvPr>
+          <p:cNvSpPr>
+            <a:spLocks noGrp="1"/>
+          </p:cNvSpPr>
+          <p:nvPr>
+            <p:ph type="title"/>
+          </p:nvPr>
+        </p:nvSpPr>
+        <p:spPr/>
+        <p:txBody>
+          <a:bodyPr/>
+          <a:lstStyle/>
+          <a:p>
+            <a:endParaRPr lang="en-CA"/>
+          </a:p>
+        </p:txBody>
+      </p:sp>
+      <p:pic>
+        <p:nvPicPr>
+          <p:cNvPr id="5" name="Content Placeholder 4" descr="A graph of different types of numbers&#10;&#10;Description automatically generated with medium confidence">
+            <a:extLst>
+              <a:ext uri="{FF2B5EF4-FFF2-40B4-BE49-F238E27FC236}">
+                <a16:creationId xmlns:a16="http://schemas.microsoft.com/office/drawing/2014/main" id="{DE75CD5A-B088-E2A4-45AB-7283A53C9EF7}"/>
+              </a:ext>
+            </a:extLst>
+          </p:cNvPr>
+          <p:cNvPicPr>
+            <a:picLocks noGrp="1" noChangeAspect="1"/>
+          </p:cNvPicPr>
+          <p:nvPr>
+            <p:ph idx="1"/>
+          </p:nvPr>
+        </p:nvPicPr>
+        <p:blipFill>
+          <a:blip r:embed="rId2">
+            <a:extLst>
+              <a:ext uri="{28A0092B-C50C-407E-A947-70E740481C1C}">
+                <a14:useLocalDpi xmlns:a14="http://schemas.microsoft.com/office/drawing/2010/main" val="0"/>
+              </a:ext>
+            </a:extLst>
+          </a:blip>
+          <a:stretch>
+            <a:fillRect/>
+          </a:stretch>
+        </p:blipFill>
+        <p:spPr>
+          <a:xfrm>
+            <a:off x="1637508" y="0"/>
+            <a:ext cx="8916983" cy="6858000"/>
+          </a:xfrm>
+        </p:spPr>
+      </p:pic>
+    </p:spTree>
+    <p:extLst>
+      <p:ext uri="{BB962C8B-B14F-4D97-AF65-F5344CB8AC3E}">
+        <p14:creationId xmlns:p14="http://schemas.microsoft.com/office/powerpoint/2010/main" val="3045606461"/>
+      </p:ext>
+    </p:extLst>
+  </p:cSld>
+  <p:clrMapOvr>
+    <a:masterClrMapping/>
+  </p:clrMapOvr>
+</p:sld>
+</file>
+
+<file path=ppt/slides/slide23.xml><?xml version="1.0" encoding="utf-8"?>
+<p:sld xmlns:a="http://schemas.openxmlformats.org/drawingml/2006/main" xmlns:r="http://schemas.openxmlformats.org/officeDocument/2006/relationships" xmlns:p="http://schemas.openxmlformats.org/presentationml/2006/main">
+  <p:cSld>
+    <p:spTree>
+      <p:nvGrpSpPr>
+        <p:cNvPr id="1" name=""/>
+        <p:cNvGrpSpPr/>
+        <p:nvPr/>
+      </p:nvGrpSpPr>
+      <p:grpSpPr>
+        <a:xfrm>
+          <a:off x="0" y="0"/>
+          <a:ext cx="0" cy="0"/>
+          <a:chOff x="0" y="0"/>
+          <a:chExt cx="0" cy="0"/>
+        </a:xfrm>
+      </p:grpSpPr>
+      <p:sp>
+        <p:nvSpPr>
+          <p:cNvPr id="2" name="Title 1">
+            <a:extLst>
+              <a:ext uri="{FF2B5EF4-FFF2-40B4-BE49-F238E27FC236}">
+                <a16:creationId xmlns:a16="http://schemas.microsoft.com/office/drawing/2014/main" id="{254DB0EF-8CD1-352A-71EE-A220F56F9834}"/>
+              </a:ext>
+            </a:extLst>
+          </p:cNvPr>
+          <p:cNvSpPr>
+            <a:spLocks noGrp="1"/>
+          </p:cNvSpPr>
+          <p:nvPr>
+            <p:ph type="title"/>
+          </p:nvPr>
+        </p:nvSpPr>
+        <p:spPr/>
+        <p:txBody>
+          <a:bodyPr/>
+          <a:lstStyle/>
+          <a:p>
+            <a:endParaRPr lang="en-CA"/>
+          </a:p>
+        </p:txBody>
+      </p:sp>
+      <p:pic>
+        <p:nvPicPr>
+          <p:cNvPr id="5" name="Content Placeholder 4" descr="A graph of a chart&#10;&#10;Description automatically generated with medium confidence">
+            <a:extLst>
+              <a:ext uri="{FF2B5EF4-FFF2-40B4-BE49-F238E27FC236}">
+                <a16:creationId xmlns:a16="http://schemas.microsoft.com/office/drawing/2014/main" id="{03C411F5-1D11-381B-DF9D-585507CC03AB}"/>
+              </a:ext>
+            </a:extLst>
+          </p:cNvPr>
+          <p:cNvPicPr>
+            <a:picLocks noGrp="1" noChangeAspect="1"/>
+          </p:cNvPicPr>
+          <p:nvPr>
+            <p:ph idx="1"/>
+          </p:nvPr>
+        </p:nvPicPr>
+        <p:blipFill>
+          <a:blip r:embed="rId2">
+            <a:extLst>
+              <a:ext uri="{28A0092B-C50C-407E-A947-70E740481C1C}">
+                <a14:useLocalDpi xmlns:a14="http://schemas.microsoft.com/office/drawing/2010/main" val="0"/>
+              </a:ext>
+            </a:extLst>
+          </a:blip>
+          <a:stretch>
+            <a:fillRect/>
+          </a:stretch>
+        </p:blipFill>
+        <p:spPr>
+          <a:xfrm>
+            <a:off x="1708781" y="0"/>
+            <a:ext cx="8774438" cy="6858000"/>
+          </a:xfrm>
+        </p:spPr>
+      </p:pic>
+    </p:spTree>
+    <p:extLst>
+      <p:ext uri="{BB962C8B-B14F-4D97-AF65-F5344CB8AC3E}">
+        <p14:creationId xmlns:p14="http://schemas.microsoft.com/office/powerpoint/2010/main" val="2000894961"/>
+      </p:ext>
+    </p:extLst>
+  </p:cSld>
+  <p:clrMapOvr>
+    <a:masterClrMapping/>
+  </p:clrMapOvr>
+</p:sld>
+</file>
+
+<file path=ppt/slides/slide24.xml><?xml version="1.0" encoding="utf-8"?>
+<p:sld xmlns:a="http://schemas.openxmlformats.org/drawingml/2006/main" xmlns:r="http://schemas.openxmlformats.org/officeDocument/2006/relationships" xmlns:p="http://schemas.openxmlformats.org/presentationml/2006/main">
+  <p:cSld>
+    <p:bg>
+      <p:bgPr>
+        <a:solidFill>
+          <a:schemeClr val="bg1"/>
+        </a:solidFill>
+        <a:effectLst/>
+      </p:bgPr>
+    </p:bg>
+    <p:spTree>
+      <p:nvGrpSpPr>
+        <p:cNvPr id="1" name=""/>
+        <p:cNvGrpSpPr/>
+        <p:nvPr/>
+      </p:nvGrpSpPr>
+      <p:grpSpPr>
+        <a:xfrm>
+          <a:off x="0" y="0"/>
+          <a:ext cx="0" cy="0"/>
+          <a:chOff x="0" y="0"/>
+          <a:chExt cx="0" cy="0"/>
+        </a:xfrm>
+      </p:grpSpPr>
+      <p:sp useBgFill="1">
+        <p:nvSpPr>
+          <p:cNvPr id="9" name="Rectangle 8">
+            <a:extLst>
+              <a:ext uri="{FF2B5EF4-FFF2-40B4-BE49-F238E27FC236}">
+                <a16:creationId xmlns:a16="http://schemas.microsoft.com/office/drawing/2014/main" id="{99B5B3C5-A599-465B-B2B9-866E8B2087CE}"/>
+              </a:ext>
+              <a:ext uri="{C183D7F6-B498-43B3-948B-1728B52AA6E4}">
+                <adec:decorative xmlns:adec="http://schemas.microsoft.com/office/drawing/2017/decorative" val="1"/>
+              </a:ext>
+            </a:extLst>
+          </p:cNvPr>
+          <p:cNvSpPr>
+            <a:spLocks noGrp="1" noRot="1" noChangeAspect="1" noMove="1" noResize="1" noEditPoints="1" noAdjustHandles="1" noChangeArrowheads="1" noChangeShapeType="1" noTextEdit="1"/>
+          </p:cNvSpPr>
+          <p:nvPr>
+            <p:extLst>
+              <p:ext uri="{386F3935-93C4-4BCD-93E2-E3B085C9AB24}">
+                <p16:designElem xmlns:p16="http://schemas.microsoft.com/office/powerpoint/2015/main" val="1"/>
+              </p:ext>
+            </p:extLst>
+          </p:nvPr>
+        </p:nvSpPr>
+        <p:spPr>
+          <a:xfrm>
+            <a:off x="-1" y="-1"/>
+            <a:ext cx="12192001" cy="6858001"/>
+          </a:xfrm>
+          <a:prstGeom prst="rect">
+            <a:avLst/>
+          </a:prstGeom>
+          <a:ln>
+            <a:noFill/>
+          </a:ln>
+        </p:spPr>
+        <p:style>
+          <a:lnRef idx="2">
+            <a:schemeClr val="accent1">
+              <a:shade val="50000"/>
+            </a:schemeClr>
+          </a:lnRef>
+          <a:fillRef idx="1">
+            <a:schemeClr val="accent1"/>
+          </a:fillRef>
+          <a:effectRef idx="0">
+            <a:schemeClr val="accent1"/>
+          </a:effectRef>
+          <a:fontRef idx="minor">
+            <a:schemeClr val="lt1"/>
+          </a:fontRef>
+        </p:style>
+        <p:txBody>
+          <a:bodyPr rtlCol="0" anchor="ctr"/>
+          <a:lstStyle/>
+          <a:p>
+            <a:pPr algn="ctr"/>
+            <a:endParaRPr lang="en-US" dirty="0"/>
+          </a:p>
+        </p:txBody>
+      </p:sp>
+      <p:sp>
+        <p:nvSpPr>
+          <p:cNvPr id="11" name="Rectangle 10">
+            <a:extLst>
+              <a:ext uri="{FF2B5EF4-FFF2-40B4-BE49-F238E27FC236}">
+                <a16:creationId xmlns:a16="http://schemas.microsoft.com/office/drawing/2014/main" id="{25C84982-7DD0-43B1-8A2D-BFA4DF1B4E60}"/>
+              </a:ext>
+              <a:ext uri="{C183D7F6-B498-43B3-948B-1728B52AA6E4}">
+                <adec:decorative xmlns:adec="http://schemas.microsoft.com/office/drawing/2017/decorative" val="1"/>
+              </a:ext>
+            </a:extLst>
+          </p:cNvPr>
+          <p:cNvSpPr>
+            <a:spLocks noGrp="1" noRot="1" noChangeAspect="1" noMove="1" noResize="1" noEditPoints="1" noAdjustHandles="1" noChangeArrowheads="1" noChangeShapeType="1" noTextEdit="1"/>
+          </p:cNvSpPr>
+          <p:nvPr>
+            <p:extLst>
+              <p:ext uri="{386F3935-93C4-4BCD-93E2-E3B085C9AB24}">
+                <p16:designElem xmlns:p16="http://schemas.microsoft.com/office/powerpoint/2015/main" val="1"/>
+              </p:ext>
+            </p:extLst>
+          </p:nvPr>
+        </p:nvSpPr>
+        <p:spPr>
+          <a:xfrm>
+            <a:off x="-1" y="-1"/>
+            <a:ext cx="12192001" cy="6858001"/>
+          </a:xfrm>
+          <a:prstGeom prst="rect">
+            <a:avLst/>
+          </a:prstGeom>
+          <a:solidFill>
+            <a:schemeClr val="bg2"/>
+          </a:solidFill>
+          <a:ln>
+            <a:noFill/>
+          </a:ln>
+        </p:spPr>
+        <p:style>
+          <a:lnRef idx="2">
+            <a:schemeClr val="accent1">
+              <a:shade val="50000"/>
+            </a:schemeClr>
+          </a:lnRef>
+          <a:fillRef idx="1">
+            <a:schemeClr val="accent1"/>
+          </a:fillRef>
+          <a:effectRef idx="0">
+            <a:schemeClr val="accent1"/>
+          </a:effectRef>
+          <a:fontRef idx="minor">
+            <a:schemeClr val="lt1"/>
+          </a:fontRef>
+        </p:style>
+        <p:txBody>
+          <a:bodyPr rtlCol="0" anchor="ctr"/>
+          <a:lstStyle/>
+          <a:p>
+            <a:pPr algn="ctr"/>
+            <a:endParaRPr lang="en-US" sz="900" dirty="0">
+              <a:solidFill>
+                <a:schemeClr val="bg1"/>
+              </a:solidFill>
+              <a:latin typeface="+mj-lt"/>
+            </a:endParaRPr>
+          </a:p>
+        </p:txBody>
+      </p:sp>
+      <p:grpSp>
+        <p:nvGrpSpPr>
+          <p:cNvPr id="13" name="Decorative Circles">
+            <a:extLst>
+              <a:ext uri="{FF2B5EF4-FFF2-40B4-BE49-F238E27FC236}">
+                <a16:creationId xmlns:a16="http://schemas.microsoft.com/office/drawing/2014/main" id="{1D912E1C-3BBA-42F0-A3EE-FEC382E7230A}"/>
+              </a:ext>
+              <a:ext uri="{C183D7F6-B498-43B3-948B-1728B52AA6E4}">
+                <adec:decorative xmlns:adec="http://schemas.microsoft.com/office/drawing/2017/decorative" val="1"/>
+              </a:ext>
+            </a:extLst>
+          </p:cNvPr>
+          <p:cNvGrpSpPr>
+            <a:grpSpLocks noGrp="1" noUngrp="1" noRot="1" noChangeAspect="1" noMove="1" noResize="1"/>
+          </p:cNvGrpSpPr>
+          <p:nvPr>
+            <p:extLst>
+              <p:ext uri="{386F3935-93C4-4BCD-93E2-E3B085C9AB24}">
+                <p16:designElem xmlns:p16="http://schemas.microsoft.com/office/powerpoint/2015/main" val="1"/>
+              </p:ext>
+            </p:extLst>
+          </p:nvPr>
+        </p:nvGrpSpPr>
+        <p:grpSpPr>
+          <a:xfrm>
+            <a:off x="-1" y="-1"/>
+            <a:ext cx="12192001" cy="6858001"/>
+            <a:chOff x="-1" y="-1"/>
+            <a:chExt cx="12192001" cy="6858001"/>
+          </a:xfrm>
+        </p:grpSpPr>
+        <p:sp>
+          <p:nvSpPr>
+            <p:cNvPr id="14" name="Oval 13">
+              <a:extLst>
+                <a:ext uri="{FF2B5EF4-FFF2-40B4-BE49-F238E27FC236}">
+                  <a16:creationId xmlns:a16="http://schemas.microsoft.com/office/drawing/2014/main" id="{2FEEAC76-E273-46A8-8F8E-CE59860FE70D}"/>
+                </a:ext>
+                <a:ext uri="{C183D7F6-B498-43B3-948B-1728B52AA6E4}">
+                  <adec:decorative xmlns:adec="http://schemas.microsoft.com/office/drawing/2017/decorative" val="1"/>
+                </a:ext>
+              </a:extLst>
+            </p:cNvPr>
+            <p:cNvSpPr/>
+            <p:nvPr>
+              <p:extLst>
+                <p:ext uri="{386F3935-93C4-4BCD-93E2-E3B085C9AB24}">
+                  <p16:designElem xmlns:p16="http://schemas.microsoft.com/office/powerpoint/2015/main" val="1"/>
+                </p:ext>
+              </p:extLst>
+            </p:nvPr>
+          </p:nvSpPr>
+          <p:spPr>
+            <a:xfrm>
+              <a:off x="209098" y="727602"/>
+              <a:ext cx="172408" cy="172408"/>
+            </a:xfrm>
+            <a:prstGeom prst="ellipse">
+              <a:avLst/>
+            </a:prstGeom>
+            <a:solidFill>
+              <a:schemeClr val="accent2">
+                <a:lumMod val="40000"/>
+                <a:lumOff val="60000"/>
+                <a:alpha val="50000"/>
+              </a:schemeClr>
+            </a:solidFill>
+            <a:ln>
+              <a:noFill/>
+            </a:ln>
+          </p:spPr>
+          <p:style>
+            <a:lnRef idx="2">
+              <a:schemeClr val="accent1">
+                <a:shade val="50000"/>
+              </a:schemeClr>
+            </a:lnRef>
+            <a:fillRef idx="1">
+              <a:schemeClr val="accent1"/>
+            </a:fillRef>
+            <a:effectRef idx="0">
+              <a:schemeClr val="accent1"/>
+            </a:effectRef>
+            <a:fontRef idx="minor">
+              <a:schemeClr val="lt1"/>
+            </a:fontRef>
+          </p:style>
+          <p:txBody>
+            <a:bodyPr rtlCol="0" anchor="ctr"/>
+            <a:lstStyle/>
+            <a:p>
+              <a:pPr algn="ctr"/>
+              <a:endParaRPr lang="en-US"/>
+            </a:p>
+          </p:txBody>
+        </p:sp>
+        <p:sp>
+          <p:nvSpPr>
+            <p:cNvPr id="15" name="Oval 14">
+              <a:extLst>
+                <a:ext uri="{FF2B5EF4-FFF2-40B4-BE49-F238E27FC236}">
+                  <a16:creationId xmlns:a16="http://schemas.microsoft.com/office/drawing/2014/main" id="{76594A0E-9400-45AD-A431-1DA1C0B28966}"/>
+                </a:ext>
+                <a:ext uri="{C183D7F6-B498-43B3-948B-1728B52AA6E4}">
+                  <adec:decorative xmlns:adec="http://schemas.microsoft.com/office/drawing/2017/decorative" val="1"/>
+                </a:ext>
+              </a:extLst>
+            </p:cNvPr>
+            <p:cNvSpPr/>
+            <p:nvPr>
+              <p:extLst>
+                <p:ext uri="{386F3935-93C4-4BCD-93E2-E3B085C9AB24}">
+                  <p16:designElem xmlns:p16="http://schemas.microsoft.com/office/powerpoint/2015/main" val="1"/>
+                </p:ext>
+              </p:extLst>
+            </p:nvPr>
+          </p:nvSpPr>
+          <p:spPr>
+            <a:xfrm>
+              <a:off x="949947" y="136523"/>
+              <a:ext cx="113367" cy="113367"/>
+            </a:xfrm>
+            <a:prstGeom prst="ellipse">
+              <a:avLst/>
+            </a:prstGeom>
+            <a:solidFill>
+              <a:srgbClr val="F39E29">
+                <a:alpha val="50000"/>
+              </a:srgbClr>
+            </a:solidFill>
+            <a:ln>
+              <a:noFill/>
+            </a:ln>
+          </p:spPr>
+          <p:style>
+            <a:lnRef idx="2">
+              <a:schemeClr val="accent1">
+                <a:shade val="50000"/>
+              </a:schemeClr>
+            </a:lnRef>
+            <a:fillRef idx="1">
+              <a:schemeClr val="accent1"/>
+            </a:fillRef>
+            <a:effectRef idx="0">
+              <a:schemeClr val="accent1"/>
+            </a:effectRef>
+            <a:fontRef idx="minor">
+              <a:schemeClr val="lt1"/>
+            </a:fontRef>
+          </p:style>
+          <p:txBody>
+            <a:bodyPr rtlCol="0" anchor="ctr"/>
+            <a:lstStyle/>
+            <a:p>
+              <a:pPr algn="ctr"/>
+              <a:endParaRPr lang="en-US"/>
+            </a:p>
+          </p:txBody>
+        </p:sp>
+        <p:sp>
+          <p:nvSpPr>
+            <p:cNvPr id="16" name="Oval 15">
+              <a:extLst>
+                <a:ext uri="{FF2B5EF4-FFF2-40B4-BE49-F238E27FC236}">
+                  <a16:creationId xmlns:a16="http://schemas.microsoft.com/office/drawing/2014/main" id="{20916D6C-D32F-42B6-8512-CD5EDB8F2B9B}"/>
+                </a:ext>
+                <a:ext uri="{C183D7F6-B498-43B3-948B-1728B52AA6E4}">
+                  <adec:decorative xmlns:adec="http://schemas.microsoft.com/office/drawing/2017/decorative" val="1"/>
+                </a:ext>
+              </a:extLst>
+            </p:cNvPr>
+            <p:cNvSpPr/>
+            <p:nvPr>
+              <p:extLst>
+                <p:ext uri="{386F3935-93C4-4BCD-93E2-E3B085C9AB24}">
+                  <p16:designElem xmlns:p16="http://schemas.microsoft.com/office/powerpoint/2015/main" val="1"/>
+                </p:ext>
+              </p:extLst>
+            </p:nvPr>
+          </p:nvSpPr>
+          <p:spPr>
+            <a:xfrm>
+              <a:off x="11575290" y="5859047"/>
+              <a:ext cx="305780" cy="305780"/>
+            </a:xfrm>
+            <a:prstGeom prst="ellipse">
+              <a:avLst/>
+            </a:prstGeom>
+            <a:solidFill>
+              <a:schemeClr val="accent1">
+                <a:lumMod val="60000"/>
+                <a:lumOff val="40000"/>
+                <a:alpha val="50000"/>
+              </a:schemeClr>
+            </a:solidFill>
+            <a:ln>
+              <a:noFill/>
+            </a:ln>
+          </p:spPr>
+          <p:style>
+            <a:lnRef idx="2">
+              <a:schemeClr val="accent1">
+                <a:shade val="50000"/>
+              </a:schemeClr>
+            </a:lnRef>
+            <a:fillRef idx="1">
+              <a:schemeClr val="accent1"/>
+            </a:fillRef>
+            <a:effectRef idx="0">
+              <a:schemeClr val="accent1"/>
+            </a:effectRef>
+            <a:fontRef idx="minor">
+              <a:schemeClr val="lt1"/>
+            </a:fontRef>
+          </p:style>
+          <p:txBody>
+            <a:bodyPr rtlCol="0" anchor="ctr"/>
+            <a:lstStyle/>
+            <a:p>
+              <a:pPr algn="ctr"/>
+              <a:endParaRPr lang="en-US"/>
+            </a:p>
+          </p:txBody>
+        </p:sp>
+        <p:sp>
+          <p:nvSpPr>
+            <p:cNvPr id="17" name="Oval 16">
+              <a:extLst>
+                <a:ext uri="{FF2B5EF4-FFF2-40B4-BE49-F238E27FC236}">
+                  <a16:creationId xmlns:a16="http://schemas.microsoft.com/office/drawing/2014/main" id="{3834846D-59C6-40F4-907C-F1A4689B58F1}"/>
+                </a:ext>
+                <a:ext uri="{C183D7F6-B498-43B3-948B-1728B52AA6E4}">
+                  <adec:decorative xmlns:adec="http://schemas.microsoft.com/office/drawing/2017/decorative" val="1"/>
+                </a:ext>
+              </a:extLst>
+            </p:cNvPr>
+            <p:cNvSpPr/>
+            <p:nvPr>
+              <p:extLst>
+                <p:ext uri="{386F3935-93C4-4BCD-93E2-E3B085C9AB24}">
+                  <p16:designElem xmlns:p16="http://schemas.microsoft.com/office/powerpoint/2015/main" val="1"/>
+                </p:ext>
+              </p:extLst>
+            </p:nvPr>
+          </p:nvSpPr>
+          <p:spPr>
+            <a:xfrm>
+              <a:off x="95730" y="1133938"/>
+              <a:ext cx="226735" cy="226735"/>
+            </a:xfrm>
+            <a:prstGeom prst="ellipse">
+              <a:avLst/>
+            </a:prstGeom>
+            <a:solidFill>
+              <a:schemeClr val="accent3">
+                <a:alpha val="50000"/>
+              </a:schemeClr>
+            </a:solidFill>
+            <a:ln>
+              <a:noFill/>
+            </a:ln>
+          </p:spPr>
+          <p:style>
+            <a:lnRef idx="2">
+              <a:schemeClr val="accent1">
+                <a:shade val="50000"/>
+              </a:schemeClr>
+            </a:lnRef>
+            <a:fillRef idx="1">
+              <a:schemeClr val="accent1"/>
+            </a:fillRef>
+            <a:effectRef idx="0">
+              <a:schemeClr val="accent1"/>
+            </a:effectRef>
+            <a:fontRef idx="minor">
+              <a:schemeClr val="lt1"/>
+            </a:fontRef>
+          </p:style>
+          <p:txBody>
+            <a:bodyPr rtlCol="0" anchor="ctr"/>
+            <a:lstStyle/>
+            <a:p>
+              <a:pPr algn="ctr"/>
+              <a:endParaRPr lang="en-US"/>
+            </a:p>
+          </p:txBody>
+        </p:sp>
+        <p:sp>
+          <p:nvSpPr>
+            <p:cNvPr id="18" name="Oval 17">
+              <a:extLst>
+                <a:ext uri="{FF2B5EF4-FFF2-40B4-BE49-F238E27FC236}">
+                  <a16:creationId xmlns:a16="http://schemas.microsoft.com/office/drawing/2014/main" id="{5A257CDF-2E36-4DC7-8EE4-5CD8F8ECAC87}"/>
+                </a:ext>
+                <a:ext uri="{C183D7F6-B498-43B3-948B-1728B52AA6E4}">
+                  <adec:decorative xmlns:adec="http://schemas.microsoft.com/office/drawing/2017/decorative" val="1"/>
+                </a:ext>
+              </a:extLst>
+            </p:cNvPr>
+            <p:cNvSpPr/>
+            <p:nvPr>
+              <p:extLst>
+                <p:ext uri="{386F3935-93C4-4BCD-93E2-E3B085C9AB24}">
+                  <p16:designElem xmlns:p16="http://schemas.microsoft.com/office/powerpoint/2015/main" val="1"/>
+                </p:ext>
+              </p:extLst>
+            </p:nvPr>
+          </p:nvSpPr>
+          <p:spPr>
+            <a:xfrm>
+              <a:off x="11536830" y="554419"/>
+              <a:ext cx="382700" cy="382700"/>
+            </a:xfrm>
+            <a:prstGeom prst="ellipse">
+              <a:avLst/>
+            </a:prstGeom>
+            <a:solidFill>
+              <a:schemeClr val="accent2">
+                <a:lumMod val="60000"/>
+                <a:lumOff val="40000"/>
+                <a:alpha val="72000"/>
+              </a:schemeClr>
+            </a:solidFill>
+            <a:ln>
+              <a:noFill/>
+            </a:ln>
+          </p:spPr>
+          <p:style>
+            <a:lnRef idx="2">
+              <a:schemeClr val="accent1">
+                <a:shade val="50000"/>
+              </a:schemeClr>
+            </a:lnRef>
+            <a:fillRef idx="1">
+              <a:schemeClr val="accent1"/>
+            </a:fillRef>
+            <a:effectRef idx="0">
+              <a:schemeClr val="accent1"/>
+            </a:effectRef>
+            <a:fontRef idx="minor">
+              <a:schemeClr val="lt1"/>
+            </a:fontRef>
+          </p:style>
+          <p:txBody>
+            <a:bodyPr rtlCol="0" anchor="ctr"/>
+            <a:lstStyle/>
+            <a:p>
+              <a:pPr algn="ctr"/>
+              <a:endParaRPr lang="en-US" dirty="0"/>
+            </a:p>
+          </p:txBody>
+        </p:sp>
+        <p:sp>
+          <p:nvSpPr>
+            <p:cNvPr id="19" name="Oval 18">
+              <a:extLst>
+                <a:ext uri="{FF2B5EF4-FFF2-40B4-BE49-F238E27FC236}">
+                  <a16:creationId xmlns:a16="http://schemas.microsoft.com/office/drawing/2014/main" id="{D5B26E0E-A115-4AE2-82D8-76BB93CC494F}"/>
+                </a:ext>
+                <a:ext uri="{C183D7F6-B498-43B3-948B-1728B52AA6E4}">
+                  <adec:decorative xmlns:adec="http://schemas.microsoft.com/office/drawing/2017/decorative" val="1"/>
+                </a:ext>
+              </a:extLst>
+            </p:cNvPr>
+            <p:cNvSpPr/>
+            <p:nvPr>
+              <p:extLst>
+                <p:ext uri="{386F3935-93C4-4BCD-93E2-E3B085C9AB24}">
+                  <p16:designElem xmlns:p16="http://schemas.microsoft.com/office/powerpoint/2015/main" val="1"/>
+                </p:ext>
+              </p:extLst>
+            </p:nvPr>
+          </p:nvSpPr>
+          <p:spPr>
+            <a:xfrm>
+              <a:off x="11224303" y="299808"/>
+              <a:ext cx="113367" cy="113367"/>
+            </a:xfrm>
+            <a:prstGeom prst="ellipse">
+              <a:avLst/>
+            </a:prstGeom>
+            <a:solidFill>
+              <a:srgbClr val="F39E29"/>
+            </a:solidFill>
+            <a:ln>
+              <a:noFill/>
+            </a:ln>
+          </p:spPr>
+          <p:style>
+            <a:lnRef idx="2">
+              <a:schemeClr val="accent1">
+                <a:shade val="50000"/>
+              </a:schemeClr>
+            </a:lnRef>
+            <a:fillRef idx="1">
+              <a:schemeClr val="accent1"/>
+            </a:fillRef>
+            <a:effectRef idx="0">
+              <a:schemeClr val="accent1"/>
+            </a:effectRef>
+            <a:fontRef idx="minor">
+              <a:schemeClr val="lt1"/>
+            </a:fontRef>
+          </p:style>
+          <p:txBody>
+            <a:bodyPr rtlCol="0" anchor="ctr"/>
+            <a:lstStyle/>
+            <a:p>
+              <a:pPr algn="ctr"/>
+              <a:endParaRPr lang="en-US"/>
+            </a:p>
+          </p:txBody>
+        </p:sp>
+        <p:sp>
+          <p:nvSpPr>
+            <p:cNvPr id="20" name="Oval 19">
+              <a:extLst>
+                <a:ext uri="{FF2B5EF4-FFF2-40B4-BE49-F238E27FC236}">
+                  <a16:creationId xmlns:a16="http://schemas.microsoft.com/office/drawing/2014/main" id="{755058DB-7E01-4E95-BF59-983AA1BBB38E}"/>
+                </a:ext>
+                <a:ext uri="{C183D7F6-B498-43B3-948B-1728B52AA6E4}">
+                  <adec:decorative xmlns:adec="http://schemas.microsoft.com/office/drawing/2017/decorative" val="1"/>
+                </a:ext>
+              </a:extLst>
+            </p:cNvPr>
+            <p:cNvSpPr/>
+            <p:nvPr>
+              <p:extLst>
+                <p:ext uri="{386F3935-93C4-4BCD-93E2-E3B085C9AB24}">
+                  <p16:designElem xmlns:p16="http://schemas.microsoft.com/office/powerpoint/2015/main" val="1"/>
+                </p:ext>
+              </p:extLst>
+            </p:nvPr>
+          </p:nvSpPr>
+          <p:spPr>
+            <a:xfrm>
+              <a:off x="11629630" y="5482355"/>
+              <a:ext cx="94160" cy="94160"/>
+            </a:xfrm>
+            <a:prstGeom prst="ellipse">
+              <a:avLst/>
+            </a:prstGeom>
+            <a:solidFill>
+              <a:srgbClr val="E3BEBE">
+                <a:alpha val="28000"/>
+              </a:srgbClr>
+            </a:solidFill>
+            <a:ln>
+              <a:noFill/>
+            </a:ln>
+          </p:spPr>
+          <p:style>
+            <a:lnRef idx="2">
+              <a:schemeClr val="accent1">
+                <a:shade val="50000"/>
+              </a:schemeClr>
+            </a:lnRef>
+            <a:fillRef idx="1">
+              <a:schemeClr val="accent1"/>
+            </a:fillRef>
+            <a:effectRef idx="0">
+              <a:schemeClr val="accent1"/>
+            </a:effectRef>
+            <a:fontRef idx="minor">
+              <a:schemeClr val="lt1"/>
+            </a:fontRef>
+          </p:style>
+          <p:txBody>
+            <a:bodyPr rtlCol="0" anchor="ctr"/>
+            <a:lstStyle/>
+            <a:p>
+              <a:pPr algn="ctr"/>
+              <a:endParaRPr lang="en-US"/>
+            </a:p>
+          </p:txBody>
+        </p:sp>
+        <p:sp>
+          <p:nvSpPr>
+            <p:cNvPr id="21" name="Oval 20">
+              <a:extLst>
+                <a:ext uri="{FF2B5EF4-FFF2-40B4-BE49-F238E27FC236}">
+                  <a16:creationId xmlns:a16="http://schemas.microsoft.com/office/drawing/2014/main" id="{A810F7E2-23F3-44D6-B09E-71E556536052}"/>
+                </a:ext>
+                <a:ext uri="{C183D7F6-B498-43B3-948B-1728B52AA6E4}">
+                  <adec:decorative xmlns:adec="http://schemas.microsoft.com/office/drawing/2017/decorative" val="1"/>
+                </a:ext>
+              </a:extLst>
+            </p:cNvPr>
+            <p:cNvSpPr/>
+            <p:nvPr>
+              <p:extLst>
+                <p:ext uri="{386F3935-93C4-4BCD-93E2-E3B085C9AB24}">
+                  <p16:designElem xmlns:p16="http://schemas.microsoft.com/office/powerpoint/2015/main" val="1"/>
+                </p:ext>
+              </p:extLst>
+            </p:nvPr>
+          </p:nvSpPr>
+          <p:spPr>
+            <a:xfrm>
+              <a:off x="10415328" y="6124958"/>
+              <a:ext cx="113367" cy="113367"/>
+            </a:xfrm>
+            <a:prstGeom prst="ellipse">
+              <a:avLst/>
+            </a:prstGeom>
+            <a:solidFill>
+              <a:schemeClr val="accent3"/>
+            </a:solidFill>
+            <a:ln>
+              <a:noFill/>
+            </a:ln>
+          </p:spPr>
+          <p:style>
+            <a:lnRef idx="2">
+              <a:schemeClr val="accent1">
+                <a:shade val="50000"/>
+              </a:schemeClr>
+            </a:lnRef>
+            <a:fillRef idx="1">
+              <a:schemeClr val="accent1"/>
+            </a:fillRef>
+            <a:effectRef idx="0">
+              <a:schemeClr val="accent1"/>
+            </a:effectRef>
+            <a:fontRef idx="minor">
+              <a:schemeClr val="lt1"/>
+            </a:fontRef>
+          </p:style>
+          <p:txBody>
+            <a:bodyPr rtlCol="0" anchor="ctr"/>
+            <a:lstStyle/>
+            <a:p>
+              <a:pPr algn="ctr"/>
+              <a:endParaRPr lang="en-US"/>
+            </a:p>
+          </p:txBody>
+        </p:sp>
+        <p:sp>
+          <p:nvSpPr>
+            <p:cNvPr id="22" name="Oval 21">
+              <a:extLst>
+                <a:ext uri="{FF2B5EF4-FFF2-40B4-BE49-F238E27FC236}">
+                  <a16:creationId xmlns:a16="http://schemas.microsoft.com/office/drawing/2014/main" id="{59D5C391-E1DB-410A-A78C-ED3BBDFF0758}"/>
+                </a:ext>
+                <a:ext uri="{C183D7F6-B498-43B3-948B-1728B52AA6E4}">
+                  <adec:decorative xmlns:adec="http://schemas.microsoft.com/office/drawing/2017/decorative" val="1"/>
+                </a:ext>
+              </a:extLst>
+            </p:cNvPr>
+            <p:cNvSpPr/>
+            <p:nvPr>
+              <p:extLst>
+                <p:ext uri="{386F3935-93C4-4BCD-93E2-E3B085C9AB24}">
+                  <p16:designElem xmlns:p16="http://schemas.microsoft.com/office/powerpoint/2015/main" val="1"/>
+                </p:ext>
+              </p:extLst>
+            </p:nvPr>
+          </p:nvSpPr>
+          <p:spPr>
+            <a:xfrm>
+              <a:off x="10120382" y="6255986"/>
+              <a:ext cx="305780" cy="305780"/>
+            </a:xfrm>
+            <a:prstGeom prst="ellipse">
+              <a:avLst/>
+            </a:prstGeom>
+            <a:solidFill>
+              <a:schemeClr val="accent1">
+                <a:lumMod val="20000"/>
+                <a:lumOff val="80000"/>
+              </a:schemeClr>
+            </a:solidFill>
+            <a:ln>
+              <a:noFill/>
+            </a:ln>
+          </p:spPr>
+          <p:style>
+            <a:lnRef idx="2">
+              <a:schemeClr val="accent1">
+                <a:shade val="50000"/>
+              </a:schemeClr>
+            </a:lnRef>
+            <a:fillRef idx="1">
+              <a:schemeClr val="accent1"/>
+            </a:fillRef>
+            <a:effectRef idx="0">
+              <a:schemeClr val="accent1"/>
+            </a:effectRef>
+            <a:fontRef idx="minor">
+              <a:schemeClr val="lt1"/>
+            </a:fontRef>
+          </p:style>
+          <p:txBody>
+            <a:bodyPr rtlCol="0" anchor="ctr"/>
+            <a:lstStyle/>
+            <a:p>
+              <a:pPr algn="ctr"/>
+              <a:endParaRPr lang="en-US" dirty="0"/>
+            </a:p>
+          </p:txBody>
+        </p:sp>
+        <p:sp>
+          <p:nvSpPr>
+            <p:cNvPr id="23" name="Oval 22">
+              <a:extLst>
+                <a:ext uri="{FF2B5EF4-FFF2-40B4-BE49-F238E27FC236}">
+                  <a16:creationId xmlns:a16="http://schemas.microsoft.com/office/drawing/2014/main" id="{77C4944D-9373-4283-BCAA-927A0316659E}"/>
+                </a:ext>
+                <a:ext uri="{C183D7F6-B498-43B3-948B-1728B52AA6E4}">
+                  <adec:decorative xmlns:adec="http://schemas.microsoft.com/office/drawing/2017/decorative" val="1"/>
+                </a:ext>
+              </a:extLst>
+            </p:cNvPr>
+            <p:cNvSpPr/>
+            <p:nvPr>
+              <p:extLst>
+                <p:ext uri="{386F3935-93C4-4BCD-93E2-E3B085C9AB24}">
+                  <p16:designElem xmlns:p16="http://schemas.microsoft.com/office/powerpoint/2015/main" val="1"/>
+                </p:ext>
+              </p:extLst>
+            </p:nvPr>
+          </p:nvSpPr>
+          <p:spPr>
+            <a:xfrm>
+              <a:off x="9934343" y="6204350"/>
+              <a:ext cx="113367" cy="113367"/>
+            </a:xfrm>
+            <a:prstGeom prst="ellipse">
+              <a:avLst/>
+            </a:prstGeom>
+            <a:solidFill>
+              <a:schemeClr val="accent6">
+                <a:lumMod val="40000"/>
+                <a:lumOff val="60000"/>
+              </a:schemeClr>
+            </a:solidFill>
+            <a:ln>
+              <a:noFill/>
+            </a:ln>
+          </p:spPr>
+          <p:style>
+            <a:lnRef idx="2">
+              <a:schemeClr val="accent1">
+                <a:shade val="50000"/>
+              </a:schemeClr>
+            </a:lnRef>
+            <a:fillRef idx="1">
+              <a:schemeClr val="accent1"/>
+            </a:fillRef>
+            <a:effectRef idx="0">
+              <a:schemeClr val="accent1"/>
+            </a:effectRef>
+            <a:fontRef idx="minor">
+              <a:schemeClr val="lt1"/>
+            </a:fontRef>
+          </p:style>
+          <p:txBody>
+            <a:bodyPr rtlCol="0" anchor="ctr"/>
+            <a:lstStyle/>
+            <a:p>
+              <a:pPr algn="ctr"/>
+              <a:endParaRPr lang="en-US"/>
+            </a:p>
+          </p:txBody>
+        </p:sp>
+        <p:sp>
+          <p:nvSpPr>
+            <p:cNvPr id="24" name="Freeform: Shape 23">
+              <a:extLst>
+                <a:ext uri="{FF2B5EF4-FFF2-40B4-BE49-F238E27FC236}">
+                  <a16:creationId xmlns:a16="http://schemas.microsoft.com/office/drawing/2014/main" id="{6804C521-2D9F-4CE4-AFD3-D4F1551FEC6A}"/>
+                </a:ext>
+                <a:ext uri="{C183D7F6-B498-43B3-948B-1728B52AA6E4}">
+                  <adec:decorative xmlns:adec="http://schemas.microsoft.com/office/drawing/2017/decorative" val="1"/>
+                </a:ext>
+              </a:extLst>
+            </p:cNvPr>
+            <p:cNvSpPr/>
+            <p:nvPr>
+              <p:extLst>
+                <p:ext uri="{386F3935-93C4-4BCD-93E2-E3B085C9AB24}">
+                  <p16:designElem xmlns:p16="http://schemas.microsoft.com/office/powerpoint/2015/main" val="1"/>
+                </p:ext>
+              </p:extLst>
+            </p:nvPr>
+          </p:nvSpPr>
+          <p:spPr>
+            <a:xfrm>
+              <a:off x="11642244" y="6317718"/>
+              <a:ext cx="549756" cy="540282"/>
+            </a:xfrm>
+            <a:custGeom>
+              <a:avLst/>
+              <a:gdLst>
+                <a:gd name="connsiteX0" fmla="*/ 1224540 w 2115556"/>
+                <a:gd name="connsiteY0" fmla="*/ 0 h 2079100"/>
+                <a:gd name="connsiteX1" fmla="*/ 2090421 w 2115556"/>
+                <a:gd name="connsiteY1" fmla="*/ 358660 h 2079100"/>
+                <a:gd name="connsiteX2" fmla="*/ 2115556 w 2115556"/>
+                <a:gd name="connsiteY2" fmla="*/ 386315 h 2079100"/>
+                <a:gd name="connsiteX3" fmla="*/ 2115556 w 2115556"/>
+                <a:gd name="connsiteY3" fmla="*/ 2062765 h 2079100"/>
+                <a:gd name="connsiteX4" fmla="*/ 2100710 w 2115556"/>
+                <a:gd name="connsiteY4" fmla="*/ 2079100 h 2079100"/>
+                <a:gd name="connsiteX5" fmla="*/ 348370 w 2115556"/>
+                <a:gd name="connsiteY5" fmla="*/ 2079100 h 2079100"/>
+                <a:gd name="connsiteX6" fmla="*/ 279625 w 2115556"/>
+                <a:gd name="connsiteY6" fmla="*/ 2003461 h 2079100"/>
+                <a:gd name="connsiteX7" fmla="*/ 0 w 2115556"/>
+                <a:gd name="connsiteY7" fmla="*/ 1224540 h 2079100"/>
+                <a:gd name="connsiteX8" fmla="*/ 1224540 w 2115556"/>
+                <a:gd name="connsiteY8" fmla="*/ 0 h 2079100"/>
+              </a:gdLst>
+              <a:ahLst/>
+              <a:cxnLst>
+                <a:cxn ang="0">
+                  <a:pos x="connsiteX0" y="connsiteY0"/>
+                </a:cxn>
+                <a:cxn ang="0">
+                  <a:pos x="connsiteX1" y="connsiteY1"/>
+                </a:cxn>
+                <a:cxn ang="0">
+                  <a:pos x="connsiteX2" y="connsiteY2"/>
+                </a:cxn>
+                <a:cxn ang="0">
+                  <a:pos x="connsiteX3" y="connsiteY3"/>
+                </a:cxn>
+                <a:cxn ang="0">
+                  <a:pos x="connsiteX4" y="connsiteY4"/>
+                </a:cxn>
+                <a:cxn ang="0">
+                  <a:pos x="connsiteX5" y="connsiteY5"/>
+                </a:cxn>
+                <a:cxn ang="0">
+                  <a:pos x="connsiteX6" y="connsiteY6"/>
+                </a:cxn>
+                <a:cxn ang="0">
+                  <a:pos x="connsiteX7" y="connsiteY7"/>
+                </a:cxn>
+                <a:cxn ang="0">
+                  <a:pos x="connsiteX8" y="connsiteY8"/>
+                </a:cxn>
+              </a:cxnLst>
+              <a:rect l="l" t="t" r="r" b="b"/>
+              <a:pathLst>
+                <a:path w="2115556" h="2079100">
+                  <a:moveTo>
+                    <a:pt x="1224540" y="0"/>
+                  </a:moveTo>
+                  <a:cubicBezTo>
+                    <a:pt x="1562687" y="0"/>
+                    <a:pt x="1868823" y="137062"/>
+                    <a:pt x="2090421" y="358660"/>
+                  </a:cubicBezTo>
+                  <a:lnTo>
+                    <a:pt x="2115556" y="386315"/>
+                  </a:lnTo>
+                  <a:lnTo>
+                    <a:pt x="2115556" y="2062765"/>
+                  </a:lnTo>
+                  <a:lnTo>
+                    <a:pt x="2100710" y="2079100"/>
+                  </a:lnTo>
+                  <a:lnTo>
+                    <a:pt x="348370" y="2079100"/>
+                  </a:lnTo>
+                  <a:lnTo>
+                    <a:pt x="279625" y="2003461"/>
+                  </a:lnTo>
+                  <a:cubicBezTo>
+                    <a:pt x="104938" y="1791789"/>
+                    <a:pt x="0" y="1520419"/>
+                    <a:pt x="0" y="1224540"/>
+                  </a:cubicBezTo>
+                  <a:cubicBezTo>
+                    <a:pt x="0" y="548245"/>
+                    <a:pt x="548245" y="0"/>
+                    <a:pt x="1224540" y="0"/>
+                  </a:cubicBezTo>
+                  <a:close/>
+                </a:path>
+              </a:pathLst>
+            </a:custGeom>
+            <a:solidFill>
+              <a:schemeClr val="accent6">
+                <a:lumMod val="40000"/>
+                <a:lumOff val="60000"/>
+              </a:schemeClr>
+            </a:solidFill>
+            <a:ln>
+              <a:noFill/>
+            </a:ln>
+          </p:spPr>
+          <p:style>
+            <a:lnRef idx="2">
+              <a:schemeClr val="accent1">
+                <a:shade val="50000"/>
+              </a:schemeClr>
+            </a:lnRef>
+            <a:fillRef idx="1">
+              <a:schemeClr val="accent1"/>
+            </a:fillRef>
+            <a:effectRef idx="0">
+              <a:schemeClr val="accent1"/>
+            </a:effectRef>
+            <a:fontRef idx="minor">
+              <a:schemeClr val="lt1"/>
+            </a:fontRef>
+          </p:style>
+          <p:txBody>
+            <a:bodyPr wrap="square" rtlCol="0" anchor="ctr">
+              <a:noAutofit/>
+            </a:bodyPr>
+            <a:lstStyle/>
+            <a:p>
+              <a:pPr algn="ctr"/>
+              <a:endParaRPr lang="en-US" sz="900" dirty="0">
+                <a:solidFill>
+                  <a:schemeClr val="bg1"/>
+                </a:solidFill>
+                <a:latin typeface="+mj-lt"/>
+              </a:endParaRPr>
+            </a:p>
+          </p:txBody>
+        </p:sp>
+        <p:sp>
+          <p:nvSpPr>
+            <p:cNvPr id="25" name="Freeform: Shape 24">
+              <a:extLst>
+                <a:ext uri="{FF2B5EF4-FFF2-40B4-BE49-F238E27FC236}">
+                  <a16:creationId xmlns:a16="http://schemas.microsoft.com/office/drawing/2014/main" id="{755AC65C-13EF-4182-AA3C-62BE165CC033}"/>
+                </a:ext>
+                <a:ext uri="{C183D7F6-B498-43B3-948B-1728B52AA6E4}">
+                  <adec:decorative xmlns:adec="http://schemas.microsoft.com/office/drawing/2017/decorative" val="1"/>
+                </a:ext>
+              </a:extLst>
+            </p:cNvPr>
+            <p:cNvSpPr/>
+            <p:nvPr>
+              <p:extLst>
+                <p:ext uri="{386F3935-93C4-4BCD-93E2-E3B085C9AB24}">
+                  <p16:designElem xmlns:p16="http://schemas.microsoft.com/office/powerpoint/2015/main" val="1"/>
+                </p:ext>
+              </p:extLst>
+            </p:nvPr>
+          </p:nvSpPr>
+          <p:spPr>
+            <a:xfrm>
+              <a:off x="-1" y="-1"/>
+              <a:ext cx="510196" cy="538336"/>
+            </a:xfrm>
+            <a:custGeom>
+              <a:avLst/>
+              <a:gdLst>
+                <a:gd name="connsiteX0" fmla="*/ 0 w 510196"/>
+                <a:gd name="connsiteY0" fmla="*/ 0 h 538336"/>
+                <a:gd name="connsiteX1" fmla="*/ 459276 w 510196"/>
+                <a:gd name="connsiteY1" fmla="*/ 0 h 538336"/>
+                <a:gd name="connsiteX2" fmla="*/ 482126 w 510196"/>
+                <a:gd name="connsiteY2" fmla="*/ 42098 h 538336"/>
+                <a:gd name="connsiteX3" fmla="*/ 510196 w 510196"/>
+                <a:gd name="connsiteY3" fmla="*/ 181136 h 538336"/>
+                <a:gd name="connsiteX4" fmla="*/ 152996 w 510196"/>
+                <a:gd name="connsiteY4" fmla="*/ 538336 h 538336"/>
+                <a:gd name="connsiteX5" fmla="*/ 13958 w 510196"/>
+                <a:gd name="connsiteY5" fmla="*/ 510266 h 538336"/>
+                <a:gd name="connsiteX6" fmla="*/ 0 w 510196"/>
+                <a:gd name="connsiteY6" fmla="*/ 502690 h 538336"/>
+              </a:gdLst>
+              <a:ahLst/>
+              <a:cxnLst>
+                <a:cxn ang="0">
+                  <a:pos x="connsiteX0" y="connsiteY0"/>
+                </a:cxn>
+                <a:cxn ang="0">
+                  <a:pos x="connsiteX1" y="connsiteY1"/>
+                </a:cxn>
+                <a:cxn ang="0">
+                  <a:pos x="connsiteX2" y="connsiteY2"/>
+                </a:cxn>
+                <a:cxn ang="0">
+                  <a:pos x="connsiteX3" y="connsiteY3"/>
+                </a:cxn>
+                <a:cxn ang="0">
+                  <a:pos x="connsiteX4" y="connsiteY4"/>
+                </a:cxn>
+                <a:cxn ang="0">
+                  <a:pos x="connsiteX5" y="connsiteY5"/>
+                </a:cxn>
+                <a:cxn ang="0">
+                  <a:pos x="connsiteX6" y="connsiteY6"/>
+                </a:cxn>
+              </a:cxnLst>
+              <a:rect l="l" t="t" r="r" b="b"/>
+              <a:pathLst>
+                <a:path w="510196" h="538336">
+                  <a:moveTo>
+                    <a:pt x="0" y="0"/>
+                  </a:moveTo>
+                  <a:lnTo>
+                    <a:pt x="459276" y="0"/>
+                  </a:lnTo>
+                  <a:lnTo>
+                    <a:pt x="482126" y="42098"/>
+                  </a:lnTo>
+                  <a:cubicBezTo>
+                    <a:pt x="500201" y="84833"/>
+                    <a:pt x="510196" y="131817"/>
+                    <a:pt x="510196" y="181136"/>
+                  </a:cubicBezTo>
+                  <a:cubicBezTo>
+                    <a:pt x="510196" y="378412"/>
+                    <a:pt x="350272" y="538336"/>
+                    <a:pt x="152996" y="538336"/>
+                  </a:cubicBezTo>
+                  <a:cubicBezTo>
+                    <a:pt x="103677" y="538336"/>
+                    <a:pt x="56693" y="528341"/>
+                    <a:pt x="13958" y="510266"/>
+                  </a:cubicBezTo>
+                  <a:lnTo>
+                    <a:pt x="0" y="502690"/>
+                  </a:lnTo>
+                  <a:close/>
+                </a:path>
+              </a:pathLst>
+            </a:custGeom>
+            <a:solidFill>
+              <a:schemeClr val="accent1">
+                <a:lumMod val="20000"/>
+                <a:lumOff val="80000"/>
+              </a:schemeClr>
+            </a:solidFill>
+            <a:ln>
+              <a:noFill/>
+            </a:ln>
+          </p:spPr>
+          <p:style>
+            <a:lnRef idx="2">
+              <a:schemeClr val="accent1">
+                <a:shade val="50000"/>
+              </a:schemeClr>
+            </a:lnRef>
+            <a:fillRef idx="1">
+              <a:schemeClr val="accent1"/>
+            </a:fillRef>
+            <a:effectRef idx="0">
+              <a:schemeClr val="accent1"/>
+            </a:effectRef>
+            <a:fontRef idx="minor">
+              <a:schemeClr val="lt1"/>
+            </a:fontRef>
+          </p:style>
+          <p:txBody>
+            <a:bodyPr wrap="square" rtlCol="0" anchor="ctr">
+              <a:noAutofit/>
+            </a:bodyPr>
+            <a:lstStyle/>
+            <a:p>
+              <a:pPr algn="ctr"/>
+              <a:endParaRPr lang="en-US" sz="900" dirty="0">
+                <a:solidFill>
+                  <a:schemeClr val="bg1"/>
+                </a:solidFill>
+                <a:latin typeface="+mj-lt"/>
+              </a:endParaRPr>
+            </a:p>
+          </p:txBody>
+        </p:sp>
+        <p:sp>
+          <p:nvSpPr>
+            <p:cNvPr id="26" name="Freeform: Shape 25">
+              <a:extLst>
+                <a:ext uri="{FF2B5EF4-FFF2-40B4-BE49-F238E27FC236}">
+                  <a16:creationId xmlns:a16="http://schemas.microsoft.com/office/drawing/2014/main" id="{E40DA8D2-FA4B-4282-9D44-48C27B63A153}"/>
+                </a:ext>
+                <a:ext uri="{C183D7F6-B498-43B3-948B-1728B52AA6E4}">
+                  <adec:decorative xmlns:adec="http://schemas.microsoft.com/office/drawing/2017/decorative" val="1"/>
+                </a:ext>
+              </a:extLst>
+            </p:cNvPr>
+            <p:cNvSpPr/>
+            <p:nvPr>
+              <p:extLst>
+                <p:ext uri="{386F3935-93C4-4BCD-93E2-E3B085C9AB24}">
+                  <p16:designElem xmlns:p16="http://schemas.microsoft.com/office/powerpoint/2015/main" val="1"/>
+                </p:ext>
+              </p:extLst>
+            </p:nvPr>
+          </p:nvSpPr>
+          <p:spPr>
+            <a:xfrm>
+              <a:off x="10528695" y="1"/>
+              <a:ext cx="554074" cy="282754"/>
+            </a:xfrm>
+            <a:custGeom>
+              <a:avLst/>
+              <a:gdLst>
+                <a:gd name="connsiteX0" fmla="*/ 644 w 309162"/>
+                <a:gd name="connsiteY0" fmla="*/ 0 h 157771"/>
+                <a:gd name="connsiteX1" fmla="*/ 308518 w 309162"/>
+                <a:gd name="connsiteY1" fmla="*/ 0 h 157771"/>
+                <a:gd name="connsiteX2" fmla="*/ 309162 w 309162"/>
+                <a:gd name="connsiteY2" fmla="*/ 3190 h 157771"/>
+                <a:gd name="connsiteX3" fmla="*/ 154581 w 309162"/>
+                <a:gd name="connsiteY3" fmla="*/ 157771 h 157771"/>
+                <a:gd name="connsiteX4" fmla="*/ 0 w 309162"/>
+                <a:gd name="connsiteY4" fmla="*/ 3190 h 157771"/>
+              </a:gdLst>
+              <a:ahLst/>
+              <a:cxnLst>
+                <a:cxn ang="0">
+                  <a:pos x="connsiteX0" y="connsiteY0"/>
+                </a:cxn>
+                <a:cxn ang="0">
+                  <a:pos x="connsiteX1" y="connsiteY1"/>
+                </a:cxn>
+                <a:cxn ang="0">
+                  <a:pos x="connsiteX2" y="connsiteY2"/>
+                </a:cxn>
+                <a:cxn ang="0">
+                  <a:pos x="connsiteX3" y="connsiteY3"/>
+                </a:cxn>
+                <a:cxn ang="0">
+                  <a:pos x="connsiteX4" y="connsiteY4"/>
+                </a:cxn>
+              </a:cxnLst>
+              <a:rect l="l" t="t" r="r" b="b"/>
+              <a:pathLst>
+                <a:path w="309162" h="157771">
+                  <a:moveTo>
+                    <a:pt x="644" y="0"/>
+                  </a:moveTo>
+                  <a:lnTo>
+                    <a:pt x="308518" y="0"/>
+                  </a:lnTo>
+                  <a:lnTo>
+                    <a:pt x="309162" y="3190"/>
+                  </a:lnTo>
+                  <a:cubicBezTo>
+                    <a:pt x="309162" y="88563"/>
+                    <a:pt x="239954" y="157771"/>
+                    <a:pt x="154581" y="157771"/>
+                  </a:cubicBezTo>
+                  <a:cubicBezTo>
+                    <a:pt x="69208" y="157771"/>
+                    <a:pt x="0" y="88563"/>
+                    <a:pt x="0" y="3190"/>
+                  </a:cubicBezTo>
+                  <a:close/>
+                </a:path>
+              </a:pathLst>
+            </a:custGeom>
+            <a:solidFill>
+              <a:schemeClr val="accent4">
+                <a:lumMod val="60000"/>
+                <a:lumOff val="40000"/>
+              </a:schemeClr>
+            </a:solidFill>
+            <a:ln>
+              <a:noFill/>
+            </a:ln>
+          </p:spPr>
+          <p:style>
+            <a:lnRef idx="2">
+              <a:schemeClr val="accent1">
+                <a:shade val="50000"/>
+              </a:schemeClr>
+            </a:lnRef>
+            <a:fillRef idx="1">
+              <a:schemeClr val="accent1"/>
+            </a:fillRef>
+            <a:effectRef idx="0">
+              <a:schemeClr val="accent1"/>
+            </a:effectRef>
+            <a:fontRef idx="minor">
+              <a:schemeClr val="lt1"/>
+            </a:fontRef>
+          </p:style>
+          <p:txBody>
+            <a:bodyPr wrap="square" rtlCol="0" anchor="ctr">
+              <a:noAutofit/>
+            </a:bodyPr>
+            <a:lstStyle/>
+            <a:p>
+              <a:pPr algn="ctr"/>
+              <a:endParaRPr lang="en-US" sz="900" dirty="0">
+                <a:solidFill>
+                  <a:schemeClr val="bg1"/>
+                </a:solidFill>
+                <a:latin typeface="+mj-lt"/>
+              </a:endParaRPr>
+            </a:p>
+          </p:txBody>
+        </p:sp>
+        <p:sp>
+          <p:nvSpPr>
+            <p:cNvPr id="27" name="Oval 26">
+              <a:extLst>
+                <a:ext uri="{FF2B5EF4-FFF2-40B4-BE49-F238E27FC236}">
+                  <a16:creationId xmlns:a16="http://schemas.microsoft.com/office/drawing/2014/main" id="{99065014-CB18-414D-A527-31ECC45700AB}"/>
+                </a:ext>
+                <a:ext uri="{C183D7F6-B498-43B3-948B-1728B52AA6E4}">
+                  <adec:decorative xmlns:adec="http://schemas.microsoft.com/office/drawing/2017/decorative" val="1"/>
+                </a:ext>
+              </a:extLst>
+            </p:cNvPr>
+            <p:cNvSpPr/>
+            <p:nvPr>
+              <p:extLst>
+                <p:ext uri="{386F3935-93C4-4BCD-93E2-E3B085C9AB24}">
+                  <p16:designElem xmlns:p16="http://schemas.microsoft.com/office/powerpoint/2015/main" val="1"/>
+                </p:ext>
+              </p:extLst>
+            </p:nvPr>
+          </p:nvSpPr>
+          <p:spPr>
+            <a:xfrm>
+              <a:off x="504140" y="1132500"/>
+              <a:ext cx="84680" cy="84680"/>
+            </a:xfrm>
+            <a:prstGeom prst="ellipse">
+              <a:avLst/>
+            </a:prstGeom>
+            <a:solidFill>
+              <a:schemeClr val="accent2"/>
+            </a:solidFill>
+            <a:ln>
+              <a:noFill/>
+            </a:ln>
+          </p:spPr>
+          <p:style>
+            <a:lnRef idx="0">
+              <a:scrgbClr r="0" g="0" b="0"/>
+            </a:lnRef>
+            <a:fillRef idx="0">
+              <a:scrgbClr r="0" g="0" b="0"/>
+            </a:fillRef>
+            <a:effectRef idx="0">
+              <a:scrgbClr r="0" g="0" b="0"/>
+            </a:effectRef>
+            <a:fontRef idx="minor">
+              <a:schemeClr val="lt1"/>
+            </a:fontRef>
+          </p:style>
+          <p:txBody>
+            <a:bodyPr rtlCol="0" anchor="ctr"/>
+            <a:lstStyle/>
+            <a:p>
+              <a:pPr algn="ctr"/>
+              <a:endParaRPr lang="en-US"/>
+            </a:p>
+          </p:txBody>
+        </p:sp>
+        <p:sp>
+          <p:nvSpPr>
+            <p:cNvPr id="28" name="Freeform: Shape 27">
+              <a:extLst>
+                <a:ext uri="{FF2B5EF4-FFF2-40B4-BE49-F238E27FC236}">
+                  <a16:creationId xmlns:a16="http://schemas.microsoft.com/office/drawing/2014/main" id="{8F39E27A-56C1-4328-8DF1-2DA147C78483}"/>
+                </a:ext>
+                <a:ext uri="{C183D7F6-B498-43B3-948B-1728B52AA6E4}">
+                  <adec:decorative xmlns:adec="http://schemas.microsoft.com/office/drawing/2017/decorative" val="1"/>
+                </a:ext>
+              </a:extLst>
+            </p:cNvPr>
+            <p:cNvSpPr/>
+            <p:nvPr>
+              <p:extLst>
+                <p:ext uri="{386F3935-93C4-4BCD-93E2-E3B085C9AB24}">
+                  <p16:designElem xmlns:p16="http://schemas.microsoft.com/office/powerpoint/2015/main" val="1"/>
+                </p:ext>
+              </p:extLst>
+            </p:nvPr>
+          </p:nvSpPr>
+          <p:spPr>
+            <a:xfrm>
+              <a:off x="12051348" y="5576515"/>
+              <a:ext cx="137603" cy="210490"/>
+            </a:xfrm>
+            <a:custGeom>
+              <a:avLst/>
+              <a:gdLst>
+                <a:gd name="connsiteX0" fmla="*/ 105245 w 137603"/>
+                <a:gd name="connsiteY0" fmla="*/ 0 h 210490"/>
+                <a:gd name="connsiteX1" fmla="*/ 137603 w 137603"/>
+                <a:gd name="connsiteY1" fmla="*/ 6533 h 210490"/>
+                <a:gd name="connsiteX2" fmla="*/ 137603 w 137603"/>
+                <a:gd name="connsiteY2" fmla="*/ 203957 h 210490"/>
+                <a:gd name="connsiteX3" fmla="*/ 105245 w 137603"/>
+                <a:gd name="connsiteY3" fmla="*/ 210490 h 210490"/>
+                <a:gd name="connsiteX4" fmla="*/ 0 w 137603"/>
+                <a:gd name="connsiteY4" fmla="*/ 105245 h 210490"/>
+                <a:gd name="connsiteX5" fmla="*/ 105245 w 137603"/>
+                <a:gd name="connsiteY5" fmla="*/ 0 h 210490"/>
+              </a:gdLst>
+              <a:ahLst/>
+              <a:cxnLst>
+                <a:cxn ang="0">
+                  <a:pos x="connsiteX0" y="connsiteY0"/>
+                </a:cxn>
+                <a:cxn ang="0">
+                  <a:pos x="connsiteX1" y="connsiteY1"/>
+                </a:cxn>
+                <a:cxn ang="0">
+                  <a:pos x="connsiteX2" y="connsiteY2"/>
+                </a:cxn>
+                <a:cxn ang="0">
+                  <a:pos x="connsiteX3" y="connsiteY3"/>
+                </a:cxn>
+                <a:cxn ang="0">
+                  <a:pos x="connsiteX4" y="connsiteY4"/>
+                </a:cxn>
+                <a:cxn ang="0">
+                  <a:pos x="connsiteX5" y="connsiteY5"/>
+                </a:cxn>
+              </a:cxnLst>
+              <a:rect l="l" t="t" r="r" b="b"/>
+              <a:pathLst>
+                <a:path w="137603" h="210490">
+                  <a:moveTo>
+                    <a:pt x="105245" y="0"/>
+                  </a:moveTo>
+                  <a:lnTo>
+                    <a:pt x="137603" y="6533"/>
+                  </a:lnTo>
+                  <a:lnTo>
+                    <a:pt x="137603" y="203957"/>
+                  </a:lnTo>
+                  <a:lnTo>
+                    <a:pt x="105245" y="210490"/>
+                  </a:lnTo>
+                  <a:cubicBezTo>
+                    <a:pt x="47120" y="210490"/>
+                    <a:pt x="0" y="163370"/>
+                    <a:pt x="0" y="105245"/>
+                  </a:cubicBezTo>
+                  <a:cubicBezTo>
+                    <a:pt x="0" y="47120"/>
+                    <a:pt x="47120" y="0"/>
+                    <a:pt x="105245" y="0"/>
+                  </a:cubicBezTo>
+                  <a:close/>
+                </a:path>
+              </a:pathLst>
+            </a:custGeom>
+            <a:solidFill>
+              <a:schemeClr val="accent3">
+                <a:lumMod val="40000"/>
+                <a:lumOff val="60000"/>
+              </a:schemeClr>
+            </a:solidFill>
+            <a:ln>
+              <a:noFill/>
+            </a:ln>
+          </p:spPr>
+          <p:style>
+            <a:lnRef idx="2">
+              <a:schemeClr val="accent1">
+                <a:shade val="50000"/>
+              </a:schemeClr>
+            </a:lnRef>
+            <a:fillRef idx="1">
+              <a:schemeClr val="accent1"/>
+            </a:fillRef>
+            <a:effectRef idx="0">
+              <a:schemeClr val="accent1"/>
+            </a:effectRef>
+            <a:fontRef idx="minor">
+              <a:schemeClr val="lt1"/>
+            </a:fontRef>
+          </p:style>
+          <p:txBody>
+            <a:bodyPr wrap="square" rtlCol="0" anchor="ctr">
+              <a:noAutofit/>
+            </a:bodyPr>
+            <a:lstStyle/>
+            <a:p>
+              <a:pPr algn="ctr"/>
+              <a:endParaRPr lang="en-US" sz="900" dirty="0">
+                <a:solidFill>
+                  <a:schemeClr val="bg1"/>
+                </a:solidFill>
+                <a:latin typeface="+mj-lt"/>
+              </a:endParaRPr>
+            </a:p>
+          </p:txBody>
+        </p:sp>
+      </p:grpSp>
+      <p:sp useBgFill="1">
+        <p:nvSpPr>
+          <p:cNvPr id="30" name="Rectangle 29">
+            <a:extLst>
+              <a:ext uri="{FF2B5EF4-FFF2-40B4-BE49-F238E27FC236}">
+                <a16:creationId xmlns:a16="http://schemas.microsoft.com/office/drawing/2014/main" id="{94DA0203-BFB4-49DB-A205-51AD7549D42A}"/>
+              </a:ext>
+              <a:ext uri="{C183D7F6-B498-43B3-948B-1728B52AA6E4}">
+                <adec:decorative xmlns:adec="http://schemas.microsoft.com/office/drawing/2017/decorative" val="1"/>
+              </a:ext>
+            </a:extLst>
+          </p:cNvPr>
+          <p:cNvSpPr>
+            <a:spLocks noGrp="1" noRot="1" noChangeAspect="1" noMove="1" noResize="1" noEditPoints="1" noAdjustHandles="1" noChangeArrowheads="1" noChangeShapeType="1" noTextEdit="1"/>
+          </p:cNvSpPr>
+          <p:nvPr>
+            <p:extLst>
+              <p:ext uri="{386F3935-93C4-4BCD-93E2-E3B085C9AB24}">
+                <p16:designElem xmlns:p16="http://schemas.microsoft.com/office/powerpoint/2015/main" val="1"/>
+              </p:ext>
+            </p:extLst>
+          </p:nvPr>
+        </p:nvSpPr>
+        <p:spPr>
+          <a:xfrm>
+            <a:off x="0" y="0"/>
+            <a:ext cx="12192000" cy="6858000"/>
+          </a:xfrm>
+          <a:prstGeom prst="rect">
+            <a:avLst/>
+          </a:prstGeom>
+          <a:ln>
+            <a:noFill/>
+          </a:ln>
+        </p:spPr>
+        <p:style>
+          <a:lnRef idx="2">
+            <a:schemeClr val="accent1">
+              <a:shade val="50000"/>
+            </a:schemeClr>
+          </a:lnRef>
+          <a:fillRef idx="1">
+            <a:schemeClr val="accent1"/>
+          </a:fillRef>
+          <a:effectRef idx="0">
+            <a:schemeClr val="accent1"/>
+          </a:effectRef>
+          <a:fontRef idx="minor">
+            <a:schemeClr val="lt1"/>
+          </a:fontRef>
+        </p:style>
+        <p:txBody>
+          <a:bodyPr rtlCol="0" anchor="ctr"/>
+          <a:lstStyle/>
+          <a:p>
+            <a:pPr algn="ctr"/>
+            <a:endParaRPr lang="en-US">
+              <a:solidFill>
+                <a:schemeClr val="tx1">
+                  <a:lumMod val="65000"/>
+                  <a:lumOff val="35000"/>
+                </a:schemeClr>
+              </a:solidFill>
+              <a:latin typeface="AvenirNext LT Pro Medium" panose="020B0504020202020204" pitchFamily="34" charset="0"/>
+            </a:endParaRPr>
+          </a:p>
+        </p:txBody>
+      </p:sp>
+      <p:pic>
+        <p:nvPicPr>
+          <p:cNvPr id="5" name="Picture 4" descr="Light bulb on yellow background with sketched light beams and cord">
+            <a:extLst>
+              <a:ext uri="{FF2B5EF4-FFF2-40B4-BE49-F238E27FC236}">
+                <a16:creationId xmlns:a16="http://schemas.microsoft.com/office/drawing/2014/main" id="{E3DDB079-A267-3343-6530-F1B2C6DFEFB3}"/>
+              </a:ext>
+            </a:extLst>
+          </p:cNvPr>
+          <p:cNvPicPr>
+            <a:picLocks noChangeAspect="1"/>
+          </p:cNvPicPr>
+          <p:nvPr/>
+        </p:nvPicPr>
+        <p:blipFill rotWithShape="1">
+          <a:blip r:embed="rId2">
+            <a:alphaModFix/>
+          </a:blip>
+          <a:srcRect t="8525"/>
+          <a:stretch/>
+        </p:blipFill>
+        <p:spPr>
+          <a:xfrm>
+            <a:off x="20" y="10"/>
+            <a:ext cx="12190456" cy="6857990"/>
+          </a:xfrm>
+          <a:prstGeom prst="rect">
+            <a:avLst/>
+          </a:prstGeom>
+        </p:spPr>
+      </p:pic>
+      <p:sp>
+        <p:nvSpPr>
+          <p:cNvPr id="32" name="Rectangle 31">
+            <a:extLst>
+              <a:ext uri="{FF2B5EF4-FFF2-40B4-BE49-F238E27FC236}">
+                <a16:creationId xmlns:a16="http://schemas.microsoft.com/office/drawing/2014/main" id="{652F1BB8-9F6C-45D6-898D-65348D26BFCC}"/>
+              </a:ext>
+              <a:ext uri="{C183D7F6-B498-43B3-948B-1728B52AA6E4}">
+                <adec:decorative xmlns:adec="http://schemas.microsoft.com/office/drawing/2017/decorative" val="1"/>
+              </a:ext>
+            </a:extLst>
+          </p:cNvPr>
+          <p:cNvSpPr>
+            <a:spLocks noGrp="1" noRot="1" noChangeAspect="1" noMove="1" noResize="1" noEditPoints="1" noAdjustHandles="1" noChangeArrowheads="1" noChangeShapeType="1" noTextEdit="1"/>
+          </p:cNvSpPr>
+          <p:nvPr>
+            <p:extLst>
+              <p:ext uri="{386F3935-93C4-4BCD-93E2-E3B085C9AB24}">
+                <p16:designElem xmlns:p16="http://schemas.microsoft.com/office/powerpoint/2015/main" val="1"/>
+              </p:ext>
+            </p:extLst>
+          </p:nvPr>
+        </p:nvSpPr>
+        <p:spPr>
+          <a:xfrm>
+            <a:off x="1524" y="0"/>
+            <a:ext cx="12188952" cy="4934465"/>
+          </a:xfrm>
+          <a:prstGeom prst="rect">
+            <a:avLst/>
+          </a:prstGeom>
+          <a:gradFill>
+            <a:gsLst>
+              <a:gs pos="100000">
+                <a:srgbClr val="000000">
+                  <a:alpha val="0"/>
+                </a:srgbClr>
+              </a:gs>
+              <a:gs pos="0">
+                <a:schemeClr val="tx1"/>
+              </a:gs>
+              <a:gs pos="0">
+                <a:srgbClr val="000000">
+                  <a:alpha val="70000"/>
+                </a:srgbClr>
+              </a:gs>
+            </a:gsLst>
+            <a:lin ang="5400000" scaled="1"/>
+          </a:gradFill>
+          <a:ln>
+            <a:noFill/>
+          </a:ln>
+        </p:spPr>
+        <p:style>
+          <a:lnRef idx="2">
+            <a:schemeClr val="accent1">
+              <a:shade val="50000"/>
+            </a:schemeClr>
+          </a:lnRef>
+          <a:fillRef idx="1">
+            <a:schemeClr val="accent1"/>
+          </a:fillRef>
+          <a:effectRef idx="0">
+            <a:schemeClr val="accent1"/>
+          </a:effectRef>
+          <a:fontRef idx="minor">
+            <a:schemeClr val="lt1"/>
+          </a:fontRef>
+        </p:style>
+        <p:txBody>
+          <a:bodyPr rtlCol="0" anchor="ctr"/>
+          <a:lstStyle/>
+          <a:p>
+            <a:pPr algn="ctr"/>
+            <a:endParaRPr lang="en-US"/>
+          </a:p>
+        </p:txBody>
+      </p:sp>
+      <p:sp>
+        <p:nvSpPr>
+          <p:cNvPr id="2" name="Title 1">
+            <a:extLst>
+              <a:ext uri="{FF2B5EF4-FFF2-40B4-BE49-F238E27FC236}">
+                <a16:creationId xmlns:a16="http://schemas.microsoft.com/office/drawing/2014/main" id="{EC2742D2-2267-8451-E085-6ABE47610661}"/>
+              </a:ext>
+            </a:extLst>
+          </p:cNvPr>
+          <p:cNvSpPr>
+            <a:spLocks noGrp="1"/>
+          </p:cNvSpPr>
+          <p:nvPr>
+            <p:ph type="title"/>
+          </p:nvPr>
+        </p:nvSpPr>
+        <p:spPr>
+          <a:xfrm>
+            <a:off x="777240" y="1143294"/>
+            <a:ext cx="9923708" cy="1020188"/>
+          </a:xfrm>
+        </p:spPr>
+        <p:txBody>
+          <a:bodyPr vert="horz" lIns="91440" tIns="45720" rIns="91440" bIns="45720" rtlCol="0" anchor="t">
+            <a:normAutofit/>
+          </a:bodyPr>
+          <a:lstStyle/>
+          <a:p>
+            <a:r>
+              <a:rPr lang="en-US" sz="6000">
+                <a:solidFill>
+                  <a:srgbClr val="FFFFFF"/>
+                </a:solidFill>
+              </a:rPr>
+              <a:t>Conclusions</a:t>
+            </a:r>
+          </a:p>
+        </p:txBody>
+      </p:sp>
+      <p:sp>
+        <p:nvSpPr>
+          <p:cNvPr id="34" name="Oval 33">
+            <a:extLst>
+              <a:ext uri="{FF2B5EF4-FFF2-40B4-BE49-F238E27FC236}">
+                <a16:creationId xmlns:a16="http://schemas.microsoft.com/office/drawing/2014/main" id="{DA09ABEB-FBB2-4784-AB42-132C2B7B86EA}"/>
+              </a:ext>
+              <a:ext uri="{C183D7F6-B498-43B3-948B-1728B52AA6E4}">
+                <adec:decorative xmlns:adec="http://schemas.microsoft.com/office/drawing/2017/decorative" val="1"/>
+              </a:ext>
+            </a:extLst>
+          </p:cNvPr>
+          <p:cNvSpPr>
+            <a:spLocks noGrp="1" noRot="1" noChangeAspect="1" noMove="1" noResize="1" noEditPoints="1" noAdjustHandles="1" noChangeArrowheads="1" noChangeShapeType="1" noTextEdit="1"/>
+          </p:cNvSpPr>
+          <p:nvPr>
+            <p:extLst>
+              <p:ext uri="{386F3935-93C4-4BCD-93E2-E3B085C9AB24}">
+                <p16:designElem xmlns:p16="http://schemas.microsoft.com/office/powerpoint/2015/main" val="1"/>
+              </p:ext>
+            </p:extLst>
+          </p:nvPr>
+        </p:nvSpPr>
+        <p:spPr>
+          <a:xfrm>
+            <a:off x="11065714" y="236341"/>
+            <a:ext cx="113367" cy="113367"/>
+          </a:xfrm>
+          <a:prstGeom prst="ellipse">
+            <a:avLst/>
+          </a:prstGeom>
+          <a:solidFill>
+            <a:srgbClr val="F39E29"/>
+          </a:solidFill>
+          <a:ln>
+            <a:noFill/>
+          </a:ln>
+        </p:spPr>
+        <p:style>
+          <a:lnRef idx="2">
+            <a:schemeClr val="accent1">
+              <a:shade val="50000"/>
+            </a:schemeClr>
+          </a:lnRef>
+          <a:fillRef idx="1">
+            <a:schemeClr val="accent1"/>
+          </a:fillRef>
+          <a:effectRef idx="0">
+            <a:schemeClr val="accent1"/>
+          </a:effectRef>
+          <a:fontRef idx="minor">
+            <a:schemeClr val="lt1"/>
+          </a:fontRef>
+        </p:style>
+        <p:txBody>
+          <a:bodyPr rtlCol="0" anchor="ctr"/>
+          <a:lstStyle/>
+          <a:p>
+            <a:pPr algn="ctr"/>
+            <a:endParaRPr lang="en-US"/>
+          </a:p>
+        </p:txBody>
+      </p:sp>
+      <p:sp>
+        <p:nvSpPr>
+          <p:cNvPr id="36" name="Oval 35">
+            <a:extLst>
+              <a:ext uri="{FF2B5EF4-FFF2-40B4-BE49-F238E27FC236}">
+                <a16:creationId xmlns:a16="http://schemas.microsoft.com/office/drawing/2014/main" id="{4E19B7D6-ACF5-4FD5-9847-AA489F05BBCB}"/>
+              </a:ext>
+              <a:ext uri="{C183D7F6-B498-43B3-948B-1728B52AA6E4}">
+                <adec:decorative xmlns:adec="http://schemas.microsoft.com/office/drawing/2017/decorative" val="1"/>
+              </a:ext>
+            </a:extLst>
+          </p:cNvPr>
+          <p:cNvSpPr>
+            <a:spLocks noGrp="1" noRot="1" noChangeAspect="1" noMove="1" noResize="1" noEditPoints="1" noAdjustHandles="1" noChangeArrowheads="1" noChangeShapeType="1" noTextEdit="1"/>
+          </p:cNvSpPr>
+          <p:nvPr>
+            <p:extLst>
+              <p:ext uri="{386F3935-93C4-4BCD-93E2-E3B085C9AB24}">
+                <p16:designElem xmlns:p16="http://schemas.microsoft.com/office/powerpoint/2015/main" val="1"/>
+              </p:ext>
+            </p:extLst>
+          </p:nvPr>
+        </p:nvSpPr>
+        <p:spPr>
+          <a:xfrm>
+            <a:off x="9464840" y="538627"/>
+            <a:ext cx="94160" cy="94160"/>
+          </a:xfrm>
+          <a:prstGeom prst="ellipse">
+            <a:avLst/>
+          </a:prstGeom>
+          <a:solidFill>
+            <a:schemeClr val="tx2">
+              <a:lumMod val="50000"/>
+              <a:lumOff val="50000"/>
+              <a:alpha val="28000"/>
+            </a:schemeClr>
+          </a:solidFill>
+          <a:ln>
+            <a:noFill/>
+          </a:ln>
+        </p:spPr>
+        <p:style>
+          <a:lnRef idx="2">
+            <a:schemeClr val="accent1">
+              <a:shade val="50000"/>
+            </a:schemeClr>
+          </a:lnRef>
+          <a:fillRef idx="1">
+            <a:schemeClr val="accent1"/>
+          </a:fillRef>
+          <a:effectRef idx="0">
+            <a:schemeClr val="accent1"/>
+          </a:effectRef>
+          <a:fontRef idx="minor">
+            <a:schemeClr val="lt1"/>
+          </a:fontRef>
+        </p:style>
+        <p:txBody>
+          <a:bodyPr rtlCol="0" anchor="ctr"/>
+          <a:lstStyle/>
+          <a:p>
+            <a:pPr algn="ctr"/>
+            <a:endParaRPr lang="en-US"/>
+          </a:p>
+        </p:txBody>
+      </p:sp>
+      <p:sp>
+        <p:nvSpPr>
+          <p:cNvPr id="38" name="Oval 37">
+            <a:extLst>
+              <a:ext uri="{FF2B5EF4-FFF2-40B4-BE49-F238E27FC236}">
+                <a16:creationId xmlns:a16="http://schemas.microsoft.com/office/drawing/2014/main" id="{2DC3951C-8573-4092-BB1C-895AB62DC18A}"/>
+              </a:ext>
+              <a:ext uri="{C183D7F6-B498-43B3-948B-1728B52AA6E4}">
+                <adec:decorative xmlns:adec="http://schemas.microsoft.com/office/drawing/2017/decorative" val="1"/>
+              </a:ext>
+            </a:extLst>
+          </p:cNvPr>
+          <p:cNvSpPr>
+            <a:spLocks noGrp="1" noRot="1" noChangeAspect="1" noMove="1" noResize="1" noEditPoints="1" noAdjustHandles="1" noChangeArrowheads="1" noChangeShapeType="1" noTextEdit="1"/>
+          </p:cNvSpPr>
+          <p:nvPr>
+            <p:extLst>
+              <p:ext uri="{386F3935-93C4-4BCD-93E2-E3B085C9AB24}">
+                <p16:designElem xmlns:p16="http://schemas.microsoft.com/office/powerpoint/2015/main" val="1"/>
+              </p:ext>
+            </p:extLst>
+          </p:nvPr>
+        </p:nvSpPr>
+        <p:spPr>
+          <a:xfrm>
+            <a:off x="11343509" y="516637"/>
+            <a:ext cx="466441" cy="466441"/>
+          </a:xfrm>
+          <a:prstGeom prst="ellipse">
+            <a:avLst/>
+          </a:prstGeom>
+          <a:solidFill>
+            <a:schemeClr val="accent1"/>
+          </a:solidFill>
+          <a:ln>
+            <a:noFill/>
+          </a:ln>
+        </p:spPr>
+        <p:style>
+          <a:lnRef idx="2">
+            <a:schemeClr val="accent1">
+              <a:shade val="50000"/>
+            </a:schemeClr>
+          </a:lnRef>
+          <a:fillRef idx="1">
+            <a:schemeClr val="accent1"/>
+          </a:fillRef>
+          <a:effectRef idx="0">
+            <a:schemeClr val="accent1"/>
+          </a:effectRef>
+          <a:fontRef idx="minor">
+            <a:schemeClr val="lt1"/>
+          </a:fontRef>
+        </p:style>
+        <p:txBody>
+          <a:bodyPr rtlCol="0" anchor="ctr"/>
+          <a:lstStyle/>
+          <a:p>
+            <a:pPr algn="ctr"/>
+            <a:endParaRPr lang="en-US"/>
+          </a:p>
+        </p:txBody>
+      </p:sp>
+      <p:sp>
+        <p:nvSpPr>
+          <p:cNvPr id="40" name="Oval 39">
+            <a:extLst>
+              <a:ext uri="{FF2B5EF4-FFF2-40B4-BE49-F238E27FC236}">
+                <a16:creationId xmlns:a16="http://schemas.microsoft.com/office/drawing/2014/main" id="{D897F30D-1513-46A2-A047-AEC827A0ED77}"/>
+              </a:ext>
+              <a:ext uri="{C183D7F6-B498-43B3-948B-1728B52AA6E4}">
+                <adec:decorative xmlns:adec="http://schemas.microsoft.com/office/drawing/2017/decorative" val="1"/>
+              </a:ext>
+            </a:extLst>
+          </p:cNvPr>
+          <p:cNvSpPr>
+            <a:spLocks noGrp="1" noRot="1" noChangeAspect="1" noMove="1" noResize="1" noEditPoints="1" noAdjustHandles="1" noChangeArrowheads="1" noChangeShapeType="1" noTextEdit="1"/>
+          </p:cNvSpPr>
+          <p:nvPr>
+            <p:extLst>
+              <p:ext uri="{386F3935-93C4-4BCD-93E2-E3B085C9AB24}">
+                <p16:designElem xmlns:p16="http://schemas.microsoft.com/office/powerpoint/2015/main" val="1"/>
+              </p:ext>
+            </p:extLst>
+          </p:nvPr>
+        </p:nvSpPr>
+        <p:spPr>
+          <a:xfrm>
+            <a:off x="11248803" y="1206077"/>
+            <a:ext cx="226735" cy="226735"/>
+          </a:xfrm>
+          <a:prstGeom prst="ellipse">
+            <a:avLst/>
+          </a:prstGeom>
+          <a:solidFill>
+            <a:schemeClr val="tx2">
+              <a:lumMod val="50000"/>
+              <a:lumOff val="50000"/>
+            </a:schemeClr>
+          </a:solidFill>
+          <a:ln>
+            <a:noFill/>
+          </a:ln>
+        </p:spPr>
+        <p:style>
+          <a:lnRef idx="2">
+            <a:schemeClr val="accent1">
+              <a:shade val="50000"/>
+            </a:schemeClr>
+          </a:lnRef>
+          <a:fillRef idx="1">
+            <a:schemeClr val="accent1"/>
+          </a:fillRef>
+          <a:effectRef idx="0">
+            <a:schemeClr val="accent1"/>
+          </a:effectRef>
+          <a:fontRef idx="minor">
+            <a:schemeClr val="lt1"/>
+          </a:fontRef>
+        </p:style>
+        <p:txBody>
+          <a:bodyPr rtlCol="0" anchor="ctr"/>
+          <a:lstStyle/>
+          <a:p>
+            <a:pPr algn="ctr"/>
+            <a:endParaRPr lang="en-US"/>
+          </a:p>
+        </p:txBody>
+      </p:sp>
+      <p:sp>
+        <p:nvSpPr>
+          <p:cNvPr id="42" name="Oval 41">
+            <a:extLst>
+              <a:ext uri="{FF2B5EF4-FFF2-40B4-BE49-F238E27FC236}">
+                <a16:creationId xmlns:a16="http://schemas.microsoft.com/office/drawing/2014/main" id="{5484E33B-84C6-44AB-B37B-AD40DD864397}"/>
+              </a:ext>
+              <a:ext uri="{C183D7F6-B498-43B3-948B-1728B52AA6E4}">
+                <adec:decorative xmlns:adec="http://schemas.microsoft.com/office/drawing/2017/decorative" val="1"/>
+              </a:ext>
+            </a:extLst>
+          </p:cNvPr>
+          <p:cNvSpPr>
+            <a:spLocks noGrp="1" noRot="1" noChangeAspect="1" noMove="1" noResize="1" noEditPoints="1" noAdjustHandles="1" noChangeArrowheads="1" noChangeShapeType="1" noTextEdit="1"/>
+          </p:cNvSpPr>
+          <p:nvPr>
+            <p:extLst>
+              <p:ext uri="{386F3935-93C4-4BCD-93E2-E3B085C9AB24}">
+                <p16:designElem xmlns:p16="http://schemas.microsoft.com/office/powerpoint/2015/main" val="1"/>
+              </p:ext>
+            </p:extLst>
+          </p:nvPr>
+        </p:nvSpPr>
+        <p:spPr>
+          <a:xfrm>
+            <a:off x="11230142" y="4588038"/>
+            <a:ext cx="113367" cy="113367"/>
+          </a:xfrm>
+          <a:prstGeom prst="ellipse">
+            <a:avLst/>
+          </a:prstGeom>
+          <a:solidFill>
+            <a:schemeClr val="accent3"/>
+          </a:solidFill>
+          <a:ln>
+            <a:noFill/>
+          </a:ln>
+        </p:spPr>
+        <p:style>
+          <a:lnRef idx="2">
+            <a:schemeClr val="accent1">
+              <a:shade val="50000"/>
+            </a:schemeClr>
+          </a:lnRef>
+          <a:fillRef idx="1">
+            <a:schemeClr val="accent1"/>
+          </a:fillRef>
+          <a:effectRef idx="0">
+            <a:schemeClr val="accent1"/>
+          </a:effectRef>
+          <a:fontRef idx="minor">
+            <a:schemeClr val="lt1"/>
+          </a:fontRef>
+        </p:style>
+        <p:txBody>
+          <a:bodyPr rtlCol="0" anchor="ctr"/>
+          <a:lstStyle/>
+          <a:p>
+            <a:pPr algn="ctr"/>
+            <a:endParaRPr lang="en-US"/>
+          </a:p>
+        </p:txBody>
+      </p:sp>
+      <p:sp>
+        <p:nvSpPr>
+          <p:cNvPr id="44" name="Oval 43">
+            <a:extLst>
+              <a:ext uri="{FF2B5EF4-FFF2-40B4-BE49-F238E27FC236}">
+                <a16:creationId xmlns:a16="http://schemas.microsoft.com/office/drawing/2014/main" id="{032C2FFF-1C26-4710-B2B8-9DB486DAE135}"/>
+              </a:ext>
+              <a:ext uri="{C183D7F6-B498-43B3-948B-1728B52AA6E4}">
+                <adec:decorative xmlns:adec="http://schemas.microsoft.com/office/drawing/2017/decorative" val="1"/>
+              </a:ext>
+            </a:extLst>
+          </p:cNvPr>
+          <p:cNvSpPr>
+            <a:spLocks noGrp="1" noRot="1" noChangeAspect="1" noMove="1" noResize="1" noEditPoints="1" noAdjustHandles="1" noChangeArrowheads="1" noChangeShapeType="1" noTextEdit="1"/>
+          </p:cNvSpPr>
+          <p:nvPr>
+            <p:extLst>
+              <p:ext uri="{386F3935-93C4-4BCD-93E2-E3B085C9AB24}">
+                <p16:designElem xmlns:p16="http://schemas.microsoft.com/office/powerpoint/2015/main" val="1"/>
+              </p:ext>
+            </p:extLst>
+          </p:nvPr>
+        </p:nvSpPr>
+        <p:spPr>
+          <a:xfrm>
+            <a:off x="10183540" y="6169156"/>
+            <a:ext cx="113367" cy="113367"/>
+          </a:xfrm>
+          <a:prstGeom prst="ellipse">
+            <a:avLst/>
+          </a:prstGeom>
+          <a:solidFill>
+            <a:schemeClr val="accent5"/>
+          </a:solidFill>
+          <a:ln>
+            <a:noFill/>
+          </a:ln>
+        </p:spPr>
+        <p:style>
+          <a:lnRef idx="2">
+            <a:schemeClr val="accent1">
+              <a:shade val="50000"/>
+            </a:schemeClr>
+          </a:lnRef>
+          <a:fillRef idx="1">
+            <a:schemeClr val="accent1"/>
+          </a:fillRef>
+          <a:effectRef idx="0">
+            <a:schemeClr val="accent1"/>
+          </a:effectRef>
+          <a:fontRef idx="minor">
+            <a:schemeClr val="lt1"/>
+          </a:fontRef>
+        </p:style>
+        <p:txBody>
+          <a:bodyPr rtlCol="0" anchor="ctr"/>
+          <a:lstStyle/>
+          <a:p>
+            <a:pPr algn="ctr"/>
+            <a:endParaRPr lang="en-US"/>
+          </a:p>
+        </p:txBody>
+      </p:sp>
+      <p:sp>
+        <p:nvSpPr>
+          <p:cNvPr id="46" name="Oval 45">
+            <a:extLst>
+              <a:ext uri="{FF2B5EF4-FFF2-40B4-BE49-F238E27FC236}">
+                <a16:creationId xmlns:a16="http://schemas.microsoft.com/office/drawing/2014/main" id="{F6D50462-DF3B-4889-8D2A-9B6BE774163C}"/>
+              </a:ext>
+              <a:ext uri="{C183D7F6-B498-43B3-948B-1728B52AA6E4}">
+                <adec:decorative xmlns:adec="http://schemas.microsoft.com/office/drawing/2017/decorative" val="1"/>
+              </a:ext>
+            </a:extLst>
+          </p:cNvPr>
+          <p:cNvSpPr>
+            <a:spLocks noGrp="1" noRot="1" noChangeAspect="1" noMove="1" noResize="1" noEditPoints="1" noAdjustHandles="1" noChangeArrowheads="1" noChangeShapeType="1" noTextEdit="1"/>
+          </p:cNvSpPr>
+          <p:nvPr>
+            <p:extLst>
+              <p:ext uri="{386F3935-93C4-4BCD-93E2-E3B085C9AB24}">
+                <p16:designElem xmlns:p16="http://schemas.microsoft.com/office/powerpoint/2015/main" val="1"/>
+              </p:ext>
+            </p:extLst>
+          </p:nvPr>
+        </p:nvSpPr>
+        <p:spPr>
+          <a:xfrm>
+            <a:off x="10542793" y="5536248"/>
+            <a:ext cx="800716" cy="800716"/>
+          </a:xfrm>
+          <a:prstGeom prst="ellipse">
+            <a:avLst/>
+          </a:prstGeom>
+          <a:solidFill>
+            <a:schemeClr val="accent1">
+              <a:lumMod val="40000"/>
+              <a:lumOff val="60000"/>
+              <a:alpha val="30000"/>
+            </a:schemeClr>
+          </a:solidFill>
+          <a:ln>
+            <a:noFill/>
+          </a:ln>
+        </p:spPr>
+        <p:style>
+          <a:lnRef idx="2">
+            <a:schemeClr val="accent1">
+              <a:shade val="50000"/>
+            </a:schemeClr>
+          </a:lnRef>
+          <a:fillRef idx="1">
+            <a:schemeClr val="accent1"/>
+          </a:fillRef>
+          <a:effectRef idx="0">
+            <a:schemeClr val="accent1"/>
+          </a:effectRef>
+          <a:fontRef idx="minor">
+            <a:schemeClr val="lt1"/>
+          </a:fontRef>
+        </p:style>
+        <p:txBody>
+          <a:bodyPr rtlCol="0" anchor="ctr"/>
+          <a:lstStyle/>
+          <a:p>
+            <a:pPr algn="ctr"/>
+            <a:endParaRPr lang="en-US"/>
+          </a:p>
+        </p:txBody>
+      </p:sp>
+      <p:sp>
+        <p:nvSpPr>
+          <p:cNvPr id="48" name="Freeform: Shape 47">
+            <a:extLst>
+              <a:ext uri="{FF2B5EF4-FFF2-40B4-BE49-F238E27FC236}">
+                <a16:creationId xmlns:a16="http://schemas.microsoft.com/office/drawing/2014/main" id="{A4661B72-AE95-451D-822D-E19815CF12F6}"/>
+              </a:ext>
+              <a:ext uri="{C183D7F6-B498-43B3-948B-1728B52AA6E4}">
+                <adec:decorative xmlns:adec="http://schemas.microsoft.com/office/drawing/2017/decorative" val="1"/>
+              </a:ext>
+            </a:extLst>
+          </p:cNvPr>
+          <p:cNvSpPr>
+            <a:spLocks noGrp="1" noRot="1" noChangeAspect="1" noMove="1" noResize="1" noEditPoints="1" noAdjustHandles="1" noChangeArrowheads="1" noChangeShapeType="1" noTextEdit="1"/>
+          </p:cNvSpPr>
+          <p:nvPr>
+            <p:extLst>
+              <p:ext uri="{386F3935-93C4-4BCD-93E2-E3B085C9AB24}">
+                <p16:designElem xmlns:p16="http://schemas.microsoft.com/office/powerpoint/2015/main" val="1"/>
+              </p:ext>
+            </p:extLst>
+          </p:nvPr>
+        </p:nvSpPr>
+        <p:spPr>
+          <a:xfrm flipH="1">
+            <a:off x="11702762" y="6299355"/>
+            <a:ext cx="489238" cy="558645"/>
+          </a:xfrm>
+          <a:custGeom>
+            <a:avLst/>
+            <a:gdLst>
+              <a:gd name="connsiteX0" fmla="*/ 1156116 w 3186814"/>
+              <a:gd name="connsiteY0" fmla="*/ 0 h 3638922"/>
+              <a:gd name="connsiteX1" fmla="*/ 3186814 w 3186814"/>
+              <a:gd name="connsiteY1" fmla="*/ 2030698 h 3638922"/>
+              <a:gd name="connsiteX2" fmla="*/ 2447829 w 3186814"/>
+              <a:gd name="connsiteY2" fmla="*/ 3597684 h 3638922"/>
+              <a:gd name="connsiteX3" fmla="*/ 2392682 w 3186814"/>
+              <a:gd name="connsiteY3" fmla="*/ 3638922 h 3638922"/>
+              <a:gd name="connsiteX4" fmla="*/ 0 w 3186814"/>
+              <a:gd name="connsiteY4" fmla="*/ 3638922 h 3638922"/>
+              <a:gd name="connsiteX5" fmla="*/ 0 w 3186814"/>
+              <a:gd name="connsiteY5" fmla="*/ 362315 h 3638922"/>
+              <a:gd name="connsiteX6" fmla="*/ 20733 w 3186814"/>
+              <a:gd name="connsiteY6" fmla="*/ 346811 h 3638922"/>
+              <a:gd name="connsiteX7" fmla="*/ 1156116 w 3186814"/>
+              <a:gd name="connsiteY7" fmla="*/ 0 h 3638922"/>
+            </a:gdLst>
+            <a:ahLst/>
+            <a:cxnLst>
+              <a:cxn ang="0">
+                <a:pos x="connsiteX0" y="connsiteY0"/>
+              </a:cxn>
+              <a:cxn ang="0">
+                <a:pos x="connsiteX1" y="connsiteY1"/>
+              </a:cxn>
+              <a:cxn ang="0">
+                <a:pos x="connsiteX2" y="connsiteY2"/>
+              </a:cxn>
+              <a:cxn ang="0">
+                <a:pos x="connsiteX3" y="connsiteY3"/>
+              </a:cxn>
+              <a:cxn ang="0">
+                <a:pos x="connsiteX4" y="connsiteY4"/>
+              </a:cxn>
+              <a:cxn ang="0">
+                <a:pos x="connsiteX5" y="connsiteY5"/>
+              </a:cxn>
+              <a:cxn ang="0">
+                <a:pos x="connsiteX6" y="connsiteY6"/>
+              </a:cxn>
+              <a:cxn ang="0">
+                <a:pos x="connsiteX7" y="connsiteY7"/>
+              </a:cxn>
+            </a:cxnLst>
+            <a:rect l="l" t="t" r="r" b="b"/>
+            <a:pathLst>
+              <a:path w="3186814" h="3638922">
+                <a:moveTo>
+                  <a:pt x="1156116" y="0"/>
+                </a:moveTo>
+                <a:cubicBezTo>
+                  <a:pt x="2277640" y="0"/>
+                  <a:pt x="3186814" y="909174"/>
+                  <a:pt x="3186814" y="2030698"/>
+                </a:cubicBezTo>
+                <a:cubicBezTo>
+                  <a:pt x="3186814" y="2661556"/>
+                  <a:pt x="2899146" y="3225224"/>
+                  <a:pt x="2447829" y="3597684"/>
+                </a:cubicBezTo>
+                <a:lnTo>
+                  <a:pt x="2392682" y="3638922"/>
+                </a:lnTo>
+                <a:lnTo>
+                  <a:pt x="0" y="3638922"/>
+                </a:lnTo>
+                <a:lnTo>
+                  <a:pt x="0" y="362315"/>
+                </a:lnTo>
+                <a:lnTo>
+                  <a:pt x="20733" y="346811"/>
+                </a:lnTo>
+                <a:cubicBezTo>
+                  <a:pt x="344835" y="127853"/>
+                  <a:pt x="735545" y="0"/>
+                  <a:pt x="1156116" y="0"/>
+                </a:cubicBezTo>
+                <a:close/>
+              </a:path>
+            </a:pathLst>
+          </a:custGeom>
+          <a:solidFill>
+            <a:schemeClr val="accent2">
+              <a:lumMod val="20000"/>
+              <a:lumOff val="80000"/>
+            </a:schemeClr>
+          </a:solidFill>
+          <a:ln>
+            <a:noFill/>
+          </a:ln>
+        </p:spPr>
+        <p:style>
+          <a:lnRef idx="2">
+            <a:schemeClr val="accent1">
+              <a:shade val="50000"/>
+            </a:schemeClr>
+          </a:lnRef>
+          <a:fillRef idx="1">
+            <a:schemeClr val="accent1"/>
+          </a:fillRef>
+          <a:effectRef idx="0">
+            <a:schemeClr val="accent1"/>
+          </a:effectRef>
+          <a:fontRef idx="minor">
+            <a:schemeClr val="lt1"/>
+          </a:fontRef>
+        </p:style>
+        <p:txBody>
+          <a:bodyPr rtlCol="0" anchor="ctr"/>
+          <a:lstStyle/>
+          <a:p>
+            <a:pPr algn="ctr"/>
+            <a:endParaRPr lang="en-US"/>
+          </a:p>
+        </p:txBody>
+      </p:sp>
+    </p:spTree>
+    <p:extLst>
+      <p:ext uri="{BB962C8B-B14F-4D97-AF65-F5344CB8AC3E}">
+        <p14:creationId xmlns:p14="http://schemas.microsoft.com/office/powerpoint/2010/main" val="47504610"/>
       </p:ext>
     </p:extLst>
   </p:cSld>
@@ -22897,6 +28646,2468 @@
 </p:sld>
 </file>
 
+<file path=ppt/slides/slide7.xml><?xml version="1.0" encoding="utf-8"?>
+<p:sld xmlns:a="http://schemas.openxmlformats.org/drawingml/2006/main" xmlns:r="http://schemas.openxmlformats.org/officeDocument/2006/relationships" xmlns:p="http://schemas.openxmlformats.org/presentationml/2006/main">
+  <p:cSld>
+    <p:bg>
+      <p:bgPr>
+        <a:solidFill>
+          <a:schemeClr val="bg1"/>
+        </a:solidFill>
+        <a:effectLst/>
+      </p:bgPr>
+    </p:bg>
+    <p:spTree>
+      <p:nvGrpSpPr>
+        <p:cNvPr id="1" name=""/>
+        <p:cNvGrpSpPr/>
+        <p:nvPr/>
+      </p:nvGrpSpPr>
+      <p:grpSpPr>
+        <a:xfrm>
+          <a:off x="0" y="0"/>
+          <a:ext cx="0" cy="0"/>
+          <a:chOff x="0" y="0"/>
+          <a:chExt cx="0" cy="0"/>
+        </a:xfrm>
+      </p:grpSpPr>
+      <p:sp useBgFill="1">
+        <p:nvSpPr>
+          <p:cNvPr id="9" name="Rectangle 8">
+            <a:extLst>
+              <a:ext uri="{FF2B5EF4-FFF2-40B4-BE49-F238E27FC236}">
+                <a16:creationId xmlns:a16="http://schemas.microsoft.com/office/drawing/2014/main" id="{458183E0-58D3-4C7F-97F0-2494113B38F6}"/>
+              </a:ext>
+              <a:ext uri="{C183D7F6-B498-43B3-948B-1728B52AA6E4}">
+                <adec:decorative xmlns:adec="http://schemas.microsoft.com/office/drawing/2017/decorative" val="1"/>
+              </a:ext>
+            </a:extLst>
+          </p:cNvPr>
+          <p:cNvSpPr>
+            <a:spLocks noGrp="1" noRot="1" noChangeAspect="1" noMove="1" noResize="1" noEditPoints="1" noAdjustHandles="1" noChangeArrowheads="1" noChangeShapeType="1" noTextEdit="1"/>
+          </p:cNvSpPr>
+          <p:nvPr>
+            <p:extLst>
+              <p:ext uri="{386F3935-93C4-4BCD-93E2-E3B085C9AB24}">
+                <p16:designElem xmlns:p16="http://schemas.microsoft.com/office/powerpoint/2015/main" val="1"/>
+              </p:ext>
+            </p:extLst>
+          </p:nvPr>
+        </p:nvSpPr>
+        <p:spPr>
+          <a:xfrm>
+            <a:off x="-1" y="0"/>
+            <a:ext cx="12188952" cy="6858000"/>
+          </a:xfrm>
+          <a:prstGeom prst="rect">
+            <a:avLst/>
+          </a:prstGeom>
+          <a:ln>
+            <a:noFill/>
+          </a:ln>
+        </p:spPr>
+        <p:style>
+          <a:lnRef idx="2">
+            <a:schemeClr val="accent1">
+              <a:shade val="50000"/>
+            </a:schemeClr>
+          </a:lnRef>
+          <a:fillRef idx="1">
+            <a:schemeClr val="accent1"/>
+          </a:fillRef>
+          <a:effectRef idx="0">
+            <a:schemeClr val="accent1"/>
+          </a:effectRef>
+          <a:fontRef idx="minor">
+            <a:schemeClr val="lt1"/>
+          </a:fontRef>
+        </p:style>
+        <p:txBody>
+          <a:bodyPr rtlCol="0" anchor="ctr"/>
+          <a:lstStyle/>
+          <a:p>
+            <a:pPr algn="ctr"/>
+            <a:endParaRPr lang="en-US"/>
+          </a:p>
+        </p:txBody>
+      </p:sp>
+      <p:sp>
+        <p:nvSpPr>
+          <p:cNvPr id="11" name="Rectangle 10">
+            <a:extLst>
+              <a:ext uri="{FF2B5EF4-FFF2-40B4-BE49-F238E27FC236}">
+                <a16:creationId xmlns:a16="http://schemas.microsoft.com/office/drawing/2014/main" id="{493D7220-9A41-4B89-8A05-2E854925EDA1}"/>
+              </a:ext>
+              <a:ext uri="{C183D7F6-B498-43B3-948B-1728B52AA6E4}">
+                <adec:decorative xmlns:adec="http://schemas.microsoft.com/office/drawing/2017/decorative" val="1"/>
+              </a:ext>
+            </a:extLst>
+          </p:cNvPr>
+          <p:cNvSpPr>
+            <a:spLocks noGrp="1" noRot="1" noChangeAspect="1" noMove="1" noResize="1" noEditPoints="1" noAdjustHandles="1" noChangeArrowheads="1" noChangeShapeType="1" noTextEdit="1"/>
+          </p:cNvSpPr>
+          <p:nvPr>
+            <p:extLst>
+              <p:ext uri="{386F3935-93C4-4BCD-93E2-E3B085C9AB24}">
+                <p16:designElem xmlns:p16="http://schemas.microsoft.com/office/powerpoint/2015/main" val="1"/>
+              </p:ext>
+            </p:extLst>
+          </p:nvPr>
+        </p:nvSpPr>
+        <p:spPr>
+          <a:xfrm>
+            <a:off x="1524" y="0"/>
+            <a:ext cx="12188952" cy="6858000"/>
+          </a:xfrm>
+          <a:prstGeom prst="rect">
+            <a:avLst/>
+          </a:prstGeom>
+          <a:solidFill>
+            <a:srgbClr val="000000"/>
+          </a:solidFill>
+          <a:ln>
+            <a:noFill/>
+          </a:ln>
+        </p:spPr>
+        <p:style>
+          <a:lnRef idx="2">
+            <a:schemeClr val="accent1">
+              <a:shade val="50000"/>
+            </a:schemeClr>
+          </a:lnRef>
+          <a:fillRef idx="1">
+            <a:schemeClr val="accent1"/>
+          </a:fillRef>
+          <a:effectRef idx="0">
+            <a:schemeClr val="accent1"/>
+          </a:effectRef>
+          <a:fontRef idx="minor">
+            <a:schemeClr val="lt1"/>
+          </a:fontRef>
+        </p:style>
+        <p:txBody>
+          <a:bodyPr rtlCol="0" anchor="ctr"/>
+          <a:lstStyle/>
+          <a:p>
+            <a:pPr algn="ctr"/>
+            <a:endParaRPr lang="en-US" sz="900">
+              <a:solidFill>
+                <a:schemeClr val="bg1"/>
+              </a:solidFill>
+              <a:latin typeface="+mj-lt"/>
+            </a:endParaRPr>
+          </a:p>
+        </p:txBody>
+      </p:sp>
+      <p:pic>
+        <p:nvPicPr>
+          <p:cNvPr id="5" name="Picture 4">
+            <a:extLst>
+              <a:ext uri="{FF2B5EF4-FFF2-40B4-BE49-F238E27FC236}">
+                <a16:creationId xmlns:a16="http://schemas.microsoft.com/office/drawing/2014/main" id="{EA4D35FE-4EC7-71B0-FAB7-AA582A2F7484}"/>
+              </a:ext>
+            </a:extLst>
+          </p:cNvPr>
+          <p:cNvPicPr>
+            <a:picLocks noChangeAspect="1"/>
+          </p:cNvPicPr>
+          <p:nvPr/>
+        </p:nvPicPr>
+        <p:blipFill rotWithShape="1">
+          <a:blip r:embed="rId2">
+            <a:alphaModFix amt="35000"/>
+          </a:blip>
+          <a:srcRect l="25"/>
+          <a:stretch/>
+        </p:blipFill>
+        <p:spPr>
+          <a:xfrm>
+            <a:off x="1525" y="10"/>
+            <a:ext cx="12188951" cy="6857990"/>
+          </a:xfrm>
+          <a:prstGeom prst="rect">
+            <a:avLst/>
+          </a:prstGeom>
+        </p:spPr>
+      </p:pic>
+      <p:grpSp>
+        <p:nvGrpSpPr>
+          <p:cNvPr id="13" name="decorative circles">
+            <a:extLst>
+              <a:ext uri="{FF2B5EF4-FFF2-40B4-BE49-F238E27FC236}">
+                <a16:creationId xmlns:a16="http://schemas.microsoft.com/office/drawing/2014/main" id="{C1F869AB-954B-4EAB-8260-60AE9C8D0C6F}"/>
+              </a:ext>
+              <a:ext uri="{C183D7F6-B498-43B3-948B-1728B52AA6E4}">
+                <adec:decorative xmlns:adec="http://schemas.microsoft.com/office/drawing/2017/decorative" val="1"/>
+              </a:ext>
+            </a:extLst>
+          </p:cNvPr>
+          <p:cNvGrpSpPr>
+            <a:grpSpLocks noGrp="1" noUngrp="1" noRot="1" noChangeAspect="1" noMove="1" noResize="1"/>
+          </p:cNvGrpSpPr>
+          <p:nvPr>
+            <p:extLst>
+              <p:ext uri="{386F3935-93C4-4BCD-93E2-E3B085C9AB24}">
+                <p16:designElem xmlns:p16="http://schemas.microsoft.com/office/powerpoint/2015/main" val="1"/>
+              </p:ext>
+            </p:extLst>
+          </p:nvPr>
+        </p:nvGrpSpPr>
+        <p:grpSpPr>
+          <a:xfrm>
+            <a:off x="314102" y="236341"/>
+            <a:ext cx="11340713" cy="5464029"/>
+            <a:chOff x="314102" y="236341"/>
+            <a:chExt cx="11340713" cy="5464029"/>
+          </a:xfrm>
+        </p:grpSpPr>
+        <p:sp>
+          <p:nvSpPr>
+            <p:cNvPr id="14" name="Oval 13">
+              <a:extLst>
+                <a:ext uri="{FF2B5EF4-FFF2-40B4-BE49-F238E27FC236}">
+                  <a16:creationId xmlns:a16="http://schemas.microsoft.com/office/drawing/2014/main" id="{73902316-BF90-4159-9FD2-6CFCCF7BE2FF}"/>
+                </a:ext>
+                <a:ext uri="{C183D7F6-B498-43B3-948B-1728B52AA6E4}">
+                  <adec:decorative xmlns:adec="http://schemas.microsoft.com/office/drawing/2017/decorative" val="1"/>
+                </a:ext>
+              </a:extLst>
+            </p:cNvPr>
+            <p:cNvSpPr/>
+            <p:nvPr>
+              <p:extLst>
+                <p:ext uri="{386F3935-93C4-4BCD-93E2-E3B085C9AB24}">
+                  <p16:designElem xmlns:p16="http://schemas.microsoft.com/office/powerpoint/2015/main" val="1"/>
+                </p:ext>
+              </p:extLst>
+            </p:nvPr>
+          </p:nvSpPr>
+          <p:spPr>
+            <a:xfrm>
+              <a:off x="7760448" y="3803994"/>
+              <a:ext cx="94160" cy="94160"/>
+            </a:xfrm>
+            <a:prstGeom prst="ellipse">
+              <a:avLst/>
+            </a:prstGeom>
+            <a:solidFill>
+              <a:srgbClr val="E3BEBE">
+                <a:alpha val="28000"/>
+              </a:srgbClr>
+            </a:solidFill>
+            <a:ln>
+              <a:noFill/>
+            </a:ln>
+          </p:spPr>
+          <p:style>
+            <a:lnRef idx="2">
+              <a:schemeClr val="accent1">
+                <a:shade val="50000"/>
+              </a:schemeClr>
+            </a:lnRef>
+            <a:fillRef idx="1">
+              <a:schemeClr val="accent1"/>
+            </a:fillRef>
+            <a:effectRef idx="0">
+              <a:schemeClr val="accent1"/>
+            </a:effectRef>
+            <a:fontRef idx="minor">
+              <a:schemeClr val="lt1"/>
+            </a:fontRef>
+          </p:style>
+          <p:txBody>
+            <a:bodyPr rtlCol="0" anchor="ctr"/>
+            <a:lstStyle/>
+            <a:p>
+              <a:pPr algn="ctr"/>
+              <a:endParaRPr lang="en-US"/>
+            </a:p>
+          </p:txBody>
+        </p:sp>
+        <p:sp>
+          <p:nvSpPr>
+            <p:cNvPr id="15" name="Oval 14">
+              <a:extLst>
+                <a:ext uri="{FF2B5EF4-FFF2-40B4-BE49-F238E27FC236}">
+                  <a16:creationId xmlns:a16="http://schemas.microsoft.com/office/drawing/2014/main" id="{EF0C14E3-3AAA-4BA8-93F9-856D029676CC}"/>
+                </a:ext>
+                <a:ext uri="{C183D7F6-B498-43B3-948B-1728B52AA6E4}">
+                  <adec:decorative xmlns:adec="http://schemas.microsoft.com/office/drawing/2017/decorative" val="1"/>
+                </a:ext>
+              </a:extLst>
+            </p:cNvPr>
+            <p:cNvSpPr/>
+            <p:nvPr>
+              <p:extLst>
+                <p:ext uri="{386F3935-93C4-4BCD-93E2-E3B085C9AB24}">
+                  <p16:designElem xmlns:p16="http://schemas.microsoft.com/office/powerpoint/2015/main" val="1"/>
+                </p:ext>
+              </p:extLst>
+            </p:nvPr>
+          </p:nvSpPr>
+          <p:spPr>
+            <a:xfrm>
+              <a:off x="314102" y="3044381"/>
+              <a:ext cx="226735" cy="226735"/>
+            </a:xfrm>
+            <a:prstGeom prst="ellipse">
+              <a:avLst/>
+            </a:prstGeom>
+            <a:solidFill>
+              <a:schemeClr val="tx2">
+                <a:lumMod val="50000"/>
+                <a:lumOff val="50000"/>
+              </a:schemeClr>
+            </a:solidFill>
+            <a:ln>
+              <a:noFill/>
+            </a:ln>
+          </p:spPr>
+          <p:style>
+            <a:lnRef idx="2">
+              <a:schemeClr val="accent1">
+                <a:shade val="50000"/>
+              </a:schemeClr>
+            </a:lnRef>
+            <a:fillRef idx="1">
+              <a:schemeClr val="accent1"/>
+            </a:fillRef>
+            <a:effectRef idx="0">
+              <a:schemeClr val="accent1"/>
+            </a:effectRef>
+            <a:fontRef idx="minor">
+              <a:schemeClr val="lt1"/>
+            </a:fontRef>
+          </p:style>
+          <p:txBody>
+            <a:bodyPr rtlCol="0" anchor="ctr"/>
+            <a:lstStyle/>
+            <a:p>
+              <a:pPr algn="ctr"/>
+              <a:endParaRPr lang="en-US"/>
+            </a:p>
+          </p:txBody>
+        </p:sp>
+        <p:sp>
+          <p:nvSpPr>
+            <p:cNvPr id="16" name="Oval 15">
+              <a:extLst>
+                <a:ext uri="{FF2B5EF4-FFF2-40B4-BE49-F238E27FC236}">
+                  <a16:creationId xmlns:a16="http://schemas.microsoft.com/office/drawing/2014/main" id="{EECE6F6B-297F-4766-8C04-0960E9960056}"/>
+                </a:ext>
+                <a:ext uri="{C183D7F6-B498-43B3-948B-1728B52AA6E4}">
+                  <adec:decorative xmlns:adec="http://schemas.microsoft.com/office/drawing/2017/decorative" val="1"/>
+                </a:ext>
+              </a:extLst>
+            </p:cNvPr>
+            <p:cNvSpPr/>
+            <p:nvPr>
+              <p:extLst>
+                <p:ext uri="{386F3935-93C4-4BCD-93E2-E3B085C9AB24}">
+                  <p16:designElem xmlns:p16="http://schemas.microsoft.com/office/powerpoint/2015/main" val="1"/>
+                </p:ext>
+              </p:extLst>
+            </p:nvPr>
+          </p:nvSpPr>
+          <p:spPr>
+            <a:xfrm>
+              <a:off x="11188374" y="386135"/>
+              <a:ext cx="466441" cy="466441"/>
+            </a:xfrm>
+            <a:prstGeom prst="ellipse">
+              <a:avLst/>
+            </a:prstGeom>
+            <a:solidFill>
+              <a:schemeClr val="accent2">
+                <a:lumMod val="60000"/>
+                <a:lumOff val="40000"/>
+                <a:alpha val="72000"/>
+              </a:schemeClr>
+            </a:solidFill>
+            <a:ln>
+              <a:noFill/>
+            </a:ln>
+          </p:spPr>
+          <p:style>
+            <a:lnRef idx="2">
+              <a:schemeClr val="accent1">
+                <a:shade val="50000"/>
+              </a:schemeClr>
+            </a:lnRef>
+            <a:fillRef idx="1">
+              <a:schemeClr val="accent1"/>
+            </a:fillRef>
+            <a:effectRef idx="0">
+              <a:schemeClr val="accent1"/>
+            </a:effectRef>
+            <a:fontRef idx="minor">
+              <a:schemeClr val="lt1"/>
+            </a:fontRef>
+          </p:style>
+          <p:txBody>
+            <a:bodyPr rtlCol="0" anchor="ctr"/>
+            <a:lstStyle/>
+            <a:p>
+              <a:pPr algn="ctr"/>
+              <a:endParaRPr lang="en-US"/>
+            </a:p>
+          </p:txBody>
+        </p:sp>
+        <p:sp>
+          <p:nvSpPr>
+            <p:cNvPr id="17" name="Oval 16">
+              <a:extLst>
+                <a:ext uri="{FF2B5EF4-FFF2-40B4-BE49-F238E27FC236}">
+                  <a16:creationId xmlns:a16="http://schemas.microsoft.com/office/drawing/2014/main" id="{44AE5C63-0522-4DDF-B67A-5DA271883BCE}"/>
+                </a:ext>
+                <a:ext uri="{C183D7F6-B498-43B3-948B-1728B52AA6E4}">
+                  <adec:decorative xmlns:adec="http://schemas.microsoft.com/office/drawing/2017/decorative" val="1"/>
+                </a:ext>
+              </a:extLst>
+            </p:cNvPr>
+            <p:cNvSpPr/>
+            <p:nvPr>
+              <p:extLst>
+                <p:ext uri="{386F3935-93C4-4BCD-93E2-E3B085C9AB24}">
+                  <p16:designElem xmlns:p16="http://schemas.microsoft.com/office/powerpoint/2015/main" val="1"/>
+                </p:ext>
+              </p:extLst>
+            </p:nvPr>
+          </p:nvSpPr>
+          <p:spPr>
+            <a:xfrm>
+              <a:off x="11065714" y="236341"/>
+              <a:ext cx="113367" cy="113367"/>
+            </a:xfrm>
+            <a:prstGeom prst="ellipse">
+              <a:avLst/>
+            </a:prstGeom>
+            <a:solidFill>
+              <a:srgbClr val="F39E29"/>
+            </a:solidFill>
+            <a:ln>
+              <a:noFill/>
+            </a:ln>
+          </p:spPr>
+          <p:style>
+            <a:lnRef idx="2">
+              <a:schemeClr val="accent1">
+                <a:shade val="50000"/>
+              </a:schemeClr>
+            </a:lnRef>
+            <a:fillRef idx="1">
+              <a:schemeClr val="accent1"/>
+            </a:fillRef>
+            <a:effectRef idx="0">
+              <a:schemeClr val="accent1"/>
+            </a:effectRef>
+            <a:fontRef idx="minor">
+              <a:schemeClr val="lt1"/>
+            </a:fontRef>
+          </p:style>
+          <p:txBody>
+            <a:bodyPr rtlCol="0" anchor="ctr"/>
+            <a:lstStyle/>
+            <a:p>
+              <a:pPr algn="ctr"/>
+              <a:endParaRPr lang="en-US"/>
+            </a:p>
+          </p:txBody>
+        </p:sp>
+        <p:sp>
+          <p:nvSpPr>
+            <p:cNvPr id="18" name="Oval 17">
+              <a:extLst>
+                <a:ext uri="{FF2B5EF4-FFF2-40B4-BE49-F238E27FC236}">
+                  <a16:creationId xmlns:a16="http://schemas.microsoft.com/office/drawing/2014/main" id="{64F95A54-2855-4B65-82E3-A9D306CBA180}"/>
+                </a:ext>
+                <a:ext uri="{C183D7F6-B498-43B3-948B-1728B52AA6E4}">
+                  <adec:decorative xmlns:adec="http://schemas.microsoft.com/office/drawing/2017/decorative" val="1"/>
+                </a:ext>
+              </a:extLst>
+            </p:cNvPr>
+            <p:cNvSpPr/>
+            <p:nvPr>
+              <p:extLst>
+                <p:ext uri="{386F3935-93C4-4BCD-93E2-E3B085C9AB24}">
+                  <p16:designElem xmlns:p16="http://schemas.microsoft.com/office/powerpoint/2015/main" val="1"/>
+                </p:ext>
+              </p:extLst>
+            </p:nvPr>
+          </p:nvSpPr>
+          <p:spPr>
+            <a:xfrm>
+              <a:off x="751535" y="2516671"/>
+              <a:ext cx="466441" cy="466441"/>
+            </a:xfrm>
+            <a:prstGeom prst="ellipse">
+              <a:avLst/>
+            </a:prstGeom>
+            <a:solidFill>
+              <a:schemeClr val="accent1"/>
+            </a:solidFill>
+            <a:ln>
+              <a:noFill/>
+            </a:ln>
+          </p:spPr>
+          <p:style>
+            <a:lnRef idx="2">
+              <a:schemeClr val="accent1">
+                <a:shade val="50000"/>
+              </a:schemeClr>
+            </a:lnRef>
+            <a:fillRef idx="1">
+              <a:schemeClr val="accent1"/>
+            </a:fillRef>
+            <a:effectRef idx="0">
+              <a:schemeClr val="accent1"/>
+            </a:effectRef>
+            <a:fontRef idx="minor">
+              <a:schemeClr val="lt1"/>
+            </a:fontRef>
+          </p:style>
+          <p:txBody>
+            <a:bodyPr rtlCol="0" anchor="ctr"/>
+            <a:lstStyle/>
+            <a:p>
+              <a:pPr algn="ctr"/>
+              <a:endParaRPr lang="en-US"/>
+            </a:p>
+          </p:txBody>
+        </p:sp>
+        <p:sp>
+          <p:nvSpPr>
+            <p:cNvPr id="19" name="Oval 18">
+              <a:extLst>
+                <a:ext uri="{FF2B5EF4-FFF2-40B4-BE49-F238E27FC236}">
+                  <a16:creationId xmlns:a16="http://schemas.microsoft.com/office/drawing/2014/main" id="{164F2D59-D40C-482F-BF5E-7FA622D970FD}"/>
+                </a:ext>
+                <a:ext uri="{C183D7F6-B498-43B3-948B-1728B52AA6E4}">
+                  <adec:decorative xmlns:adec="http://schemas.microsoft.com/office/drawing/2017/decorative" val="1"/>
+                </a:ext>
+              </a:extLst>
+            </p:cNvPr>
+            <p:cNvSpPr/>
+            <p:nvPr>
+              <p:extLst>
+                <p:ext uri="{386F3935-93C4-4BCD-93E2-E3B085C9AB24}">
+                  <p16:designElem xmlns:p16="http://schemas.microsoft.com/office/powerpoint/2015/main" val="1"/>
+                </p:ext>
+              </p:extLst>
+            </p:nvPr>
+          </p:nvSpPr>
+          <p:spPr>
+            <a:xfrm>
+              <a:off x="11230142" y="4588038"/>
+              <a:ext cx="113367" cy="113367"/>
+            </a:xfrm>
+            <a:prstGeom prst="ellipse">
+              <a:avLst/>
+            </a:prstGeom>
+            <a:solidFill>
+              <a:schemeClr val="accent3"/>
+            </a:solidFill>
+            <a:ln>
+              <a:noFill/>
+            </a:ln>
+          </p:spPr>
+          <p:style>
+            <a:lnRef idx="2">
+              <a:schemeClr val="accent1">
+                <a:shade val="50000"/>
+              </a:schemeClr>
+            </a:lnRef>
+            <a:fillRef idx="1">
+              <a:schemeClr val="accent1"/>
+            </a:fillRef>
+            <a:effectRef idx="0">
+              <a:schemeClr val="accent1"/>
+            </a:effectRef>
+            <a:fontRef idx="minor">
+              <a:schemeClr val="lt1"/>
+            </a:fontRef>
+          </p:style>
+          <p:txBody>
+            <a:bodyPr rtlCol="0" anchor="ctr"/>
+            <a:lstStyle/>
+            <a:p>
+              <a:pPr algn="ctr"/>
+              <a:endParaRPr lang="en-US"/>
+            </a:p>
+          </p:txBody>
+        </p:sp>
+        <p:sp>
+          <p:nvSpPr>
+            <p:cNvPr id="20" name="Oval 19">
+              <a:extLst>
+                <a:ext uri="{FF2B5EF4-FFF2-40B4-BE49-F238E27FC236}">
+                  <a16:creationId xmlns:a16="http://schemas.microsoft.com/office/drawing/2014/main" id="{9DCE1484-E528-418A-9339-8410B8F71B24}"/>
+                </a:ext>
+                <a:ext uri="{C183D7F6-B498-43B3-948B-1728B52AA6E4}">
+                  <adec:decorative xmlns:adec="http://schemas.microsoft.com/office/drawing/2017/decorative" val="1"/>
+                </a:ext>
+              </a:extLst>
+            </p:cNvPr>
+            <p:cNvSpPr/>
+            <p:nvPr>
+              <p:extLst>
+                <p:ext uri="{386F3935-93C4-4BCD-93E2-E3B085C9AB24}">
+                  <p16:designElem xmlns:p16="http://schemas.microsoft.com/office/powerpoint/2015/main" val="1"/>
+                </p:ext>
+              </p:extLst>
+            </p:nvPr>
+          </p:nvSpPr>
+          <p:spPr>
+            <a:xfrm>
+              <a:off x="10902046" y="5394590"/>
+              <a:ext cx="305780" cy="305780"/>
+            </a:xfrm>
+            <a:prstGeom prst="ellipse">
+              <a:avLst/>
+            </a:prstGeom>
+            <a:solidFill>
+              <a:schemeClr val="accent1">
+                <a:lumMod val="40000"/>
+                <a:lumOff val="60000"/>
+              </a:schemeClr>
+            </a:solidFill>
+            <a:ln>
+              <a:noFill/>
+            </a:ln>
+          </p:spPr>
+          <p:style>
+            <a:lnRef idx="2">
+              <a:schemeClr val="accent1">
+                <a:shade val="50000"/>
+              </a:schemeClr>
+            </a:lnRef>
+            <a:fillRef idx="1">
+              <a:schemeClr val="accent1"/>
+            </a:fillRef>
+            <a:effectRef idx="0">
+              <a:schemeClr val="accent1"/>
+            </a:effectRef>
+            <a:fontRef idx="minor">
+              <a:schemeClr val="lt1"/>
+            </a:fontRef>
+          </p:style>
+          <p:txBody>
+            <a:bodyPr rtlCol="0" anchor="ctr"/>
+            <a:lstStyle/>
+            <a:p>
+              <a:pPr algn="ctr"/>
+              <a:endParaRPr lang="en-US"/>
+            </a:p>
+          </p:txBody>
+        </p:sp>
+        <p:sp>
+          <p:nvSpPr>
+            <p:cNvPr id="21" name="Oval 20">
+              <a:extLst>
+                <a:ext uri="{FF2B5EF4-FFF2-40B4-BE49-F238E27FC236}">
+                  <a16:creationId xmlns:a16="http://schemas.microsoft.com/office/drawing/2014/main" id="{B471ADFB-A135-4594-B9A3-481A91AE2D38}"/>
+                </a:ext>
+                <a:ext uri="{C183D7F6-B498-43B3-948B-1728B52AA6E4}">
+                  <adec:decorative xmlns:adec="http://schemas.microsoft.com/office/drawing/2017/decorative" val="1"/>
+                </a:ext>
+              </a:extLst>
+            </p:cNvPr>
+            <p:cNvSpPr/>
+            <p:nvPr>
+              <p:extLst>
+                <p:ext uri="{386F3935-93C4-4BCD-93E2-E3B085C9AB24}">
+                  <p16:designElem xmlns:p16="http://schemas.microsoft.com/office/powerpoint/2015/main" val="1"/>
+                </p:ext>
+              </p:extLst>
+            </p:nvPr>
+          </p:nvSpPr>
+          <p:spPr>
+            <a:xfrm>
+              <a:off x="10408287" y="5160714"/>
+              <a:ext cx="113367" cy="113367"/>
+            </a:xfrm>
+            <a:prstGeom prst="ellipse">
+              <a:avLst/>
+            </a:prstGeom>
+            <a:solidFill>
+              <a:schemeClr val="accent5"/>
+            </a:solidFill>
+            <a:ln>
+              <a:noFill/>
+            </a:ln>
+          </p:spPr>
+          <p:style>
+            <a:lnRef idx="2">
+              <a:schemeClr val="accent1">
+                <a:shade val="50000"/>
+              </a:schemeClr>
+            </a:lnRef>
+            <a:fillRef idx="1">
+              <a:schemeClr val="accent1"/>
+            </a:fillRef>
+            <a:effectRef idx="0">
+              <a:schemeClr val="accent1"/>
+            </a:effectRef>
+            <a:fontRef idx="minor">
+              <a:schemeClr val="lt1"/>
+            </a:fontRef>
+          </p:style>
+          <p:txBody>
+            <a:bodyPr rtlCol="0" anchor="ctr"/>
+            <a:lstStyle/>
+            <a:p>
+              <a:pPr algn="ctr"/>
+              <a:endParaRPr lang="en-US"/>
+            </a:p>
+          </p:txBody>
+        </p:sp>
+      </p:grpSp>
+      <p:sp>
+        <p:nvSpPr>
+          <p:cNvPr id="2" name="Title 1">
+            <a:extLst>
+              <a:ext uri="{FF2B5EF4-FFF2-40B4-BE49-F238E27FC236}">
+                <a16:creationId xmlns:a16="http://schemas.microsoft.com/office/drawing/2014/main" id="{A020185A-D9D3-7E5A-6058-2BEF1A99828B}"/>
+              </a:ext>
+            </a:extLst>
+          </p:cNvPr>
+          <p:cNvSpPr>
+            <a:spLocks noGrp="1"/>
+          </p:cNvSpPr>
+          <p:nvPr>
+            <p:ph type="title"/>
+          </p:nvPr>
+        </p:nvSpPr>
+        <p:spPr>
+          <a:xfrm>
+            <a:off x="3327722" y="777240"/>
+            <a:ext cx="5782804" cy="2493876"/>
+          </a:xfrm>
+        </p:spPr>
+        <p:txBody>
+          <a:bodyPr anchor="b">
+            <a:normAutofit/>
+          </a:bodyPr>
+          <a:lstStyle/>
+          <a:p>
+            <a:pPr algn="ctr"/>
+            <a:r>
+              <a:rPr lang="en-CA" sz="4400">
+                <a:solidFill>
+                  <a:srgbClr val="FFFFFF"/>
+                </a:solidFill>
+              </a:rPr>
+              <a:t>Guiding Question 1</a:t>
+            </a:r>
+          </a:p>
+        </p:txBody>
+      </p:sp>
+      <p:sp>
+        <p:nvSpPr>
+          <p:cNvPr id="3" name="Content Placeholder 2">
+            <a:extLst>
+              <a:ext uri="{FF2B5EF4-FFF2-40B4-BE49-F238E27FC236}">
+                <a16:creationId xmlns:a16="http://schemas.microsoft.com/office/drawing/2014/main" id="{E6A7E86A-1C01-6513-4AE9-2ECCA4498C4B}"/>
+              </a:ext>
+            </a:extLst>
+          </p:cNvPr>
+          <p:cNvSpPr>
+            <a:spLocks noGrp="1"/>
+          </p:cNvSpPr>
+          <p:nvPr>
+            <p:ph idx="1"/>
+          </p:nvPr>
+        </p:nvSpPr>
+        <p:spPr>
+          <a:xfrm>
+            <a:off x="3327722" y="3429000"/>
+            <a:ext cx="5782804" cy="2333562"/>
+          </a:xfrm>
+        </p:spPr>
+        <p:txBody>
+          <a:bodyPr anchor="t">
+            <a:normAutofit/>
+          </a:bodyPr>
+          <a:lstStyle/>
+          <a:p>
+            <a:pPr algn="ctr"/>
+            <a:r>
+              <a:rPr lang="en-CA" sz="1800" dirty="0">
+                <a:solidFill>
+                  <a:srgbClr val="FFFFFF"/>
+                </a:solidFill>
+              </a:rPr>
+              <a:t>How do age and gender affect sleep hours?</a:t>
+            </a:r>
+            <a:endParaRPr lang="en-US" sz="1800" dirty="0">
+              <a:solidFill>
+                <a:srgbClr val="FFFFFF"/>
+              </a:solidFill>
+            </a:endParaRPr>
+          </a:p>
+          <a:p>
+            <a:pPr algn="ctr"/>
+            <a:endParaRPr lang="en-CA" sz="1800" dirty="0">
+              <a:solidFill>
+                <a:srgbClr val="FFFFFF"/>
+              </a:solidFill>
+            </a:endParaRPr>
+          </a:p>
+        </p:txBody>
+      </p:sp>
+    </p:spTree>
+    <p:extLst>
+      <p:ext uri="{BB962C8B-B14F-4D97-AF65-F5344CB8AC3E}">
+        <p14:creationId xmlns:p14="http://schemas.microsoft.com/office/powerpoint/2010/main" val="2895830206"/>
+      </p:ext>
+    </p:extLst>
+  </p:cSld>
+  <p:clrMapOvr>
+    <a:masterClrMapping/>
+  </p:clrMapOvr>
+</p:sld>
+</file>
+
+<file path=ppt/slides/slide8.xml><?xml version="1.0" encoding="utf-8"?>
+<p:sld xmlns:a="http://schemas.openxmlformats.org/drawingml/2006/main" xmlns:r="http://schemas.openxmlformats.org/officeDocument/2006/relationships" xmlns:p="http://schemas.openxmlformats.org/presentationml/2006/main">
+  <p:cSld>
+    <p:bg>
+      <p:bgPr>
+        <a:solidFill>
+          <a:schemeClr val="bg1"/>
+        </a:solidFill>
+        <a:effectLst/>
+      </p:bgPr>
+    </p:bg>
+    <p:spTree>
+      <p:nvGrpSpPr>
+        <p:cNvPr id="1" name=""/>
+        <p:cNvGrpSpPr/>
+        <p:nvPr/>
+      </p:nvGrpSpPr>
+      <p:grpSpPr>
+        <a:xfrm>
+          <a:off x="0" y="0"/>
+          <a:ext cx="0" cy="0"/>
+          <a:chOff x="0" y="0"/>
+          <a:chExt cx="0" cy="0"/>
+        </a:xfrm>
+      </p:grpSpPr>
+      <p:sp useBgFill="1">
+        <p:nvSpPr>
+          <p:cNvPr id="10" name="Rectangle 9">
+            <a:extLst>
+              <a:ext uri="{FF2B5EF4-FFF2-40B4-BE49-F238E27FC236}">
+                <a16:creationId xmlns:a16="http://schemas.microsoft.com/office/drawing/2014/main" id="{99B5B3C5-A599-465B-B2B9-866E8B2087CE}"/>
+              </a:ext>
+              <a:ext uri="{C183D7F6-B498-43B3-948B-1728B52AA6E4}">
+                <adec:decorative xmlns:adec="http://schemas.microsoft.com/office/drawing/2017/decorative" val="1"/>
+              </a:ext>
+            </a:extLst>
+          </p:cNvPr>
+          <p:cNvSpPr>
+            <a:spLocks noGrp="1" noRot="1" noChangeAspect="1" noMove="1" noResize="1" noEditPoints="1" noAdjustHandles="1" noChangeArrowheads="1" noChangeShapeType="1" noTextEdit="1"/>
+          </p:cNvSpPr>
+          <p:nvPr>
+            <p:extLst>
+              <p:ext uri="{386F3935-93C4-4BCD-93E2-E3B085C9AB24}">
+                <p16:designElem xmlns:p16="http://schemas.microsoft.com/office/powerpoint/2015/main" val="1"/>
+              </p:ext>
+            </p:extLst>
+          </p:nvPr>
+        </p:nvSpPr>
+        <p:spPr>
+          <a:xfrm>
+            <a:off x="-1" y="-1"/>
+            <a:ext cx="12192001" cy="6858001"/>
+          </a:xfrm>
+          <a:prstGeom prst="rect">
+            <a:avLst/>
+          </a:prstGeom>
+          <a:ln>
+            <a:noFill/>
+          </a:ln>
+        </p:spPr>
+        <p:style>
+          <a:lnRef idx="2">
+            <a:schemeClr val="accent1">
+              <a:shade val="50000"/>
+            </a:schemeClr>
+          </a:lnRef>
+          <a:fillRef idx="1">
+            <a:schemeClr val="accent1"/>
+          </a:fillRef>
+          <a:effectRef idx="0">
+            <a:schemeClr val="accent1"/>
+          </a:effectRef>
+          <a:fontRef idx="minor">
+            <a:schemeClr val="lt1"/>
+          </a:fontRef>
+        </p:style>
+        <p:txBody>
+          <a:bodyPr rtlCol="0" anchor="ctr"/>
+          <a:lstStyle/>
+          <a:p>
+            <a:pPr algn="ctr"/>
+            <a:endParaRPr lang="en-US" dirty="0"/>
+          </a:p>
+        </p:txBody>
+      </p:sp>
+      <p:sp>
+        <p:nvSpPr>
+          <p:cNvPr id="12" name="Rectangle 11">
+            <a:extLst>
+              <a:ext uri="{FF2B5EF4-FFF2-40B4-BE49-F238E27FC236}">
+                <a16:creationId xmlns:a16="http://schemas.microsoft.com/office/drawing/2014/main" id="{25C84982-7DD0-43B1-8A2D-BFA4DF1B4E60}"/>
+              </a:ext>
+              <a:ext uri="{C183D7F6-B498-43B3-948B-1728B52AA6E4}">
+                <adec:decorative xmlns:adec="http://schemas.microsoft.com/office/drawing/2017/decorative" val="1"/>
+              </a:ext>
+            </a:extLst>
+          </p:cNvPr>
+          <p:cNvSpPr>
+            <a:spLocks noGrp="1" noRot="1" noChangeAspect="1" noMove="1" noResize="1" noEditPoints="1" noAdjustHandles="1" noChangeArrowheads="1" noChangeShapeType="1" noTextEdit="1"/>
+          </p:cNvSpPr>
+          <p:nvPr>
+            <p:extLst>
+              <p:ext uri="{386F3935-93C4-4BCD-93E2-E3B085C9AB24}">
+                <p16:designElem xmlns:p16="http://schemas.microsoft.com/office/powerpoint/2015/main" val="1"/>
+              </p:ext>
+            </p:extLst>
+          </p:nvPr>
+        </p:nvSpPr>
+        <p:spPr>
+          <a:xfrm>
+            <a:off x="-1" y="-1"/>
+            <a:ext cx="12192001" cy="6858001"/>
+          </a:xfrm>
+          <a:prstGeom prst="rect">
+            <a:avLst/>
+          </a:prstGeom>
+          <a:solidFill>
+            <a:schemeClr val="bg2"/>
+          </a:solidFill>
+          <a:ln>
+            <a:noFill/>
+          </a:ln>
+        </p:spPr>
+        <p:style>
+          <a:lnRef idx="2">
+            <a:schemeClr val="accent1">
+              <a:shade val="50000"/>
+            </a:schemeClr>
+          </a:lnRef>
+          <a:fillRef idx="1">
+            <a:schemeClr val="accent1"/>
+          </a:fillRef>
+          <a:effectRef idx="0">
+            <a:schemeClr val="accent1"/>
+          </a:effectRef>
+          <a:fontRef idx="minor">
+            <a:schemeClr val="lt1"/>
+          </a:fontRef>
+        </p:style>
+        <p:txBody>
+          <a:bodyPr rtlCol="0" anchor="ctr"/>
+          <a:lstStyle/>
+          <a:p>
+            <a:pPr algn="ctr"/>
+            <a:endParaRPr lang="en-US" sz="900" dirty="0">
+              <a:solidFill>
+                <a:schemeClr val="bg1"/>
+              </a:solidFill>
+              <a:latin typeface="+mj-lt"/>
+            </a:endParaRPr>
+          </a:p>
+        </p:txBody>
+      </p:sp>
+      <p:grpSp>
+        <p:nvGrpSpPr>
+          <p:cNvPr id="14" name="Decorative Circles">
+            <a:extLst>
+              <a:ext uri="{FF2B5EF4-FFF2-40B4-BE49-F238E27FC236}">
+                <a16:creationId xmlns:a16="http://schemas.microsoft.com/office/drawing/2014/main" id="{1D912E1C-3BBA-42F0-A3EE-FEC382E7230A}"/>
+              </a:ext>
+              <a:ext uri="{C183D7F6-B498-43B3-948B-1728B52AA6E4}">
+                <adec:decorative xmlns:adec="http://schemas.microsoft.com/office/drawing/2017/decorative" val="1"/>
+              </a:ext>
+            </a:extLst>
+          </p:cNvPr>
+          <p:cNvGrpSpPr>
+            <a:grpSpLocks noGrp="1" noUngrp="1" noRot="1" noChangeAspect="1" noMove="1" noResize="1"/>
+          </p:cNvGrpSpPr>
+          <p:nvPr>
+            <p:extLst>
+              <p:ext uri="{386F3935-93C4-4BCD-93E2-E3B085C9AB24}">
+                <p16:designElem xmlns:p16="http://schemas.microsoft.com/office/powerpoint/2015/main" val="1"/>
+              </p:ext>
+            </p:extLst>
+          </p:nvPr>
+        </p:nvGrpSpPr>
+        <p:grpSpPr>
+          <a:xfrm>
+            <a:off x="-1" y="-1"/>
+            <a:ext cx="12192001" cy="6858001"/>
+            <a:chOff x="-1" y="-1"/>
+            <a:chExt cx="12192001" cy="6858001"/>
+          </a:xfrm>
+        </p:grpSpPr>
+        <p:sp>
+          <p:nvSpPr>
+            <p:cNvPr id="15" name="Oval 14">
+              <a:extLst>
+                <a:ext uri="{FF2B5EF4-FFF2-40B4-BE49-F238E27FC236}">
+                  <a16:creationId xmlns:a16="http://schemas.microsoft.com/office/drawing/2014/main" id="{2FEEAC76-E273-46A8-8F8E-CE59860FE70D}"/>
+                </a:ext>
+                <a:ext uri="{C183D7F6-B498-43B3-948B-1728B52AA6E4}">
+                  <adec:decorative xmlns:adec="http://schemas.microsoft.com/office/drawing/2017/decorative" val="1"/>
+                </a:ext>
+              </a:extLst>
+            </p:cNvPr>
+            <p:cNvSpPr/>
+            <p:nvPr>
+              <p:extLst>
+                <p:ext uri="{386F3935-93C4-4BCD-93E2-E3B085C9AB24}">
+                  <p16:designElem xmlns:p16="http://schemas.microsoft.com/office/powerpoint/2015/main" val="1"/>
+                </p:ext>
+              </p:extLst>
+            </p:nvPr>
+          </p:nvSpPr>
+          <p:spPr>
+            <a:xfrm>
+              <a:off x="209098" y="727602"/>
+              <a:ext cx="172408" cy="172408"/>
+            </a:xfrm>
+            <a:prstGeom prst="ellipse">
+              <a:avLst/>
+            </a:prstGeom>
+            <a:solidFill>
+              <a:schemeClr val="accent2">
+                <a:lumMod val="40000"/>
+                <a:lumOff val="60000"/>
+                <a:alpha val="50000"/>
+              </a:schemeClr>
+            </a:solidFill>
+            <a:ln>
+              <a:noFill/>
+            </a:ln>
+          </p:spPr>
+          <p:style>
+            <a:lnRef idx="2">
+              <a:schemeClr val="accent1">
+                <a:shade val="50000"/>
+              </a:schemeClr>
+            </a:lnRef>
+            <a:fillRef idx="1">
+              <a:schemeClr val="accent1"/>
+            </a:fillRef>
+            <a:effectRef idx="0">
+              <a:schemeClr val="accent1"/>
+            </a:effectRef>
+            <a:fontRef idx="minor">
+              <a:schemeClr val="lt1"/>
+            </a:fontRef>
+          </p:style>
+          <p:txBody>
+            <a:bodyPr rtlCol="0" anchor="ctr"/>
+            <a:lstStyle/>
+            <a:p>
+              <a:pPr algn="ctr"/>
+              <a:endParaRPr lang="en-US"/>
+            </a:p>
+          </p:txBody>
+        </p:sp>
+        <p:sp>
+          <p:nvSpPr>
+            <p:cNvPr id="16" name="Oval 15">
+              <a:extLst>
+                <a:ext uri="{FF2B5EF4-FFF2-40B4-BE49-F238E27FC236}">
+                  <a16:creationId xmlns:a16="http://schemas.microsoft.com/office/drawing/2014/main" id="{76594A0E-9400-45AD-A431-1DA1C0B28966}"/>
+                </a:ext>
+                <a:ext uri="{C183D7F6-B498-43B3-948B-1728B52AA6E4}">
+                  <adec:decorative xmlns:adec="http://schemas.microsoft.com/office/drawing/2017/decorative" val="1"/>
+                </a:ext>
+              </a:extLst>
+            </p:cNvPr>
+            <p:cNvSpPr/>
+            <p:nvPr>
+              <p:extLst>
+                <p:ext uri="{386F3935-93C4-4BCD-93E2-E3B085C9AB24}">
+                  <p16:designElem xmlns:p16="http://schemas.microsoft.com/office/powerpoint/2015/main" val="1"/>
+                </p:ext>
+              </p:extLst>
+            </p:nvPr>
+          </p:nvSpPr>
+          <p:spPr>
+            <a:xfrm>
+              <a:off x="949947" y="136523"/>
+              <a:ext cx="113367" cy="113367"/>
+            </a:xfrm>
+            <a:prstGeom prst="ellipse">
+              <a:avLst/>
+            </a:prstGeom>
+            <a:solidFill>
+              <a:srgbClr val="F39E29">
+                <a:alpha val="50000"/>
+              </a:srgbClr>
+            </a:solidFill>
+            <a:ln>
+              <a:noFill/>
+            </a:ln>
+          </p:spPr>
+          <p:style>
+            <a:lnRef idx="2">
+              <a:schemeClr val="accent1">
+                <a:shade val="50000"/>
+              </a:schemeClr>
+            </a:lnRef>
+            <a:fillRef idx="1">
+              <a:schemeClr val="accent1"/>
+            </a:fillRef>
+            <a:effectRef idx="0">
+              <a:schemeClr val="accent1"/>
+            </a:effectRef>
+            <a:fontRef idx="minor">
+              <a:schemeClr val="lt1"/>
+            </a:fontRef>
+          </p:style>
+          <p:txBody>
+            <a:bodyPr rtlCol="0" anchor="ctr"/>
+            <a:lstStyle/>
+            <a:p>
+              <a:pPr algn="ctr"/>
+              <a:endParaRPr lang="en-US"/>
+            </a:p>
+          </p:txBody>
+        </p:sp>
+        <p:sp>
+          <p:nvSpPr>
+            <p:cNvPr id="17" name="Oval 16">
+              <a:extLst>
+                <a:ext uri="{FF2B5EF4-FFF2-40B4-BE49-F238E27FC236}">
+                  <a16:creationId xmlns:a16="http://schemas.microsoft.com/office/drawing/2014/main" id="{20916D6C-D32F-42B6-8512-CD5EDB8F2B9B}"/>
+                </a:ext>
+                <a:ext uri="{C183D7F6-B498-43B3-948B-1728B52AA6E4}">
+                  <adec:decorative xmlns:adec="http://schemas.microsoft.com/office/drawing/2017/decorative" val="1"/>
+                </a:ext>
+              </a:extLst>
+            </p:cNvPr>
+            <p:cNvSpPr/>
+            <p:nvPr>
+              <p:extLst>
+                <p:ext uri="{386F3935-93C4-4BCD-93E2-E3B085C9AB24}">
+                  <p16:designElem xmlns:p16="http://schemas.microsoft.com/office/powerpoint/2015/main" val="1"/>
+                </p:ext>
+              </p:extLst>
+            </p:nvPr>
+          </p:nvSpPr>
+          <p:spPr>
+            <a:xfrm>
+              <a:off x="11575290" y="5859047"/>
+              <a:ext cx="305780" cy="305780"/>
+            </a:xfrm>
+            <a:prstGeom prst="ellipse">
+              <a:avLst/>
+            </a:prstGeom>
+            <a:solidFill>
+              <a:schemeClr val="accent1">
+                <a:lumMod val="60000"/>
+                <a:lumOff val="40000"/>
+                <a:alpha val="50000"/>
+              </a:schemeClr>
+            </a:solidFill>
+            <a:ln>
+              <a:noFill/>
+            </a:ln>
+          </p:spPr>
+          <p:style>
+            <a:lnRef idx="2">
+              <a:schemeClr val="accent1">
+                <a:shade val="50000"/>
+              </a:schemeClr>
+            </a:lnRef>
+            <a:fillRef idx="1">
+              <a:schemeClr val="accent1"/>
+            </a:fillRef>
+            <a:effectRef idx="0">
+              <a:schemeClr val="accent1"/>
+            </a:effectRef>
+            <a:fontRef idx="minor">
+              <a:schemeClr val="lt1"/>
+            </a:fontRef>
+          </p:style>
+          <p:txBody>
+            <a:bodyPr rtlCol="0" anchor="ctr"/>
+            <a:lstStyle/>
+            <a:p>
+              <a:pPr algn="ctr"/>
+              <a:endParaRPr lang="en-US"/>
+            </a:p>
+          </p:txBody>
+        </p:sp>
+        <p:sp>
+          <p:nvSpPr>
+            <p:cNvPr id="18" name="Oval 17">
+              <a:extLst>
+                <a:ext uri="{FF2B5EF4-FFF2-40B4-BE49-F238E27FC236}">
+                  <a16:creationId xmlns:a16="http://schemas.microsoft.com/office/drawing/2014/main" id="{3834846D-59C6-40F4-907C-F1A4689B58F1}"/>
+                </a:ext>
+                <a:ext uri="{C183D7F6-B498-43B3-948B-1728B52AA6E4}">
+                  <adec:decorative xmlns:adec="http://schemas.microsoft.com/office/drawing/2017/decorative" val="1"/>
+                </a:ext>
+              </a:extLst>
+            </p:cNvPr>
+            <p:cNvSpPr/>
+            <p:nvPr>
+              <p:extLst>
+                <p:ext uri="{386F3935-93C4-4BCD-93E2-E3B085C9AB24}">
+                  <p16:designElem xmlns:p16="http://schemas.microsoft.com/office/powerpoint/2015/main" val="1"/>
+                </p:ext>
+              </p:extLst>
+            </p:nvPr>
+          </p:nvSpPr>
+          <p:spPr>
+            <a:xfrm>
+              <a:off x="95730" y="1133938"/>
+              <a:ext cx="226735" cy="226735"/>
+            </a:xfrm>
+            <a:prstGeom prst="ellipse">
+              <a:avLst/>
+            </a:prstGeom>
+            <a:solidFill>
+              <a:schemeClr val="accent3">
+                <a:alpha val="50000"/>
+              </a:schemeClr>
+            </a:solidFill>
+            <a:ln>
+              <a:noFill/>
+            </a:ln>
+          </p:spPr>
+          <p:style>
+            <a:lnRef idx="2">
+              <a:schemeClr val="accent1">
+                <a:shade val="50000"/>
+              </a:schemeClr>
+            </a:lnRef>
+            <a:fillRef idx="1">
+              <a:schemeClr val="accent1"/>
+            </a:fillRef>
+            <a:effectRef idx="0">
+              <a:schemeClr val="accent1"/>
+            </a:effectRef>
+            <a:fontRef idx="minor">
+              <a:schemeClr val="lt1"/>
+            </a:fontRef>
+          </p:style>
+          <p:txBody>
+            <a:bodyPr rtlCol="0" anchor="ctr"/>
+            <a:lstStyle/>
+            <a:p>
+              <a:pPr algn="ctr"/>
+              <a:endParaRPr lang="en-US"/>
+            </a:p>
+          </p:txBody>
+        </p:sp>
+        <p:sp>
+          <p:nvSpPr>
+            <p:cNvPr id="19" name="Oval 18">
+              <a:extLst>
+                <a:ext uri="{FF2B5EF4-FFF2-40B4-BE49-F238E27FC236}">
+                  <a16:creationId xmlns:a16="http://schemas.microsoft.com/office/drawing/2014/main" id="{5A257CDF-2E36-4DC7-8EE4-5CD8F8ECAC87}"/>
+                </a:ext>
+                <a:ext uri="{C183D7F6-B498-43B3-948B-1728B52AA6E4}">
+                  <adec:decorative xmlns:adec="http://schemas.microsoft.com/office/drawing/2017/decorative" val="1"/>
+                </a:ext>
+              </a:extLst>
+            </p:cNvPr>
+            <p:cNvSpPr/>
+            <p:nvPr>
+              <p:extLst>
+                <p:ext uri="{386F3935-93C4-4BCD-93E2-E3B085C9AB24}">
+                  <p16:designElem xmlns:p16="http://schemas.microsoft.com/office/powerpoint/2015/main" val="1"/>
+                </p:ext>
+              </p:extLst>
+            </p:nvPr>
+          </p:nvSpPr>
+          <p:spPr>
+            <a:xfrm>
+              <a:off x="11536830" y="554419"/>
+              <a:ext cx="382700" cy="382700"/>
+            </a:xfrm>
+            <a:prstGeom prst="ellipse">
+              <a:avLst/>
+            </a:prstGeom>
+            <a:solidFill>
+              <a:schemeClr val="accent2">
+                <a:lumMod val="60000"/>
+                <a:lumOff val="40000"/>
+                <a:alpha val="72000"/>
+              </a:schemeClr>
+            </a:solidFill>
+            <a:ln>
+              <a:noFill/>
+            </a:ln>
+          </p:spPr>
+          <p:style>
+            <a:lnRef idx="2">
+              <a:schemeClr val="accent1">
+                <a:shade val="50000"/>
+              </a:schemeClr>
+            </a:lnRef>
+            <a:fillRef idx="1">
+              <a:schemeClr val="accent1"/>
+            </a:fillRef>
+            <a:effectRef idx="0">
+              <a:schemeClr val="accent1"/>
+            </a:effectRef>
+            <a:fontRef idx="minor">
+              <a:schemeClr val="lt1"/>
+            </a:fontRef>
+          </p:style>
+          <p:txBody>
+            <a:bodyPr rtlCol="0" anchor="ctr"/>
+            <a:lstStyle/>
+            <a:p>
+              <a:pPr algn="ctr"/>
+              <a:endParaRPr lang="en-US" dirty="0"/>
+            </a:p>
+          </p:txBody>
+        </p:sp>
+        <p:sp>
+          <p:nvSpPr>
+            <p:cNvPr id="20" name="Oval 19">
+              <a:extLst>
+                <a:ext uri="{FF2B5EF4-FFF2-40B4-BE49-F238E27FC236}">
+                  <a16:creationId xmlns:a16="http://schemas.microsoft.com/office/drawing/2014/main" id="{D5B26E0E-A115-4AE2-82D8-76BB93CC494F}"/>
+                </a:ext>
+                <a:ext uri="{C183D7F6-B498-43B3-948B-1728B52AA6E4}">
+                  <adec:decorative xmlns:adec="http://schemas.microsoft.com/office/drawing/2017/decorative" val="1"/>
+                </a:ext>
+              </a:extLst>
+            </p:cNvPr>
+            <p:cNvSpPr/>
+            <p:nvPr>
+              <p:extLst>
+                <p:ext uri="{386F3935-93C4-4BCD-93E2-E3B085C9AB24}">
+                  <p16:designElem xmlns:p16="http://schemas.microsoft.com/office/powerpoint/2015/main" val="1"/>
+                </p:ext>
+              </p:extLst>
+            </p:nvPr>
+          </p:nvSpPr>
+          <p:spPr>
+            <a:xfrm>
+              <a:off x="11224303" y="299808"/>
+              <a:ext cx="113367" cy="113367"/>
+            </a:xfrm>
+            <a:prstGeom prst="ellipse">
+              <a:avLst/>
+            </a:prstGeom>
+            <a:solidFill>
+              <a:srgbClr val="F39E29"/>
+            </a:solidFill>
+            <a:ln>
+              <a:noFill/>
+            </a:ln>
+          </p:spPr>
+          <p:style>
+            <a:lnRef idx="2">
+              <a:schemeClr val="accent1">
+                <a:shade val="50000"/>
+              </a:schemeClr>
+            </a:lnRef>
+            <a:fillRef idx="1">
+              <a:schemeClr val="accent1"/>
+            </a:fillRef>
+            <a:effectRef idx="0">
+              <a:schemeClr val="accent1"/>
+            </a:effectRef>
+            <a:fontRef idx="minor">
+              <a:schemeClr val="lt1"/>
+            </a:fontRef>
+          </p:style>
+          <p:txBody>
+            <a:bodyPr rtlCol="0" anchor="ctr"/>
+            <a:lstStyle/>
+            <a:p>
+              <a:pPr algn="ctr"/>
+              <a:endParaRPr lang="en-US"/>
+            </a:p>
+          </p:txBody>
+        </p:sp>
+        <p:sp>
+          <p:nvSpPr>
+            <p:cNvPr id="21" name="Oval 20">
+              <a:extLst>
+                <a:ext uri="{FF2B5EF4-FFF2-40B4-BE49-F238E27FC236}">
+                  <a16:creationId xmlns:a16="http://schemas.microsoft.com/office/drawing/2014/main" id="{755058DB-7E01-4E95-BF59-983AA1BBB38E}"/>
+                </a:ext>
+                <a:ext uri="{C183D7F6-B498-43B3-948B-1728B52AA6E4}">
+                  <adec:decorative xmlns:adec="http://schemas.microsoft.com/office/drawing/2017/decorative" val="1"/>
+                </a:ext>
+              </a:extLst>
+            </p:cNvPr>
+            <p:cNvSpPr/>
+            <p:nvPr>
+              <p:extLst>
+                <p:ext uri="{386F3935-93C4-4BCD-93E2-E3B085C9AB24}">
+                  <p16:designElem xmlns:p16="http://schemas.microsoft.com/office/powerpoint/2015/main" val="1"/>
+                </p:ext>
+              </p:extLst>
+            </p:nvPr>
+          </p:nvSpPr>
+          <p:spPr>
+            <a:xfrm>
+              <a:off x="11629630" y="5482355"/>
+              <a:ext cx="94160" cy="94160"/>
+            </a:xfrm>
+            <a:prstGeom prst="ellipse">
+              <a:avLst/>
+            </a:prstGeom>
+            <a:solidFill>
+              <a:srgbClr val="E3BEBE">
+                <a:alpha val="28000"/>
+              </a:srgbClr>
+            </a:solidFill>
+            <a:ln>
+              <a:noFill/>
+            </a:ln>
+          </p:spPr>
+          <p:style>
+            <a:lnRef idx="2">
+              <a:schemeClr val="accent1">
+                <a:shade val="50000"/>
+              </a:schemeClr>
+            </a:lnRef>
+            <a:fillRef idx="1">
+              <a:schemeClr val="accent1"/>
+            </a:fillRef>
+            <a:effectRef idx="0">
+              <a:schemeClr val="accent1"/>
+            </a:effectRef>
+            <a:fontRef idx="minor">
+              <a:schemeClr val="lt1"/>
+            </a:fontRef>
+          </p:style>
+          <p:txBody>
+            <a:bodyPr rtlCol="0" anchor="ctr"/>
+            <a:lstStyle/>
+            <a:p>
+              <a:pPr algn="ctr"/>
+              <a:endParaRPr lang="en-US"/>
+            </a:p>
+          </p:txBody>
+        </p:sp>
+        <p:sp>
+          <p:nvSpPr>
+            <p:cNvPr id="22" name="Oval 21">
+              <a:extLst>
+                <a:ext uri="{FF2B5EF4-FFF2-40B4-BE49-F238E27FC236}">
+                  <a16:creationId xmlns:a16="http://schemas.microsoft.com/office/drawing/2014/main" id="{A810F7E2-23F3-44D6-B09E-71E556536052}"/>
+                </a:ext>
+                <a:ext uri="{C183D7F6-B498-43B3-948B-1728B52AA6E4}">
+                  <adec:decorative xmlns:adec="http://schemas.microsoft.com/office/drawing/2017/decorative" val="1"/>
+                </a:ext>
+              </a:extLst>
+            </p:cNvPr>
+            <p:cNvSpPr/>
+            <p:nvPr>
+              <p:extLst>
+                <p:ext uri="{386F3935-93C4-4BCD-93E2-E3B085C9AB24}">
+                  <p16:designElem xmlns:p16="http://schemas.microsoft.com/office/powerpoint/2015/main" val="1"/>
+                </p:ext>
+              </p:extLst>
+            </p:nvPr>
+          </p:nvSpPr>
+          <p:spPr>
+            <a:xfrm>
+              <a:off x="10415328" y="6124958"/>
+              <a:ext cx="113367" cy="113367"/>
+            </a:xfrm>
+            <a:prstGeom prst="ellipse">
+              <a:avLst/>
+            </a:prstGeom>
+            <a:solidFill>
+              <a:schemeClr val="accent3"/>
+            </a:solidFill>
+            <a:ln>
+              <a:noFill/>
+            </a:ln>
+          </p:spPr>
+          <p:style>
+            <a:lnRef idx="2">
+              <a:schemeClr val="accent1">
+                <a:shade val="50000"/>
+              </a:schemeClr>
+            </a:lnRef>
+            <a:fillRef idx="1">
+              <a:schemeClr val="accent1"/>
+            </a:fillRef>
+            <a:effectRef idx="0">
+              <a:schemeClr val="accent1"/>
+            </a:effectRef>
+            <a:fontRef idx="minor">
+              <a:schemeClr val="lt1"/>
+            </a:fontRef>
+          </p:style>
+          <p:txBody>
+            <a:bodyPr rtlCol="0" anchor="ctr"/>
+            <a:lstStyle/>
+            <a:p>
+              <a:pPr algn="ctr"/>
+              <a:endParaRPr lang="en-US"/>
+            </a:p>
+          </p:txBody>
+        </p:sp>
+        <p:sp>
+          <p:nvSpPr>
+            <p:cNvPr id="23" name="Oval 22">
+              <a:extLst>
+                <a:ext uri="{FF2B5EF4-FFF2-40B4-BE49-F238E27FC236}">
+                  <a16:creationId xmlns:a16="http://schemas.microsoft.com/office/drawing/2014/main" id="{59D5C391-E1DB-410A-A78C-ED3BBDFF0758}"/>
+                </a:ext>
+                <a:ext uri="{C183D7F6-B498-43B3-948B-1728B52AA6E4}">
+                  <adec:decorative xmlns:adec="http://schemas.microsoft.com/office/drawing/2017/decorative" val="1"/>
+                </a:ext>
+              </a:extLst>
+            </p:cNvPr>
+            <p:cNvSpPr/>
+            <p:nvPr>
+              <p:extLst>
+                <p:ext uri="{386F3935-93C4-4BCD-93E2-E3B085C9AB24}">
+                  <p16:designElem xmlns:p16="http://schemas.microsoft.com/office/powerpoint/2015/main" val="1"/>
+                </p:ext>
+              </p:extLst>
+            </p:nvPr>
+          </p:nvSpPr>
+          <p:spPr>
+            <a:xfrm>
+              <a:off x="10120382" y="6255986"/>
+              <a:ext cx="305780" cy="305780"/>
+            </a:xfrm>
+            <a:prstGeom prst="ellipse">
+              <a:avLst/>
+            </a:prstGeom>
+            <a:solidFill>
+              <a:schemeClr val="accent1">
+                <a:lumMod val="20000"/>
+                <a:lumOff val="80000"/>
+              </a:schemeClr>
+            </a:solidFill>
+            <a:ln>
+              <a:noFill/>
+            </a:ln>
+          </p:spPr>
+          <p:style>
+            <a:lnRef idx="2">
+              <a:schemeClr val="accent1">
+                <a:shade val="50000"/>
+              </a:schemeClr>
+            </a:lnRef>
+            <a:fillRef idx="1">
+              <a:schemeClr val="accent1"/>
+            </a:fillRef>
+            <a:effectRef idx="0">
+              <a:schemeClr val="accent1"/>
+            </a:effectRef>
+            <a:fontRef idx="minor">
+              <a:schemeClr val="lt1"/>
+            </a:fontRef>
+          </p:style>
+          <p:txBody>
+            <a:bodyPr rtlCol="0" anchor="ctr"/>
+            <a:lstStyle/>
+            <a:p>
+              <a:pPr algn="ctr"/>
+              <a:endParaRPr lang="en-US" dirty="0"/>
+            </a:p>
+          </p:txBody>
+        </p:sp>
+        <p:sp>
+          <p:nvSpPr>
+            <p:cNvPr id="24" name="Oval 23">
+              <a:extLst>
+                <a:ext uri="{FF2B5EF4-FFF2-40B4-BE49-F238E27FC236}">
+                  <a16:creationId xmlns:a16="http://schemas.microsoft.com/office/drawing/2014/main" id="{77C4944D-9373-4283-BCAA-927A0316659E}"/>
+                </a:ext>
+                <a:ext uri="{C183D7F6-B498-43B3-948B-1728B52AA6E4}">
+                  <adec:decorative xmlns:adec="http://schemas.microsoft.com/office/drawing/2017/decorative" val="1"/>
+                </a:ext>
+              </a:extLst>
+            </p:cNvPr>
+            <p:cNvSpPr/>
+            <p:nvPr>
+              <p:extLst>
+                <p:ext uri="{386F3935-93C4-4BCD-93E2-E3B085C9AB24}">
+                  <p16:designElem xmlns:p16="http://schemas.microsoft.com/office/powerpoint/2015/main" val="1"/>
+                </p:ext>
+              </p:extLst>
+            </p:nvPr>
+          </p:nvSpPr>
+          <p:spPr>
+            <a:xfrm>
+              <a:off x="9934343" y="6204350"/>
+              <a:ext cx="113367" cy="113367"/>
+            </a:xfrm>
+            <a:prstGeom prst="ellipse">
+              <a:avLst/>
+            </a:prstGeom>
+            <a:solidFill>
+              <a:schemeClr val="accent6">
+                <a:lumMod val="40000"/>
+                <a:lumOff val="60000"/>
+              </a:schemeClr>
+            </a:solidFill>
+            <a:ln>
+              <a:noFill/>
+            </a:ln>
+          </p:spPr>
+          <p:style>
+            <a:lnRef idx="2">
+              <a:schemeClr val="accent1">
+                <a:shade val="50000"/>
+              </a:schemeClr>
+            </a:lnRef>
+            <a:fillRef idx="1">
+              <a:schemeClr val="accent1"/>
+            </a:fillRef>
+            <a:effectRef idx="0">
+              <a:schemeClr val="accent1"/>
+            </a:effectRef>
+            <a:fontRef idx="minor">
+              <a:schemeClr val="lt1"/>
+            </a:fontRef>
+          </p:style>
+          <p:txBody>
+            <a:bodyPr rtlCol="0" anchor="ctr"/>
+            <a:lstStyle/>
+            <a:p>
+              <a:pPr algn="ctr"/>
+              <a:endParaRPr lang="en-US"/>
+            </a:p>
+          </p:txBody>
+        </p:sp>
+        <p:sp>
+          <p:nvSpPr>
+            <p:cNvPr id="25" name="Freeform: Shape 24">
+              <a:extLst>
+                <a:ext uri="{FF2B5EF4-FFF2-40B4-BE49-F238E27FC236}">
+                  <a16:creationId xmlns:a16="http://schemas.microsoft.com/office/drawing/2014/main" id="{6804C521-2D9F-4CE4-AFD3-D4F1551FEC6A}"/>
+                </a:ext>
+                <a:ext uri="{C183D7F6-B498-43B3-948B-1728B52AA6E4}">
+                  <adec:decorative xmlns:adec="http://schemas.microsoft.com/office/drawing/2017/decorative" val="1"/>
+                </a:ext>
+              </a:extLst>
+            </p:cNvPr>
+            <p:cNvSpPr/>
+            <p:nvPr>
+              <p:extLst>
+                <p:ext uri="{386F3935-93C4-4BCD-93E2-E3B085C9AB24}">
+                  <p16:designElem xmlns:p16="http://schemas.microsoft.com/office/powerpoint/2015/main" val="1"/>
+                </p:ext>
+              </p:extLst>
+            </p:nvPr>
+          </p:nvSpPr>
+          <p:spPr>
+            <a:xfrm>
+              <a:off x="11642244" y="6317718"/>
+              <a:ext cx="549756" cy="540282"/>
+            </a:xfrm>
+            <a:custGeom>
+              <a:avLst/>
+              <a:gdLst>
+                <a:gd name="connsiteX0" fmla="*/ 1224540 w 2115556"/>
+                <a:gd name="connsiteY0" fmla="*/ 0 h 2079100"/>
+                <a:gd name="connsiteX1" fmla="*/ 2090421 w 2115556"/>
+                <a:gd name="connsiteY1" fmla="*/ 358660 h 2079100"/>
+                <a:gd name="connsiteX2" fmla="*/ 2115556 w 2115556"/>
+                <a:gd name="connsiteY2" fmla="*/ 386315 h 2079100"/>
+                <a:gd name="connsiteX3" fmla="*/ 2115556 w 2115556"/>
+                <a:gd name="connsiteY3" fmla="*/ 2062765 h 2079100"/>
+                <a:gd name="connsiteX4" fmla="*/ 2100710 w 2115556"/>
+                <a:gd name="connsiteY4" fmla="*/ 2079100 h 2079100"/>
+                <a:gd name="connsiteX5" fmla="*/ 348370 w 2115556"/>
+                <a:gd name="connsiteY5" fmla="*/ 2079100 h 2079100"/>
+                <a:gd name="connsiteX6" fmla="*/ 279625 w 2115556"/>
+                <a:gd name="connsiteY6" fmla="*/ 2003461 h 2079100"/>
+                <a:gd name="connsiteX7" fmla="*/ 0 w 2115556"/>
+                <a:gd name="connsiteY7" fmla="*/ 1224540 h 2079100"/>
+                <a:gd name="connsiteX8" fmla="*/ 1224540 w 2115556"/>
+                <a:gd name="connsiteY8" fmla="*/ 0 h 2079100"/>
+              </a:gdLst>
+              <a:ahLst/>
+              <a:cxnLst>
+                <a:cxn ang="0">
+                  <a:pos x="connsiteX0" y="connsiteY0"/>
+                </a:cxn>
+                <a:cxn ang="0">
+                  <a:pos x="connsiteX1" y="connsiteY1"/>
+                </a:cxn>
+                <a:cxn ang="0">
+                  <a:pos x="connsiteX2" y="connsiteY2"/>
+                </a:cxn>
+                <a:cxn ang="0">
+                  <a:pos x="connsiteX3" y="connsiteY3"/>
+                </a:cxn>
+                <a:cxn ang="0">
+                  <a:pos x="connsiteX4" y="connsiteY4"/>
+                </a:cxn>
+                <a:cxn ang="0">
+                  <a:pos x="connsiteX5" y="connsiteY5"/>
+                </a:cxn>
+                <a:cxn ang="0">
+                  <a:pos x="connsiteX6" y="connsiteY6"/>
+                </a:cxn>
+                <a:cxn ang="0">
+                  <a:pos x="connsiteX7" y="connsiteY7"/>
+                </a:cxn>
+                <a:cxn ang="0">
+                  <a:pos x="connsiteX8" y="connsiteY8"/>
+                </a:cxn>
+              </a:cxnLst>
+              <a:rect l="l" t="t" r="r" b="b"/>
+              <a:pathLst>
+                <a:path w="2115556" h="2079100">
+                  <a:moveTo>
+                    <a:pt x="1224540" y="0"/>
+                  </a:moveTo>
+                  <a:cubicBezTo>
+                    <a:pt x="1562687" y="0"/>
+                    <a:pt x="1868823" y="137062"/>
+                    <a:pt x="2090421" y="358660"/>
+                  </a:cubicBezTo>
+                  <a:lnTo>
+                    <a:pt x="2115556" y="386315"/>
+                  </a:lnTo>
+                  <a:lnTo>
+                    <a:pt x="2115556" y="2062765"/>
+                  </a:lnTo>
+                  <a:lnTo>
+                    <a:pt x="2100710" y="2079100"/>
+                  </a:lnTo>
+                  <a:lnTo>
+                    <a:pt x="348370" y="2079100"/>
+                  </a:lnTo>
+                  <a:lnTo>
+                    <a:pt x="279625" y="2003461"/>
+                  </a:lnTo>
+                  <a:cubicBezTo>
+                    <a:pt x="104938" y="1791789"/>
+                    <a:pt x="0" y="1520419"/>
+                    <a:pt x="0" y="1224540"/>
+                  </a:cubicBezTo>
+                  <a:cubicBezTo>
+                    <a:pt x="0" y="548245"/>
+                    <a:pt x="548245" y="0"/>
+                    <a:pt x="1224540" y="0"/>
+                  </a:cubicBezTo>
+                  <a:close/>
+                </a:path>
+              </a:pathLst>
+            </a:custGeom>
+            <a:solidFill>
+              <a:schemeClr val="accent6">
+                <a:lumMod val="40000"/>
+                <a:lumOff val="60000"/>
+              </a:schemeClr>
+            </a:solidFill>
+            <a:ln>
+              <a:noFill/>
+            </a:ln>
+          </p:spPr>
+          <p:style>
+            <a:lnRef idx="2">
+              <a:schemeClr val="accent1">
+                <a:shade val="50000"/>
+              </a:schemeClr>
+            </a:lnRef>
+            <a:fillRef idx="1">
+              <a:schemeClr val="accent1"/>
+            </a:fillRef>
+            <a:effectRef idx="0">
+              <a:schemeClr val="accent1"/>
+            </a:effectRef>
+            <a:fontRef idx="minor">
+              <a:schemeClr val="lt1"/>
+            </a:fontRef>
+          </p:style>
+          <p:txBody>
+            <a:bodyPr wrap="square" rtlCol="0" anchor="ctr">
+              <a:noAutofit/>
+            </a:bodyPr>
+            <a:lstStyle/>
+            <a:p>
+              <a:pPr algn="ctr"/>
+              <a:endParaRPr lang="en-US" sz="900" dirty="0">
+                <a:solidFill>
+                  <a:schemeClr val="bg1"/>
+                </a:solidFill>
+                <a:latin typeface="+mj-lt"/>
+              </a:endParaRPr>
+            </a:p>
+          </p:txBody>
+        </p:sp>
+        <p:sp>
+          <p:nvSpPr>
+            <p:cNvPr id="26" name="Freeform: Shape 25">
+              <a:extLst>
+                <a:ext uri="{FF2B5EF4-FFF2-40B4-BE49-F238E27FC236}">
+                  <a16:creationId xmlns:a16="http://schemas.microsoft.com/office/drawing/2014/main" id="{755AC65C-13EF-4182-AA3C-62BE165CC033}"/>
+                </a:ext>
+                <a:ext uri="{C183D7F6-B498-43B3-948B-1728B52AA6E4}">
+                  <adec:decorative xmlns:adec="http://schemas.microsoft.com/office/drawing/2017/decorative" val="1"/>
+                </a:ext>
+              </a:extLst>
+            </p:cNvPr>
+            <p:cNvSpPr/>
+            <p:nvPr>
+              <p:extLst>
+                <p:ext uri="{386F3935-93C4-4BCD-93E2-E3B085C9AB24}">
+                  <p16:designElem xmlns:p16="http://schemas.microsoft.com/office/powerpoint/2015/main" val="1"/>
+                </p:ext>
+              </p:extLst>
+            </p:nvPr>
+          </p:nvSpPr>
+          <p:spPr>
+            <a:xfrm>
+              <a:off x="-1" y="-1"/>
+              <a:ext cx="510196" cy="538336"/>
+            </a:xfrm>
+            <a:custGeom>
+              <a:avLst/>
+              <a:gdLst>
+                <a:gd name="connsiteX0" fmla="*/ 0 w 510196"/>
+                <a:gd name="connsiteY0" fmla="*/ 0 h 538336"/>
+                <a:gd name="connsiteX1" fmla="*/ 459276 w 510196"/>
+                <a:gd name="connsiteY1" fmla="*/ 0 h 538336"/>
+                <a:gd name="connsiteX2" fmla="*/ 482126 w 510196"/>
+                <a:gd name="connsiteY2" fmla="*/ 42098 h 538336"/>
+                <a:gd name="connsiteX3" fmla="*/ 510196 w 510196"/>
+                <a:gd name="connsiteY3" fmla="*/ 181136 h 538336"/>
+                <a:gd name="connsiteX4" fmla="*/ 152996 w 510196"/>
+                <a:gd name="connsiteY4" fmla="*/ 538336 h 538336"/>
+                <a:gd name="connsiteX5" fmla="*/ 13958 w 510196"/>
+                <a:gd name="connsiteY5" fmla="*/ 510266 h 538336"/>
+                <a:gd name="connsiteX6" fmla="*/ 0 w 510196"/>
+                <a:gd name="connsiteY6" fmla="*/ 502690 h 538336"/>
+              </a:gdLst>
+              <a:ahLst/>
+              <a:cxnLst>
+                <a:cxn ang="0">
+                  <a:pos x="connsiteX0" y="connsiteY0"/>
+                </a:cxn>
+                <a:cxn ang="0">
+                  <a:pos x="connsiteX1" y="connsiteY1"/>
+                </a:cxn>
+                <a:cxn ang="0">
+                  <a:pos x="connsiteX2" y="connsiteY2"/>
+                </a:cxn>
+                <a:cxn ang="0">
+                  <a:pos x="connsiteX3" y="connsiteY3"/>
+                </a:cxn>
+                <a:cxn ang="0">
+                  <a:pos x="connsiteX4" y="connsiteY4"/>
+                </a:cxn>
+                <a:cxn ang="0">
+                  <a:pos x="connsiteX5" y="connsiteY5"/>
+                </a:cxn>
+                <a:cxn ang="0">
+                  <a:pos x="connsiteX6" y="connsiteY6"/>
+                </a:cxn>
+              </a:cxnLst>
+              <a:rect l="l" t="t" r="r" b="b"/>
+              <a:pathLst>
+                <a:path w="510196" h="538336">
+                  <a:moveTo>
+                    <a:pt x="0" y="0"/>
+                  </a:moveTo>
+                  <a:lnTo>
+                    <a:pt x="459276" y="0"/>
+                  </a:lnTo>
+                  <a:lnTo>
+                    <a:pt x="482126" y="42098"/>
+                  </a:lnTo>
+                  <a:cubicBezTo>
+                    <a:pt x="500201" y="84833"/>
+                    <a:pt x="510196" y="131817"/>
+                    <a:pt x="510196" y="181136"/>
+                  </a:cubicBezTo>
+                  <a:cubicBezTo>
+                    <a:pt x="510196" y="378412"/>
+                    <a:pt x="350272" y="538336"/>
+                    <a:pt x="152996" y="538336"/>
+                  </a:cubicBezTo>
+                  <a:cubicBezTo>
+                    <a:pt x="103677" y="538336"/>
+                    <a:pt x="56693" y="528341"/>
+                    <a:pt x="13958" y="510266"/>
+                  </a:cubicBezTo>
+                  <a:lnTo>
+                    <a:pt x="0" y="502690"/>
+                  </a:lnTo>
+                  <a:close/>
+                </a:path>
+              </a:pathLst>
+            </a:custGeom>
+            <a:solidFill>
+              <a:schemeClr val="accent1">
+                <a:lumMod val="20000"/>
+                <a:lumOff val="80000"/>
+              </a:schemeClr>
+            </a:solidFill>
+            <a:ln>
+              <a:noFill/>
+            </a:ln>
+          </p:spPr>
+          <p:style>
+            <a:lnRef idx="2">
+              <a:schemeClr val="accent1">
+                <a:shade val="50000"/>
+              </a:schemeClr>
+            </a:lnRef>
+            <a:fillRef idx="1">
+              <a:schemeClr val="accent1"/>
+            </a:fillRef>
+            <a:effectRef idx="0">
+              <a:schemeClr val="accent1"/>
+            </a:effectRef>
+            <a:fontRef idx="minor">
+              <a:schemeClr val="lt1"/>
+            </a:fontRef>
+          </p:style>
+          <p:txBody>
+            <a:bodyPr wrap="square" rtlCol="0" anchor="ctr">
+              <a:noAutofit/>
+            </a:bodyPr>
+            <a:lstStyle/>
+            <a:p>
+              <a:pPr algn="ctr"/>
+              <a:endParaRPr lang="en-US" sz="900" dirty="0">
+                <a:solidFill>
+                  <a:schemeClr val="bg1"/>
+                </a:solidFill>
+                <a:latin typeface="+mj-lt"/>
+              </a:endParaRPr>
+            </a:p>
+          </p:txBody>
+        </p:sp>
+        <p:sp>
+          <p:nvSpPr>
+            <p:cNvPr id="27" name="Freeform: Shape 26">
+              <a:extLst>
+                <a:ext uri="{FF2B5EF4-FFF2-40B4-BE49-F238E27FC236}">
+                  <a16:creationId xmlns:a16="http://schemas.microsoft.com/office/drawing/2014/main" id="{E40DA8D2-FA4B-4282-9D44-48C27B63A153}"/>
+                </a:ext>
+                <a:ext uri="{C183D7F6-B498-43B3-948B-1728B52AA6E4}">
+                  <adec:decorative xmlns:adec="http://schemas.microsoft.com/office/drawing/2017/decorative" val="1"/>
+                </a:ext>
+              </a:extLst>
+            </p:cNvPr>
+            <p:cNvSpPr/>
+            <p:nvPr>
+              <p:extLst>
+                <p:ext uri="{386F3935-93C4-4BCD-93E2-E3B085C9AB24}">
+                  <p16:designElem xmlns:p16="http://schemas.microsoft.com/office/powerpoint/2015/main" val="1"/>
+                </p:ext>
+              </p:extLst>
+            </p:nvPr>
+          </p:nvSpPr>
+          <p:spPr>
+            <a:xfrm>
+              <a:off x="10528695" y="1"/>
+              <a:ext cx="554074" cy="282754"/>
+            </a:xfrm>
+            <a:custGeom>
+              <a:avLst/>
+              <a:gdLst>
+                <a:gd name="connsiteX0" fmla="*/ 644 w 309162"/>
+                <a:gd name="connsiteY0" fmla="*/ 0 h 157771"/>
+                <a:gd name="connsiteX1" fmla="*/ 308518 w 309162"/>
+                <a:gd name="connsiteY1" fmla="*/ 0 h 157771"/>
+                <a:gd name="connsiteX2" fmla="*/ 309162 w 309162"/>
+                <a:gd name="connsiteY2" fmla="*/ 3190 h 157771"/>
+                <a:gd name="connsiteX3" fmla="*/ 154581 w 309162"/>
+                <a:gd name="connsiteY3" fmla="*/ 157771 h 157771"/>
+                <a:gd name="connsiteX4" fmla="*/ 0 w 309162"/>
+                <a:gd name="connsiteY4" fmla="*/ 3190 h 157771"/>
+              </a:gdLst>
+              <a:ahLst/>
+              <a:cxnLst>
+                <a:cxn ang="0">
+                  <a:pos x="connsiteX0" y="connsiteY0"/>
+                </a:cxn>
+                <a:cxn ang="0">
+                  <a:pos x="connsiteX1" y="connsiteY1"/>
+                </a:cxn>
+                <a:cxn ang="0">
+                  <a:pos x="connsiteX2" y="connsiteY2"/>
+                </a:cxn>
+                <a:cxn ang="0">
+                  <a:pos x="connsiteX3" y="connsiteY3"/>
+                </a:cxn>
+                <a:cxn ang="0">
+                  <a:pos x="connsiteX4" y="connsiteY4"/>
+                </a:cxn>
+              </a:cxnLst>
+              <a:rect l="l" t="t" r="r" b="b"/>
+              <a:pathLst>
+                <a:path w="309162" h="157771">
+                  <a:moveTo>
+                    <a:pt x="644" y="0"/>
+                  </a:moveTo>
+                  <a:lnTo>
+                    <a:pt x="308518" y="0"/>
+                  </a:lnTo>
+                  <a:lnTo>
+                    <a:pt x="309162" y="3190"/>
+                  </a:lnTo>
+                  <a:cubicBezTo>
+                    <a:pt x="309162" y="88563"/>
+                    <a:pt x="239954" y="157771"/>
+                    <a:pt x="154581" y="157771"/>
+                  </a:cubicBezTo>
+                  <a:cubicBezTo>
+                    <a:pt x="69208" y="157771"/>
+                    <a:pt x="0" y="88563"/>
+                    <a:pt x="0" y="3190"/>
+                  </a:cubicBezTo>
+                  <a:close/>
+                </a:path>
+              </a:pathLst>
+            </a:custGeom>
+            <a:solidFill>
+              <a:schemeClr val="accent4">
+                <a:lumMod val="60000"/>
+                <a:lumOff val="40000"/>
+              </a:schemeClr>
+            </a:solidFill>
+            <a:ln>
+              <a:noFill/>
+            </a:ln>
+          </p:spPr>
+          <p:style>
+            <a:lnRef idx="2">
+              <a:schemeClr val="accent1">
+                <a:shade val="50000"/>
+              </a:schemeClr>
+            </a:lnRef>
+            <a:fillRef idx="1">
+              <a:schemeClr val="accent1"/>
+            </a:fillRef>
+            <a:effectRef idx="0">
+              <a:schemeClr val="accent1"/>
+            </a:effectRef>
+            <a:fontRef idx="minor">
+              <a:schemeClr val="lt1"/>
+            </a:fontRef>
+          </p:style>
+          <p:txBody>
+            <a:bodyPr wrap="square" rtlCol="0" anchor="ctr">
+              <a:noAutofit/>
+            </a:bodyPr>
+            <a:lstStyle/>
+            <a:p>
+              <a:pPr algn="ctr"/>
+              <a:endParaRPr lang="en-US" sz="900" dirty="0">
+                <a:solidFill>
+                  <a:schemeClr val="bg1"/>
+                </a:solidFill>
+                <a:latin typeface="+mj-lt"/>
+              </a:endParaRPr>
+            </a:p>
+          </p:txBody>
+        </p:sp>
+        <p:sp>
+          <p:nvSpPr>
+            <p:cNvPr id="28" name="Oval 27">
+              <a:extLst>
+                <a:ext uri="{FF2B5EF4-FFF2-40B4-BE49-F238E27FC236}">
+                  <a16:creationId xmlns:a16="http://schemas.microsoft.com/office/drawing/2014/main" id="{99065014-CB18-414D-A527-31ECC45700AB}"/>
+                </a:ext>
+                <a:ext uri="{C183D7F6-B498-43B3-948B-1728B52AA6E4}">
+                  <adec:decorative xmlns:adec="http://schemas.microsoft.com/office/drawing/2017/decorative" val="1"/>
+                </a:ext>
+              </a:extLst>
+            </p:cNvPr>
+            <p:cNvSpPr/>
+            <p:nvPr>
+              <p:extLst>
+                <p:ext uri="{386F3935-93C4-4BCD-93E2-E3B085C9AB24}">
+                  <p16:designElem xmlns:p16="http://schemas.microsoft.com/office/powerpoint/2015/main" val="1"/>
+                </p:ext>
+              </p:extLst>
+            </p:nvPr>
+          </p:nvSpPr>
+          <p:spPr>
+            <a:xfrm>
+              <a:off x="504140" y="1132500"/>
+              <a:ext cx="84680" cy="84680"/>
+            </a:xfrm>
+            <a:prstGeom prst="ellipse">
+              <a:avLst/>
+            </a:prstGeom>
+            <a:solidFill>
+              <a:schemeClr val="accent2"/>
+            </a:solidFill>
+            <a:ln>
+              <a:noFill/>
+            </a:ln>
+          </p:spPr>
+          <p:style>
+            <a:lnRef idx="0">
+              <a:scrgbClr r="0" g="0" b="0"/>
+            </a:lnRef>
+            <a:fillRef idx="0">
+              <a:scrgbClr r="0" g="0" b="0"/>
+            </a:fillRef>
+            <a:effectRef idx="0">
+              <a:scrgbClr r="0" g="0" b="0"/>
+            </a:effectRef>
+            <a:fontRef idx="minor">
+              <a:schemeClr val="lt1"/>
+            </a:fontRef>
+          </p:style>
+          <p:txBody>
+            <a:bodyPr rtlCol="0" anchor="ctr"/>
+            <a:lstStyle/>
+            <a:p>
+              <a:pPr algn="ctr"/>
+              <a:endParaRPr lang="en-US"/>
+            </a:p>
+          </p:txBody>
+        </p:sp>
+        <p:sp>
+          <p:nvSpPr>
+            <p:cNvPr id="29" name="Freeform: Shape 28">
+              <a:extLst>
+                <a:ext uri="{FF2B5EF4-FFF2-40B4-BE49-F238E27FC236}">
+                  <a16:creationId xmlns:a16="http://schemas.microsoft.com/office/drawing/2014/main" id="{8F39E27A-56C1-4328-8DF1-2DA147C78483}"/>
+                </a:ext>
+                <a:ext uri="{C183D7F6-B498-43B3-948B-1728B52AA6E4}">
+                  <adec:decorative xmlns:adec="http://schemas.microsoft.com/office/drawing/2017/decorative" val="1"/>
+                </a:ext>
+              </a:extLst>
+            </p:cNvPr>
+            <p:cNvSpPr/>
+            <p:nvPr>
+              <p:extLst>
+                <p:ext uri="{386F3935-93C4-4BCD-93E2-E3B085C9AB24}">
+                  <p16:designElem xmlns:p16="http://schemas.microsoft.com/office/powerpoint/2015/main" val="1"/>
+                </p:ext>
+              </p:extLst>
+            </p:nvPr>
+          </p:nvSpPr>
+          <p:spPr>
+            <a:xfrm>
+              <a:off x="12051348" y="5576515"/>
+              <a:ext cx="137603" cy="210490"/>
+            </a:xfrm>
+            <a:custGeom>
+              <a:avLst/>
+              <a:gdLst>
+                <a:gd name="connsiteX0" fmla="*/ 105245 w 137603"/>
+                <a:gd name="connsiteY0" fmla="*/ 0 h 210490"/>
+                <a:gd name="connsiteX1" fmla="*/ 137603 w 137603"/>
+                <a:gd name="connsiteY1" fmla="*/ 6533 h 210490"/>
+                <a:gd name="connsiteX2" fmla="*/ 137603 w 137603"/>
+                <a:gd name="connsiteY2" fmla="*/ 203957 h 210490"/>
+                <a:gd name="connsiteX3" fmla="*/ 105245 w 137603"/>
+                <a:gd name="connsiteY3" fmla="*/ 210490 h 210490"/>
+                <a:gd name="connsiteX4" fmla="*/ 0 w 137603"/>
+                <a:gd name="connsiteY4" fmla="*/ 105245 h 210490"/>
+                <a:gd name="connsiteX5" fmla="*/ 105245 w 137603"/>
+                <a:gd name="connsiteY5" fmla="*/ 0 h 210490"/>
+              </a:gdLst>
+              <a:ahLst/>
+              <a:cxnLst>
+                <a:cxn ang="0">
+                  <a:pos x="connsiteX0" y="connsiteY0"/>
+                </a:cxn>
+                <a:cxn ang="0">
+                  <a:pos x="connsiteX1" y="connsiteY1"/>
+                </a:cxn>
+                <a:cxn ang="0">
+                  <a:pos x="connsiteX2" y="connsiteY2"/>
+                </a:cxn>
+                <a:cxn ang="0">
+                  <a:pos x="connsiteX3" y="connsiteY3"/>
+                </a:cxn>
+                <a:cxn ang="0">
+                  <a:pos x="connsiteX4" y="connsiteY4"/>
+                </a:cxn>
+                <a:cxn ang="0">
+                  <a:pos x="connsiteX5" y="connsiteY5"/>
+                </a:cxn>
+              </a:cxnLst>
+              <a:rect l="l" t="t" r="r" b="b"/>
+              <a:pathLst>
+                <a:path w="137603" h="210490">
+                  <a:moveTo>
+                    <a:pt x="105245" y="0"/>
+                  </a:moveTo>
+                  <a:lnTo>
+                    <a:pt x="137603" y="6533"/>
+                  </a:lnTo>
+                  <a:lnTo>
+                    <a:pt x="137603" y="203957"/>
+                  </a:lnTo>
+                  <a:lnTo>
+                    <a:pt x="105245" y="210490"/>
+                  </a:lnTo>
+                  <a:cubicBezTo>
+                    <a:pt x="47120" y="210490"/>
+                    <a:pt x="0" y="163370"/>
+                    <a:pt x="0" y="105245"/>
+                  </a:cubicBezTo>
+                  <a:cubicBezTo>
+                    <a:pt x="0" y="47120"/>
+                    <a:pt x="47120" y="0"/>
+                    <a:pt x="105245" y="0"/>
+                  </a:cubicBezTo>
+                  <a:close/>
+                </a:path>
+              </a:pathLst>
+            </a:custGeom>
+            <a:solidFill>
+              <a:schemeClr val="accent3">
+                <a:lumMod val="40000"/>
+                <a:lumOff val="60000"/>
+              </a:schemeClr>
+            </a:solidFill>
+            <a:ln>
+              <a:noFill/>
+            </a:ln>
+          </p:spPr>
+          <p:style>
+            <a:lnRef idx="2">
+              <a:schemeClr val="accent1">
+                <a:shade val="50000"/>
+              </a:schemeClr>
+            </a:lnRef>
+            <a:fillRef idx="1">
+              <a:schemeClr val="accent1"/>
+            </a:fillRef>
+            <a:effectRef idx="0">
+              <a:schemeClr val="accent1"/>
+            </a:effectRef>
+            <a:fontRef idx="minor">
+              <a:schemeClr val="lt1"/>
+            </a:fontRef>
+          </p:style>
+          <p:txBody>
+            <a:bodyPr wrap="square" rtlCol="0" anchor="ctr">
+              <a:noAutofit/>
+            </a:bodyPr>
+            <a:lstStyle/>
+            <a:p>
+              <a:pPr algn="ctr"/>
+              <a:endParaRPr lang="en-US" sz="900" dirty="0">
+                <a:solidFill>
+                  <a:schemeClr val="bg1"/>
+                </a:solidFill>
+                <a:latin typeface="+mj-lt"/>
+              </a:endParaRPr>
+            </a:p>
+          </p:txBody>
+        </p:sp>
+      </p:grpSp>
+      <p:sp useBgFill="1">
+        <p:nvSpPr>
+          <p:cNvPr id="31" name="Rectangle 30">
+            <a:extLst>
+              <a:ext uri="{FF2B5EF4-FFF2-40B4-BE49-F238E27FC236}">
+                <a16:creationId xmlns:a16="http://schemas.microsoft.com/office/drawing/2014/main" id="{B7818AA9-82F7-46F6-8A83-1A6258163B48}"/>
+              </a:ext>
+              <a:ext uri="{C183D7F6-B498-43B3-948B-1728B52AA6E4}">
+                <adec:decorative xmlns:adec="http://schemas.microsoft.com/office/drawing/2017/decorative" val="1"/>
+              </a:ext>
+            </a:extLst>
+          </p:cNvPr>
+          <p:cNvSpPr>
+            <a:spLocks noGrp="1" noRot="1" noChangeAspect="1" noMove="1" noResize="1" noEditPoints="1" noAdjustHandles="1" noChangeArrowheads="1" noChangeShapeType="1" noTextEdit="1"/>
+          </p:cNvSpPr>
+          <p:nvPr>
+            <p:extLst>
+              <p:ext uri="{386F3935-93C4-4BCD-93E2-E3B085C9AB24}">
+                <p16:designElem xmlns:p16="http://schemas.microsoft.com/office/powerpoint/2015/main" val="1"/>
+              </p:ext>
+            </p:extLst>
+          </p:nvPr>
+        </p:nvSpPr>
+        <p:spPr>
+          <a:xfrm>
+            <a:off x="-1" y="0"/>
+            <a:ext cx="12188952" cy="6858000"/>
+          </a:xfrm>
+          <a:prstGeom prst="rect">
+            <a:avLst/>
+          </a:prstGeom>
+          <a:ln>
+            <a:noFill/>
+          </a:ln>
+        </p:spPr>
+        <p:style>
+          <a:lnRef idx="2">
+            <a:schemeClr val="accent1">
+              <a:shade val="50000"/>
+            </a:schemeClr>
+          </a:lnRef>
+          <a:fillRef idx="1">
+            <a:schemeClr val="accent1"/>
+          </a:fillRef>
+          <a:effectRef idx="0">
+            <a:schemeClr val="accent1"/>
+          </a:effectRef>
+          <a:fontRef idx="minor">
+            <a:schemeClr val="lt1"/>
+          </a:fontRef>
+        </p:style>
+        <p:txBody>
+          <a:bodyPr rtlCol="0" anchor="ctr"/>
+          <a:lstStyle/>
+          <a:p>
+            <a:pPr algn="ctr"/>
+            <a:endParaRPr lang="en-US" dirty="0"/>
+          </a:p>
+        </p:txBody>
+      </p:sp>
+      <p:pic>
+        <p:nvPicPr>
+          <p:cNvPr id="9" name="Content Placeholder 8" descr="A graph with red and blue dots&#10;&#10;Description automatically generated">
+            <a:extLst>
+              <a:ext uri="{FF2B5EF4-FFF2-40B4-BE49-F238E27FC236}">
+                <a16:creationId xmlns:a16="http://schemas.microsoft.com/office/drawing/2014/main" id="{9A5CF05F-B2CD-E4A3-1FE7-02100F5E1573}"/>
+              </a:ext>
+            </a:extLst>
+          </p:cNvPr>
+          <p:cNvPicPr>
+            <a:picLocks noGrp="1" noChangeAspect="1"/>
+          </p:cNvPicPr>
+          <p:nvPr>
+            <p:ph idx="1"/>
+          </p:nvPr>
+        </p:nvPicPr>
+        <p:blipFill>
+          <a:blip r:embed="rId2">
+            <a:extLst>
+              <a:ext uri="{28A0092B-C50C-407E-A947-70E740481C1C}">
+                <a14:useLocalDpi xmlns:a14="http://schemas.microsoft.com/office/drawing/2010/main" val="0"/>
+              </a:ext>
+            </a:extLst>
+          </a:blip>
+          <a:stretch>
+            <a:fillRect/>
+          </a:stretch>
+        </p:blipFill>
+        <p:spPr>
+          <a:xfrm>
+            <a:off x="1247763" y="-2"/>
+            <a:ext cx="9693423" cy="6858000"/>
+          </a:xfrm>
+        </p:spPr>
+      </p:pic>
+    </p:spTree>
+    <p:extLst>
+      <p:ext uri="{BB962C8B-B14F-4D97-AF65-F5344CB8AC3E}">
+        <p14:creationId xmlns:p14="http://schemas.microsoft.com/office/powerpoint/2010/main" val="1806444504"/>
+      </p:ext>
+    </p:extLst>
+  </p:cSld>
+  <p:clrMapOvr>
+    <a:masterClrMapping/>
+  </p:clrMapOvr>
+</p:sld>
+</file>
+
+<file path=ppt/slides/slide9.xml><?xml version="1.0" encoding="utf-8"?>
+<p:sld xmlns:a="http://schemas.openxmlformats.org/drawingml/2006/main" xmlns:r="http://schemas.openxmlformats.org/officeDocument/2006/relationships" xmlns:p="http://schemas.openxmlformats.org/presentationml/2006/main">
+  <p:cSld>
+    <p:spTree>
+      <p:nvGrpSpPr>
+        <p:cNvPr id="1" name=""/>
+        <p:cNvGrpSpPr/>
+        <p:nvPr/>
+      </p:nvGrpSpPr>
+      <p:grpSpPr>
+        <a:xfrm>
+          <a:off x="0" y="0"/>
+          <a:ext cx="0" cy="0"/>
+          <a:chOff x="0" y="0"/>
+          <a:chExt cx="0" cy="0"/>
+        </a:xfrm>
+      </p:grpSpPr>
+      <p:sp>
+        <p:nvSpPr>
+          <p:cNvPr id="2" name="Title 1">
+            <a:extLst>
+              <a:ext uri="{FF2B5EF4-FFF2-40B4-BE49-F238E27FC236}">
+                <a16:creationId xmlns:a16="http://schemas.microsoft.com/office/drawing/2014/main" id="{AFB4F869-364B-F86E-949B-68A672F2C8D6}"/>
+              </a:ext>
+            </a:extLst>
+          </p:cNvPr>
+          <p:cNvSpPr>
+            <a:spLocks noGrp="1"/>
+          </p:cNvSpPr>
+          <p:nvPr>
+            <p:ph type="title"/>
+          </p:nvPr>
+        </p:nvSpPr>
+        <p:spPr/>
+        <p:txBody>
+          <a:bodyPr/>
+          <a:lstStyle/>
+          <a:p>
+            <a:endParaRPr lang="en-CA"/>
+          </a:p>
+        </p:txBody>
+      </p:sp>
+      <p:pic>
+        <p:nvPicPr>
+          <p:cNvPr id="5" name="Content Placeholder 4" descr="A diagram of a distribution of scape hours&#10;&#10;Description automatically generated">
+            <a:extLst>
+              <a:ext uri="{FF2B5EF4-FFF2-40B4-BE49-F238E27FC236}">
+                <a16:creationId xmlns:a16="http://schemas.microsoft.com/office/drawing/2014/main" id="{55EA8EE5-8ED3-640F-AAD2-50164C78BE4A}"/>
+              </a:ext>
+            </a:extLst>
+          </p:cNvPr>
+          <p:cNvPicPr>
+            <a:picLocks noGrp="1" noChangeAspect="1"/>
+          </p:cNvPicPr>
+          <p:nvPr>
+            <p:ph idx="1"/>
+          </p:nvPr>
+        </p:nvPicPr>
+        <p:blipFill>
+          <a:blip r:embed="rId2">
+            <a:extLst>
+              <a:ext uri="{28A0092B-C50C-407E-A947-70E740481C1C}">
+                <a14:useLocalDpi xmlns:a14="http://schemas.microsoft.com/office/drawing/2010/main" val="0"/>
+              </a:ext>
+            </a:extLst>
+          </a:blip>
+          <a:stretch>
+            <a:fillRect/>
+          </a:stretch>
+        </p:blipFill>
+        <p:spPr>
+          <a:xfrm>
+            <a:off x="1448017" y="0"/>
+            <a:ext cx="9317555" cy="6859665"/>
+          </a:xfrm>
+        </p:spPr>
+      </p:pic>
+    </p:spTree>
+    <p:extLst>
+      <p:ext uri="{BB962C8B-B14F-4D97-AF65-F5344CB8AC3E}">
+        <p14:creationId xmlns:p14="http://schemas.microsoft.com/office/powerpoint/2010/main" val="3250898510"/>
+      </p:ext>
+    </p:extLst>
+  </p:cSld>
+  <p:clrMapOvr>
+    <a:masterClrMapping/>
+  </p:clrMapOvr>
+</p:sld>
+</file>
+
 <file path=ppt/theme/theme1.xml><?xml version="1.0" encoding="utf-8"?>
 <a:theme xmlns:a="http://schemas.openxmlformats.org/drawingml/2006/main" name="ConfettiVTI">
   <a:themeElements>

--- a/601 G15 Presentation.pptx
+++ b/601 G15 Presentation.pptx
@@ -15,20 +15,15 @@
     <p:sldId id="262" r:id="rId9"/>
     <p:sldId id="263" r:id="rId10"/>
     <p:sldId id="275" r:id="rId11"/>
-    <p:sldId id="264" r:id="rId12"/>
-    <p:sldId id="265" r:id="rId13"/>
-    <p:sldId id="266" r:id="rId14"/>
-    <p:sldId id="267" r:id="rId15"/>
-    <p:sldId id="268" r:id="rId16"/>
-    <p:sldId id="269" r:id="rId17"/>
-    <p:sldId id="270" r:id="rId18"/>
-    <p:sldId id="273" r:id="rId19"/>
-    <p:sldId id="271" r:id="rId20"/>
-    <p:sldId id="272" r:id="rId21"/>
-    <p:sldId id="276" r:id="rId22"/>
-    <p:sldId id="277" r:id="rId23"/>
-    <p:sldId id="278" r:id="rId24"/>
-    <p:sldId id="279" r:id="rId25"/>
+    <p:sldId id="268" r:id="rId12"/>
+    <p:sldId id="270" r:id="rId13"/>
+    <p:sldId id="273" r:id="rId14"/>
+    <p:sldId id="271" r:id="rId15"/>
+    <p:sldId id="272" r:id="rId16"/>
+    <p:sldId id="276" r:id="rId17"/>
+    <p:sldId id="277" r:id="rId18"/>
+    <p:sldId id="278" r:id="rId19"/>
+    <p:sldId id="279" r:id="rId20"/>
   </p:sldIdLst>
   <p:sldSz cx="12192000" cy="6858000"/>
   <p:notesSz cx="6858000" cy="9144000"/>
@@ -18246,366 +18241,6 @@
           <p:cNvPr id="2" name="Title 1">
             <a:extLst>
               <a:ext uri="{FF2B5EF4-FFF2-40B4-BE49-F238E27FC236}">
-                <a16:creationId xmlns:a16="http://schemas.microsoft.com/office/drawing/2014/main" id="{A1A2E933-0EA2-9045-5952-624B597985C4}"/>
-              </a:ext>
-            </a:extLst>
-          </p:cNvPr>
-          <p:cNvSpPr>
-            <a:spLocks noGrp="1"/>
-          </p:cNvSpPr>
-          <p:nvPr>
-            <p:ph type="title"/>
-          </p:nvPr>
-        </p:nvSpPr>
-        <p:spPr/>
-        <p:txBody>
-          <a:bodyPr/>
-          <a:lstStyle/>
-          <a:p>
-            <a:endParaRPr lang="en-CA"/>
-          </a:p>
-        </p:txBody>
-      </p:sp>
-      <p:pic>
-        <p:nvPicPr>
-          <p:cNvPr id="5" name="Content Placeholder 4" descr="A graph with green dots&#10;&#10;Description automatically generated">
-            <a:extLst>
-              <a:ext uri="{FF2B5EF4-FFF2-40B4-BE49-F238E27FC236}">
-                <a16:creationId xmlns:a16="http://schemas.microsoft.com/office/drawing/2014/main" id="{2885D321-55CD-ED43-187D-E155347EA925}"/>
-              </a:ext>
-            </a:extLst>
-          </p:cNvPr>
-          <p:cNvPicPr>
-            <a:picLocks noGrp="1" noChangeAspect="1"/>
-          </p:cNvPicPr>
-          <p:nvPr>
-            <p:ph idx="1"/>
-          </p:nvPr>
-        </p:nvPicPr>
-        <p:blipFill>
-          <a:blip r:embed="rId2">
-            <a:extLst>
-              <a:ext uri="{28A0092B-C50C-407E-A947-70E740481C1C}">
-                <a14:useLocalDpi xmlns:a14="http://schemas.microsoft.com/office/drawing/2010/main" val="0"/>
-              </a:ext>
-            </a:extLst>
-          </a:blip>
-          <a:stretch>
-            <a:fillRect/>
-          </a:stretch>
-        </p:blipFill>
-        <p:spPr>
-          <a:xfrm>
-            <a:off x="2365643" y="0"/>
-            <a:ext cx="6412675" cy="6858000"/>
-          </a:xfrm>
-        </p:spPr>
-      </p:pic>
-    </p:spTree>
-    <p:extLst>
-      <p:ext uri="{BB962C8B-B14F-4D97-AF65-F5344CB8AC3E}">
-        <p14:creationId xmlns:p14="http://schemas.microsoft.com/office/powerpoint/2010/main" val="2405665005"/>
-      </p:ext>
-    </p:extLst>
-  </p:cSld>
-  <p:clrMapOvr>
-    <a:masterClrMapping/>
-  </p:clrMapOvr>
-</p:sld>
-</file>
-
-<file path=ppt/slides/slide12.xml><?xml version="1.0" encoding="utf-8"?>
-<p:sld xmlns:a="http://schemas.openxmlformats.org/drawingml/2006/main" xmlns:r="http://schemas.openxmlformats.org/officeDocument/2006/relationships" xmlns:p="http://schemas.openxmlformats.org/presentationml/2006/main">
-  <p:cSld>
-    <p:spTree>
-      <p:nvGrpSpPr>
-        <p:cNvPr id="1" name=""/>
-        <p:cNvGrpSpPr/>
-        <p:nvPr/>
-      </p:nvGrpSpPr>
-      <p:grpSpPr>
-        <a:xfrm>
-          <a:off x="0" y="0"/>
-          <a:ext cx="0" cy="0"/>
-          <a:chOff x="0" y="0"/>
-          <a:chExt cx="0" cy="0"/>
-        </a:xfrm>
-      </p:grpSpPr>
-      <p:sp>
-        <p:nvSpPr>
-          <p:cNvPr id="2" name="Title 1">
-            <a:extLst>
-              <a:ext uri="{FF2B5EF4-FFF2-40B4-BE49-F238E27FC236}">
-                <a16:creationId xmlns:a16="http://schemas.microsoft.com/office/drawing/2014/main" id="{25A7A111-31E4-3669-06EB-19FE9BBEE44D}"/>
-              </a:ext>
-            </a:extLst>
-          </p:cNvPr>
-          <p:cNvSpPr>
-            <a:spLocks noGrp="1"/>
-          </p:cNvSpPr>
-          <p:nvPr>
-            <p:ph type="title"/>
-          </p:nvPr>
-        </p:nvSpPr>
-        <p:spPr/>
-        <p:txBody>
-          <a:bodyPr/>
-          <a:lstStyle/>
-          <a:p>
-            <a:endParaRPr lang="en-CA"/>
-          </a:p>
-        </p:txBody>
-      </p:sp>
-      <p:pic>
-        <p:nvPicPr>
-          <p:cNvPr id="5" name="Content Placeholder 4" descr="A graph of a sleep&#10;&#10;Description automatically generated">
-            <a:extLst>
-              <a:ext uri="{FF2B5EF4-FFF2-40B4-BE49-F238E27FC236}">
-                <a16:creationId xmlns:a16="http://schemas.microsoft.com/office/drawing/2014/main" id="{5685EC42-26BE-5D9B-D357-5DFE73BF257D}"/>
-              </a:ext>
-            </a:extLst>
-          </p:cNvPr>
-          <p:cNvPicPr>
-            <a:picLocks noGrp="1" noChangeAspect="1"/>
-          </p:cNvPicPr>
-          <p:nvPr>
-            <p:ph idx="1"/>
-          </p:nvPr>
-        </p:nvPicPr>
-        <p:blipFill>
-          <a:blip r:embed="rId2">
-            <a:extLst>
-              <a:ext uri="{28A0092B-C50C-407E-A947-70E740481C1C}">
-                <a14:useLocalDpi xmlns:a14="http://schemas.microsoft.com/office/drawing/2010/main" val="0"/>
-              </a:ext>
-            </a:extLst>
-          </a:blip>
-          <a:stretch>
-            <a:fillRect/>
-          </a:stretch>
-        </p:blipFill>
-        <p:spPr>
-          <a:xfrm>
-            <a:off x="2892371" y="0"/>
-            <a:ext cx="6407258" cy="6852207"/>
-          </a:xfrm>
-        </p:spPr>
-      </p:pic>
-    </p:spTree>
-    <p:extLst>
-      <p:ext uri="{BB962C8B-B14F-4D97-AF65-F5344CB8AC3E}">
-        <p14:creationId xmlns:p14="http://schemas.microsoft.com/office/powerpoint/2010/main" val="2865619939"/>
-      </p:ext>
-    </p:extLst>
-  </p:cSld>
-  <p:clrMapOvr>
-    <a:masterClrMapping/>
-  </p:clrMapOvr>
-</p:sld>
-</file>
-
-<file path=ppt/slides/slide13.xml><?xml version="1.0" encoding="utf-8"?>
-<p:sld xmlns:a="http://schemas.openxmlformats.org/drawingml/2006/main" xmlns:r="http://schemas.openxmlformats.org/officeDocument/2006/relationships" xmlns:p="http://schemas.openxmlformats.org/presentationml/2006/main">
-  <p:cSld>
-    <p:spTree>
-      <p:nvGrpSpPr>
-        <p:cNvPr id="1" name=""/>
-        <p:cNvGrpSpPr/>
-        <p:nvPr/>
-      </p:nvGrpSpPr>
-      <p:grpSpPr>
-        <a:xfrm>
-          <a:off x="0" y="0"/>
-          <a:ext cx="0" cy="0"/>
-          <a:chOff x="0" y="0"/>
-          <a:chExt cx="0" cy="0"/>
-        </a:xfrm>
-      </p:grpSpPr>
-      <p:sp>
-        <p:nvSpPr>
-          <p:cNvPr id="2" name="Title 1">
-            <a:extLst>
-              <a:ext uri="{FF2B5EF4-FFF2-40B4-BE49-F238E27FC236}">
-                <a16:creationId xmlns:a16="http://schemas.microsoft.com/office/drawing/2014/main" id="{9F1406A5-3FF7-287A-4AC9-5CD5944551DD}"/>
-              </a:ext>
-            </a:extLst>
-          </p:cNvPr>
-          <p:cNvSpPr>
-            <a:spLocks noGrp="1"/>
-          </p:cNvSpPr>
-          <p:nvPr>
-            <p:ph type="title"/>
-          </p:nvPr>
-        </p:nvSpPr>
-        <p:spPr/>
-        <p:txBody>
-          <a:bodyPr/>
-          <a:lstStyle/>
-          <a:p>
-            <a:endParaRPr lang="en-CA"/>
-          </a:p>
-        </p:txBody>
-      </p:sp>
-      <p:pic>
-        <p:nvPicPr>
-          <p:cNvPr id="5" name="Content Placeholder 4" descr="A group of blue and orange dots&#10;&#10;Description automatically generated">
-            <a:extLst>
-              <a:ext uri="{FF2B5EF4-FFF2-40B4-BE49-F238E27FC236}">
-                <a16:creationId xmlns:a16="http://schemas.microsoft.com/office/drawing/2014/main" id="{0A3BEB87-F213-11B6-64EC-570699D54C45}"/>
-              </a:ext>
-            </a:extLst>
-          </p:cNvPr>
-          <p:cNvPicPr>
-            <a:picLocks noGrp="1" noChangeAspect="1"/>
-          </p:cNvPicPr>
-          <p:nvPr>
-            <p:ph idx="1"/>
-          </p:nvPr>
-        </p:nvPicPr>
-        <p:blipFill>
-          <a:blip r:embed="rId2">
-            <a:extLst>
-              <a:ext uri="{28A0092B-C50C-407E-A947-70E740481C1C}">
-                <a14:useLocalDpi xmlns:a14="http://schemas.microsoft.com/office/drawing/2010/main" val="0"/>
-              </a:ext>
-            </a:extLst>
-          </a:blip>
-          <a:stretch>
-            <a:fillRect/>
-          </a:stretch>
-        </p:blipFill>
-        <p:spPr>
-          <a:xfrm>
-            <a:off x="2321593" y="0"/>
-            <a:ext cx="7548814" cy="6858000"/>
-          </a:xfrm>
-        </p:spPr>
-      </p:pic>
-    </p:spTree>
-    <p:extLst>
-      <p:ext uri="{BB962C8B-B14F-4D97-AF65-F5344CB8AC3E}">
-        <p14:creationId xmlns:p14="http://schemas.microsoft.com/office/powerpoint/2010/main" val="1999349352"/>
-      </p:ext>
-    </p:extLst>
-  </p:cSld>
-  <p:clrMapOvr>
-    <a:masterClrMapping/>
-  </p:clrMapOvr>
-</p:sld>
-</file>
-
-<file path=ppt/slides/slide14.xml><?xml version="1.0" encoding="utf-8"?>
-<p:sld xmlns:a="http://schemas.openxmlformats.org/drawingml/2006/main" xmlns:r="http://schemas.openxmlformats.org/officeDocument/2006/relationships" xmlns:p="http://schemas.openxmlformats.org/presentationml/2006/main">
-  <p:cSld>
-    <p:spTree>
-      <p:nvGrpSpPr>
-        <p:cNvPr id="1" name=""/>
-        <p:cNvGrpSpPr/>
-        <p:nvPr/>
-      </p:nvGrpSpPr>
-      <p:grpSpPr>
-        <a:xfrm>
-          <a:off x="0" y="0"/>
-          <a:ext cx="0" cy="0"/>
-          <a:chOff x="0" y="0"/>
-          <a:chExt cx="0" cy="0"/>
-        </a:xfrm>
-      </p:grpSpPr>
-      <p:sp>
-        <p:nvSpPr>
-          <p:cNvPr id="2" name="Title 1">
-            <a:extLst>
-              <a:ext uri="{FF2B5EF4-FFF2-40B4-BE49-F238E27FC236}">
-                <a16:creationId xmlns:a16="http://schemas.microsoft.com/office/drawing/2014/main" id="{ACC92B5A-E162-EFD9-E71F-0E4F79D10421}"/>
-              </a:ext>
-            </a:extLst>
-          </p:cNvPr>
-          <p:cNvSpPr>
-            <a:spLocks noGrp="1"/>
-          </p:cNvSpPr>
-          <p:nvPr>
-            <p:ph type="title"/>
-          </p:nvPr>
-        </p:nvSpPr>
-        <p:spPr/>
-        <p:txBody>
-          <a:bodyPr/>
-          <a:lstStyle/>
-          <a:p>
-            <a:endParaRPr lang="en-CA"/>
-          </a:p>
-        </p:txBody>
-      </p:sp>
-      <p:pic>
-        <p:nvPicPr>
-          <p:cNvPr id="5" name="Content Placeholder 4" descr="A screenshot of a graph&#10;&#10;Description automatically generated">
-            <a:extLst>
-              <a:ext uri="{FF2B5EF4-FFF2-40B4-BE49-F238E27FC236}">
-                <a16:creationId xmlns:a16="http://schemas.microsoft.com/office/drawing/2014/main" id="{68AE5690-A932-AB6B-21F8-51400E035F29}"/>
-              </a:ext>
-            </a:extLst>
-          </p:cNvPr>
-          <p:cNvPicPr>
-            <a:picLocks noGrp="1" noChangeAspect="1"/>
-          </p:cNvPicPr>
-          <p:nvPr>
-            <p:ph idx="1"/>
-          </p:nvPr>
-        </p:nvPicPr>
-        <p:blipFill>
-          <a:blip r:embed="rId2">
-            <a:extLst>
-              <a:ext uri="{28A0092B-C50C-407E-A947-70E740481C1C}">
-                <a14:useLocalDpi xmlns:a14="http://schemas.microsoft.com/office/drawing/2010/main" val="0"/>
-              </a:ext>
-            </a:extLst>
-          </a:blip>
-          <a:stretch>
-            <a:fillRect/>
-          </a:stretch>
-        </p:blipFill>
-        <p:spPr>
-          <a:xfrm>
-            <a:off x="1523792" y="0"/>
-            <a:ext cx="9166005" cy="6864409"/>
-          </a:xfrm>
-        </p:spPr>
-      </p:pic>
-    </p:spTree>
-    <p:extLst>
-      <p:ext uri="{BB962C8B-B14F-4D97-AF65-F5344CB8AC3E}">
-        <p14:creationId xmlns:p14="http://schemas.microsoft.com/office/powerpoint/2010/main" val="2743064670"/>
-      </p:ext>
-    </p:extLst>
-  </p:cSld>
-  <p:clrMapOvr>
-    <a:masterClrMapping/>
-  </p:clrMapOvr>
-</p:sld>
-</file>
-
-<file path=ppt/slides/slide15.xml><?xml version="1.0" encoding="utf-8"?>
-<p:sld xmlns:a="http://schemas.openxmlformats.org/drawingml/2006/main" xmlns:r="http://schemas.openxmlformats.org/officeDocument/2006/relationships" xmlns:p="http://schemas.openxmlformats.org/presentationml/2006/main">
-  <p:cSld>
-    <p:spTree>
-      <p:nvGrpSpPr>
-        <p:cNvPr id="1" name=""/>
-        <p:cNvGrpSpPr/>
-        <p:nvPr/>
-      </p:nvGrpSpPr>
-      <p:grpSpPr>
-        <a:xfrm>
-          <a:off x="0" y="0"/>
-          <a:ext cx="0" cy="0"/>
-          <a:chOff x="0" y="0"/>
-          <a:chExt cx="0" cy="0"/>
-        </a:xfrm>
-      </p:grpSpPr>
-      <p:sp>
-        <p:nvSpPr>
-          <p:cNvPr id="2" name="Title 1">
-            <a:extLst>
-              <a:ext uri="{FF2B5EF4-FFF2-40B4-BE49-F238E27FC236}">
                 <a16:creationId xmlns:a16="http://schemas.microsoft.com/office/drawing/2014/main" id="{D0B99B8C-9CAD-AC26-6CA4-C07DCE9F176A}"/>
               </a:ext>
             </a:extLst>
@@ -18674,97 +18309,7 @@
 </p:sld>
 </file>
 
-<file path=ppt/slides/slide16.xml><?xml version="1.0" encoding="utf-8"?>
-<p:sld xmlns:a="http://schemas.openxmlformats.org/drawingml/2006/main" xmlns:r="http://schemas.openxmlformats.org/officeDocument/2006/relationships" xmlns:p="http://schemas.openxmlformats.org/presentationml/2006/main">
-  <p:cSld>
-    <p:spTree>
-      <p:nvGrpSpPr>
-        <p:cNvPr id="1" name=""/>
-        <p:cNvGrpSpPr/>
-        <p:nvPr/>
-      </p:nvGrpSpPr>
-      <p:grpSpPr>
-        <a:xfrm>
-          <a:off x="0" y="0"/>
-          <a:ext cx="0" cy="0"/>
-          <a:chOff x="0" y="0"/>
-          <a:chExt cx="0" cy="0"/>
-        </a:xfrm>
-      </p:grpSpPr>
-      <p:sp>
-        <p:nvSpPr>
-          <p:cNvPr id="2" name="Title 1">
-            <a:extLst>
-              <a:ext uri="{FF2B5EF4-FFF2-40B4-BE49-F238E27FC236}">
-                <a16:creationId xmlns:a16="http://schemas.microsoft.com/office/drawing/2014/main" id="{A391D23D-C529-1948-9622-AB3AFC2B6CDD}"/>
-              </a:ext>
-            </a:extLst>
-          </p:cNvPr>
-          <p:cNvSpPr>
-            <a:spLocks noGrp="1"/>
-          </p:cNvSpPr>
-          <p:nvPr>
-            <p:ph type="title"/>
-          </p:nvPr>
-        </p:nvSpPr>
-        <p:spPr/>
-        <p:txBody>
-          <a:bodyPr/>
-          <a:lstStyle/>
-          <a:p>
-            <a:endParaRPr lang="en-CA"/>
-          </a:p>
-        </p:txBody>
-      </p:sp>
-      <p:pic>
-        <p:nvPicPr>
-          <p:cNvPr id="5" name="Content Placeholder 4" descr="A screenshot of a graph&#10;&#10;Description automatically generated">
-            <a:extLst>
-              <a:ext uri="{FF2B5EF4-FFF2-40B4-BE49-F238E27FC236}">
-                <a16:creationId xmlns:a16="http://schemas.microsoft.com/office/drawing/2014/main" id="{9977BB30-9C0A-F869-11D6-49A7751348FD}"/>
-              </a:ext>
-            </a:extLst>
-          </p:cNvPr>
-          <p:cNvPicPr>
-            <a:picLocks noGrp="1" noChangeAspect="1"/>
-          </p:cNvPicPr>
-          <p:nvPr>
-            <p:ph idx="1"/>
-          </p:nvPr>
-        </p:nvPicPr>
-        <p:blipFill>
-          <a:blip r:embed="rId2">
-            <a:extLst>
-              <a:ext uri="{28A0092B-C50C-407E-A947-70E740481C1C}">
-                <a14:useLocalDpi xmlns:a14="http://schemas.microsoft.com/office/drawing/2010/main" val="0"/>
-              </a:ext>
-            </a:extLst>
-          </a:blip>
-          <a:stretch>
-            <a:fillRect/>
-          </a:stretch>
-        </p:blipFill>
-        <p:spPr>
-          <a:xfrm>
-            <a:off x="2182906" y="0"/>
-            <a:ext cx="7826187" cy="6858000"/>
-          </a:xfrm>
-        </p:spPr>
-      </p:pic>
-    </p:spTree>
-    <p:extLst>
-      <p:ext uri="{BB962C8B-B14F-4D97-AF65-F5344CB8AC3E}">
-        <p14:creationId xmlns:p14="http://schemas.microsoft.com/office/powerpoint/2010/main" val="910520306"/>
-      </p:ext>
-    </p:extLst>
-  </p:cSld>
-  <p:clrMapOvr>
-    <a:masterClrMapping/>
-  </p:clrMapOvr>
-</p:sld>
-</file>
-
-<file path=ppt/slides/slide17.xml><?xml version="1.0" encoding="utf-8"?>
+<file path=ppt/slides/slide12.xml><?xml version="1.0" encoding="utf-8"?>
 <p:sld xmlns:a="http://schemas.openxmlformats.org/drawingml/2006/main" xmlns:r="http://schemas.openxmlformats.org/officeDocument/2006/relationships" xmlns:p="http://schemas.openxmlformats.org/presentationml/2006/main">
   <p:cSld>
     <p:spTree>
@@ -18854,7 +18399,7 @@
 </p:sld>
 </file>
 
-<file path=ppt/slides/slide18.xml><?xml version="1.0" encoding="utf-8"?>
+<file path=ppt/slides/slide13.xml><?xml version="1.0" encoding="utf-8"?>
 <p:sld xmlns:a="http://schemas.openxmlformats.org/drawingml/2006/main" xmlns:r="http://schemas.openxmlformats.org/officeDocument/2006/relationships" xmlns:p="http://schemas.openxmlformats.org/presentationml/2006/main">
   <p:cSld>
     <p:bg>
@@ -19676,7 +19221,7 @@
 </p:sld>
 </file>
 
-<file path=ppt/slides/slide19.xml><?xml version="1.0" encoding="utf-8"?>
+<file path=ppt/slides/slide14.xml><?xml version="1.0" encoding="utf-8"?>
 <p:sld xmlns:a="http://schemas.openxmlformats.org/drawingml/2006/main" xmlns:r="http://schemas.openxmlformats.org/officeDocument/2006/relationships" xmlns:p="http://schemas.openxmlformats.org/presentationml/2006/main">
   <p:cSld>
     <p:spTree>
@@ -19766,790 +19311,7 @@
 </p:sld>
 </file>
 
-<file path=ppt/slides/slide2.xml><?xml version="1.0" encoding="utf-8"?>
-<p:sld xmlns:a="http://schemas.openxmlformats.org/drawingml/2006/main" xmlns:r="http://schemas.openxmlformats.org/officeDocument/2006/relationships" xmlns:p="http://schemas.openxmlformats.org/presentationml/2006/main">
-  <p:cSld>
-    <p:bg>
-      <p:bgPr>
-        <a:solidFill>
-          <a:schemeClr val="bg1"/>
-        </a:solidFill>
-        <a:effectLst/>
-      </p:bgPr>
-    </p:bg>
-    <p:spTree>
-      <p:nvGrpSpPr>
-        <p:cNvPr id="1" name=""/>
-        <p:cNvGrpSpPr/>
-        <p:nvPr/>
-      </p:nvGrpSpPr>
-      <p:grpSpPr>
-        <a:xfrm>
-          <a:off x="0" y="0"/>
-          <a:ext cx="0" cy="0"/>
-          <a:chOff x="0" y="0"/>
-          <a:chExt cx="0" cy="0"/>
-        </a:xfrm>
-      </p:grpSpPr>
-      <p:sp useBgFill="1">
-        <p:nvSpPr>
-          <p:cNvPr id="9" name="Rectangle 8">
-            <a:extLst>
-              <a:ext uri="{FF2B5EF4-FFF2-40B4-BE49-F238E27FC236}">
-                <a16:creationId xmlns:a16="http://schemas.microsoft.com/office/drawing/2014/main" id="{57908DE9-5647-483E-B731-49D34A839B3F}"/>
-              </a:ext>
-              <a:ext uri="{C183D7F6-B498-43B3-948B-1728B52AA6E4}">
-                <adec:decorative xmlns:adec="http://schemas.microsoft.com/office/drawing/2017/decorative" val="1"/>
-              </a:ext>
-            </a:extLst>
-          </p:cNvPr>
-          <p:cNvSpPr>
-            <a:spLocks noGrp="1" noRot="1" noChangeAspect="1" noMove="1" noResize="1" noEditPoints="1" noAdjustHandles="1" noChangeArrowheads="1" noChangeShapeType="1" noTextEdit="1"/>
-          </p:cNvSpPr>
-          <p:nvPr>
-            <p:extLst>
-              <p:ext uri="{386F3935-93C4-4BCD-93E2-E3B085C9AB24}">
-                <p16:designElem xmlns:p16="http://schemas.microsoft.com/office/powerpoint/2015/main" val="1"/>
-              </p:ext>
-            </p:extLst>
-          </p:nvPr>
-        </p:nvSpPr>
-        <p:spPr>
-          <a:xfrm>
-            <a:off x="0" y="0"/>
-            <a:ext cx="12192000" cy="6858000"/>
-          </a:xfrm>
-          <a:prstGeom prst="rect">
-            <a:avLst/>
-          </a:prstGeom>
-          <a:ln>
-            <a:noFill/>
-          </a:ln>
-        </p:spPr>
-        <p:style>
-          <a:lnRef idx="2">
-            <a:schemeClr val="accent1">
-              <a:shade val="50000"/>
-            </a:schemeClr>
-          </a:lnRef>
-          <a:fillRef idx="1">
-            <a:schemeClr val="accent1"/>
-          </a:fillRef>
-          <a:effectRef idx="0">
-            <a:schemeClr val="accent1"/>
-          </a:effectRef>
-          <a:fontRef idx="minor">
-            <a:schemeClr val="lt1"/>
-          </a:fontRef>
-        </p:style>
-        <p:txBody>
-          <a:bodyPr rtlCol="0" anchor="ctr"/>
-          <a:lstStyle/>
-          <a:p>
-            <a:pPr algn="ctr"/>
-            <a:endParaRPr lang="en-US" dirty="0"/>
-          </a:p>
-        </p:txBody>
-      </p:sp>
-      <p:sp>
-        <p:nvSpPr>
-          <p:cNvPr id="11" name="Rectangle 10">
-            <a:extLst>
-              <a:ext uri="{FF2B5EF4-FFF2-40B4-BE49-F238E27FC236}">
-                <a16:creationId xmlns:a16="http://schemas.microsoft.com/office/drawing/2014/main" id="{926962B4-5DCE-4745-A877-F7237DA68D7F}"/>
-              </a:ext>
-              <a:ext uri="{C183D7F6-B498-43B3-948B-1728B52AA6E4}">
-                <adec:decorative xmlns:adec="http://schemas.microsoft.com/office/drawing/2017/decorative" val="1"/>
-              </a:ext>
-            </a:extLst>
-          </p:cNvPr>
-          <p:cNvSpPr>
-            <a:spLocks noGrp="1" noRot="1" noChangeAspect="1" noMove="1" noResize="1" noEditPoints="1" noAdjustHandles="1" noChangeArrowheads="1" noChangeShapeType="1" noTextEdit="1"/>
-          </p:cNvSpPr>
-          <p:nvPr>
-            <p:extLst>
-              <p:ext uri="{386F3935-93C4-4BCD-93E2-E3B085C9AB24}">
-                <p16:designElem xmlns:p16="http://schemas.microsoft.com/office/powerpoint/2015/main" val="1"/>
-              </p:ext>
-            </p:extLst>
-          </p:nvPr>
-        </p:nvSpPr>
-        <p:spPr>
-          <a:xfrm>
-            <a:off x="0" y="0"/>
-            <a:ext cx="12192000" cy="6858000"/>
-          </a:xfrm>
-          <a:prstGeom prst="rect">
-            <a:avLst/>
-          </a:prstGeom>
-          <a:solidFill>
-            <a:schemeClr val="bg2">
-              <a:lumMod val="90000"/>
-              <a:alpha val="30000"/>
-            </a:schemeClr>
-          </a:solidFill>
-          <a:ln>
-            <a:noFill/>
-          </a:ln>
-        </p:spPr>
-        <p:style>
-          <a:lnRef idx="2">
-            <a:schemeClr val="accent1">
-              <a:shade val="50000"/>
-            </a:schemeClr>
-          </a:lnRef>
-          <a:fillRef idx="1">
-            <a:schemeClr val="accent1"/>
-          </a:fillRef>
-          <a:effectRef idx="0">
-            <a:schemeClr val="accent1"/>
-          </a:effectRef>
-          <a:fontRef idx="minor">
-            <a:schemeClr val="lt1"/>
-          </a:fontRef>
-        </p:style>
-        <p:txBody>
-          <a:bodyPr rtlCol="0" anchor="ctr"/>
-          <a:lstStyle/>
-          <a:p>
-            <a:pPr algn="ctr"/>
-            <a:endParaRPr lang="en-US" sz="900" dirty="0">
-              <a:solidFill>
-                <a:schemeClr val="bg1"/>
-              </a:solidFill>
-              <a:latin typeface="+mj-lt"/>
-            </a:endParaRPr>
-          </a:p>
-        </p:txBody>
-      </p:sp>
-      <p:sp>
-        <p:nvSpPr>
-          <p:cNvPr id="13" name="Freeform: Shape 12">
-            <a:extLst>
-              <a:ext uri="{FF2B5EF4-FFF2-40B4-BE49-F238E27FC236}">
-                <a16:creationId xmlns:a16="http://schemas.microsoft.com/office/drawing/2014/main" id="{FFC31C6D-653C-4C57-B226-ED6CE571F611}"/>
-              </a:ext>
-              <a:ext uri="{C183D7F6-B498-43B3-948B-1728B52AA6E4}">
-                <adec:decorative xmlns:adec="http://schemas.microsoft.com/office/drawing/2017/decorative" val="1"/>
-              </a:ext>
-            </a:extLst>
-          </p:cNvPr>
-          <p:cNvSpPr>
-            <a:spLocks noGrp="1" noRot="1" noChangeAspect="1" noMove="1" noResize="1" noEditPoints="1" noAdjustHandles="1" noChangeArrowheads="1" noChangeShapeType="1" noTextEdit="1"/>
-          </p:cNvSpPr>
-          <p:nvPr>
-            <p:extLst>
-              <p:ext uri="{386F3935-93C4-4BCD-93E2-E3B085C9AB24}">
-                <p16:designElem xmlns:p16="http://schemas.microsoft.com/office/powerpoint/2015/main" val="1"/>
-              </p:ext>
-            </p:extLst>
-          </p:nvPr>
-        </p:nvSpPr>
-        <p:spPr>
-          <a:xfrm>
-            <a:off x="3802590" y="0"/>
-            <a:ext cx="8389411" cy="6858000"/>
-          </a:xfrm>
-          <a:custGeom>
-            <a:avLst/>
-            <a:gdLst>
-              <a:gd name="connsiteX0" fmla="*/ 1405847 w 8389411"/>
-              <a:gd name="connsiteY0" fmla="*/ 0 h 6858000"/>
-              <a:gd name="connsiteX1" fmla="*/ 8389411 w 8389411"/>
-              <a:gd name="connsiteY1" fmla="*/ 0 h 6858000"/>
-              <a:gd name="connsiteX2" fmla="*/ 8389411 w 8389411"/>
-              <a:gd name="connsiteY2" fmla="*/ 6858000 h 6858000"/>
-              <a:gd name="connsiteX3" fmla="*/ 1403382 w 8389411"/>
-              <a:gd name="connsiteY3" fmla="*/ 6858000 h 6858000"/>
-              <a:gd name="connsiteX4" fmla="*/ 1126450 w 8389411"/>
-              <a:gd name="connsiteY4" fmla="*/ 6554701 h 6858000"/>
-              <a:gd name="connsiteX5" fmla="*/ 0 w 8389411"/>
-              <a:gd name="connsiteY5" fmla="*/ 3431347 h 6858000"/>
-              <a:gd name="connsiteX6" fmla="*/ 1281495 w 8389411"/>
-              <a:gd name="connsiteY6" fmla="*/ 129827 h 6858000"/>
-            </a:gdLst>
-            <a:ahLst/>
-            <a:cxnLst>
-              <a:cxn ang="0">
-                <a:pos x="connsiteX0" y="connsiteY0"/>
-              </a:cxn>
-              <a:cxn ang="0">
-                <a:pos x="connsiteX1" y="connsiteY1"/>
-              </a:cxn>
-              <a:cxn ang="0">
-                <a:pos x="connsiteX2" y="connsiteY2"/>
-              </a:cxn>
-              <a:cxn ang="0">
-                <a:pos x="connsiteX3" y="connsiteY3"/>
-              </a:cxn>
-              <a:cxn ang="0">
-                <a:pos x="connsiteX4" y="connsiteY4"/>
-              </a:cxn>
-              <a:cxn ang="0">
-                <a:pos x="connsiteX5" y="connsiteY5"/>
-              </a:cxn>
-              <a:cxn ang="0">
-                <a:pos x="connsiteX6" y="connsiteY6"/>
-              </a:cxn>
-            </a:cxnLst>
-            <a:rect l="l" t="t" r="r" b="b"/>
-            <a:pathLst>
-              <a:path w="8389411" h="6858000">
-                <a:moveTo>
-                  <a:pt x="1405847" y="0"/>
-                </a:moveTo>
-                <a:lnTo>
-                  <a:pt x="8389411" y="0"/>
-                </a:lnTo>
-                <a:lnTo>
-                  <a:pt x="8389411" y="6858000"/>
-                </a:lnTo>
-                <a:lnTo>
-                  <a:pt x="1403382" y="6858000"/>
-                </a:lnTo>
-                <a:lnTo>
-                  <a:pt x="1126450" y="6554701"/>
-                </a:lnTo>
-                <a:cubicBezTo>
-                  <a:pt x="422736" y="5705928"/>
-                  <a:pt x="0" y="4617776"/>
-                  <a:pt x="0" y="3431347"/>
-                </a:cubicBezTo>
-                <a:cubicBezTo>
-                  <a:pt x="0" y="2160173"/>
-                  <a:pt x="485281" y="1001818"/>
-                  <a:pt x="1281495" y="129827"/>
-                </a:cubicBezTo>
-                <a:close/>
-              </a:path>
-            </a:pathLst>
-          </a:custGeom>
-          <a:solidFill>
-            <a:schemeClr val="bg1"/>
-          </a:solidFill>
-          <a:ln>
-            <a:noFill/>
-          </a:ln>
-        </p:spPr>
-        <p:style>
-          <a:lnRef idx="2">
-            <a:schemeClr val="accent1">
-              <a:shade val="50000"/>
-            </a:schemeClr>
-          </a:lnRef>
-          <a:fillRef idx="1">
-            <a:schemeClr val="accent1"/>
-          </a:fillRef>
-          <a:effectRef idx="0">
-            <a:schemeClr val="accent1"/>
-          </a:effectRef>
-          <a:fontRef idx="minor">
-            <a:schemeClr val="lt1"/>
-          </a:fontRef>
-        </p:style>
-        <p:txBody>
-          <a:bodyPr wrap="square" rtlCol="0" anchor="ctr">
-            <a:noAutofit/>
-          </a:bodyPr>
-          <a:lstStyle/>
-          <a:p>
-            <a:pPr algn="ctr"/>
-            <a:endParaRPr lang="en-US" sz="900" dirty="0">
-              <a:solidFill>
-                <a:schemeClr val="bg1"/>
-              </a:solidFill>
-              <a:latin typeface="+mj-lt"/>
-            </a:endParaRPr>
-          </a:p>
-        </p:txBody>
-      </p:sp>
-      <p:grpSp>
-        <p:nvGrpSpPr>
-          <p:cNvPr id="15" name="decorative circles">
-            <a:extLst>
-              <a:ext uri="{FF2B5EF4-FFF2-40B4-BE49-F238E27FC236}">
-                <a16:creationId xmlns:a16="http://schemas.microsoft.com/office/drawing/2014/main" id="{C310B041-3468-403A-926B-E3C1CF4433A2}"/>
-              </a:ext>
-              <a:ext uri="{C183D7F6-B498-43B3-948B-1728B52AA6E4}">
-                <adec:decorative xmlns:adec="http://schemas.microsoft.com/office/drawing/2017/decorative" val="1"/>
-              </a:ext>
-            </a:extLst>
-          </p:cNvPr>
-          <p:cNvGrpSpPr>
-            <a:grpSpLocks noGrp="1" noUngrp="1" noRot="1" noChangeAspect="1" noMove="1" noResize="1"/>
-          </p:cNvGrpSpPr>
-          <p:nvPr>
-            <p:extLst>
-              <p:ext uri="{386F3935-93C4-4BCD-93E2-E3B085C9AB24}">
-                <p16:designElem xmlns:p16="http://schemas.microsoft.com/office/powerpoint/2015/main" val="1"/>
-              </p:ext>
-            </p:extLst>
-          </p:nvPr>
-        </p:nvGrpSpPr>
-        <p:grpSpPr>
-          <a:xfrm>
-            <a:off x="244914" y="299808"/>
-            <a:ext cx="11521822" cy="6038357"/>
-            <a:chOff x="244914" y="299808"/>
-            <a:chExt cx="11521822" cy="6038357"/>
-          </a:xfrm>
-        </p:grpSpPr>
-        <p:sp>
-          <p:nvSpPr>
-            <p:cNvPr id="16" name="Oval 15">
-              <a:extLst>
-                <a:ext uri="{FF2B5EF4-FFF2-40B4-BE49-F238E27FC236}">
-                  <a16:creationId xmlns:a16="http://schemas.microsoft.com/office/drawing/2014/main" id="{F65CBEB7-29CF-4F21-ABB7-012581304C1B}"/>
-                </a:ext>
-                <a:ext uri="{C183D7F6-B498-43B3-948B-1728B52AA6E4}">
-                  <adec:decorative xmlns:adec="http://schemas.microsoft.com/office/drawing/2017/decorative" val="1"/>
-                </a:ext>
-              </a:extLst>
-            </p:cNvPr>
-            <p:cNvSpPr/>
-            <p:nvPr>
-              <p:extLst>
-                <p:ext uri="{386F3935-93C4-4BCD-93E2-E3B085C9AB24}">
-                  <p16:designElem xmlns:p16="http://schemas.microsoft.com/office/powerpoint/2015/main" val="1"/>
-                </p:ext>
-              </p:extLst>
-            </p:nvPr>
-          </p:nvSpPr>
-          <p:spPr>
-            <a:xfrm>
-              <a:off x="11300295" y="515708"/>
-              <a:ext cx="466441" cy="466441"/>
-            </a:xfrm>
-            <a:prstGeom prst="ellipse">
-              <a:avLst/>
-            </a:prstGeom>
-            <a:solidFill>
-              <a:schemeClr val="accent2">
-                <a:lumMod val="60000"/>
-                <a:lumOff val="40000"/>
-                <a:alpha val="72000"/>
-              </a:schemeClr>
-            </a:solidFill>
-            <a:ln>
-              <a:noFill/>
-            </a:ln>
-          </p:spPr>
-          <p:style>
-            <a:lnRef idx="2">
-              <a:schemeClr val="accent1">
-                <a:shade val="50000"/>
-              </a:schemeClr>
-            </a:lnRef>
-            <a:fillRef idx="1">
-              <a:schemeClr val="accent1"/>
-            </a:fillRef>
-            <a:effectRef idx="0">
-              <a:schemeClr val="accent1"/>
-            </a:effectRef>
-            <a:fontRef idx="minor">
-              <a:schemeClr val="lt1"/>
-            </a:fontRef>
-          </p:style>
-          <p:txBody>
-            <a:bodyPr rtlCol="0" anchor="ctr"/>
-            <a:lstStyle/>
-            <a:p>
-              <a:pPr algn="ctr"/>
-              <a:endParaRPr lang="en-US" dirty="0"/>
-            </a:p>
-          </p:txBody>
-        </p:sp>
-        <p:sp>
-          <p:nvSpPr>
-            <p:cNvPr id="17" name="Oval 16">
-              <a:extLst>
-                <a:ext uri="{FF2B5EF4-FFF2-40B4-BE49-F238E27FC236}">
-                  <a16:creationId xmlns:a16="http://schemas.microsoft.com/office/drawing/2014/main" id="{9C900504-84D3-4813-B737-775C16F8F996}"/>
-                </a:ext>
-                <a:ext uri="{C183D7F6-B498-43B3-948B-1728B52AA6E4}">
-                  <adec:decorative xmlns:adec="http://schemas.microsoft.com/office/drawing/2017/decorative" val="1"/>
-                </a:ext>
-              </a:extLst>
-            </p:cNvPr>
-            <p:cNvSpPr/>
-            <p:nvPr>
-              <p:extLst>
-                <p:ext uri="{386F3935-93C4-4BCD-93E2-E3B085C9AB24}">
-                  <p16:designElem xmlns:p16="http://schemas.microsoft.com/office/powerpoint/2015/main" val="1"/>
-                </p:ext>
-              </p:extLst>
-            </p:nvPr>
-          </p:nvSpPr>
-          <p:spPr>
-            <a:xfrm>
-              <a:off x="11241343" y="299808"/>
-              <a:ext cx="113367" cy="113367"/>
-            </a:xfrm>
-            <a:prstGeom prst="ellipse">
-              <a:avLst/>
-            </a:prstGeom>
-            <a:solidFill>
-              <a:srgbClr val="F39E29"/>
-            </a:solidFill>
-            <a:ln>
-              <a:noFill/>
-            </a:ln>
-          </p:spPr>
-          <p:style>
-            <a:lnRef idx="2">
-              <a:schemeClr val="accent1">
-                <a:shade val="50000"/>
-              </a:schemeClr>
-            </a:lnRef>
-            <a:fillRef idx="1">
-              <a:schemeClr val="accent1"/>
-            </a:fillRef>
-            <a:effectRef idx="0">
-              <a:schemeClr val="accent1"/>
-            </a:effectRef>
-            <a:fontRef idx="minor">
-              <a:schemeClr val="lt1"/>
-            </a:fontRef>
-          </p:style>
-          <p:txBody>
-            <a:bodyPr rtlCol="0" anchor="ctr"/>
-            <a:lstStyle/>
-            <a:p>
-              <a:pPr algn="ctr"/>
-              <a:endParaRPr lang="en-US"/>
-            </a:p>
-          </p:txBody>
-        </p:sp>
-        <p:sp>
-          <p:nvSpPr>
-            <p:cNvPr id="18" name="Oval 17">
-              <a:extLst>
-                <a:ext uri="{FF2B5EF4-FFF2-40B4-BE49-F238E27FC236}">
-                  <a16:creationId xmlns:a16="http://schemas.microsoft.com/office/drawing/2014/main" id="{73902316-BF90-4159-9FD2-6CFCCF7BE2FF}"/>
-                </a:ext>
-                <a:ext uri="{C183D7F6-B498-43B3-948B-1728B52AA6E4}">
-                  <adec:decorative xmlns:adec="http://schemas.microsoft.com/office/drawing/2017/decorative" val="1"/>
-                </a:ext>
-              </a:extLst>
-            </p:cNvPr>
-            <p:cNvSpPr/>
-            <p:nvPr>
-              <p:extLst>
-                <p:ext uri="{386F3935-93C4-4BCD-93E2-E3B085C9AB24}">
-                  <p16:designElem xmlns:p16="http://schemas.microsoft.com/office/powerpoint/2015/main" val="1"/>
-                </p:ext>
-              </p:extLst>
-            </p:nvPr>
-          </p:nvSpPr>
-          <p:spPr>
-            <a:xfrm>
-              <a:off x="7760448" y="3803994"/>
-              <a:ext cx="94160" cy="94160"/>
-            </a:xfrm>
-            <a:prstGeom prst="ellipse">
-              <a:avLst/>
-            </a:prstGeom>
-            <a:solidFill>
-              <a:srgbClr val="E3BEBE">
-                <a:alpha val="28000"/>
-              </a:srgbClr>
-            </a:solidFill>
-            <a:ln>
-              <a:noFill/>
-            </a:ln>
-          </p:spPr>
-          <p:style>
-            <a:lnRef idx="2">
-              <a:schemeClr val="accent1">
-                <a:shade val="50000"/>
-              </a:schemeClr>
-            </a:lnRef>
-            <a:fillRef idx="1">
-              <a:schemeClr val="accent1"/>
-            </a:fillRef>
-            <a:effectRef idx="0">
-              <a:schemeClr val="accent1"/>
-            </a:effectRef>
-            <a:fontRef idx="minor">
-              <a:schemeClr val="lt1"/>
-            </a:fontRef>
-          </p:style>
-          <p:txBody>
-            <a:bodyPr rtlCol="0" anchor="ctr"/>
-            <a:lstStyle/>
-            <a:p>
-              <a:pPr algn="ctr"/>
-              <a:endParaRPr lang="en-US"/>
-            </a:p>
-          </p:txBody>
-        </p:sp>
-        <p:sp>
-          <p:nvSpPr>
-            <p:cNvPr id="19" name="Oval 18">
-              <a:extLst>
-                <a:ext uri="{FF2B5EF4-FFF2-40B4-BE49-F238E27FC236}">
-                  <a16:creationId xmlns:a16="http://schemas.microsoft.com/office/drawing/2014/main" id="{7F04BF80-E9DB-4641-8EA2-51698324F10B}"/>
-                </a:ext>
-                <a:ext uri="{C183D7F6-B498-43B3-948B-1728B52AA6E4}">
-                  <adec:decorative xmlns:adec="http://schemas.microsoft.com/office/drawing/2017/decorative" val="1"/>
-                </a:ext>
-              </a:extLst>
-            </p:cNvPr>
-            <p:cNvSpPr/>
-            <p:nvPr>
-              <p:extLst>
-                <p:ext uri="{386F3935-93C4-4BCD-93E2-E3B085C9AB24}">
-                  <p16:designElem xmlns:p16="http://schemas.microsoft.com/office/powerpoint/2015/main" val="1"/>
-                </p:ext>
-              </p:extLst>
-            </p:nvPr>
-          </p:nvSpPr>
-          <p:spPr>
-            <a:xfrm>
-              <a:off x="725899" y="5741646"/>
-              <a:ext cx="113367" cy="113367"/>
-            </a:xfrm>
-            <a:prstGeom prst="ellipse">
-              <a:avLst/>
-            </a:prstGeom>
-            <a:solidFill>
-              <a:schemeClr val="accent3"/>
-            </a:solidFill>
-            <a:ln>
-              <a:noFill/>
-            </a:ln>
-          </p:spPr>
-          <p:style>
-            <a:lnRef idx="2">
-              <a:schemeClr val="accent1">
-                <a:shade val="50000"/>
-              </a:schemeClr>
-            </a:lnRef>
-            <a:fillRef idx="1">
-              <a:schemeClr val="accent1"/>
-            </a:fillRef>
-            <a:effectRef idx="0">
-              <a:schemeClr val="accent1"/>
-            </a:effectRef>
-            <a:fontRef idx="minor">
-              <a:schemeClr val="lt1"/>
-            </a:fontRef>
-          </p:style>
-          <p:txBody>
-            <a:bodyPr rtlCol="0" anchor="ctr"/>
-            <a:lstStyle/>
-            <a:p>
-              <a:pPr algn="ctr"/>
-              <a:endParaRPr lang="en-US"/>
-            </a:p>
-          </p:txBody>
-        </p:sp>
-        <p:sp>
-          <p:nvSpPr>
-            <p:cNvPr id="20" name="Oval 19">
-              <a:extLst>
-                <a:ext uri="{FF2B5EF4-FFF2-40B4-BE49-F238E27FC236}">
-                  <a16:creationId xmlns:a16="http://schemas.microsoft.com/office/drawing/2014/main" id="{234395B9-3F83-49A4-9275-0A315D88F5DD}"/>
-                </a:ext>
-                <a:ext uri="{C183D7F6-B498-43B3-948B-1728B52AA6E4}">
-                  <adec:decorative xmlns:adec="http://schemas.microsoft.com/office/drawing/2017/decorative" val="1"/>
-                </a:ext>
-              </a:extLst>
-            </p:cNvPr>
-            <p:cNvSpPr/>
-            <p:nvPr>
-              <p:extLst>
-                <p:ext uri="{386F3935-93C4-4BCD-93E2-E3B085C9AB24}">
-                  <p16:designElem xmlns:p16="http://schemas.microsoft.com/office/powerpoint/2015/main" val="1"/>
-                </p:ext>
-              </p:extLst>
-            </p:nvPr>
-          </p:nvSpPr>
-          <p:spPr>
-            <a:xfrm>
-              <a:off x="410333" y="6032385"/>
-              <a:ext cx="305780" cy="305780"/>
-            </a:xfrm>
-            <a:prstGeom prst="ellipse">
-              <a:avLst/>
-            </a:prstGeom>
-            <a:solidFill>
-              <a:schemeClr val="accent1">
-                <a:lumMod val="40000"/>
-                <a:lumOff val="60000"/>
-              </a:schemeClr>
-            </a:solidFill>
-            <a:ln>
-              <a:noFill/>
-            </a:ln>
-          </p:spPr>
-          <p:style>
-            <a:lnRef idx="2">
-              <a:schemeClr val="accent1">
-                <a:shade val="50000"/>
-              </a:schemeClr>
-            </a:lnRef>
-            <a:fillRef idx="1">
-              <a:schemeClr val="accent1"/>
-            </a:fillRef>
-            <a:effectRef idx="0">
-              <a:schemeClr val="accent1"/>
-            </a:effectRef>
-            <a:fontRef idx="minor">
-              <a:schemeClr val="lt1"/>
-            </a:fontRef>
-          </p:style>
-          <p:txBody>
-            <a:bodyPr rtlCol="0" anchor="ctr"/>
-            <a:lstStyle/>
-            <a:p>
-              <a:pPr algn="ctr"/>
-              <a:endParaRPr lang="en-US" dirty="0"/>
-            </a:p>
-          </p:txBody>
-        </p:sp>
-        <p:sp>
-          <p:nvSpPr>
-            <p:cNvPr id="21" name="Oval 20">
-              <a:extLst>
-                <a:ext uri="{FF2B5EF4-FFF2-40B4-BE49-F238E27FC236}">
-                  <a16:creationId xmlns:a16="http://schemas.microsoft.com/office/drawing/2014/main" id="{0E7ABD02-CD92-4D6C-B4BA-984D6688F51D}"/>
-                </a:ext>
-                <a:ext uri="{C183D7F6-B498-43B3-948B-1728B52AA6E4}">
-                  <adec:decorative xmlns:adec="http://schemas.microsoft.com/office/drawing/2017/decorative" val="1"/>
-                </a:ext>
-              </a:extLst>
-            </p:cNvPr>
-            <p:cNvSpPr/>
-            <p:nvPr>
-              <p:extLst>
-                <p:ext uri="{386F3935-93C4-4BCD-93E2-E3B085C9AB24}">
-                  <p16:designElem xmlns:p16="http://schemas.microsoft.com/office/powerpoint/2015/main" val="1"/>
-                </p:ext>
-              </p:extLst>
-            </p:nvPr>
-          </p:nvSpPr>
-          <p:spPr>
-            <a:xfrm>
-              <a:off x="244914" y="5821038"/>
-              <a:ext cx="113367" cy="113367"/>
-            </a:xfrm>
-            <a:prstGeom prst="ellipse">
-              <a:avLst/>
-            </a:prstGeom>
-            <a:solidFill>
-              <a:schemeClr val="accent5"/>
-            </a:solidFill>
-            <a:ln>
-              <a:noFill/>
-            </a:ln>
-          </p:spPr>
-          <p:style>
-            <a:lnRef idx="2">
-              <a:schemeClr val="accent1">
-                <a:shade val="50000"/>
-              </a:schemeClr>
-            </a:lnRef>
-            <a:fillRef idx="1">
-              <a:schemeClr val="accent1"/>
-            </a:fillRef>
-            <a:effectRef idx="0">
-              <a:schemeClr val="accent1"/>
-            </a:effectRef>
-            <a:fontRef idx="minor">
-              <a:schemeClr val="lt1"/>
-            </a:fontRef>
-          </p:style>
-          <p:txBody>
-            <a:bodyPr rtlCol="0" anchor="ctr"/>
-            <a:lstStyle/>
-            <a:p>
-              <a:pPr algn="ctr"/>
-              <a:endParaRPr lang="en-US"/>
-            </a:p>
-          </p:txBody>
-        </p:sp>
-      </p:grpSp>
-      <p:sp>
-        <p:nvSpPr>
-          <p:cNvPr id="2" name="Title 1">
-            <a:extLst>
-              <a:ext uri="{FF2B5EF4-FFF2-40B4-BE49-F238E27FC236}">
-                <a16:creationId xmlns:a16="http://schemas.microsoft.com/office/drawing/2014/main" id="{3D348066-7994-D018-1DD5-CA816FB0AF4D}"/>
-              </a:ext>
-            </a:extLst>
-          </p:cNvPr>
-          <p:cNvSpPr>
-            <a:spLocks noGrp="1"/>
-          </p:cNvSpPr>
-          <p:nvPr>
-            <p:ph type="title"/>
-          </p:nvPr>
-        </p:nvSpPr>
-        <p:spPr>
-          <a:xfrm>
-            <a:off x="770878" y="952022"/>
-            <a:ext cx="2862591" cy="5157049"/>
-          </a:xfrm>
-        </p:spPr>
-        <p:txBody>
-          <a:bodyPr anchor="ctr">
-            <a:normAutofit/>
-          </a:bodyPr>
-          <a:lstStyle/>
-          <a:p>
-            <a:r>
-              <a:rPr lang="en-CA" sz="4100"/>
-              <a:t>Introduction</a:t>
-            </a:r>
-          </a:p>
-        </p:txBody>
-      </p:sp>
-      <p:graphicFrame>
-        <p:nvGraphicFramePr>
-          <p:cNvPr id="5" name="Content Placeholder 2">
-            <a:extLst>
-              <a:ext uri="{FF2B5EF4-FFF2-40B4-BE49-F238E27FC236}">
-                <a16:creationId xmlns:a16="http://schemas.microsoft.com/office/drawing/2014/main" id="{C64A7135-7F48-9AFC-AD04-2D9DB3729CB7}"/>
-              </a:ext>
-            </a:extLst>
-          </p:cNvPr>
-          <p:cNvGraphicFramePr>
-            <a:graphicFrameLocks noGrp="1"/>
-          </p:cNvGraphicFramePr>
-          <p:nvPr>
-            <p:ph idx="1"/>
-            <p:extLst>
-              <p:ext uri="{D42A27DB-BD31-4B8C-83A1-F6EECF244321}">
-                <p14:modId xmlns:p14="http://schemas.microsoft.com/office/powerpoint/2010/main" val="3270365321"/>
-              </p:ext>
-            </p:extLst>
-          </p:nvPr>
-        </p:nvGraphicFramePr>
-        <p:xfrm>
-          <a:off x="4629151" y="952022"/>
-          <a:ext cx="7117918" cy="5157049"/>
-        </p:xfrm>
-        <a:graphic>
-          <a:graphicData uri="http://schemas.openxmlformats.org/drawingml/2006/diagram">
-            <dgm:relIds xmlns:dgm="http://schemas.openxmlformats.org/drawingml/2006/diagram" xmlns:r="http://schemas.openxmlformats.org/officeDocument/2006/relationships" r:dm="rId2" r:lo="rId3" r:qs="rId4" r:cs="rId5"/>
-          </a:graphicData>
-        </a:graphic>
-      </p:graphicFrame>
-    </p:spTree>
-    <p:extLst>
-      <p:ext uri="{BB962C8B-B14F-4D97-AF65-F5344CB8AC3E}">
-        <p14:creationId xmlns:p14="http://schemas.microsoft.com/office/powerpoint/2010/main" val="2683229179"/>
-      </p:ext>
-    </p:extLst>
-  </p:cSld>
-  <p:clrMapOvr>
-    <a:masterClrMapping/>
-  </p:clrMapOvr>
-</p:sld>
-</file>
-
-<file path=ppt/slides/slide20.xml><?xml version="1.0" encoding="utf-8"?>
+<file path=ppt/slides/slide15.xml><?xml version="1.0" encoding="utf-8"?>
 <p:sld xmlns:a="http://schemas.openxmlformats.org/drawingml/2006/main" xmlns:r="http://schemas.openxmlformats.org/officeDocument/2006/relationships" xmlns:p="http://schemas.openxmlformats.org/presentationml/2006/main">
   <p:cSld>
     <p:spTree>
@@ -20639,7 +19401,7 @@
 </p:sld>
 </file>
 
-<file path=ppt/slides/slide21.xml><?xml version="1.0" encoding="utf-8"?>
+<file path=ppt/slides/slide16.xml><?xml version="1.0" encoding="utf-8"?>
 <p:sld xmlns:a="http://schemas.openxmlformats.org/drawingml/2006/main" xmlns:r="http://schemas.openxmlformats.org/officeDocument/2006/relationships" xmlns:p="http://schemas.openxmlformats.org/presentationml/2006/main">
   <p:cSld>
     <p:bg>
@@ -21461,7 +20223,7 @@
 </p:sld>
 </file>
 
-<file path=ppt/slides/slide22.xml><?xml version="1.0" encoding="utf-8"?>
+<file path=ppt/slides/slide17.xml><?xml version="1.0" encoding="utf-8"?>
 <p:sld xmlns:a="http://schemas.openxmlformats.org/drawingml/2006/main" xmlns:r="http://schemas.openxmlformats.org/officeDocument/2006/relationships" xmlns:p="http://schemas.openxmlformats.org/presentationml/2006/main">
   <p:cSld>
     <p:spTree>
@@ -21551,7 +20313,7 @@
 </p:sld>
 </file>
 
-<file path=ppt/slides/slide23.xml><?xml version="1.0" encoding="utf-8"?>
+<file path=ppt/slides/slide18.xml><?xml version="1.0" encoding="utf-8"?>
 <p:sld xmlns:a="http://schemas.openxmlformats.org/drawingml/2006/main" xmlns:r="http://schemas.openxmlformats.org/officeDocument/2006/relationships" xmlns:p="http://schemas.openxmlformats.org/presentationml/2006/main">
   <p:cSld>
     <p:spTree>
@@ -21641,7 +20403,7 @@
 </p:sld>
 </file>
 
-<file path=ppt/slides/slide24.xml><?xml version="1.0" encoding="utf-8"?>
+<file path=ppt/slides/slide19.xml><?xml version="1.0" encoding="utf-8"?>
 <p:sld xmlns:a="http://schemas.openxmlformats.org/drawingml/2006/main" xmlns:r="http://schemas.openxmlformats.org/officeDocument/2006/relationships" xmlns:p="http://schemas.openxmlformats.org/presentationml/2006/main">
   <p:cSld>
     <p:bg>
@@ -23902,6 +22664,789 @@
     <p:extLst>
       <p:ext uri="{BB962C8B-B14F-4D97-AF65-F5344CB8AC3E}">
         <p14:creationId xmlns:p14="http://schemas.microsoft.com/office/powerpoint/2010/main" val="47504610"/>
+      </p:ext>
+    </p:extLst>
+  </p:cSld>
+  <p:clrMapOvr>
+    <a:masterClrMapping/>
+  </p:clrMapOvr>
+</p:sld>
+</file>
+
+<file path=ppt/slides/slide2.xml><?xml version="1.0" encoding="utf-8"?>
+<p:sld xmlns:a="http://schemas.openxmlformats.org/drawingml/2006/main" xmlns:r="http://schemas.openxmlformats.org/officeDocument/2006/relationships" xmlns:p="http://schemas.openxmlformats.org/presentationml/2006/main">
+  <p:cSld>
+    <p:bg>
+      <p:bgPr>
+        <a:solidFill>
+          <a:schemeClr val="bg1"/>
+        </a:solidFill>
+        <a:effectLst/>
+      </p:bgPr>
+    </p:bg>
+    <p:spTree>
+      <p:nvGrpSpPr>
+        <p:cNvPr id="1" name=""/>
+        <p:cNvGrpSpPr/>
+        <p:nvPr/>
+      </p:nvGrpSpPr>
+      <p:grpSpPr>
+        <a:xfrm>
+          <a:off x="0" y="0"/>
+          <a:ext cx="0" cy="0"/>
+          <a:chOff x="0" y="0"/>
+          <a:chExt cx="0" cy="0"/>
+        </a:xfrm>
+      </p:grpSpPr>
+      <p:sp useBgFill="1">
+        <p:nvSpPr>
+          <p:cNvPr id="9" name="Rectangle 8">
+            <a:extLst>
+              <a:ext uri="{FF2B5EF4-FFF2-40B4-BE49-F238E27FC236}">
+                <a16:creationId xmlns:a16="http://schemas.microsoft.com/office/drawing/2014/main" id="{57908DE9-5647-483E-B731-49D34A839B3F}"/>
+              </a:ext>
+              <a:ext uri="{C183D7F6-B498-43B3-948B-1728B52AA6E4}">
+                <adec:decorative xmlns:adec="http://schemas.microsoft.com/office/drawing/2017/decorative" val="1"/>
+              </a:ext>
+            </a:extLst>
+          </p:cNvPr>
+          <p:cNvSpPr>
+            <a:spLocks noGrp="1" noRot="1" noChangeAspect="1" noMove="1" noResize="1" noEditPoints="1" noAdjustHandles="1" noChangeArrowheads="1" noChangeShapeType="1" noTextEdit="1"/>
+          </p:cNvSpPr>
+          <p:nvPr>
+            <p:extLst>
+              <p:ext uri="{386F3935-93C4-4BCD-93E2-E3B085C9AB24}">
+                <p16:designElem xmlns:p16="http://schemas.microsoft.com/office/powerpoint/2015/main" val="1"/>
+              </p:ext>
+            </p:extLst>
+          </p:nvPr>
+        </p:nvSpPr>
+        <p:spPr>
+          <a:xfrm>
+            <a:off x="0" y="0"/>
+            <a:ext cx="12192000" cy="6858000"/>
+          </a:xfrm>
+          <a:prstGeom prst="rect">
+            <a:avLst/>
+          </a:prstGeom>
+          <a:ln>
+            <a:noFill/>
+          </a:ln>
+        </p:spPr>
+        <p:style>
+          <a:lnRef idx="2">
+            <a:schemeClr val="accent1">
+              <a:shade val="50000"/>
+            </a:schemeClr>
+          </a:lnRef>
+          <a:fillRef idx="1">
+            <a:schemeClr val="accent1"/>
+          </a:fillRef>
+          <a:effectRef idx="0">
+            <a:schemeClr val="accent1"/>
+          </a:effectRef>
+          <a:fontRef idx="minor">
+            <a:schemeClr val="lt1"/>
+          </a:fontRef>
+        </p:style>
+        <p:txBody>
+          <a:bodyPr rtlCol="0" anchor="ctr"/>
+          <a:lstStyle/>
+          <a:p>
+            <a:pPr algn="ctr"/>
+            <a:endParaRPr lang="en-US" dirty="0"/>
+          </a:p>
+        </p:txBody>
+      </p:sp>
+      <p:sp>
+        <p:nvSpPr>
+          <p:cNvPr id="11" name="Rectangle 10">
+            <a:extLst>
+              <a:ext uri="{FF2B5EF4-FFF2-40B4-BE49-F238E27FC236}">
+                <a16:creationId xmlns:a16="http://schemas.microsoft.com/office/drawing/2014/main" id="{926962B4-5DCE-4745-A877-F7237DA68D7F}"/>
+              </a:ext>
+              <a:ext uri="{C183D7F6-B498-43B3-948B-1728B52AA6E4}">
+                <adec:decorative xmlns:adec="http://schemas.microsoft.com/office/drawing/2017/decorative" val="1"/>
+              </a:ext>
+            </a:extLst>
+          </p:cNvPr>
+          <p:cNvSpPr>
+            <a:spLocks noGrp="1" noRot="1" noChangeAspect="1" noMove="1" noResize="1" noEditPoints="1" noAdjustHandles="1" noChangeArrowheads="1" noChangeShapeType="1" noTextEdit="1"/>
+          </p:cNvSpPr>
+          <p:nvPr>
+            <p:extLst>
+              <p:ext uri="{386F3935-93C4-4BCD-93E2-E3B085C9AB24}">
+                <p16:designElem xmlns:p16="http://schemas.microsoft.com/office/powerpoint/2015/main" val="1"/>
+              </p:ext>
+            </p:extLst>
+          </p:nvPr>
+        </p:nvSpPr>
+        <p:spPr>
+          <a:xfrm>
+            <a:off x="0" y="0"/>
+            <a:ext cx="12192000" cy="6858000"/>
+          </a:xfrm>
+          <a:prstGeom prst="rect">
+            <a:avLst/>
+          </a:prstGeom>
+          <a:solidFill>
+            <a:schemeClr val="bg2">
+              <a:lumMod val="90000"/>
+              <a:alpha val="30000"/>
+            </a:schemeClr>
+          </a:solidFill>
+          <a:ln>
+            <a:noFill/>
+          </a:ln>
+        </p:spPr>
+        <p:style>
+          <a:lnRef idx="2">
+            <a:schemeClr val="accent1">
+              <a:shade val="50000"/>
+            </a:schemeClr>
+          </a:lnRef>
+          <a:fillRef idx="1">
+            <a:schemeClr val="accent1"/>
+          </a:fillRef>
+          <a:effectRef idx="0">
+            <a:schemeClr val="accent1"/>
+          </a:effectRef>
+          <a:fontRef idx="minor">
+            <a:schemeClr val="lt1"/>
+          </a:fontRef>
+        </p:style>
+        <p:txBody>
+          <a:bodyPr rtlCol="0" anchor="ctr"/>
+          <a:lstStyle/>
+          <a:p>
+            <a:pPr algn="ctr"/>
+            <a:endParaRPr lang="en-US" sz="900" dirty="0">
+              <a:solidFill>
+                <a:schemeClr val="bg1"/>
+              </a:solidFill>
+              <a:latin typeface="+mj-lt"/>
+            </a:endParaRPr>
+          </a:p>
+        </p:txBody>
+      </p:sp>
+      <p:sp>
+        <p:nvSpPr>
+          <p:cNvPr id="13" name="Freeform: Shape 12">
+            <a:extLst>
+              <a:ext uri="{FF2B5EF4-FFF2-40B4-BE49-F238E27FC236}">
+                <a16:creationId xmlns:a16="http://schemas.microsoft.com/office/drawing/2014/main" id="{FFC31C6D-653C-4C57-B226-ED6CE571F611}"/>
+              </a:ext>
+              <a:ext uri="{C183D7F6-B498-43B3-948B-1728B52AA6E4}">
+                <adec:decorative xmlns:adec="http://schemas.microsoft.com/office/drawing/2017/decorative" val="1"/>
+              </a:ext>
+            </a:extLst>
+          </p:cNvPr>
+          <p:cNvSpPr>
+            <a:spLocks noGrp="1" noRot="1" noChangeAspect="1" noMove="1" noResize="1" noEditPoints="1" noAdjustHandles="1" noChangeArrowheads="1" noChangeShapeType="1" noTextEdit="1"/>
+          </p:cNvSpPr>
+          <p:nvPr>
+            <p:extLst>
+              <p:ext uri="{386F3935-93C4-4BCD-93E2-E3B085C9AB24}">
+                <p16:designElem xmlns:p16="http://schemas.microsoft.com/office/powerpoint/2015/main" val="1"/>
+              </p:ext>
+            </p:extLst>
+          </p:nvPr>
+        </p:nvSpPr>
+        <p:spPr>
+          <a:xfrm>
+            <a:off x="3802590" y="0"/>
+            <a:ext cx="8389411" cy="6858000"/>
+          </a:xfrm>
+          <a:custGeom>
+            <a:avLst/>
+            <a:gdLst>
+              <a:gd name="connsiteX0" fmla="*/ 1405847 w 8389411"/>
+              <a:gd name="connsiteY0" fmla="*/ 0 h 6858000"/>
+              <a:gd name="connsiteX1" fmla="*/ 8389411 w 8389411"/>
+              <a:gd name="connsiteY1" fmla="*/ 0 h 6858000"/>
+              <a:gd name="connsiteX2" fmla="*/ 8389411 w 8389411"/>
+              <a:gd name="connsiteY2" fmla="*/ 6858000 h 6858000"/>
+              <a:gd name="connsiteX3" fmla="*/ 1403382 w 8389411"/>
+              <a:gd name="connsiteY3" fmla="*/ 6858000 h 6858000"/>
+              <a:gd name="connsiteX4" fmla="*/ 1126450 w 8389411"/>
+              <a:gd name="connsiteY4" fmla="*/ 6554701 h 6858000"/>
+              <a:gd name="connsiteX5" fmla="*/ 0 w 8389411"/>
+              <a:gd name="connsiteY5" fmla="*/ 3431347 h 6858000"/>
+              <a:gd name="connsiteX6" fmla="*/ 1281495 w 8389411"/>
+              <a:gd name="connsiteY6" fmla="*/ 129827 h 6858000"/>
+            </a:gdLst>
+            <a:ahLst/>
+            <a:cxnLst>
+              <a:cxn ang="0">
+                <a:pos x="connsiteX0" y="connsiteY0"/>
+              </a:cxn>
+              <a:cxn ang="0">
+                <a:pos x="connsiteX1" y="connsiteY1"/>
+              </a:cxn>
+              <a:cxn ang="0">
+                <a:pos x="connsiteX2" y="connsiteY2"/>
+              </a:cxn>
+              <a:cxn ang="0">
+                <a:pos x="connsiteX3" y="connsiteY3"/>
+              </a:cxn>
+              <a:cxn ang="0">
+                <a:pos x="connsiteX4" y="connsiteY4"/>
+              </a:cxn>
+              <a:cxn ang="0">
+                <a:pos x="connsiteX5" y="connsiteY5"/>
+              </a:cxn>
+              <a:cxn ang="0">
+                <a:pos x="connsiteX6" y="connsiteY6"/>
+              </a:cxn>
+            </a:cxnLst>
+            <a:rect l="l" t="t" r="r" b="b"/>
+            <a:pathLst>
+              <a:path w="8389411" h="6858000">
+                <a:moveTo>
+                  <a:pt x="1405847" y="0"/>
+                </a:moveTo>
+                <a:lnTo>
+                  <a:pt x="8389411" y="0"/>
+                </a:lnTo>
+                <a:lnTo>
+                  <a:pt x="8389411" y="6858000"/>
+                </a:lnTo>
+                <a:lnTo>
+                  <a:pt x="1403382" y="6858000"/>
+                </a:lnTo>
+                <a:lnTo>
+                  <a:pt x="1126450" y="6554701"/>
+                </a:lnTo>
+                <a:cubicBezTo>
+                  <a:pt x="422736" y="5705928"/>
+                  <a:pt x="0" y="4617776"/>
+                  <a:pt x="0" y="3431347"/>
+                </a:cubicBezTo>
+                <a:cubicBezTo>
+                  <a:pt x="0" y="2160173"/>
+                  <a:pt x="485281" y="1001818"/>
+                  <a:pt x="1281495" y="129827"/>
+                </a:cubicBezTo>
+                <a:close/>
+              </a:path>
+            </a:pathLst>
+          </a:custGeom>
+          <a:solidFill>
+            <a:schemeClr val="bg1"/>
+          </a:solidFill>
+          <a:ln>
+            <a:noFill/>
+          </a:ln>
+        </p:spPr>
+        <p:style>
+          <a:lnRef idx="2">
+            <a:schemeClr val="accent1">
+              <a:shade val="50000"/>
+            </a:schemeClr>
+          </a:lnRef>
+          <a:fillRef idx="1">
+            <a:schemeClr val="accent1"/>
+          </a:fillRef>
+          <a:effectRef idx="0">
+            <a:schemeClr val="accent1"/>
+          </a:effectRef>
+          <a:fontRef idx="minor">
+            <a:schemeClr val="lt1"/>
+          </a:fontRef>
+        </p:style>
+        <p:txBody>
+          <a:bodyPr wrap="square" rtlCol="0" anchor="ctr">
+            <a:noAutofit/>
+          </a:bodyPr>
+          <a:lstStyle/>
+          <a:p>
+            <a:pPr algn="ctr"/>
+            <a:endParaRPr lang="en-US" sz="900" dirty="0">
+              <a:solidFill>
+                <a:schemeClr val="bg1"/>
+              </a:solidFill>
+              <a:latin typeface="+mj-lt"/>
+            </a:endParaRPr>
+          </a:p>
+        </p:txBody>
+      </p:sp>
+      <p:grpSp>
+        <p:nvGrpSpPr>
+          <p:cNvPr id="15" name="decorative circles">
+            <a:extLst>
+              <a:ext uri="{FF2B5EF4-FFF2-40B4-BE49-F238E27FC236}">
+                <a16:creationId xmlns:a16="http://schemas.microsoft.com/office/drawing/2014/main" id="{C310B041-3468-403A-926B-E3C1CF4433A2}"/>
+              </a:ext>
+              <a:ext uri="{C183D7F6-B498-43B3-948B-1728B52AA6E4}">
+                <adec:decorative xmlns:adec="http://schemas.microsoft.com/office/drawing/2017/decorative" val="1"/>
+              </a:ext>
+            </a:extLst>
+          </p:cNvPr>
+          <p:cNvGrpSpPr>
+            <a:grpSpLocks noGrp="1" noUngrp="1" noRot="1" noChangeAspect="1" noMove="1" noResize="1"/>
+          </p:cNvGrpSpPr>
+          <p:nvPr>
+            <p:extLst>
+              <p:ext uri="{386F3935-93C4-4BCD-93E2-E3B085C9AB24}">
+                <p16:designElem xmlns:p16="http://schemas.microsoft.com/office/powerpoint/2015/main" val="1"/>
+              </p:ext>
+            </p:extLst>
+          </p:nvPr>
+        </p:nvGrpSpPr>
+        <p:grpSpPr>
+          <a:xfrm>
+            <a:off x="244914" y="299808"/>
+            <a:ext cx="11521822" cy="6038357"/>
+            <a:chOff x="244914" y="299808"/>
+            <a:chExt cx="11521822" cy="6038357"/>
+          </a:xfrm>
+        </p:grpSpPr>
+        <p:sp>
+          <p:nvSpPr>
+            <p:cNvPr id="16" name="Oval 15">
+              <a:extLst>
+                <a:ext uri="{FF2B5EF4-FFF2-40B4-BE49-F238E27FC236}">
+                  <a16:creationId xmlns:a16="http://schemas.microsoft.com/office/drawing/2014/main" id="{F65CBEB7-29CF-4F21-ABB7-012581304C1B}"/>
+                </a:ext>
+                <a:ext uri="{C183D7F6-B498-43B3-948B-1728B52AA6E4}">
+                  <adec:decorative xmlns:adec="http://schemas.microsoft.com/office/drawing/2017/decorative" val="1"/>
+                </a:ext>
+              </a:extLst>
+            </p:cNvPr>
+            <p:cNvSpPr/>
+            <p:nvPr>
+              <p:extLst>
+                <p:ext uri="{386F3935-93C4-4BCD-93E2-E3B085C9AB24}">
+                  <p16:designElem xmlns:p16="http://schemas.microsoft.com/office/powerpoint/2015/main" val="1"/>
+                </p:ext>
+              </p:extLst>
+            </p:nvPr>
+          </p:nvSpPr>
+          <p:spPr>
+            <a:xfrm>
+              <a:off x="11300295" y="515708"/>
+              <a:ext cx="466441" cy="466441"/>
+            </a:xfrm>
+            <a:prstGeom prst="ellipse">
+              <a:avLst/>
+            </a:prstGeom>
+            <a:solidFill>
+              <a:schemeClr val="accent2">
+                <a:lumMod val="60000"/>
+                <a:lumOff val="40000"/>
+                <a:alpha val="72000"/>
+              </a:schemeClr>
+            </a:solidFill>
+            <a:ln>
+              <a:noFill/>
+            </a:ln>
+          </p:spPr>
+          <p:style>
+            <a:lnRef idx="2">
+              <a:schemeClr val="accent1">
+                <a:shade val="50000"/>
+              </a:schemeClr>
+            </a:lnRef>
+            <a:fillRef idx="1">
+              <a:schemeClr val="accent1"/>
+            </a:fillRef>
+            <a:effectRef idx="0">
+              <a:schemeClr val="accent1"/>
+            </a:effectRef>
+            <a:fontRef idx="minor">
+              <a:schemeClr val="lt1"/>
+            </a:fontRef>
+          </p:style>
+          <p:txBody>
+            <a:bodyPr rtlCol="0" anchor="ctr"/>
+            <a:lstStyle/>
+            <a:p>
+              <a:pPr algn="ctr"/>
+              <a:endParaRPr lang="en-US" dirty="0"/>
+            </a:p>
+          </p:txBody>
+        </p:sp>
+        <p:sp>
+          <p:nvSpPr>
+            <p:cNvPr id="17" name="Oval 16">
+              <a:extLst>
+                <a:ext uri="{FF2B5EF4-FFF2-40B4-BE49-F238E27FC236}">
+                  <a16:creationId xmlns:a16="http://schemas.microsoft.com/office/drawing/2014/main" id="{9C900504-84D3-4813-B737-775C16F8F996}"/>
+                </a:ext>
+                <a:ext uri="{C183D7F6-B498-43B3-948B-1728B52AA6E4}">
+                  <adec:decorative xmlns:adec="http://schemas.microsoft.com/office/drawing/2017/decorative" val="1"/>
+                </a:ext>
+              </a:extLst>
+            </p:cNvPr>
+            <p:cNvSpPr/>
+            <p:nvPr>
+              <p:extLst>
+                <p:ext uri="{386F3935-93C4-4BCD-93E2-E3B085C9AB24}">
+                  <p16:designElem xmlns:p16="http://schemas.microsoft.com/office/powerpoint/2015/main" val="1"/>
+                </p:ext>
+              </p:extLst>
+            </p:nvPr>
+          </p:nvSpPr>
+          <p:spPr>
+            <a:xfrm>
+              <a:off x="11241343" y="299808"/>
+              <a:ext cx="113367" cy="113367"/>
+            </a:xfrm>
+            <a:prstGeom prst="ellipse">
+              <a:avLst/>
+            </a:prstGeom>
+            <a:solidFill>
+              <a:srgbClr val="F39E29"/>
+            </a:solidFill>
+            <a:ln>
+              <a:noFill/>
+            </a:ln>
+          </p:spPr>
+          <p:style>
+            <a:lnRef idx="2">
+              <a:schemeClr val="accent1">
+                <a:shade val="50000"/>
+              </a:schemeClr>
+            </a:lnRef>
+            <a:fillRef idx="1">
+              <a:schemeClr val="accent1"/>
+            </a:fillRef>
+            <a:effectRef idx="0">
+              <a:schemeClr val="accent1"/>
+            </a:effectRef>
+            <a:fontRef idx="minor">
+              <a:schemeClr val="lt1"/>
+            </a:fontRef>
+          </p:style>
+          <p:txBody>
+            <a:bodyPr rtlCol="0" anchor="ctr"/>
+            <a:lstStyle/>
+            <a:p>
+              <a:pPr algn="ctr"/>
+              <a:endParaRPr lang="en-US"/>
+            </a:p>
+          </p:txBody>
+        </p:sp>
+        <p:sp>
+          <p:nvSpPr>
+            <p:cNvPr id="18" name="Oval 17">
+              <a:extLst>
+                <a:ext uri="{FF2B5EF4-FFF2-40B4-BE49-F238E27FC236}">
+                  <a16:creationId xmlns:a16="http://schemas.microsoft.com/office/drawing/2014/main" id="{73902316-BF90-4159-9FD2-6CFCCF7BE2FF}"/>
+                </a:ext>
+                <a:ext uri="{C183D7F6-B498-43B3-948B-1728B52AA6E4}">
+                  <adec:decorative xmlns:adec="http://schemas.microsoft.com/office/drawing/2017/decorative" val="1"/>
+                </a:ext>
+              </a:extLst>
+            </p:cNvPr>
+            <p:cNvSpPr/>
+            <p:nvPr>
+              <p:extLst>
+                <p:ext uri="{386F3935-93C4-4BCD-93E2-E3B085C9AB24}">
+                  <p16:designElem xmlns:p16="http://schemas.microsoft.com/office/powerpoint/2015/main" val="1"/>
+                </p:ext>
+              </p:extLst>
+            </p:nvPr>
+          </p:nvSpPr>
+          <p:spPr>
+            <a:xfrm>
+              <a:off x="7760448" y="3803994"/>
+              <a:ext cx="94160" cy="94160"/>
+            </a:xfrm>
+            <a:prstGeom prst="ellipse">
+              <a:avLst/>
+            </a:prstGeom>
+            <a:solidFill>
+              <a:srgbClr val="E3BEBE">
+                <a:alpha val="28000"/>
+              </a:srgbClr>
+            </a:solidFill>
+            <a:ln>
+              <a:noFill/>
+            </a:ln>
+          </p:spPr>
+          <p:style>
+            <a:lnRef idx="2">
+              <a:schemeClr val="accent1">
+                <a:shade val="50000"/>
+              </a:schemeClr>
+            </a:lnRef>
+            <a:fillRef idx="1">
+              <a:schemeClr val="accent1"/>
+            </a:fillRef>
+            <a:effectRef idx="0">
+              <a:schemeClr val="accent1"/>
+            </a:effectRef>
+            <a:fontRef idx="minor">
+              <a:schemeClr val="lt1"/>
+            </a:fontRef>
+          </p:style>
+          <p:txBody>
+            <a:bodyPr rtlCol="0" anchor="ctr"/>
+            <a:lstStyle/>
+            <a:p>
+              <a:pPr algn="ctr"/>
+              <a:endParaRPr lang="en-US"/>
+            </a:p>
+          </p:txBody>
+        </p:sp>
+        <p:sp>
+          <p:nvSpPr>
+            <p:cNvPr id="19" name="Oval 18">
+              <a:extLst>
+                <a:ext uri="{FF2B5EF4-FFF2-40B4-BE49-F238E27FC236}">
+                  <a16:creationId xmlns:a16="http://schemas.microsoft.com/office/drawing/2014/main" id="{7F04BF80-E9DB-4641-8EA2-51698324F10B}"/>
+                </a:ext>
+                <a:ext uri="{C183D7F6-B498-43B3-948B-1728B52AA6E4}">
+                  <adec:decorative xmlns:adec="http://schemas.microsoft.com/office/drawing/2017/decorative" val="1"/>
+                </a:ext>
+              </a:extLst>
+            </p:cNvPr>
+            <p:cNvSpPr/>
+            <p:nvPr>
+              <p:extLst>
+                <p:ext uri="{386F3935-93C4-4BCD-93E2-E3B085C9AB24}">
+                  <p16:designElem xmlns:p16="http://schemas.microsoft.com/office/powerpoint/2015/main" val="1"/>
+                </p:ext>
+              </p:extLst>
+            </p:nvPr>
+          </p:nvSpPr>
+          <p:spPr>
+            <a:xfrm>
+              <a:off x="725899" y="5741646"/>
+              <a:ext cx="113367" cy="113367"/>
+            </a:xfrm>
+            <a:prstGeom prst="ellipse">
+              <a:avLst/>
+            </a:prstGeom>
+            <a:solidFill>
+              <a:schemeClr val="accent3"/>
+            </a:solidFill>
+            <a:ln>
+              <a:noFill/>
+            </a:ln>
+          </p:spPr>
+          <p:style>
+            <a:lnRef idx="2">
+              <a:schemeClr val="accent1">
+                <a:shade val="50000"/>
+              </a:schemeClr>
+            </a:lnRef>
+            <a:fillRef idx="1">
+              <a:schemeClr val="accent1"/>
+            </a:fillRef>
+            <a:effectRef idx="0">
+              <a:schemeClr val="accent1"/>
+            </a:effectRef>
+            <a:fontRef idx="minor">
+              <a:schemeClr val="lt1"/>
+            </a:fontRef>
+          </p:style>
+          <p:txBody>
+            <a:bodyPr rtlCol="0" anchor="ctr"/>
+            <a:lstStyle/>
+            <a:p>
+              <a:pPr algn="ctr"/>
+              <a:endParaRPr lang="en-US"/>
+            </a:p>
+          </p:txBody>
+        </p:sp>
+        <p:sp>
+          <p:nvSpPr>
+            <p:cNvPr id="20" name="Oval 19">
+              <a:extLst>
+                <a:ext uri="{FF2B5EF4-FFF2-40B4-BE49-F238E27FC236}">
+                  <a16:creationId xmlns:a16="http://schemas.microsoft.com/office/drawing/2014/main" id="{234395B9-3F83-49A4-9275-0A315D88F5DD}"/>
+                </a:ext>
+                <a:ext uri="{C183D7F6-B498-43B3-948B-1728B52AA6E4}">
+                  <adec:decorative xmlns:adec="http://schemas.microsoft.com/office/drawing/2017/decorative" val="1"/>
+                </a:ext>
+              </a:extLst>
+            </p:cNvPr>
+            <p:cNvSpPr/>
+            <p:nvPr>
+              <p:extLst>
+                <p:ext uri="{386F3935-93C4-4BCD-93E2-E3B085C9AB24}">
+                  <p16:designElem xmlns:p16="http://schemas.microsoft.com/office/powerpoint/2015/main" val="1"/>
+                </p:ext>
+              </p:extLst>
+            </p:nvPr>
+          </p:nvSpPr>
+          <p:spPr>
+            <a:xfrm>
+              <a:off x="410333" y="6032385"/>
+              <a:ext cx="305780" cy="305780"/>
+            </a:xfrm>
+            <a:prstGeom prst="ellipse">
+              <a:avLst/>
+            </a:prstGeom>
+            <a:solidFill>
+              <a:schemeClr val="accent1">
+                <a:lumMod val="40000"/>
+                <a:lumOff val="60000"/>
+              </a:schemeClr>
+            </a:solidFill>
+            <a:ln>
+              <a:noFill/>
+            </a:ln>
+          </p:spPr>
+          <p:style>
+            <a:lnRef idx="2">
+              <a:schemeClr val="accent1">
+                <a:shade val="50000"/>
+              </a:schemeClr>
+            </a:lnRef>
+            <a:fillRef idx="1">
+              <a:schemeClr val="accent1"/>
+            </a:fillRef>
+            <a:effectRef idx="0">
+              <a:schemeClr val="accent1"/>
+            </a:effectRef>
+            <a:fontRef idx="minor">
+              <a:schemeClr val="lt1"/>
+            </a:fontRef>
+          </p:style>
+          <p:txBody>
+            <a:bodyPr rtlCol="0" anchor="ctr"/>
+            <a:lstStyle/>
+            <a:p>
+              <a:pPr algn="ctr"/>
+              <a:endParaRPr lang="en-US" dirty="0"/>
+            </a:p>
+          </p:txBody>
+        </p:sp>
+        <p:sp>
+          <p:nvSpPr>
+            <p:cNvPr id="21" name="Oval 20">
+              <a:extLst>
+                <a:ext uri="{FF2B5EF4-FFF2-40B4-BE49-F238E27FC236}">
+                  <a16:creationId xmlns:a16="http://schemas.microsoft.com/office/drawing/2014/main" id="{0E7ABD02-CD92-4D6C-B4BA-984D6688F51D}"/>
+                </a:ext>
+                <a:ext uri="{C183D7F6-B498-43B3-948B-1728B52AA6E4}">
+                  <adec:decorative xmlns:adec="http://schemas.microsoft.com/office/drawing/2017/decorative" val="1"/>
+                </a:ext>
+              </a:extLst>
+            </p:cNvPr>
+            <p:cNvSpPr/>
+            <p:nvPr>
+              <p:extLst>
+                <p:ext uri="{386F3935-93C4-4BCD-93E2-E3B085C9AB24}">
+                  <p16:designElem xmlns:p16="http://schemas.microsoft.com/office/powerpoint/2015/main" val="1"/>
+                </p:ext>
+              </p:extLst>
+            </p:nvPr>
+          </p:nvSpPr>
+          <p:spPr>
+            <a:xfrm>
+              <a:off x="244914" y="5821038"/>
+              <a:ext cx="113367" cy="113367"/>
+            </a:xfrm>
+            <a:prstGeom prst="ellipse">
+              <a:avLst/>
+            </a:prstGeom>
+            <a:solidFill>
+              <a:schemeClr val="accent5"/>
+            </a:solidFill>
+            <a:ln>
+              <a:noFill/>
+            </a:ln>
+          </p:spPr>
+          <p:style>
+            <a:lnRef idx="2">
+              <a:schemeClr val="accent1">
+                <a:shade val="50000"/>
+              </a:schemeClr>
+            </a:lnRef>
+            <a:fillRef idx="1">
+              <a:schemeClr val="accent1"/>
+            </a:fillRef>
+            <a:effectRef idx="0">
+              <a:schemeClr val="accent1"/>
+            </a:effectRef>
+            <a:fontRef idx="minor">
+              <a:schemeClr val="lt1"/>
+            </a:fontRef>
+          </p:style>
+          <p:txBody>
+            <a:bodyPr rtlCol="0" anchor="ctr"/>
+            <a:lstStyle/>
+            <a:p>
+              <a:pPr algn="ctr"/>
+              <a:endParaRPr lang="en-US"/>
+            </a:p>
+          </p:txBody>
+        </p:sp>
+      </p:grpSp>
+      <p:sp>
+        <p:nvSpPr>
+          <p:cNvPr id="2" name="Title 1">
+            <a:extLst>
+              <a:ext uri="{FF2B5EF4-FFF2-40B4-BE49-F238E27FC236}">
+                <a16:creationId xmlns:a16="http://schemas.microsoft.com/office/drawing/2014/main" id="{3D348066-7994-D018-1DD5-CA816FB0AF4D}"/>
+              </a:ext>
+            </a:extLst>
+          </p:cNvPr>
+          <p:cNvSpPr>
+            <a:spLocks noGrp="1"/>
+          </p:cNvSpPr>
+          <p:nvPr>
+            <p:ph type="title"/>
+          </p:nvPr>
+        </p:nvSpPr>
+        <p:spPr>
+          <a:xfrm>
+            <a:off x="770878" y="952022"/>
+            <a:ext cx="2862591" cy="5157049"/>
+          </a:xfrm>
+        </p:spPr>
+        <p:txBody>
+          <a:bodyPr anchor="ctr">
+            <a:normAutofit/>
+          </a:bodyPr>
+          <a:lstStyle/>
+          <a:p>
+            <a:r>
+              <a:rPr lang="en-CA" sz="4100"/>
+              <a:t>Introduction</a:t>
+            </a:r>
+          </a:p>
+        </p:txBody>
+      </p:sp>
+      <p:graphicFrame>
+        <p:nvGraphicFramePr>
+          <p:cNvPr id="5" name="Content Placeholder 2">
+            <a:extLst>
+              <a:ext uri="{FF2B5EF4-FFF2-40B4-BE49-F238E27FC236}">
+                <a16:creationId xmlns:a16="http://schemas.microsoft.com/office/drawing/2014/main" id="{C64A7135-7F48-9AFC-AD04-2D9DB3729CB7}"/>
+              </a:ext>
+            </a:extLst>
+          </p:cNvPr>
+          <p:cNvGraphicFramePr>
+            <a:graphicFrameLocks noGrp="1"/>
+          </p:cNvGraphicFramePr>
+          <p:nvPr>
+            <p:ph idx="1"/>
+            <p:extLst>
+              <p:ext uri="{D42A27DB-BD31-4B8C-83A1-F6EECF244321}">
+                <p14:modId xmlns:p14="http://schemas.microsoft.com/office/powerpoint/2010/main" val="3270365321"/>
+              </p:ext>
+            </p:extLst>
+          </p:nvPr>
+        </p:nvGraphicFramePr>
+        <p:xfrm>
+          <a:off x="4629151" y="952022"/>
+          <a:ext cx="7117918" cy="5157049"/>
+        </p:xfrm>
+        <a:graphic>
+          <a:graphicData uri="http://schemas.openxmlformats.org/drawingml/2006/diagram">
+            <dgm:relIds xmlns:dgm="http://schemas.openxmlformats.org/drawingml/2006/diagram" xmlns:r="http://schemas.openxmlformats.org/officeDocument/2006/relationships" r:dm="rId2" r:lo="rId3" r:qs="rId4" r:cs="rId5"/>
+          </a:graphicData>
+        </a:graphic>
+      </p:graphicFrame>
+    </p:spTree>
+    <p:extLst>
+      <p:ext uri="{BB962C8B-B14F-4D97-AF65-F5344CB8AC3E}">
+        <p14:creationId xmlns:p14="http://schemas.microsoft.com/office/powerpoint/2010/main" val="2683229179"/>
       </p:ext>
     </p:extLst>
   </p:cSld>
